--- a/docs/VMC Hackathon 2024 - VMC.Chatbot - Demo.pptx
+++ b/docs/VMC Hackathon 2024 - VMC.Chatbot - Demo.pptx
@@ -6,23 +6,26 @@
     <p:sldMasterId id="2147483899" r:id="rId5"/>
   </p:sldMasterIdLst>
   <p:notesMasterIdLst>
-    <p:notesMasterId r:id="rId12"/>
+    <p:notesMasterId r:id="rId15"/>
   </p:notesMasterIdLst>
   <p:handoutMasterIdLst>
-    <p:handoutMasterId r:id="rId13"/>
+    <p:handoutMasterId r:id="rId16"/>
   </p:handoutMasterIdLst>
   <p:sldIdLst>
     <p:sldId id="256" r:id="rId6"/>
     <p:sldId id="264" r:id="rId7"/>
     <p:sldId id="265" r:id="rId8"/>
     <p:sldId id="266" r:id="rId9"/>
-    <p:sldId id="267" r:id="rId10"/>
-    <p:sldId id="259" r:id="rId11"/>
+    <p:sldId id="268" r:id="rId10"/>
+    <p:sldId id="269" r:id="rId11"/>
+    <p:sldId id="270" r:id="rId12"/>
+    <p:sldId id="267" r:id="rId13"/>
+    <p:sldId id="259" r:id="rId14"/>
   </p:sldIdLst>
   <p:sldSz cx="12192000" cy="6858000"/>
   <p:notesSz cx="6858000" cy="9144000"/>
   <p:custDataLst>
-    <p:tags r:id="rId14"/>
+    <p:tags r:id="rId17"/>
   </p:custDataLst>
   <p:defaultTextStyle>
     <a:defPPr>
@@ -286,7 +289,7 @@
               <a:pPr>
                 <a:defRPr/>
               </a:pPr>
-              <a:t>5/27/2024</a:t>
+              <a:t>5/28/2024</a:t>
             </a:fld>
             <a:endParaRPr lang="en-US"/>
           </a:p>
@@ -532,7 +535,7 @@
               <a:pPr>
                 <a:defRPr/>
               </a:pPr>
-              <a:t>5/27/2024</a:t>
+              <a:t>5/28/2024</a:t>
             </a:fld>
             <a:endParaRPr lang="en-US"/>
           </a:p>
@@ -43913,7 +43916,7 @@
             </a:pPr>
             <a:fld id="{FB89F83D-D94F-4E45-A8B2-6C514902A01F}" type="datetime1">
               <a:rPr lang="de-DE" smtClean="0"/>
-              <a:t>27.05.2024</a:t>
+              <a:t>28.05.2024</a:t>
             </a:fld>
             <a:endParaRPr lang="de-DE" dirty="0"/>
           </a:p>
@@ -46495,6 +46498,22 @@
             </a:pPr>
             <a:r>
               <a:rPr lang="en-US" sz="1800" dirty="0"/>
+              <a:t>What’s Learned?</a:t>
+            </a:r>
+          </a:p>
+          <a:p>
+            <a:pPr>
+              <a:spcBef>
+                <a:spcPts val="1200"/>
+              </a:spcBef>
+              <a:spcAft>
+                <a:spcPts val="1200"/>
+              </a:spcAft>
+              <a:buFont typeface="Wingdings" panose="05000000000000000000" pitchFamily="2" charset="2"/>
+              <a:buChar char="Ø"/>
+            </a:pPr>
+            <a:r>
+              <a:rPr lang="en-US" sz="1800" dirty="0"/>
               <a:t>Extend Check List</a:t>
             </a:r>
           </a:p>
@@ -46713,7 +46732,18 @@
                   <a:srgbClr val="FFFFFF"/>
                 </a:highlight>
               </a:rPr>
-              <a:t> SF</a:t>
+              <a:t> </a:t>
+            </a:r>
+            <a:r>
+              <a:rPr lang="en-CA" dirty="0">
+                <a:solidFill>
+                  <a:srgbClr val="FF0000"/>
+                </a:solidFill>
+                <a:highlight>
+                  <a:srgbClr val="FFFFFF"/>
+                </a:highlight>
+              </a:rPr>
+              <a:t>SF</a:t>
             </a:r>
           </a:p>
           <a:p>
@@ -47287,7 +47317,7 @@
                   <a:srgbClr val="FFFFFF"/>
                 </a:highlight>
               </a:rPr>
-              <a:t>Azure Blog Storage for Static Websites</a:t>
+              <a:t>Azure Blog Storage for Static Hosting</a:t>
             </a:r>
           </a:p>
           <a:p>
@@ -47339,7 +47369,7 @@
                   <a:srgbClr val="FFFFFF"/>
                 </a:highlight>
               </a:rPr>
-              <a:t>Azure service REST API</a:t>
+              <a:t>Azure Language Studio</a:t>
             </a:r>
           </a:p>
           <a:p>
@@ -47365,27 +47395,8 @@
                   <a:srgbClr val="FFFFFF"/>
                 </a:highlight>
               </a:rPr>
-              <a:t>Qt </a:t>
-            </a:r>
-            <a:r>
-              <a:rPr lang="en-US" dirty="0" err="1">
-                <a:solidFill>
-                  <a:schemeClr val="tx1"/>
-                </a:solidFill>
-                <a:highlight>
-                  <a:srgbClr val="FFFFFF"/>
-                </a:highlight>
-              </a:rPr>
-              <a:t>QWebEngineView</a:t>
-            </a:r>
-            <a:endParaRPr lang="en-US" dirty="0">
-              <a:solidFill>
-                <a:schemeClr val="tx1"/>
-              </a:solidFill>
-              <a:highlight>
-                <a:srgbClr val="FFFFFF"/>
-              </a:highlight>
-            </a:endParaRPr>
+              <a:t>Qt Network</a:t>
+            </a:r>
           </a:p>
           <a:p>
             <a:pPr>
@@ -47413,7 +47424,7 @@
               <a:t>Qt </a:t>
             </a:r>
             <a:r>
-              <a:rPr lang="en-CA" dirty="0" err="1">
+              <a:rPr lang="en-US" dirty="0" err="1">
                 <a:solidFill>
                   <a:schemeClr val="tx1"/>
                 </a:solidFill>
@@ -47421,7 +47432,52 @@
                   <a:srgbClr val="FFFFFF"/>
                 </a:highlight>
               </a:rPr>
-              <a:t>QNetworkAccessManager</a:t>
+              <a:t>QWebEngine</a:t>
+            </a:r>
+            <a:endParaRPr lang="en-US" dirty="0">
+              <a:solidFill>
+                <a:schemeClr val="tx1"/>
+              </a:solidFill>
+              <a:highlight>
+                <a:srgbClr val="FFFFFF"/>
+              </a:highlight>
+            </a:endParaRPr>
+          </a:p>
+          <a:p>
+            <a:pPr>
+              <a:lnSpc>
+                <a:spcPct val="100000"/>
+              </a:lnSpc>
+              <a:spcBef>
+                <a:spcPts val="600"/>
+              </a:spcBef>
+              <a:spcAft>
+                <a:spcPts val="600"/>
+              </a:spcAft>
+              <a:buFont typeface="Wingdings" panose="05000000000000000000" pitchFamily="2" charset="2"/>
+              <a:buChar char="Ø"/>
+            </a:pPr>
+            <a:r>
+              <a:rPr lang="en-US" dirty="0">
+                <a:solidFill>
+                  <a:schemeClr val="tx1"/>
+                </a:solidFill>
+                <a:highlight>
+                  <a:srgbClr val="FFFFFF"/>
+                </a:highlight>
+              </a:rPr>
+              <a:t>Qt </a:t>
+            </a:r>
+            <a:r>
+              <a:rPr lang="en-US" dirty="0" err="1">
+                <a:solidFill>
+                  <a:schemeClr val="tx1"/>
+                </a:solidFill>
+                <a:highlight>
+                  <a:srgbClr val="FFFFFF"/>
+                </a:highlight>
+              </a:rPr>
+              <a:t>QWebEngineWidgets</a:t>
             </a:r>
             <a:endParaRPr lang="en-CA" dirty="0">
               <a:solidFill>
@@ -47514,7 +47570,7 @@
           <p:cNvPr id="2" name="Text Placeholder 1">
             <a:extLst>
               <a:ext uri="{FF2B5EF4-FFF2-40B4-BE49-F238E27FC236}">
-                <a16:creationId xmlns:a16="http://schemas.microsoft.com/office/drawing/2014/main" id="{CC5500BF-795A-6927-7D6C-99DB2E4C81C0}"/>
+                <a16:creationId xmlns:a16="http://schemas.microsoft.com/office/drawing/2014/main" id="{B17163A0-B5E3-1919-4C35-123E028C33A5}"/>
               </a:ext>
             </a:extLst>
           </p:cNvPr>
@@ -47539,7 +47595,7 @@
           <p:cNvPr id="3" name="Title 2">
             <a:extLst>
               <a:ext uri="{FF2B5EF4-FFF2-40B4-BE49-F238E27FC236}">
-                <a16:creationId xmlns:a16="http://schemas.microsoft.com/office/drawing/2014/main" id="{B1266E83-D9FE-3A67-6C93-987BCDAA984E}"/>
+                <a16:creationId xmlns:a16="http://schemas.microsoft.com/office/drawing/2014/main" id="{68134BCC-963D-BD0F-8997-9108999F5052}"/>
               </a:ext>
             </a:extLst>
           </p:cNvPr>
@@ -47557,7 +47613,7 @@
           <a:p>
             <a:r>
               <a:rPr lang="en-US" dirty="0"/>
-              <a:t>Extend Check List</a:t>
+              <a:t>What’s learned?</a:t>
             </a:r>
             <a:endParaRPr lang="en-CA" dirty="0"/>
           </a:p>
@@ -47568,7 +47624,7 @@
           <p:cNvPr id="4" name="Content Placeholder 3">
             <a:extLst>
               <a:ext uri="{FF2B5EF4-FFF2-40B4-BE49-F238E27FC236}">
-                <a16:creationId xmlns:a16="http://schemas.microsoft.com/office/drawing/2014/main" id="{463411C6-A138-7B7D-56F9-51D612ABD3A0}"/>
+                <a16:creationId xmlns:a16="http://schemas.microsoft.com/office/drawing/2014/main" id="{F0FF9AEA-8D78-A917-1D77-B9544EE52C11}"/>
               </a:ext>
             </a:extLst>
           </p:cNvPr>
@@ -47584,6 +47640,705 @@
           <a:bodyPr/>
           <a:lstStyle/>
           <a:p>
+            <a:r>
+              <a:rPr lang="en-CA" dirty="0">
+                <a:solidFill>
+                  <a:schemeClr val="tx1"/>
+                </a:solidFill>
+              </a:rPr>
+              <a:t>What’s the best way to upload and store my knowledge documents?</a:t>
+            </a:r>
+          </a:p>
+          <a:p>
+            <a:pPr lvl="1"/>
+            <a:r>
+              <a:rPr lang="en-CA" dirty="0">
+                <a:solidFill>
+                  <a:schemeClr val="tx1"/>
+                </a:solidFill>
+              </a:rPr>
+              <a:t>Azure Blob Storage Service (static web hosting)</a:t>
+            </a:r>
+          </a:p>
+          <a:p>
+            <a:r>
+              <a:rPr lang="en-CA" dirty="0">
+                <a:solidFill>
+                  <a:schemeClr val="tx1"/>
+                </a:solidFill>
+              </a:rPr>
+              <a:t>What’s the best way to set up my knowledge database?</a:t>
+            </a:r>
+          </a:p>
+          <a:p>
+            <a:pPr lvl="1"/>
+            <a:r>
+              <a:rPr lang="en-CA" dirty="0">
+                <a:solidFill>
+                  <a:schemeClr val="tx1"/>
+                </a:solidFill>
+              </a:rPr>
+              <a:t>Azure Language Studio</a:t>
+            </a:r>
+          </a:p>
+          <a:p>
+            <a:r>
+              <a:rPr lang="en-US" dirty="0">
+                <a:solidFill>
+                  <a:schemeClr val="tx1"/>
+                </a:solidFill>
+              </a:rPr>
+              <a:t>What’s the best document format for feeding the Azure Cognitive engine?</a:t>
+            </a:r>
+          </a:p>
+          <a:p>
+            <a:pPr lvl="1"/>
+            <a:r>
+              <a:rPr lang="en-CA" dirty="0">
+                <a:solidFill>
+                  <a:schemeClr val="tx1"/>
+                </a:solidFill>
+              </a:rPr>
+              <a:t>Structured Text + Resource Links: MARKDOWN, HTML</a:t>
+            </a:r>
+          </a:p>
+          <a:p>
+            <a:r>
+              <a:rPr lang="en-CA" dirty="0">
+                <a:solidFill>
+                  <a:schemeClr val="tx1"/>
+                </a:solidFill>
+              </a:rPr>
+              <a:t>Why is URL sources preferred in Language Studio?</a:t>
+            </a:r>
+          </a:p>
+          <a:p>
+            <a:pPr lvl="1"/>
+            <a:r>
+              <a:rPr lang="en-CA" dirty="0">
+                <a:solidFill>
+                  <a:schemeClr val="tx1"/>
+                </a:solidFill>
+              </a:rPr>
+              <a:t>Direct uploading has much stricter file and storage limits</a:t>
+            </a:r>
+          </a:p>
+          <a:p>
+            <a:r>
+              <a:rPr lang="en-CA" dirty="0">
+                <a:solidFill>
+                  <a:schemeClr val="tx1"/>
+                </a:solidFill>
+              </a:rPr>
+              <a:t>Does it take very long time to digest the documents?</a:t>
+            </a:r>
+          </a:p>
+          <a:p>
+            <a:pPr lvl="1"/>
+            <a:r>
+              <a:rPr lang="en-CA" dirty="0">
+                <a:solidFill>
+                  <a:schemeClr val="tx1"/>
+                </a:solidFill>
+              </a:rPr>
+              <a:t>No, the performance is good</a:t>
+            </a:r>
+          </a:p>
+          <a:p>
+            <a:r>
+              <a:rPr lang="en-CA" dirty="0">
+                <a:solidFill>
+                  <a:schemeClr val="tx1"/>
+                </a:solidFill>
+              </a:rPr>
+              <a:t>How can I improve my Knowledge Database?</a:t>
+            </a:r>
+          </a:p>
+          <a:p>
+            <a:pPr lvl="1"/>
+            <a:r>
+              <a:rPr lang="en-CA" dirty="0">
+                <a:solidFill>
+                  <a:schemeClr val="tx1"/>
+                </a:solidFill>
+              </a:rPr>
+              <a:t>The more feeds, the better answers.</a:t>
+            </a:r>
+          </a:p>
+          <a:p>
+            <a:pPr lvl="1"/>
+            <a:r>
+              <a:rPr lang="en-CA" dirty="0">
+                <a:solidFill>
+                  <a:schemeClr val="tx1"/>
+                </a:solidFill>
+              </a:rPr>
+              <a:t>Synonyms and follow-up prompts are available</a:t>
+            </a:r>
+          </a:p>
+          <a:p>
+            <a:r>
+              <a:rPr lang="en-CA" dirty="0">
+                <a:solidFill>
+                  <a:schemeClr val="tx1"/>
+                </a:solidFill>
+              </a:rPr>
+              <a:t>Can I test my Knowledge Database and improve the answers?</a:t>
+            </a:r>
+          </a:p>
+          <a:p>
+            <a:pPr lvl="1"/>
+            <a:r>
+              <a:rPr lang="en-CA" dirty="0">
+                <a:solidFill>
+                  <a:schemeClr val="tx1"/>
+                </a:solidFill>
+              </a:rPr>
+              <a:t>Yes, test tool is available</a:t>
+            </a:r>
+          </a:p>
+          <a:p>
+            <a:endParaRPr lang="en-CA" dirty="0">
+              <a:solidFill>
+                <a:schemeClr val="tx1"/>
+              </a:solidFill>
+            </a:endParaRPr>
+          </a:p>
+          <a:p>
+            <a:pPr marL="0" indent="0">
+              <a:buNone/>
+            </a:pPr>
+            <a:endParaRPr lang="en-CA" dirty="0">
+              <a:solidFill>
+                <a:schemeClr val="tx1"/>
+              </a:solidFill>
+            </a:endParaRPr>
+          </a:p>
+          <a:p>
+            <a:pPr marL="0" indent="0">
+              <a:buNone/>
+            </a:pPr>
+            <a:endParaRPr lang="en-CA" dirty="0">
+              <a:solidFill>
+                <a:schemeClr val="tx1"/>
+              </a:solidFill>
+            </a:endParaRPr>
+          </a:p>
+          <a:p>
+            <a:pPr marL="0" indent="0">
+              <a:buNone/>
+            </a:pPr>
+            <a:endParaRPr lang="en-CA" dirty="0">
+              <a:solidFill>
+                <a:schemeClr val="tx1"/>
+              </a:solidFill>
+            </a:endParaRPr>
+          </a:p>
+          <a:p>
+            <a:endParaRPr lang="en-CA" dirty="0">
+              <a:solidFill>
+                <a:schemeClr val="tx1"/>
+              </a:solidFill>
+            </a:endParaRPr>
+          </a:p>
+          <a:p>
+            <a:pPr lvl="1"/>
+            <a:endParaRPr lang="en-CA" dirty="0"/>
+          </a:p>
+        </p:txBody>
+      </p:sp>
+    </p:spTree>
+    <p:extLst>
+      <p:ext uri="{BB962C8B-B14F-4D97-AF65-F5344CB8AC3E}">
+        <p14:creationId xmlns:p14="http://schemas.microsoft.com/office/powerpoint/2010/main" val="2504123800"/>
+      </p:ext>
+    </p:extLst>
+  </p:cSld>
+  <p:clrMapOvr>
+    <a:masterClrMapping/>
+  </p:clrMapOvr>
+</p:sld>
+</file>
+
+<file path=ppt/slides/slide6.xml><?xml version="1.0" encoding="utf-8"?>
+<p:sld xmlns:a="http://schemas.openxmlformats.org/drawingml/2006/main" xmlns:r="http://schemas.openxmlformats.org/officeDocument/2006/relationships" xmlns:p="http://schemas.openxmlformats.org/presentationml/2006/main">
+  <p:cSld>
+    <p:spTree>
+      <p:nvGrpSpPr>
+        <p:cNvPr id="1" name=""/>
+        <p:cNvGrpSpPr/>
+        <p:nvPr/>
+      </p:nvGrpSpPr>
+      <p:grpSpPr>
+        <a:xfrm>
+          <a:off x="0" y="0"/>
+          <a:ext cx="0" cy="0"/>
+          <a:chOff x="0" y="0"/>
+          <a:chExt cx="0" cy="0"/>
+        </a:xfrm>
+      </p:grpSpPr>
+      <p:sp>
+        <p:nvSpPr>
+          <p:cNvPr id="2" name="Text Placeholder 1">
+            <a:extLst>
+              <a:ext uri="{FF2B5EF4-FFF2-40B4-BE49-F238E27FC236}">
+                <a16:creationId xmlns:a16="http://schemas.microsoft.com/office/drawing/2014/main" id="{73726631-36F8-3FA7-8B59-66F185FA0125}"/>
+              </a:ext>
+            </a:extLst>
+          </p:cNvPr>
+          <p:cNvSpPr>
+            <a:spLocks noGrp="1"/>
+          </p:cNvSpPr>
+          <p:nvPr>
+            <p:ph type="body" sz="quarter" idx="20"/>
+          </p:nvPr>
+        </p:nvSpPr>
+        <p:spPr/>
+        <p:txBody>
+          <a:bodyPr/>
+          <a:lstStyle/>
+          <a:p>
+            <a:endParaRPr lang="en-CA"/>
+          </a:p>
+        </p:txBody>
+      </p:sp>
+      <p:sp>
+        <p:nvSpPr>
+          <p:cNvPr id="3" name="Title 2">
+            <a:extLst>
+              <a:ext uri="{FF2B5EF4-FFF2-40B4-BE49-F238E27FC236}">
+                <a16:creationId xmlns:a16="http://schemas.microsoft.com/office/drawing/2014/main" id="{06DD545D-A820-1AD8-4CFA-12F9E097C1A3}"/>
+              </a:ext>
+            </a:extLst>
+          </p:cNvPr>
+          <p:cNvSpPr>
+            <a:spLocks noGrp="1"/>
+          </p:cNvSpPr>
+          <p:nvPr>
+            <p:ph type="title"/>
+          </p:nvPr>
+        </p:nvSpPr>
+        <p:spPr/>
+        <p:txBody>
+          <a:bodyPr/>
+          <a:lstStyle/>
+          <a:p>
+            <a:r>
+              <a:rPr lang="en-US" dirty="0"/>
+              <a:t>What’s learned? (Cont.)</a:t>
+            </a:r>
+            <a:endParaRPr lang="en-CA" dirty="0"/>
+          </a:p>
+        </p:txBody>
+      </p:sp>
+      <p:sp>
+        <p:nvSpPr>
+          <p:cNvPr id="4" name="Content Placeholder 3">
+            <a:extLst>
+              <a:ext uri="{FF2B5EF4-FFF2-40B4-BE49-F238E27FC236}">
+                <a16:creationId xmlns:a16="http://schemas.microsoft.com/office/drawing/2014/main" id="{C02A8DB7-2C50-85EC-FF57-1C3DD1C33B7D}"/>
+              </a:ext>
+            </a:extLst>
+          </p:cNvPr>
+          <p:cNvSpPr>
+            <a:spLocks noGrp="1"/>
+          </p:cNvSpPr>
+          <p:nvPr>
+            <p:ph sz="quarter" idx="21"/>
+          </p:nvPr>
+        </p:nvSpPr>
+        <p:spPr/>
+        <p:txBody>
+          <a:bodyPr/>
+          <a:lstStyle/>
+          <a:p>
+            <a:r>
+              <a:rPr lang="en-US" dirty="0"/>
+              <a:t>Can I call Azure Language Cognitive Service directly from my Qt application?</a:t>
+            </a:r>
+          </a:p>
+          <a:p>
+            <a:pPr lvl="1"/>
+            <a:r>
+              <a:rPr lang="en-CA" dirty="0"/>
+              <a:t>Yes, using Qt Network module</a:t>
+            </a:r>
+          </a:p>
+          <a:p>
+            <a:r>
+              <a:rPr lang="en-CA" dirty="0"/>
+              <a:t>Can Azure Language Cognitive Service well understand my script examples and generate script for me?</a:t>
+            </a:r>
+          </a:p>
+          <a:p>
+            <a:pPr lvl="1"/>
+            <a:r>
+              <a:rPr lang="en-CA" dirty="0"/>
+              <a:t>Promising with connections to Generative AI services</a:t>
+            </a:r>
+          </a:p>
+          <a:p>
+            <a:r>
+              <a:rPr lang="en-CA" dirty="0"/>
+              <a:t>What are the advantages of our Embedded </a:t>
+            </a:r>
+            <a:r>
+              <a:rPr lang="en-CA" dirty="0" err="1"/>
+              <a:t>VMC.Copilot</a:t>
+            </a:r>
+            <a:r>
+              <a:rPr lang="en-CA" dirty="0"/>
+              <a:t> (EC) vs. Microsoft Copilot (MC)?</a:t>
+            </a:r>
+          </a:p>
+          <a:p>
+            <a:pPr lvl="1"/>
+            <a:r>
+              <a:rPr lang="en-CA" dirty="0"/>
+              <a:t>Knowledge domains:</a:t>
+            </a:r>
+          </a:p>
+          <a:p>
+            <a:pPr lvl="2"/>
+            <a:r>
+              <a:rPr lang="en-CA" dirty="0"/>
+              <a:t>MC: public domain</a:t>
+            </a:r>
+          </a:p>
+          <a:p>
+            <a:pPr lvl="2"/>
+            <a:r>
+              <a:rPr lang="en-CA" dirty="0"/>
+              <a:t>EC: selected public + private domains</a:t>
+            </a:r>
+          </a:p>
+          <a:p>
+            <a:pPr lvl="1"/>
+            <a:r>
+              <a:rPr lang="en-CA" dirty="0"/>
+              <a:t>Answer format:</a:t>
+            </a:r>
+          </a:p>
+          <a:p>
+            <a:pPr lvl="2"/>
+            <a:r>
+              <a:rPr lang="en-CA" dirty="0"/>
+              <a:t>MC: most are text based without images</a:t>
+            </a:r>
+          </a:p>
+          <a:p>
+            <a:pPr lvl="2"/>
+            <a:r>
+              <a:rPr lang="en-CA" dirty="0"/>
+              <a:t>EC: anything we want</a:t>
+            </a:r>
+          </a:p>
+          <a:p>
+            <a:pPr lvl="1"/>
+            <a:r>
+              <a:rPr lang="en-CA" dirty="0"/>
+              <a:t>Interaction within software:</a:t>
+            </a:r>
+          </a:p>
+          <a:p>
+            <a:pPr lvl="2"/>
+            <a:r>
+              <a:rPr lang="en-CA" dirty="0"/>
+              <a:t>MC: not feasible</a:t>
+            </a:r>
+          </a:p>
+          <a:p>
+            <a:pPr lvl="2"/>
+            <a:r>
+              <a:rPr lang="en-CA" dirty="0"/>
+              <a:t>EC: anything we want</a:t>
+            </a:r>
+          </a:p>
+          <a:p>
+            <a:r>
+              <a:rPr lang="en-CA" dirty="0"/>
+              <a:t>Why choose Microsoft Azure, not AWS, Google AI or other service providers?</a:t>
+            </a:r>
+          </a:p>
+          <a:p>
+            <a:pPr lvl="1"/>
+            <a:r>
+              <a:rPr lang="en-CA" dirty="0"/>
+              <a:t>We have subscriptions with Microsoft Azure</a:t>
+            </a:r>
+          </a:p>
+          <a:p>
+            <a:pPr marL="0" indent="0">
+              <a:buNone/>
+            </a:pPr>
+            <a:endParaRPr lang="en-CA" dirty="0"/>
+          </a:p>
+          <a:p>
+            <a:pPr lvl="2"/>
+            <a:endParaRPr lang="en-CA" dirty="0"/>
+          </a:p>
+          <a:p>
+            <a:pPr lvl="1"/>
+            <a:endParaRPr lang="en-CA" dirty="0"/>
+          </a:p>
+        </p:txBody>
+      </p:sp>
+    </p:spTree>
+    <p:extLst>
+      <p:ext uri="{BB962C8B-B14F-4D97-AF65-F5344CB8AC3E}">
+        <p14:creationId xmlns:p14="http://schemas.microsoft.com/office/powerpoint/2010/main" val="29960138"/>
+      </p:ext>
+    </p:extLst>
+  </p:cSld>
+  <p:clrMapOvr>
+    <a:masterClrMapping/>
+  </p:clrMapOvr>
+</p:sld>
+</file>
+
+<file path=ppt/slides/slide7.xml><?xml version="1.0" encoding="utf-8"?>
+<p:sld xmlns:a="http://schemas.openxmlformats.org/drawingml/2006/main" xmlns:r="http://schemas.openxmlformats.org/officeDocument/2006/relationships" xmlns:p="http://schemas.openxmlformats.org/presentationml/2006/main">
+  <p:cSld>
+    <p:spTree>
+      <p:nvGrpSpPr>
+        <p:cNvPr id="1" name=""/>
+        <p:cNvGrpSpPr/>
+        <p:nvPr/>
+      </p:nvGrpSpPr>
+      <p:grpSpPr>
+        <a:xfrm>
+          <a:off x="0" y="0"/>
+          <a:ext cx="0" cy="0"/>
+          <a:chOff x="0" y="0"/>
+          <a:chExt cx="0" cy="0"/>
+        </a:xfrm>
+      </p:grpSpPr>
+      <p:sp>
+        <p:nvSpPr>
+          <p:cNvPr id="2" name="Text Placeholder 1">
+            <a:extLst>
+              <a:ext uri="{FF2B5EF4-FFF2-40B4-BE49-F238E27FC236}">
+                <a16:creationId xmlns:a16="http://schemas.microsoft.com/office/drawing/2014/main" id="{BFEEF7FB-E47B-943C-7ACC-F8204FE88D1B}"/>
+              </a:ext>
+            </a:extLst>
+          </p:cNvPr>
+          <p:cNvSpPr>
+            <a:spLocks noGrp="1"/>
+          </p:cNvSpPr>
+          <p:nvPr>
+            <p:ph type="body" sz="quarter" idx="20"/>
+          </p:nvPr>
+        </p:nvSpPr>
+        <p:spPr/>
+        <p:txBody>
+          <a:bodyPr/>
+          <a:lstStyle/>
+          <a:p>
+            <a:endParaRPr lang="en-CA"/>
+          </a:p>
+        </p:txBody>
+      </p:sp>
+      <p:sp>
+        <p:nvSpPr>
+          <p:cNvPr id="3" name="Title 2">
+            <a:extLst>
+              <a:ext uri="{FF2B5EF4-FFF2-40B4-BE49-F238E27FC236}">
+                <a16:creationId xmlns:a16="http://schemas.microsoft.com/office/drawing/2014/main" id="{269EC857-E2DD-B985-1DF4-18414EDD451F}"/>
+              </a:ext>
+            </a:extLst>
+          </p:cNvPr>
+          <p:cNvSpPr>
+            <a:spLocks noGrp="1"/>
+          </p:cNvSpPr>
+          <p:nvPr>
+            <p:ph type="title"/>
+          </p:nvPr>
+        </p:nvSpPr>
+        <p:spPr/>
+        <p:txBody>
+          <a:bodyPr/>
+          <a:lstStyle/>
+          <a:p>
+            <a:r>
+              <a:rPr lang="en-US" dirty="0"/>
+              <a:t>What’s learned? (Cont.)</a:t>
+            </a:r>
+            <a:endParaRPr lang="en-CA" dirty="0"/>
+          </a:p>
+        </p:txBody>
+      </p:sp>
+      <p:sp>
+        <p:nvSpPr>
+          <p:cNvPr id="4" name="Content Placeholder 3">
+            <a:extLst>
+              <a:ext uri="{FF2B5EF4-FFF2-40B4-BE49-F238E27FC236}">
+                <a16:creationId xmlns:a16="http://schemas.microsoft.com/office/drawing/2014/main" id="{9A85F99E-ADF7-F268-6883-D55A7535720A}"/>
+              </a:ext>
+            </a:extLst>
+          </p:cNvPr>
+          <p:cNvSpPr>
+            <a:spLocks noGrp="1"/>
+          </p:cNvSpPr>
+          <p:nvPr>
+            <p:ph sz="quarter" idx="21"/>
+          </p:nvPr>
+        </p:nvSpPr>
+        <p:spPr/>
+        <p:txBody>
+          <a:bodyPr/>
+          <a:lstStyle/>
+          <a:p>
+            <a:r>
+              <a:rPr lang="en-US" dirty="0"/>
+              <a:t>Is that safe to let Azure Language Cognitive Service to digest my documents and scripts?</a:t>
+            </a:r>
+          </a:p>
+          <a:p>
+            <a:pPr lvl="1"/>
+            <a:r>
+              <a:rPr lang="en-US" dirty="0"/>
+              <a:t>Yes, those are user materials.</a:t>
+            </a:r>
+          </a:p>
+          <a:p>
+            <a:r>
+              <a:rPr lang="en-US" dirty="0"/>
+              <a:t>Can I use it in other products?</a:t>
+            </a:r>
+          </a:p>
+          <a:p>
+            <a:pPr lvl="1"/>
+            <a:r>
+              <a:rPr lang="en-US" dirty="0"/>
+              <a:t>Yes, the core is NuGet packaged and can be easily adapted to any products.</a:t>
+            </a:r>
+          </a:p>
+          <a:p>
+            <a:r>
+              <a:rPr lang="en-US" dirty="0"/>
+              <a:t>Can I ask using a different language and get answers in that language?</a:t>
+            </a:r>
+          </a:p>
+          <a:p>
+            <a:pPr lvl="1"/>
+            <a:r>
+              <a:rPr lang="en-US" dirty="0"/>
+              <a:t>Yes, feasible with Azure Language Translation service</a:t>
+            </a:r>
+          </a:p>
+          <a:p>
+            <a:pPr marL="0" indent="0">
+              <a:buNone/>
+            </a:pPr>
+            <a:endParaRPr lang="en-US" dirty="0"/>
+          </a:p>
+        </p:txBody>
+      </p:sp>
+    </p:spTree>
+    <p:extLst>
+      <p:ext uri="{BB962C8B-B14F-4D97-AF65-F5344CB8AC3E}">
+        <p14:creationId xmlns:p14="http://schemas.microsoft.com/office/powerpoint/2010/main" val="3147653832"/>
+      </p:ext>
+    </p:extLst>
+  </p:cSld>
+  <p:clrMapOvr>
+    <a:masterClrMapping/>
+  </p:clrMapOvr>
+</p:sld>
+</file>
+
+<file path=ppt/slides/slide8.xml><?xml version="1.0" encoding="utf-8"?>
+<p:sld xmlns:a="http://schemas.openxmlformats.org/drawingml/2006/main" xmlns:r="http://schemas.openxmlformats.org/officeDocument/2006/relationships" xmlns:p="http://schemas.openxmlformats.org/presentationml/2006/main">
+  <p:cSld>
+    <p:spTree>
+      <p:nvGrpSpPr>
+        <p:cNvPr id="1" name=""/>
+        <p:cNvGrpSpPr/>
+        <p:nvPr/>
+      </p:nvGrpSpPr>
+      <p:grpSpPr>
+        <a:xfrm>
+          <a:off x="0" y="0"/>
+          <a:ext cx="0" cy="0"/>
+          <a:chOff x="0" y="0"/>
+          <a:chExt cx="0" cy="0"/>
+        </a:xfrm>
+      </p:grpSpPr>
+      <p:sp>
+        <p:nvSpPr>
+          <p:cNvPr id="2" name="Text Placeholder 1">
+            <a:extLst>
+              <a:ext uri="{FF2B5EF4-FFF2-40B4-BE49-F238E27FC236}">
+                <a16:creationId xmlns:a16="http://schemas.microsoft.com/office/drawing/2014/main" id="{CC5500BF-795A-6927-7D6C-99DB2E4C81C0}"/>
+              </a:ext>
+            </a:extLst>
+          </p:cNvPr>
+          <p:cNvSpPr>
+            <a:spLocks noGrp="1"/>
+          </p:cNvSpPr>
+          <p:nvPr>
+            <p:ph type="body" sz="quarter" idx="20"/>
+          </p:nvPr>
+        </p:nvSpPr>
+        <p:spPr/>
+        <p:txBody>
+          <a:bodyPr/>
+          <a:lstStyle/>
+          <a:p>
+            <a:endParaRPr lang="en-CA"/>
+          </a:p>
+        </p:txBody>
+      </p:sp>
+      <p:sp>
+        <p:nvSpPr>
+          <p:cNvPr id="3" name="Title 2">
+            <a:extLst>
+              <a:ext uri="{FF2B5EF4-FFF2-40B4-BE49-F238E27FC236}">
+                <a16:creationId xmlns:a16="http://schemas.microsoft.com/office/drawing/2014/main" id="{B1266E83-D9FE-3A67-6C93-987BCDAA984E}"/>
+              </a:ext>
+            </a:extLst>
+          </p:cNvPr>
+          <p:cNvSpPr>
+            <a:spLocks noGrp="1"/>
+          </p:cNvSpPr>
+          <p:nvPr>
+            <p:ph type="title"/>
+          </p:nvPr>
+        </p:nvSpPr>
+        <p:spPr/>
+        <p:txBody>
+          <a:bodyPr/>
+          <a:lstStyle/>
+          <a:p>
+            <a:r>
+              <a:rPr lang="en-US" dirty="0"/>
+              <a:t>Extend Check List</a:t>
+            </a:r>
+            <a:endParaRPr lang="en-CA" dirty="0"/>
+          </a:p>
+        </p:txBody>
+      </p:sp>
+      <p:sp>
+        <p:nvSpPr>
+          <p:cNvPr id="4" name="Content Placeholder 3">
+            <a:extLst>
+              <a:ext uri="{FF2B5EF4-FFF2-40B4-BE49-F238E27FC236}">
+                <a16:creationId xmlns:a16="http://schemas.microsoft.com/office/drawing/2014/main" id="{463411C6-A138-7B7D-56F9-51D612ABD3A0}"/>
+              </a:ext>
+            </a:extLst>
+          </p:cNvPr>
+          <p:cNvSpPr>
+            <a:spLocks noGrp="1"/>
+          </p:cNvSpPr>
+          <p:nvPr>
+            <p:ph sz="quarter" idx="21"/>
+          </p:nvPr>
+        </p:nvSpPr>
+        <p:spPr/>
+        <p:txBody>
+          <a:bodyPr/>
+          <a:lstStyle/>
+          <a:p>
             <a:pPr>
               <a:spcBef>
                 <a:spcPts val="600"/>
@@ -47644,8 +48399,13 @@
             </a:pPr>
             <a:r>
               <a:rPr lang="en-US" dirty="0"/>
-              <a:t>I want to ask Chatbot to revise generated script with some inputs</a:t>
-            </a:r>
+              <a:t>I want to ask Chatbot to revise generated script with </a:t>
+            </a:r>
+            <a:r>
+              <a:rPr lang="en-US"/>
+              <a:t>some prompts</a:t>
+            </a:r>
+            <a:endParaRPr lang="en-US" dirty="0"/>
           </a:p>
           <a:p>
             <a:endParaRPr lang="en-CA" dirty="0"/>
@@ -47665,7 +48425,7 @@
 </p:sld>
 </file>
 
-<file path=ppt/slides/slide6.xml><?xml version="1.0" encoding="utf-8"?>
+<file path=ppt/slides/slide9.xml><?xml version="1.0" encoding="utf-8"?>
 <p:sld xmlns:a="http://schemas.openxmlformats.org/drawingml/2006/main" xmlns:r="http://schemas.openxmlformats.org/officeDocument/2006/relationships" xmlns:p="http://schemas.openxmlformats.org/presentationml/2006/main">
   <p:cSld>
     <p:spTree>
@@ -48783,21 +49543,6 @@
 </file>
 
 <file path=customXml/item1.xml><?xml version="1.0" encoding="utf-8"?>
-<p:properties xmlns:p="http://schemas.microsoft.com/office/2006/metadata/properties" xmlns:xsi="http://www.w3.org/2001/XMLSchema-instance" xmlns:pc="http://schemas.microsoft.com/office/infopath/2007/PartnerControls">
-  <documentManagement/>
-</p:properties>
-</file>
-
-<file path=customXml/item2.xml><?xml version="1.0" encoding="utf-8"?>
-<?mso-contentType ?>
-<FormTemplates xmlns="http://schemas.microsoft.com/sharepoint/v3/contenttype/forms">
-  <Display>DocumentLibraryForm</Display>
-  <Edit>DocumentLibraryForm</Edit>
-  <New>DocumentLibraryForm</New>
-</FormTemplates>
-</file>
-
-<file path=customXml/item3.xml><?xml version="1.0" encoding="utf-8"?>
 <ct:contentTypeSchema xmlns:ct="http://schemas.microsoft.com/office/2006/metadata/contentType" xmlns:ma="http://schemas.microsoft.com/office/2006/metadata/properties/metaAttributes" ct:_="" ma:_="" ma:contentTypeName="Dokument" ma:contentTypeID="0x010100610F89A0BBA6C34A913DB646AC567109" ma:contentTypeVersion="12" ma:contentTypeDescription="Ein neues Dokument erstellen." ma:contentTypeScope="" ma:versionID="b3371b258f4be0ddf951ea065973cc30">
   <xsd:schema xmlns:xsd="http://www.w3.org/2001/XMLSchema" xmlns:xs="http://www.w3.org/2001/XMLSchema" xmlns:p="http://schemas.microsoft.com/office/2006/metadata/properties" xmlns:ns2="1f6a6638-2655-4a74-b9f8-16c1b5edccac" xmlns:ns3="bf34d6df-5183-4f9f-a1bd-e8af6fdd30b8" targetNamespace="http://schemas.microsoft.com/office/2006/metadata/properties" ma:root="true" ma:fieldsID="375e732f81423a44c24ef989eb02442f" ns2:_="" ns3:_="">
     <xsd:import namespace="1f6a6638-2655-4a74-b9f8-16c1b5edccac"/>
@@ -49014,25 +49759,22 @@
 </ct:contentTypeSchema>
 </file>
 
-<file path=customXml/itemProps1.xml><?xml version="1.0" encoding="utf-8"?>
-<ds:datastoreItem xmlns:ds="http://schemas.openxmlformats.org/officeDocument/2006/customXml" ds:itemID="{97794DA4-B143-4F60-BF7C-EA867C43D1FE}">
-  <ds:schemaRefs>
-    <ds:schemaRef ds:uri="http://schemas.microsoft.com/office/2006/metadata/properties"/>
-    <ds:schemaRef ds:uri="http://schemas.microsoft.com/office/infopath/2007/PartnerControls"/>
-    <ds:schemaRef ds:uri="d62b6ecb-acff-4b24-a527-ff2b271ebe71"/>
-  </ds:schemaRefs>
-</ds:datastoreItem>
+<file path=customXml/item2.xml><?xml version="1.0" encoding="utf-8"?>
+<?mso-contentType ?>
+<FormTemplates xmlns="http://schemas.microsoft.com/sharepoint/v3/contenttype/forms">
+  <Display>DocumentLibraryForm</Display>
+  <Edit>DocumentLibraryForm</Edit>
+  <New>DocumentLibraryForm</New>
+</FormTemplates>
 </file>
 
-<file path=customXml/itemProps2.xml><?xml version="1.0" encoding="utf-8"?>
-<ds:datastoreItem xmlns:ds="http://schemas.openxmlformats.org/officeDocument/2006/customXml" ds:itemID="{6543A033-2779-4EB5-82E0-EE769341BA7A}">
-  <ds:schemaRefs>
-    <ds:schemaRef ds:uri="http://schemas.microsoft.com/sharepoint/v3/contenttype/forms"/>
-  </ds:schemaRefs>
-</ds:datastoreItem>
+<file path=customXml/item3.xml><?xml version="1.0" encoding="utf-8"?>
+<p:properties xmlns:p="http://schemas.microsoft.com/office/2006/metadata/properties" xmlns:xsi="http://www.w3.org/2001/XMLSchema-instance" xmlns:pc="http://schemas.microsoft.com/office/infopath/2007/PartnerControls">
+  <documentManagement/>
+</p:properties>
 </file>
 
-<file path=customXml/itemProps3.xml><?xml version="1.0" encoding="utf-8"?>
+<file path=customXml/itemProps1.xml><?xml version="1.0" encoding="utf-8"?>
 <ds:datastoreItem xmlns:ds="http://schemas.openxmlformats.org/officeDocument/2006/customXml" ds:itemID="{CCCB94B5-2582-4AC7-85D8-612CAD4FD0C1}">
   <ds:schemaRefs>
     <ds:schemaRef ds:uri="http://schemas.microsoft.com/office/2006/metadata/contentType"/>
@@ -49049,4 +49791,22 @@
     <ds:schemaRef ds:uri="http://schemas.microsoft.com/internal/obd"/>
   </ds:schemaRefs>
 </ds:datastoreItem>
+</file>
+
+<file path=customXml/itemProps2.xml><?xml version="1.0" encoding="utf-8"?>
+<ds:datastoreItem xmlns:ds="http://schemas.openxmlformats.org/officeDocument/2006/customXml" ds:itemID="{6543A033-2779-4EB5-82E0-EE769341BA7A}">
+  <ds:schemaRefs>
+    <ds:schemaRef ds:uri="http://schemas.microsoft.com/sharepoint/v3/contenttype/forms"/>
+  </ds:schemaRefs>
+</ds:datastoreItem>
+</file>
+
+<file path=customXml/itemProps3.xml><?xml version="1.0" encoding="utf-8"?>
+<ds:datastoreItem xmlns:ds="http://schemas.openxmlformats.org/officeDocument/2006/customXml" ds:itemID="{97794DA4-B143-4F60-BF7C-EA867C43D1FE}">
+  <ds:schemaRefs>
+    <ds:schemaRef ds:uri="http://schemas.microsoft.com/office/2006/metadata/properties"/>
+    <ds:schemaRef ds:uri="http://schemas.microsoft.com/office/infopath/2007/PartnerControls"/>
+    <ds:schemaRef ds:uri="d62b6ecb-acff-4b24-a527-ff2b271ebe71"/>
+  </ds:schemaRefs>
+</ds:datastoreItem>
 </file>
--- a/docs/VMC Hackathon 2024 - VMC.Chatbot - Demo.pptx
+++ b/docs/VMC Hackathon 2024 - VMC.Chatbot - Demo.pptx
@@ -47317,7 +47317,7 @@
                   <a:srgbClr val="FFFFFF"/>
                 </a:highlight>
               </a:rPr>
-              <a:t>Azure Blog Storage for Static Hosting</a:t>
+              <a:t>Azure Blob Storage for Static Hosting</a:t>
             </a:r>
           </a:p>
           <a:p>
@@ -47657,7 +47657,7 @@
                   <a:schemeClr val="tx1"/>
                 </a:solidFill>
               </a:rPr>
-              <a:t>Azure Blob Storage Service (static web hosting)</a:t>
+              <a:t>Azure Blob Storage Service (Static Web Hosting)</a:t>
             </a:r>
           </a:p>
           <a:p>
@@ -48224,6 +48224,46 @@
             <a:r>
               <a:rPr lang="en-US" dirty="0"/>
               <a:t>Yes, feasible with Azure Language Translation service</a:t>
+            </a:r>
+          </a:p>
+          <a:p>
+            <a:r>
+              <a:rPr lang="en-US" dirty="0"/>
+              <a:t>Is that expensive to use the Azure Blob Storage service?</a:t>
+            </a:r>
+          </a:p>
+          <a:p>
+            <a:pPr lvl="1"/>
+            <a:r>
+              <a:rPr lang="en-US" dirty="0"/>
+              <a:t>Not at all</a:t>
+            </a:r>
+          </a:p>
+          <a:p>
+            <a:r>
+              <a:rPr lang="en-US" dirty="0"/>
+              <a:t>Is that expensive to use the Azure Language Cognitive Service?</a:t>
+            </a:r>
+          </a:p>
+          <a:p>
+            <a:pPr lvl="1"/>
+            <a:r>
+              <a:rPr lang="en-US" dirty="0"/>
+              <a:t>Depends on the service call volume, in my experiment: $0/m(F0) or ~$40/m (S1) for 18M document training and querying. The tier is controllable.</a:t>
+            </a:r>
+          </a:p>
+          <a:p>
+            <a:pPr lvl="1"/>
+            <a:r>
+              <a:rPr lang="en-US" dirty="0"/>
+              <a:t>Projecting in production ~$100/m for one product</a:t>
+            </a:r>
+          </a:p>
+          <a:p>
+            <a:pPr lvl="1"/>
+            <a:r>
+              <a:rPr lang="en-US" dirty="0"/>
+              <a:t>Comparing tons of subscription credits are wasted, this is just a tiny fraction of the expenses.</a:t>
             </a:r>
           </a:p>
           <a:p>
@@ -49543,6 +49583,21 @@
 </file>
 
 <file path=customXml/item1.xml><?xml version="1.0" encoding="utf-8"?>
+<p:properties xmlns:p="http://schemas.microsoft.com/office/2006/metadata/properties" xmlns:xsi="http://www.w3.org/2001/XMLSchema-instance" xmlns:pc="http://schemas.microsoft.com/office/infopath/2007/PartnerControls">
+  <documentManagement/>
+</p:properties>
+</file>
+
+<file path=customXml/item2.xml><?xml version="1.0" encoding="utf-8"?>
+<?mso-contentType ?>
+<FormTemplates xmlns="http://schemas.microsoft.com/sharepoint/v3/contenttype/forms">
+  <Display>DocumentLibraryForm</Display>
+  <Edit>DocumentLibraryForm</Edit>
+  <New>DocumentLibraryForm</New>
+</FormTemplates>
+</file>
+
+<file path=customXml/item3.xml><?xml version="1.0" encoding="utf-8"?>
 <ct:contentTypeSchema xmlns:ct="http://schemas.microsoft.com/office/2006/metadata/contentType" xmlns:ma="http://schemas.microsoft.com/office/2006/metadata/properties/metaAttributes" ct:_="" ma:_="" ma:contentTypeName="Dokument" ma:contentTypeID="0x010100610F89A0BBA6C34A913DB646AC567109" ma:contentTypeVersion="12" ma:contentTypeDescription="Ein neues Dokument erstellen." ma:contentTypeScope="" ma:versionID="b3371b258f4be0ddf951ea065973cc30">
   <xsd:schema xmlns:xsd="http://www.w3.org/2001/XMLSchema" xmlns:xs="http://www.w3.org/2001/XMLSchema" xmlns:p="http://schemas.microsoft.com/office/2006/metadata/properties" xmlns:ns2="1f6a6638-2655-4a74-b9f8-16c1b5edccac" xmlns:ns3="bf34d6df-5183-4f9f-a1bd-e8af6fdd30b8" targetNamespace="http://schemas.microsoft.com/office/2006/metadata/properties" ma:root="true" ma:fieldsID="375e732f81423a44c24ef989eb02442f" ns2:_="" ns3:_="">
     <xsd:import namespace="1f6a6638-2655-4a74-b9f8-16c1b5edccac"/>
@@ -49759,22 +49814,25 @@
 </ct:contentTypeSchema>
 </file>
 
-<file path=customXml/item2.xml><?xml version="1.0" encoding="utf-8"?>
-<?mso-contentType ?>
-<FormTemplates xmlns="http://schemas.microsoft.com/sharepoint/v3/contenttype/forms">
-  <Display>DocumentLibraryForm</Display>
-  <Edit>DocumentLibraryForm</Edit>
-  <New>DocumentLibraryForm</New>
-</FormTemplates>
+<file path=customXml/itemProps1.xml><?xml version="1.0" encoding="utf-8"?>
+<ds:datastoreItem xmlns:ds="http://schemas.openxmlformats.org/officeDocument/2006/customXml" ds:itemID="{97794DA4-B143-4F60-BF7C-EA867C43D1FE}">
+  <ds:schemaRefs>
+    <ds:schemaRef ds:uri="http://schemas.microsoft.com/office/2006/metadata/properties"/>
+    <ds:schemaRef ds:uri="http://schemas.microsoft.com/office/infopath/2007/PartnerControls"/>
+    <ds:schemaRef ds:uri="d62b6ecb-acff-4b24-a527-ff2b271ebe71"/>
+  </ds:schemaRefs>
+</ds:datastoreItem>
 </file>
 
-<file path=customXml/item3.xml><?xml version="1.0" encoding="utf-8"?>
-<p:properties xmlns:p="http://schemas.microsoft.com/office/2006/metadata/properties" xmlns:xsi="http://www.w3.org/2001/XMLSchema-instance" xmlns:pc="http://schemas.microsoft.com/office/infopath/2007/PartnerControls">
-  <documentManagement/>
-</p:properties>
+<file path=customXml/itemProps2.xml><?xml version="1.0" encoding="utf-8"?>
+<ds:datastoreItem xmlns:ds="http://schemas.openxmlformats.org/officeDocument/2006/customXml" ds:itemID="{6543A033-2779-4EB5-82E0-EE769341BA7A}">
+  <ds:schemaRefs>
+    <ds:schemaRef ds:uri="http://schemas.microsoft.com/sharepoint/v3/contenttype/forms"/>
+  </ds:schemaRefs>
+</ds:datastoreItem>
 </file>
 
-<file path=customXml/itemProps1.xml><?xml version="1.0" encoding="utf-8"?>
+<file path=customXml/itemProps3.xml><?xml version="1.0" encoding="utf-8"?>
 <ds:datastoreItem xmlns:ds="http://schemas.openxmlformats.org/officeDocument/2006/customXml" ds:itemID="{CCCB94B5-2582-4AC7-85D8-612CAD4FD0C1}">
   <ds:schemaRefs>
     <ds:schemaRef ds:uri="http://schemas.microsoft.com/office/2006/metadata/contentType"/>
@@ -49791,22 +49849,4 @@
     <ds:schemaRef ds:uri="http://schemas.microsoft.com/internal/obd"/>
   </ds:schemaRefs>
 </ds:datastoreItem>
-</file>
-
-<file path=customXml/itemProps2.xml><?xml version="1.0" encoding="utf-8"?>
-<ds:datastoreItem xmlns:ds="http://schemas.openxmlformats.org/officeDocument/2006/customXml" ds:itemID="{6543A033-2779-4EB5-82E0-EE769341BA7A}">
-  <ds:schemaRefs>
-    <ds:schemaRef ds:uri="http://schemas.microsoft.com/sharepoint/v3/contenttype/forms"/>
-  </ds:schemaRefs>
-</ds:datastoreItem>
-</file>
-
-<file path=customXml/itemProps3.xml><?xml version="1.0" encoding="utf-8"?>
-<ds:datastoreItem xmlns:ds="http://schemas.openxmlformats.org/officeDocument/2006/customXml" ds:itemID="{97794DA4-B143-4F60-BF7C-EA867C43D1FE}">
-  <ds:schemaRefs>
-    <ds:schemaRef ds:uri="http://schemas.microsoft.com/office/2006/metadata/properties"/>
-    <ds:schemaRef ds:uri="http://schemas.microsoft.com/office/infopath/2007/PartnerControls"/>
-    <ds:schemaRef ds:uri="d62b6ecb-acff-4b24-a527-ff2b271ebe71"/>
-  </ds:schemaRefs>
-</ds:datastoreItem>
 </file>
--- a/docs/VMC Hackathon 2024 - VMC.Chatbot - Demo.pptx
+++ b/docs/VMC Hackathon 2024 - VMC.Chatbot - Demo.pptx
@@ -46791,7 +46791,18 @@
                   <a:srgbClr val="FFFFFF"/>
                 </a:highlight>
               </a:rPr>
-              <a:t> SF</a:t>
+              <a:t> </a:t>
+            </a:r>
+            <a:r>
+              <a:rPr lang="en-US" dirty="0">
+                <a:solidFill>
+                  <a:srgbClr val="FF0000"/>
+                </a:solidFill>
+                <a:highlight>
+                  <a:srgbClr val="FFFFFF"/>
+                </a:highlight>
+              </a:rPr>
+              <a:t>SF</a:t>
             </a:r>
           </a:p>
           <a:p>
@@ -49583,21 +49594,6 @@
 </file>
 
 <file path=customXml/item1.xml><?xml version="1.0" encoding="utf-8"?>
-<p:properties xmlns:p="http://schemas.microsoft.com/office/2006/metadata/properties" xmlns:xsi="http://www.w3.org/2001/XMLSchema-instance" xmlns:pc="http://schemas.microsoft.com/office/infopath/2007/PartnerControls">
-  <documentManagement/>
-</p:properties>
-</file>
-
-<file path=customXml/item2.xml><?xml version="1.0" encoding="utf-8"?>
-<?mso-contentType ?>
-<FormTemplates xmlns="http://schemas.microsoft.com/sharepoint/v3/contenttype/forms">
-  <Display>DocumentLibraryForm</Display>
-  <Edit>DocumentLibraryForm</Edit>
-  <New>DocumentLibraryForm</New>
-</FormTemplates>
-</file>
-
-<file path=customXml/item3.xml><?xml version="1.0" encoding="utf-8"?>
 <ct:contentTypeSchema xmlns:ct="http://schemas.microsoft.com/office/2006/metadata/contentType" xmlns:ma="http://schemas.microsoft.com/office/2006/metadata/properties/metaAttributes" ct:_="" ma:_="" ma:contentTypeName="Dokument" ma:contentTypeID="0x010100610F89A0BBA6C34A913DB646AC567109" ma:contentTypeVersion="12" ma:contentTypeDescription="Ein neues Dokument erstellen." ma:contentTypeScope="" ma:versionID="b3371b258f4be0ddf951ea065973cc30">
   <xsd:schema xmlns:xsd="http://www.w3.org/2001/XMLSchema" xmlns:xs="http://www.w3.org/2001/XMLSchema" xmlns:p="http://schemas.microsoft.com/office/2006/metadata/properties" xmlns:ns2="1f6a6638-2655-4a74-b9f8-16c1b5edccac" xmlns:ns3="bf34d6df-5183-4f9f-a1bd-e8af6fdd30b8" targetNamespace="http://schemas.microsoft.com/office/2006/metadata/properties" ma:root="true" ma:fieldsID="375e732f81423a44c24ef989eb02442f" ns2:_="" ns3:_="">
     <xsd:import namespace="1f6a6638-2655-4a74-b9f8-16c1b5edccac"/>
@@ -49814,25 +49810,22 @@
 </ct:contentTypeSchema>
 </file>
 
-<file path=customXml/itemProps1.xml><?xml version="1.0" encoding="utf-8"?>
-<ds:datastoreItem xmlns:ds="http://schemas.openxmlformats.org/officeDocument/2006/customXml" ds:itemID="{97794DA4-B143-4F60-BF7C-EA867C43D1FE}">
-  <ds:schemaRefs>
-    <ds:schemaRef ds:uri="http://schemas.microsoft.com/office/2006/metadata/properties"/>
-    <ds:schemaRef ds:uri="http://schemas.microsoft.com/office/infopath/2007/PartnerControls"/>
-    <ds:schemaRef ds:uri="d62b6ecb-acff-4b24-a527-ff2b271ebe71"/>
-  </ds:schemaRefs>
-</ds:datastoreItem>
+<file path=customXml/item2.xml><?xml version="1.0" encoding="utf-8"?>
+<?mso-contentType ?>
+<FormTemplates xmlns="http://schemas.microsoft.com/sharepoint/v3/contenttype/forms">
+  <Display>DocumentLibraryForm</Display>
+  <Edit>DocumentLibraryForm</Edit>
+  <New>DocumentLibraryForm</New>
+</FormTemplates>
 </file>
 
-<file path=customXml/itemProps2.xml><?xml version="1.0" encoding="utf-8"?>
-<ds:datastoreItem xmlns:ds="http://schemas.openxmlformats.org/officeDocument/2006/customXml" ds:itemID="{6543A033-2779-4EB5-82E0-EE769341BA7A}">
-  <ds:schemaRefs>
-    <ds:schemaRef ds:uri="http://schemas.microsoft.com/sharepoint/v3/contenttype/forms"/>
-  </ds:schemaRefs>
-</ds:datastoreItem>
+<file path=customXml/item3.xml><?xml version="1.0" encoding="utf-8"?>
+<p:properties xmlns:p="http://schemas.microsoft.com/office/2006/metadata/properties" xmlns:xsi="http://www.w3.org/2001/XMLSchema-instance" xmlns:pc="http://schemas.microsoft.com/office/infopath/2007/PartnerControls">
+  <documentManagement/>
+</p:properties>
 </file>
 
-<file path=customXml/itemProps3.xml><?xml version="1.0" encoding="utf-8"?>
+<file path=customXml/itemProps1.xml><?xml version="1.0" encoding="utf-8"?>
 <ds:datastoreItem xmlns:ds="http://schemas.openxmlformats.org/officeDocument/2006/customXml" ds:itemID="{CCCB94B5-2582-4AC7-85D8-612CAD4FD0C1}">
   <ds:schemaRefs>
     <ds:schemaRef ds:uri="http://schemas.microsoft.com/office/2006/metadata/contentType"/>
@@ -49849,4 +49842,22 @@
     <ds:schemaRef ds:uri="http://schemas.microsoft.com/internal/obd"/>
   </ds:schemaRefs>
 </ds:datastoreItem>
+</file>
+
+<file path=customXml/itemProps2.xml><?xml version="1.0" encoding="utf-8"?>
+<ds:datastoreItem xmlns:ds="http://schemas.openxmlformats.org/officeDocument/2006/customXml" ds:itemID="{6543A033-2779-4EB5-82E0-EE769341BA7A}">
+  <ds:schemaRefs>
+    <ds:schemaRef ds:uri="http://schemas.microsoft.com/sharepoint/v3/contenttype/forms"/>
+  </ds:schemaRefs>
+</ds:datastoreItem>
+</file>
+
+<file path=customXml/itemProps3.xml><?xml version="1.0" encoding="utf-8"?>
+<ds:datastoreItem xmlns:ds="http://schemas.openxmlformats.org/officeDocument/2006/customXml" ds:itemID="{97794DA4-B143-4F60-BF7C-EA867C43D1FE}">
+  <ds:schemaRefs>
+    <ds:schemaRef ds:uri="http://schemas.microsoft.com/office/2006/metadata/properties"/>
+    <ds:schemaRef ds:uri="http://schemas.microsoft.com/office/infopath/2007/PartnerControls"/>
+    <ds:schemaRef ds:uri="d62b6ecb-acff-4b24-a527-ff2b271ebe71"/>
+  </ds:schemaRefs>
+</ds:datastoreItem>
 </file>
--- a/docs/VMC Hackathon 2024 - VMC.Chatbot - Demo.pptx
+++ b/docs/VMC Hackathon 2024 - VMC.Chatbot - Demo.pptx
@@ -289,7 +289,7 @@
               <a:pPr>
                 <a:defRPr/>
               </a:pPr>
-              <a:t>5/28/2024</a:t>
+              <a:t>5/29/2024</a:t>
             </a:fld>
             <a:endParaRPr lang="en-US"/>
           </a:p>
@@ -535,7 +535,7 @@
               <a:pPr>
                 <a:defRPr/>
               </a:pPr>
-              <a:t>5/28/2024</a:t>
+              <a:t>5/29/2024</a:t>
             </a:fld>
             <a:endParaRPr lang="en-US"/>
           </a:p>
@@ -43916,7 +43916,7 @@
             </a:pPr>
             <a:fld id="{FB89F83D-D94F-4E45-A8B2-6C514902A01F}" type="datetime1">
               <a:rPr lang="de-DE" smtClean="0"/>
-              <a:t>28.05.2024</a:t>
+              <a:t>29.05.2024</a:t>
             </a:fld>
             <a:endParaRPr lang="de-DE" dirty="0"/>
           </a:p>
@@ -46865,7 +46865,29 @@
                   <a:srgbClr val="FFFFFF"/>
                 </a:highlight>
               </a:rPr>
-              <a:t>I want to query Knowledge Database to show scripts FS SF</a:t>
+              <a:t>I want to query Knowledge Database to show scripts </a:t>
+            </a:r>
+            <a:r>
+              <a:rPr lang="en-US" dirty="0">
+                <a:solidFill>
+                  <a:srgbClr val="FF0000"/>
+                </a:solidFill>
+                <a:highlight>
+                  <a:srgbClr val="FFFFFF"/>
+                </a:highlight>
+              </a:rPr>
+              <a:t>FS</a:t>
+            </a:r>
+            <a:r>
+              <a:rPr lang="en-US" dirty="0">
+                <a:solidFill>
+                  <a:schemeClr val="tx1"/>
+                </a:solidFill>
+                <a:highlight>
+                  <a:srgbClr val="FFFFFF"/>
+                </a:highlight>
+              </a:rPr>
+              <a:t> SF</a:t>
             </a:r>
           </a:p>
           <a:p>
@@ -46891,7 +46913,29 @@
                   <a:srgbClr val="FFFFFF"/>
                 </a:highlight>
               </a:rPr>
-              <a:t>I want to run script directly from the viewer FS </a:t>
+              <a:t>I want to copy script directly from the viewer </a:t>
+            </a:r>
+            <a:r>
+              <a:rPr lang="en-US" dirty="0">
+                <a:solidFill>
+                  <a:srgbClr val="FF0000"/>
+                </a:solidFill>
+                <a:highlight>
+                  <a:srgbClr val="FFFFFF"/>
+                </a:highlight>
+              </a:rPr>
+              <a:t>FS</a:t>
+            </a:r>
+            <a:r>
+              <a:rPr lang="en-US" dirty="0">
+                <a:solidFill>
+                  <a:schemeClr val="tx1"/>
+                </a:solidFill>
+                <a:highlight>
+                  <a:srgbClr val="FFFFFF"/>
+                </a:highlight>
+              </a:rPr>
+              <a:t> </a:t>
             </a:r>
             <a:r>
               <a:rPr lang="en-US" dirty="0">
@@ -47978,14 +48022,34 @@
           <a:p>
             <a:r>
               <a:rPr lang="en-CA" dirty="0"/>
-              <a:t>Can Azure Language Cognitive Service well understand my script examples and generate script for me?</a:t>
+              <a:t>Can Azure Language Cognitive Service learn from my script examples and generate script for me?</a:t>
             </a:r>
           </a:p>
           <a:p>
             <a:pPr lvl="1"/>
             <a:r>
               <a:rPr lang="en-CA" dirty="0"/>
-              <a:t>Promising with connections to Generative AI services</a:t>
+              <a:t>No, it’s not meant for code understanding and generation.</a:t>
+            </a:r>
+          </a:p>
+          <a:p>
+            <a:r>
+              <a:rPr lang="en-CA" dirty="0"/>
+              <a:t>What’s the advantages of using chatbot instead of searching documents?</a:t>
+            </a:r>
+          </a:p>
+          <a:p>
+            <a:pPr lvl="1"/>
+            <a:r>
+              <a:rPr lang="en-CA" dirty="0"/>
+              <a:t>Searching documents: context unaware / multiple results without ranking</a:t>
+            </a:r>
+          </a:p>
+          <a:p>
+            <a:pPr lvl="1"/>
+            <a:r>
+              <a:rPr lang="en-CA" dirty="0"/>
+              <a:t>Using chatbot: context aware / responses based on confidence level</a:t>
             </a:r>
           </a:p>
           <a:p>
@@ -48063,19 +48127,6 @@
             <a:r>
               <a:rPr lang="en-CA" dirty="0"/>
               <a:t>EC: anything we want</a:t>
-            </a:r>
-          </a:p>
-          <a:p>
-            <a:r>
-              <a:rPr lang="en-CA" dirty="0"/>
-              <a:t>Why choose Microsoft Azure, not AWS, Google AI or other service providers?</a:t>
-            </a:r>
-          </a:p>
-          <a:p>
-            <a:pPr lvl="1"/>
-            <a:r>
-              <a:rPr lang="en-CA" dirty="0"/>
-              <a:t>We have subscriptions with Microsoft Azure</a:t>
             </a:r>
           </a:p>
           <a:p>
@@ -48200,6 +48251,19 @@
           <a:lstStyle/>
           <a:p>
             <a:r>
+              <a:rPr lang="en-CA" dirty="0"/>
+              <a:t>Why choose Microsoft Azure, not AWS, Google AI or other service providers?</a:t>
+            </a:r>
+          </a:p>
+          <a:p>
+            <a:pPr lvl="1"/>
+            <a:r>
+              <a:rPr lang="en-CA" dirty="0"/>
+              <a:t>We have subscriptions with Microsoft Azure</a:t>
+            </a:r>
+          </a:p>
+          <a:p>
+            <a:r>
               <a:rPr lang="en-US" dirty="0"/>
               <a:t>Is that safe to let Azure Language Cognitive Service to digest my documents and scripts?</a:t>
             </a:r>
@@ -48246,9 +48310,10 @@
           <a:p>
             <a:pPr lvl="1"/>
             <a:r>
-              <a:rPr lang="en-US" dirty="0"/>
-              <a:t>Not at all</a:t>
-            </a:r>
+              <a:rPr lang="en-US"/>
+              <a:t>No</a:t>
+            </a:r>
+            <a:endParaRPr lang="en-US" dirty="0"/>
           </a:p>
           <a:p>
             <a:r>
@@ -49594,6 +49659,21 @@
 </file>
 
 <file path=customXml/item1.xml><?xml version="1.0" encoding="utf-8"?>
+<p:properties xmlns:p="http://schemas.microsoft.com/office/2006/metadata/properties" xmlns:xsi="http://www.w3.org/2001/XMLSchema-instance" xmlns:pc="http://schemas.microsoft.com/office/infopath/2007/PartnerControls">
+  <documentManagement/>
+</p:properties>
+</file>
+
+<file path=customXml/item2.xml><?xml version="1.0" encoding="utf-8"?>
+<?mso-contentType ?>
+<FormTemplates xmlns="http://schemas.microsoft.com/sharepoint/v3/contenttype/forms">
+  <Display>DocumentLibraryForm</Display>
+  <Edit>DocumentLibraryForm</Edit>
+  <New>DocumentLibraryForm</New>
+</FormTemplates>
+</file>
+
+<file path=customXml/item3.xml><?xml version="1.0" encoding="utf-8"?>
 <ct:contentTypeSchema xmlns:ct="http://schemas.microsoft.com/office/2006/metadata/contentType" xmlns:ma="http://schemas.microsoft.com/office/2006/metadata/properties/metaAttributes" ct:_="" ma:_="" ma:contentTypeName="Dokument" ma:contentTypeID="0x010100610F89A0BBA6C34A913DB646AC567109" ma:contentTypeVersion="12" ma:contentTypeDescription="Ein neues Dokument erstellen." ma:contentTypeScope="" ma:versionID="b3371b258f4be0ddf951ea065973cc30">
   <xsd:schema xmlns:xsd="http://www.w3.org/2001/XMLSchema" xmlns:xs="http://www.w3.org/2001/XMLSchema" xmlns:p="http://schemas.microsoft.com/office/2006/metadata/properties" xmlns:ns2="1f6a6638-2655-4a74-b9f8-16c1b5edccac" xmlns:ns3="bf34d6df-5183-4f9f-a1bd-e8af6fdd30b8" targetNamespace="http://schemas.microsoft.com/office/2006/metadata/properties" ma:root="true" ma:fieldsID="375e732f81423a44c24ef989eb02442f" ns2:_="" ns3:_="">
     <xsd:import namespace="1f6a6638-2655-4a74-b9f8-16c1b5edccac"/>
@@ -49810,22 +49890,25 @@
 </ct:contentTypeSchema>
 </file>
 
-<file path=customXml/item2.xml><?xml version="1.0" encoding="utf-8"?>
-<?mso-contentType ?>
-<FormTemplates xmlns="http://schemas.microsoft.com/sharepoint/v3/contenttype/forms">
-  <Display>DocumentLibraryForm</Display>
-  <Edit>DocumentLibraryForm</Edit>
-  <New>DocumentLibraryForm</New>
-</FormTemplates>
+<file path=customXml/itemProps1.xml><?xml version="1.0" encoding="utf-8"?>
+<ds:datastoreItem xmlns:ds="http://schemas.openxmlformats.org/officeDocument/2006/customXml" ds:itemID="{97794DA4-B143-4F60-BF7C-EA867C43D1FE}">
+  <ds:schemaRefs>
+    <ds:schemaRef ds:uri="http://schemas.microsoft.com/office/2006/metadata/properties"/>
+    <ds:schemaRef ds:uri="http://schemas.microsoft.com/office/infopath/2007/PartnerControls"/>
+    <ds:schemaRef ds:uri="d62b6ecb-acff-4b24-a527-ff2b271ebe71"/>
+  </ds:schemaRefs>
+</ds:datastoreItem>
 </file>
 
-<file path=customXml/item3.xml><?xml version="1.0" encoding="utf-8"?>
-<p:properties xmlns:p="http://schemas.microsoft.com/office/2006/metadata/properties" xmlns:xsi="http://www.w3.org/2001/XMLSchema-instance" xmlns:pc="http://schemas.microsoft.com/office/infopath/2007/PartnerControls">
-  <documentManagement/>
-</p:properties>
+<file path=customXml/itemProps2.xml><?xml version="1.0" encoding="utf-8"?>
+<ds:datastoreItem xmlns:ds="http://schemas.openxmlformats.org/officeDocument/2006/customXml" ds:itemID="{6543A033-2779-4EB5-82E0-EE769341BA7A}">
+  <ds:schemaRefs>
+    <ds:schemaRef ds:uri="http://schemas.microsoft.com/sharepoint/v3/contenttype/forms"/>
+  </ds:schemaRefs>
+</ds:datastoreItem>
 </file>
 
-<file path=customXml/itemProps1.xml><?xml version="1.0" encoding="utf-8"?>
+<file path=customXml/itemProps3.xml><?xml version="1.0" encoding="utf-8"?>
 <ds:datastoreItem xmlns:ds="http://schemas.openxmlformats.org/officeDocument/2006/customXml" ds:itemID="{CCCB94B5-2582-4AC7-85D8-612CAD4FD0C1}">
   <ds:schemaRefs>
     <ds:schemaRef ds:uri="http://schemas.microsoft.com/office/2006/metadata/contentType"/>
@@ -49842,22 +49925,4 @@
     <ds:schemaRef ds:uri="http://schemas.microsoft.com/internal/obd"/>
   </ds:schemaRefs>
 </ds:datastoreItem>
-</file>
-
-<file path=customXml/itemProps2.xml><?xml version="1.0" encoding="utf-8"?>
-<ds:datastoreItem xmlns:ds="http://schemas.openxmlformats.org/officeDocument/2006/customXml" ds:itemID="{6543A033-2779-4EB5-82E0-EE769341BA7A}">
-  <ds:schemaRefs>
-    <ds:schemaRef ds:uri="http://schemas.microsoft.com/sharepoint/v3/contenttype/forms"/>
-  </ds:schemaRefs>
-</ds:datastoreItem>
-</file>
-
-<file path=customXml/itemProps3.xml><?xml version="1.0" encoding="utf-8"?>
-<ds:datastoreItem xmlns:ds="http://schemas.openxmlformats.org/officeDocument/2006/customXml" ds:itemID="{97794DA4-B143-4F60-BF7C-EA867C43D1FE}">
-  <ds:schemaRefs>
-    <ds:schemaRef ds:uri="http://schemas.microsoft.com/office/2006/metadata/properties"/>
-    <ds:schemaRef ds:uri="http://schemas.microsoft.com/office/infopath/2007/PartnerControls"/>
-    <ds:schemaRef ds:uri="d62b6ecb-acff-4b24-a527-ff2b271ebe71"/>
-  </ds:schemaRefs>
-</ds:datastoreItem>
 </file>
--- a/docs/VMC Hackathon 2024 - VMC.Chatbot - Demo.pptx
+++ b/docs/VMC Hackathon 2024 - VMC.Chatbot - Demo.pptx
@@ -6,26 +6,27 @@
     <p:sldMasterId id="2147483899" r:id="rId5"/>
   </p:sldMasterIdLst>
   <p:notesMasterIdLst>
-    <p:notesMasterId r:id="rId15"/>
+    <p:notesMasterId r:id="rId16"/>
   </p:notesMasterIdLst>
   <p:handoutMasterIdLst>
-    <p:handoutMasterId r:id="rId16"/>
+    <p:handoutMasterId r:id="rId17"/>
   </p:handoutMasterIdLst>
   <p:sldIdLst>
     <p:sldId id="256" r:id="rId6"/>
     <p:sldId id="264" r:id="rId7"/>
     <p:sldId id="265" r:id="rId8"/>
-    <p:sldId id="266" r:id="rId9"/>
-    <p:sldId id="268" r:id="rId10"/>
-    <p:sldId id="269" r:id="rId11"/>
-    <p:sldId id="270" r:id="rId12"/>
-    <p:sldId id="267" r:id="rId13"/>
-    <p:sldId id="259" r:id="rId14"/>
+    <p:sldId id="271" r:id="rId9"/>
+    <p:sldId id="272" r:id="rId10"/>
+    <p:sldId id="268" r:id="rId11"/>
+    <p:sldId id="269" r:id="rId12"/>
+    <p:sldId id="270" r:id="rId13"/>
+    <p:sldId id="267" r:id="rId14"/>
+    <p:sldId id="259" r:id="rId15"/>
   </p:sldIdLst>
   <p:sldSz cx="12192000" cy="6858000"/>
   <p:notesSz cx="6858000" cy="9144000"/>
   <p:custDataLst>
-    <p:tags r:id="rId17"/>
+    <p:tags r:id="rId18"/>
   </p:custDataLst>
   <p:defaultTextStyle>
     <a:defPPr>
@@ -289,7 +290,7 @@
               <a:pPr>
                 <a:defRPr/>
               </a:pPr>
-              <a:t>5/29/2024</a:t>
+              <a:t>5/31/2024</a:t>
             </a:fld>
             <a:endParaRPr lang="en-US"/>
           </a:p>
@@ -535,7 +536,7 @@
               <a:pPr>
                 <a:defRPr/>
               </a:pPr>
-              <a:t>5/29/2024</a:t>
+              <a:t>5/31/2024</a:t>
             </a:fld>
             <a:endParaRPr lang="en-US"/>
           </a:p>
@@ -43916,7 +43917,7 @@
             </a:pPr>
             <a:fld id="{FB89F83D-D94F-4E45-A8B2-6C514902A01F}" type="datetime1">
               <a:rPr lang="de-DE" smtClean="0"/>
-              <a:t>29.05.2024</a:t>
+              <a:t>31.05.2024</a:t>
             </a:fld>
             <a:endParaRPr lang="de-DE" dirty="0"/>
           </a:p>
@@ -46350,6 +46351,89 @@
 </p:sld>
 </file>
 
+<file path=ppt/slides/slide10.xml><?xml version="1.0" encoding="utf-8"?>
+<p:sld xmlns:a="http://schemas.openxmlformats.org/drawingml/2006/main" xmlns:r="http://schemas.openxmlformats.org/officeDocument/2006/relationships" xmlns:p="http://schemas.openxmlformats.org/presentationml/2006/main">
+  <p:cSld>
+    <p:spTree>
+      <p:nvGrpSpPr>
+        <p:cNvPr id="1" name=""/>
+        <p:cNvGrpSpPr/>
+        <p:nvPr/>
+      </p:nvGrpSpPr>
+      <p:grpSpPr>
+        <a:xfrm>
+          <a:off x="0" y="0"/>
+          <a:ext cx="0" cy="0"/>
+          <a:chOff x="0" y="0"/>
+          <a:chExt cx="0" cy="0"/>
+        </a:xfrm>
+      </p:grpSpPr>
+      <p:sp>
+        <p:nvSpPr>
+          <p:cNvPr id="2" name="Text Placeholder 1">
+            <a:extLst>
+              <a:ext uri="{FF2B5EF4-FFF2-40B4-BE49-F238E27FC236}">
+                <a16:creationId xmlns:a16="http://schemas.microsoft.com/office/drawing/2014/main" id="{59319340-3D40-4017-AE96-227E1D8E232D}"/>
+              </a:ext>
+            </a:extLst>
+          </p:cNvPr>
+          <p:cNvSpPr>
+            <a:spLocks noGrp="1"/>
+          </p:cNvSpPr>
+          <p:nvPr>
+            <p:ph type="body" sz="quarter" idx="13"/>
+          </p:nvPr>
+        </p:nvSpPr>
+        <p:spPr/>
+        <p:txBody>
+          <a:bodyPr/>
+          <a:lstStyle/>
+          <a:p>
+            <a:endParaRPr lang="en-US"/>
+          </a:p>
+        </p:txBody>
+      </p:sp>
+      <p:sp>
+        <p:nvSpPr>
+          <p:cNvPr id="3" name="Text Placeholder 2">
+            <a:extLst>
+              <a:ext uri="{FF2B5EF4-FFF2-40B4-BE49-F238E27FC236}">
+                <a16:creationId xmlns:a16="http://schemas.microsoft.com/office/drawing/2014/main" id="{A62E9BA5-CFFC-4654-83F4-9C29111AEBE4}"/>
+              </a:ext>
+            </a:extLst>
+          </p:cNvPr>
+          <p:cNvSpPr>
+            <a:spLocks noGrp="1"/>
+          </p:cNvSpPr>
+          <p:nvPr>
+            <p:ph type="body" sz="quarter" idx="11"/>
+          </p:nvPr>
+        </p:nvSpPr>
+        <p:spPr/>
+        <p:txBody>
+          <a:bodyPr/>
+          <a:lstStyle/>
+          <a:p>
+            <a:r>
+              <a:rPr lang="en-US" dirty="0"/>
+              <a:t>Thank you!</a:t>
+            </a:r>
+          </a:p>
+        </p:txBody>
+      </p:sp>
+    </p:spTree>
+    <p:extLst>
+      <p:ext uri="{BB962C8B-B14F-4D97-AF65-F5344CB8AC3E}">
+        <p14:creationId xmlns:p14="http://schemas.microsoft.com/office/powerpoint/2010/main" val="1343674845"/>
+      </p:ext>
+    </p:extLst>
+  </p:cSld>
+  <p:clrMapOvr>
+    <a:masterClrMapping/>
+  </p:clrMapOvr>
+</p:sld>
+</file>
+
 <file path=ppt/slides/slide2.xml><?xml version="1.0" encoding="utf-8"?>
 <p:sld xmlns:a="http://schemas.openxmlformats.org/drawingml/2006/main" xmlns:r="http://schemas.openxmlformats.org/officeDocument/2006/relationships" xmlns:p="http://schemas.openxmlformats.org/presentationml/2006/main">
   <p:cSld>
@@ -46468,22 +46552,6 @@
               <a:t>Simufact.Forming</a:t>
             </a:r>
             <a:endParaRPr lang="en-US" sz="1800" dirty="0"/>
-          </a:p>
-          <a:p>
-            <a:pPr>
-              <a:spcBef>
-                <a:spcPts val="1200"/>
-              </a:spcBef>
-              <a:spcAft>
-                <a:spcPts val="1200"/>
-              </a:spcAft>
-              <a:buFont typeface="Wingdings" panose="05000000000000000000" pitchFamily="2" charset="2"/>
-              <a:buChar char="Ø"/>
-            </a:pPr>
-            <a:r>
-              <a:rPr lang="en-US" sz="1800" dirty="0"/>
-              <a:t>Technologies</a:t>
-            </a:r>
           </a:p>
           <a:p>
             <a:pPr>
@@ -47277,10 +47345,10 @@
       </p:grpSpPr>
       <p:sp>
         <p:nvSpPr>
-          <p:cNvPr id="6" name="Text Placeholder 5">
+          <p:cNvPr id="2" name="Text Placeholder 1">
             <a:extLst>
               <a:ext uri="{FF2B5EF4-FFF2-40B4-BE49-F238E27FC236}">
-                <a16:creationId xmlns:a16="http://schemas.microsoft.com/office/drawing/2014/main" id="{6338410A-2A4D-119D-7A74-87A5A319BD26}"/>
+                <a16:creationId xmlns:a16="http://schemas.microsoft.com/office/drawing/2014/main" id="{DBD50962-FC01-3037-1B1E-63862A2B1760}"/>
               </a:ext>
             </a:extLst>
           </p:cNvPr>
@@ -47296,16 +47364,20 @@
           <a:bodyPr/>
           <a:lstStyle/>
           <a:p>
-            <a:endParaRPr lang="en-CA"/>
+            <a:r>
+              <a:rPr lang="en-US" dirty="0"/>
+              <a:t>Forming Suite</a:t>
+            </a:r>
+            <a:endParaRPr lang="en-CA" dirty="0"/>
           </a:p>
         </p:txBody>
       </p:sp>
       <p:sp>
         <p:nvSpPr>
-          <p:cNvPr id="5" name="Title 4">
+          <p:cNvPr id="3" name="Title 2">
             <a:extLst>
               <a:ext uri="{FF2B5EF4-FFF2-40B4-BE49-F238E27FC236}">
-                <a16:creationId xmlns:a16="http://schemas.microsoft.com/office/drawing/2014/main" id="{8819AAA7-5274-B198-980A-C3AAA017397E}"/>
+                <a16:creationId xmlns:a16="http://schemas.microsoft.com/office/drawing/2014/main" id="{08CD433F-8376-D1DA-BA69-2A37E93519C2}"/>
               </a:ext>
             </a:extLst>
           </p:cNvPr>
@@ -47323,7 +47395,7 @@
           <a:p>
             <a:r>
               <a:rPr lang="en-US" dirty="0"/>
-              <a:t>Technologies</a:t>
+              <a:t>Demo</a:t>
             </a:r>
             <a:endParaRPr lang="en-CA" dirty="0"/>
           </a:p>
@@ -47331,10 +47403,10 @@
       </p:sp>
       <p:sp>
         <p:nvSpPr>
-          <p:cNvPr id="7" name="Content Placeholder 6">
+          <p:cNvPr id="4" name="Content Placeholder 3">
             <a:extLst>
               <a:ext uri="{FF2B5EF4-FFF2-40B4-BE49-F238E27FC236}">
-                <a16:creationId xmlns:a16="http://schemas.microsoft.com/office/drawing/2014/main" id="{937AAA3D-4E08-947B-7D5C-D0A6BF807240}"/>
+                <a16:creationId xmlns:a16="http://schemas.microsoft.com/office/drawing/2014/main" id="{5625F66D-AD76-4F4F-5EAA-C554012B1ED9}"/>
               </a:ext>
             </a:extLst>
           </p:cNvPr>
@@ -47350,250 +47422,171 @@
           <a:bodyPr/>
           <a:lstStyle/>
           <a:p>
-            <a:pPr>
-              <a:lnSpc>
-                <a:spcPct val="100000"/>
-              </a:lnSpc>
-              <a:spcBef>
-                <a:spcPts val="600"/>
-              </a:spcBef>
-              <a:spcAft>
-                <a:spcPts val="600"/>
-              </a:spcAft>
-              <a:buFont typeface="Wingdings" panose="05000000000000000000" pitchFamily="2" charset="2"/>
-              <a:buChar char="Ø"/>
-            </a:pPr>
+            <a:r>
+              <a:rPr lang="en-US" dirty="0"/>
+              <a:t>Show toolbar and button to invoke chatbot</a:t>
+            </a:r>
+          </a:p>
+          <a:p>
+            <a:r>
+              <a:rPr lang="en-US" dirty="0"/>
+              <a:t>Query Knowledge Database</a:t>
+            </a:r>
+          </a:p>
+          <a:p>
+            <a:pPr lvl="1"/>
             <a:r>
               <a:rPr lang="en-US" dirty="0">
                 <a:solidFill>
                   <a:schemeClr val="tx1"/>
                 </a:solidFill>
-                <a:highlight>
-                  <a:srgbClr val="FFFFFF"/>
-                </a:highlight>
               </a:rPr>
-              <a:t>Azure Blob Storage for Static Hosting</a:t>
-            </a:r>
-          </a:p>
-          <a:p>
-            <a:pPr>
-              <a:lnSpc>
-                <a:spcPct val="100000"/>
-              </a:lnSpc>
-              <a:spcBef>
-                <a:spcPts val="600"/>
-              </a:spcBef>
-              <a:spcAft>
-                <a:spcPts val="600"/>
-              </a:spcAft>
-              <a:buFont typeface="Wingdings" panose="05000000000000000000" pitchFamily="2" charset="2"/>
-              <a:buChar char="Ø"/>
-            </a:pPr>
+              <a:t>Compare FS.chm search and chatbot search: </a:t>
+            </a:r>
+            <a:r>
+              <a:rPr lang="en-CA" dirty="0"/>
+              <a:t>How to edit part features </a:t>
+            </a:r>
+          </a:p>
+          <a:p>
+            <a:pPr lvl="1"/>
             <a:r>
               <a:rPr lang="en-US" dirty="0">
                 <a:solidFill>
                   <a:schemeClr val="tx1"/>
                 </a:solidFill>
-                <a:highlight>
-                  <a:srgbClr val="FFFFFF"/>
-                </a:highlight>
               </a:rPr>
-              <a:t>Azure Language Cognitive Service</a:t>
-            </a:r>
-          </a:p>
-          <a:p>
-            <a:pPr>
-              <a:lnSpc>
-                <a:spcPct val="100000"/>
-              </a:lnSpc>
-              <a:spcBef>
-                <a:spcPts val="600"/>
-              </a:spcBef>
-              <a:spcAft>
-                <a:spcPts val="600"/>
-              </a:spcAft>
-              <a:buFont typeface="Wingdings" panose="05000000000000000000" pitchFamily="2" charset="2"/>
-              <a:buChar char="Ø"/>
-            </a:pPr>
-            <a:r>
-              <a:rPr lang="en-US" dirty="0">
+              <a:t>Show query contents with follow up prompts: </a:t>
+            </a:r>
+            <a:r>
+              <a:rPr lang="en-CA" dirty="0">
                 <a:solidFill>
                   <a:schemeClr val="tx1"/>
                 </a:solidFill>
-                <a:highlight>
-                  <a:srgbClr val="FFFFFF"/>
-                </a:highlight>
               </a:rPr>
-              <a:t>Azure Language Studio</a:t>
-            </a:r>
-          </a:p>
-          <a:p>
-            <a:pPr>
-              <a:lnSpc>
-                <a:spcPct val="100000"/>
-              </a:lnSpc>
-              <a:spcBef>
-                <a:spcPts val="600"/>
-              </a:spcBef>
-              <a:spcAft>
-                <a:spcPts val="600"/>
-              </a:spcAft>
-              <a:buFont typeface="Wingdings" panose="05000000000000000000" pitchFamily="2" charset="2"/>
-              <a:buChar char="Ø"/>
-            </a:pPr>
-            <a:r>
-              <a:rPr lang="en-US" dirty="0">
+              <a:t>How to create double attached geometry</a:t>
+            </a:r>
+          </a:p>
+          <a:p>
+            <a:pPr lvl="1"/>
+            <a:r>
+              <a:rPr lang="en-CA" dirty="0">
                 <a:solidFill>
                   <a:schemeClr val="tx1"/>
                 </a:solidFill>
-                <a:highlight>
-                  <a:srgbClr val="FFFFFF"/>
-                </a:highlight>
               </a:rPr>
-              <a:t>Qt Network</a:t>
-            </a:r>
-          </a:p>
-          <a:p>
-            <a:pPr>
-              <a:lnSpc>
-                <a:spcPct val="100000"/>
-              </a:lnSpc>
-              <a:spcBef>
-                <a:spcPts val="600"/>
-              </a:spcBef>
-              <a:spcAft>
-                <a:spcPts val="600"/>
-              </a:spcAft>
-              <a:buFont typeface="Wingdings" panose="05000000000000000000" pitchFamily="2" charset="2"/>
-              <a:buChar char="Ø"/>
-            </a:pPr>
-            <a:r>
-              <a:rPr lang="en-US" dirty="0">
+              <a:t>Show query contents with styling:  /code How to import geometry and define its material</a:t>
+            </a:r>
+          </a:p>
+          <a:p>
+            <a:pPr lvl="1"/>
+            <a:r>
+              <a:rPr lang="en-CA" dirty="0">
                 <a:solidFill>
                   <a:schemeClr val="tx1"/>
                 </a:solidFill>
-                <a:highlight>
-                  <a:srgbClr val="FFFFFF"/>
-                </a:highlight>
               </a:rPr>
-              <a:t>Qt </a:t>
-            </a:r>
-            <a:r>
-              <a:rPr lang="en-US" dirty="0" err="1">
+              <a:t>Show query code: /code How to import geometry and define its material</a:t>
+            </a:r>
+          </a:p>
+          <a:p>
+            <a:pPr lvl="1"/>
+            <a:r>
+              <a:rPr lang="en-CA" dirty="0">
                 <a:solidFill>
                   <a:schemeClr val="tx1"/>
                 </a:solidFill>
-                <a:highlight>
-                  <a:srgbClr val="FFFFFF"/>
-                </a:highlight>
               </a:rPr>
-              <a:t>QWebEngine</a:t>
-            </a:r>
+              <a:t>Show query </a:t>
+            </a:r>
+            <a:r>
+              <a:rPr lang="en-CA" dirty="0" err="1">
+                <a:solidFill>
+                  <a:schemeClr val="tx1"/>
+                </a:solidFill>
+              </a:rPr>
+              <a:t>ui</a:t>
+            </a:r>
+            <a:r>
+              <a:rPr lang="en-CA" dirty="0">
+                <a:solidFill>
+                  <a:schemeClr val="tx1"/>
+                </a:solidFill>
+              </a:rPr>
+              <a:t>: /</a:t>
+            </a:r>
+            <a:r>
+              <a:rPr lang="en-CA" dirty="0" err="1">
+                <a:solidFill>
+                  <a:schemeClr val="tx1"/>
+                </a:solidFill>
+              </a:rPr>
+              <a:t>ui</a:t>
+            </a:r>
+            <a:r>
+              <a:rPr lang="en-CA" dirty="0">
+                <a:solidFill>
+                  <a:schemeClr val="tx1"/>
+                </a:solidFill>
+              </a:rPr>
+              <a:t> How to merge  geometry sets </a:t>
+            </a:r>
+          </a:p>
+          <a:p>
+            <a:pPr lvl="1"/>
+            <a:r>
+              <a:rPr lang="en-CA" dirty="0">
+                <a:solidFill>
+                  <a:schemeClr val="tx1"/>
+                </a:solidFill>
+              </a:rPr>
+              <a:t>Show query private content: Give me the abstract of sectionless addendum design</a:t>
+            </a:r>
+          </a:p>
+          <a:p>
+            <a:pPr lvl="1"/>
+            <a:r>
+              <a:rPr lang="en-CA" dirty="0">
+                <a:solidFill>
+                  <a:schemeClr val="tx1"/>
+                </a:solidFill>
+              </a:rPr>
+              <a:t>Show </a:t>
+            </a:r>
+            <a:r>
+              <a:rPr lang="en-CA" dirty="0" err="1">
+                <a:solidFill>
+                  <a:schemeClr val="tx1"/>
+                </a:solidFill>
+              </a:rPr>
+              <a:t>QnA</a:t>
+            </a:r>
+            <a:r>
+              <a:rPr lang="en-CA" dirty="0">
+                <a:solidFill>
+                  <a:schemeClr val="tx1"/>
+                </a:solidFill>
+              </a:rPr>
+              <a:t> playground for query testing</a:t>
+            </a:r>
+          </a:p>
+          <a:p>
+            <a:pPr lvl="1"/>
             <a:endParaRPr lang="en-US" dirty="0">
               <a:solidFill>
                 <a:schemeClr val="tx1"/>
               </a:solidFill>
-              <a:highlight>
-                <a:srgbClr val="FFFFFF"/>
-              </a:highlight>
             </a:endParaRPr>
           </a:p>
           <a:p>
-            <a:pPr>
-              <a:lnSpc>
-                <a:spcPct val="100000"/>
-              </a:lnSpc>
-              <a:spcBef>
-                <a:spcPts val="600"/>
-              </a:spcBef>
-              <a:spcAft>
-                <a:spcPts val="600"/>
-              </a:spcAft>
-              <a:buFont typeface="Wingdings" panose="05000000000000000000" pitchFamily="2" charset="2"/>
-              <a:buChar char="Ø"/>
-            </a:pPr>
-            <a:r>
-              <a:rPr lang="en-US" dirty="0">
-                <a:solidFill>
-                  <a:schemeClr val="tx1"/>
-                </a:solidFill>
-                <a:highlight>
-                  <a:srgbClr val="FFFFFF"/>
-                </a:highlight>
-              </a:rPr>
-              <a:t>Qt </a:t>
-            </a:r>
-            <a:r>
-              <a:rPr lang="en-US" dirty="0" err="1">
-                <a:solidFill>
-                  <a:schemeClr val="tx1"/>
-                </a:solidFill>
-                <a:highlight>
-                  <a:srgbClr val="FFFFFF"/>
-                </a:highlight>
-              </a:rPr>
-              <a:t>QWebEngineWidgets</a:t>
-            </a:r>
-            <a:endParaRPr lang="en-CA" dirty="0">
-              <a:solidFill>
-                <a:schemeClr val="tx1"/>
-              </a:solidFill>
-              <a:highlight>
-                <a:srgbClr val="FFFFFF"/>
-              </a:highlight>
-            </a:endParaRPr>
-          </a:p>
-          <a:p>
-            <a:pPr>
-              <a:lnSpc>
-                <a:spcPct val="100000"/>
-              </a:lnSpc>
-              <a:spcBef>
-                <a:spcPts val="600"/>
-              </a:spcBef>
-              <a:spcAft>
-                <a:spcPts val="600"/>
-              </a:spcAft>
-              <a:buFont typeface="Wingdings" panose="05000000000000000000" pitchFamily="2" charset="2"/>
-              <a:buChar char="Ø"/>
-            </a:pPr>
-            <a:r>
-              <a:rPr lang="en-CA" dirty="0">
-                <a:solidFill>
-                  <a:schemeClr val="tx1"/>
-                </a:solidFill>
-                <a:highlight>
-                  <a:srgbClr val="FFFFFF"/>
-                </a:highlight>
-              </a:rPr>
-              <a:t>Qt </a:t>
-            </a:r>
-            <a:r>
-              <a:rPr lang="en-CA" dirty="0" err="1">
-                <a:solidFill>
-                  <a:schemeClr val="tx1"/>
-                </a:solidFill>
-                <a:highlight>
-                  <a:srgbClr val="FFFFFF"/>
-                </a:highlight>
-              </a:rPr>
-              <a:t>QJsonDocument</a:t>
-            </a:r>
-            <a:endParaRPr lang="en-CA" dirty="0">
-              <a:solidFill>
-                <a:schemeClr val="tx1"/>
-              </a:solidFill>
-              <a:highlight>
-                <a:srgbClr val="FFFFFF"/>
-              </a:highlight>
-            </a:endParaRPr>
+            <a:endParaRPr lang="en-CA" dirty="0"/>
           </a:p>
         </p:txBody>
       </p:sp>
     </p:spTree>
     <p:extLst>
       <p:ext uri="{BB962C8B-B14F-4D97-AF65-F5344CB8AC3E}">
-        <p14:creationId xmlns:p14="http://schemas.microsoft.com/office/powerpoint/2010/main" val="1501945968"/>
+        <p14:creationId xmlns:p14="http://schemas.microsoft.com/office/powerpoint/2010/main" val="1150749464"/>
       </p:ext>
     </p:extLst>
   </p:cSld>
@@ -47625,7 +47618,7 @@
           <p:cNvPr id="2" name="Text Placeholder 1">
             <a:extLst>
               <a:ext uri="{FF2B5EF4-FFF2-40B4-BE49-F238E27FC236}">
-                <a16:creationId xmlns:a16="http://schemas.microsoft.com/office/drawing/2014/main" id="{B17163A0-B5E3-1919-4C35-123E028C33A5}"/>
+                <a16:creationId xmlns:a16="http://schemas.microsoft.com/office/drawing/2014/main" id="{D34B92C5-B243-7754-E9BB-4233550F39B0}"/>
               </a:ext>
             </a:extLst>
           </p:cNvPr>
@@ -47641,7 +47634,11 @@
           <a:bodyPr/>
           <a:lstStyle/>
           <a:p>
-            <a:endParaRPr lang="en-CA"/>
+            <a:r>
+              <a:rPr lang="en-US" dirty="0" err="1"/>
+              <a:t>Simufact.Forming</a:t>
+            </a:r>
+            <a:endParaRPr lang="en-CA" dirty="0"/>
           </a:p>
         </p:txBody>
       </p:sp>
@@ -47650,7 +47647,7 @@
           <p:cNvPr id="3" name="Title 2">
             <a:extLst>
               <a:ext uri="{FF2B5EF4-FFF2-40B4-BE49-F238E27FC236}">
-                <a16:creationId xmlns:a16="http://schemas.microsoft.com/office/drawing/2014/main" id="{68134BCC-963D-BD0F-8997-9108999F5052}"/>
+                <a16:creationId xmlns:a16="http://schemas.microsoft.com/office/drawing/2014/main" id="{E47219E9-4112-668E-3CB4-6A041D5C405A}"/>
               </a:ext>
             </a:extLst>
           </p:cNvPr>
@@ -47668,7 +47665,7 @@
           <a:p>
             <a:r>
               <a:rPr lang="en-US" dirty="0"/>
-              <a:t>What’s learned?</a:t>
+              <a:t>Demo</a:t>
             </a:r>
             <a:endParaRPr lang="en-CA" dirty="0"/>
           </a:p>
@@ -47679,7 +47676,7 @@
           <p:cNvPr id="4" name="Content Placeholder 3">
             <a:extLst>
               <a:ext uri="{FF2B5EF4-FFF2-40B4-BE49-F238E27FC236}">
-                <a16:creationId xmlns:a16="http://schemas.microsoft.com/office/drawing/2014/main" id="{F0FF9AEA-8D78-A917-1D77-B9544EE52C11}"/>
+                <a16:creationId xmlns:a16="http://schemas.microsoft.com/office/drawing/2014/main" id="{A3CD71F7-C4B6-072A-6D80-C778125AFC1A}"/>
               </a:ext>
             </a:extLst>
           </p:cNvPr>
@@ -47696,208 +47693,11 @@
           <a:lstStyle/>
           <a:p>
             <a:r>
-              <a:rPr lang="en-CA" dirty="0">
-                <a:solidFill>
-                  <a:schemeClr val="tx1"/>
-                </a:solidFill>
-              </a:rPr>
-              <a:t>What’s the best way to upload and store my knowledge documents?</a:t>
-            </a:r>
-          </a:p>
-          <a:p>
-            <a:pPr lvl="1"/>
-            <a:r>
-              <a:rPr lang="en-CA" dirty="0">
-                <a:solidFill>
-                  <a:schemeClr val="tx1"/>
-                </a:solidFill>
-              </a:rPr>
-              <a:t>Azure Blob Storage Service (Static Web Hosting)</a:t>
-            </a:r>
-          </a:p>
-          <a:p>
-            <a:r>
-              <a:rPr lang="en-CA" dirty="0">
-                <a:solidFill>
-                  <a:schemeClr val="tx1"/>
-                </a:solidFill>
-              </a:rPr>
-              <a:t>What’s the best way to set up my knowledge database?</a:t>
-            </a:r>
-          </a:p>
-          <a:p>
-            <a:pPr lvl="1"/>
-            <a:r>
-              <a:rPr lang="en-CA" dirty="0">
-                <a:solidFill>
-                  <a:schemeClr val="tx1"/>
-                </a:solidFill>
-              </a:rPr>
-              <a:t>Azure Language Studio</a:t>
-            </a:r>
-          </a:p>
-          <a:p>
-            <a:r>
-              <a:rPr lang="en-US" dirty="0">
-                <a:solidFill>
-                  <a:schemeClr val="tx1"/>
-                </a:solidFill>
-              </a:rPr>
-              <a:t>What’s the best document format for feeding the Azure Cognitive engine?</a:t>
-            </a:r>
-          </a:p>
-          <a:p>
-            <a:pPr lvl="1"/>
-            <a:r>
-              <a:rPr lang="en-CA" dirty="0">
-                <a:solidFill>
-                  <a:schemeClr val="tx1"/>
-                </a:solidFill>
-              </a:rPr>
-              <a:t>Structured Text + Resource Links: MARKDOWN, HTML</a:t>
-            </a:r>
-          </a:p>
-          <a:p>
-            <a:r>
-              <a:rPr lang="en-CA" dirty="0">
-                <a:solidFill>
-                  <a:schemeClr val="tx1"/>
-                </a:solidFill>
-              </a:rPr>
-              <a:t>Why is URL sources preferred in Language Studio?</a:t>
-            </a:r>
-          </a:p>
-          <a:p>
-            <a:pPr lvl="1"/>
-            <a:r>
-              <a:rPr lang="en-CA" dirty="0">
-                <a:solidFill>
-                  <a:schemeClr val="tx1"/>
-                </a:solidFill>
-              </a:rPr>
-              <a:t>Direct uploading has much stricter file and storage limits</a:t>
-            </a:r>
-          </a:p>
-          <a:p>
-            <a:r>
-              <a:rPr lang="en-CA" dirty="0">
-                <a:solidFill>
-                  <a:schemeClr val="tx1"/>
-                </a:solidFill>
-              </a:rPr>
-              <a:t>Does it take very long time to digest the documents?</a:t>
-            </a:r>
-          </a:p>
-          <a:p>
-            <a:pPr lvl="1"/>
-            <a:r>
-              <a:rPr lang="en-CA" dirty="0">
-                <a:solidFill>
-                  <a:schemeClr val="tx1"/>
-                </a:solidFill>
-              </a:rPr>
-              <a:t>No, the performance is good</a:t>
-            </a:r>
-          </a:p>
-          <a:p>
-            <a:r>
-              <a:rPr lang="en-CA" dirty="0">
-                <a:solidFill>
-                  <a:schemeClr val="tx1"/>
-                </a:solidFill>
-              </a:rPr>
-              <a:t>How can I improve my Knowledge Database?</a:t>
-            </a:r>
-          </a:p>
-          <a:p>
-            <a:pPr lvl="1"/>
-            <a:r>
-              <a:rPr lang="en-CA" dirty="0">
-                <a:solidFill>
-                  <a:schemeClr val="tx1"/>
-                </a:solidFill>
-              </a:rPr>
-              <a:t>The more feeds, the better answers.</a:t>
-            </a:r>
-          </a:p>
-          <a:p>
-            <a:pPr lvl="1"/>
-            <a:r>
-              <a:rPr lang="en-CA" dirty="0">
-                <a:solidFill>
-                  <a:schemeClr val="tx1"/>
-                </a:solidFill>
-              </a:rPr>
-              <a:t>Synonyms and follow-up prompts are available</a:t>
-            </a:r>
-          </a:p>
-          <a:p>
-            <a:r>
-              <a:rPr lang="en-CA" dirty="0">
-                <a:solidFill>
-                  <a:schemeClr val="tx1"/>
-                </a:solidFill>
-              </a:rPr>
-              <a:t>Can I test my Knowledge Database and improve the answers?</a:t>
-            </a:r>
-          </a:p>
-          <a:p>
-            <a:pPr lvl="1"/>
-            <a:r>
-              <a:rPr lang="en-CA" dirty="0">
-                <a:solidFill>
-                  <a:schemeClr val="tx1"/>
-                </a:solidFill>
-              </a:rPr>
-              <a:t>Yes, test tool is available</a:t>
-            </a:r>
-          </a:p>
-          <a:p>
-            <a:endParaRPr lang="en-CA" dirty="0">
-              <a:solidFill>
-                <a:schemeClr val="tx1"/>
-              </a:solidFill>
-            </a:endParaRPr>
-          </a:p>
-          <a:p>
-            <a:pPr marL="0" indent="0">
-              <a:buNone/>
-            </a:pPr>
-            <a:endParaRPr lang="en-CA" dirty="0">
-              <a:solidFill>
-                <a:schemeClr val="tx1"/>
-              </a:solidFill>
-            </a:endParaRPr>
-          </a:p>
-          <a:p>
-            <a:pPr marL="0" indent="0">
-              <a:buNone/>
-            </a:pPr>
-            <a:endParaRPr lang="en-CA" dirty="0">
-              <a:solidFill>
-                <a:schemeClr val="tx1"/>
-              </a:solidFill>
-            </a:endParaRPr>
-          </a:p>
-          <a:p>
-            <a:pPr marL="0" indent="0">
-              <a:buNone/>
-            </a:pPr>
-            <a:endParaRPr lang="en-CA" dirty="0">
-              <a:solidFill>
-                <a:schemeClr val="tx1"/>
-              </a:solidFill>
-            </a:endParaRPr>
-          </a:p>
-          <a:p>
-            <a:endParaRPr lang="en-CA" dirty="0">
-              <a:solidFill>
-                <a:schemeClr val="tx1"/>
-              </a:solidFill>
-            </a:endParaRPr>
-          </a:p>
-          <a:p>
-            <a:pPr lvl="1"/>
+              <a:rPr lang="en-US" dirty="0"/>
+              <a:t>Show toolbar and button to invoke chatbot</a:t>
+            </a:r>
+          </a:p>
+          <a:p>
             <a:endParaRPr lang="en-CA" dirty="0"/>
           </a:p>
         </p:txBody>
@@ -47905,7 +47705,7 @@
     </p:spTree>
     <p:extLst>
       <p:ext uri="{BB962C8B-B14F-4D97-AF65-F5344CB8AC3E}">
-        <p14:creationId xmlns:p14="http://schemas.microsoft.com/office/powerpoint/2010/main" val="2504123800"/>
+        <p14:creationId xmlns:p14="http://schemas.microsoft.com/office/powerpoint/2010/main" val="1229578972"/>
       </p:ext>
     </p:extLst>
   </p:cSld>
@@ -47937,7 +47737,7 @@
           <p:cNvPr id="2" name="Text Placeholder 1">
             <a:extLst>
               <a:ext uri="{FF2B5EF4-FFF2-40B4-BE49-F238E27FC236}">
-                <a16:creationId xmlns:a16="http://schemas.microsoft.com/office/drawing/2014/main" id="{73726631-36F8-3FA7-8B59-66F185FA0125}"/>
+                <a16:creationId xmlns:a16="http://schemas.microsoft.com/office/drawing/2014/main" id="{B17163A0-B5E3-1919-4C35-123E028C33A5}"/>
               </a:ext>
             </a:extLst>
           </p:cNvPr>
@@ -47962,7 +47762,7 @@
           <p:cNvPr id="3" name="Title 2">
             <a:extLst>
               <a:ext uri="{FF2B5EF4-FFF2-40B4-BE49-F238E27FC236}">
-                <a16:creationId xmlns:a16="http://schemas.microsoft.com/office/drawing/2014/main" id="{06DD545D-A820-1AD8-4CFA-12F9E097C1A3}"/>
+                <a16:creationId xmlns:a16="http://schemas.microsoft.com/office/drawing/2014/main" id="{68134BCC-963D-BD0F-8997-9108999F5052}"/>
               </a:ext>
             </a:extLst>
           </p:cNvPr>
@@ -47980,7 +47780,7 @@
           <a:p>
             <a:r>
               <a:rPr lang="en-US" dirty="0"/>
-              <a:t>What’s learned? (Cont.)</a:t>
+              <a:t>What’s learned?</a:t>
             </a:r>
             <a:endParaRPr lang="en-CA" dirty="0"/>
           </a:p>
@@ -47991,7 +47791,7 @@
           <p:cNvPr id="4" name="Content Placeholder 3">
             <a:extLst>
               <a:ext uri="{FF2B5EF4-FFF2-40B4-BE49-F238E27FC236}">
-                <a16:creationId xmlns:a16="http://schemas.microsoft.com/office/drawing/2014/main" id="{C02A8DB7-2C50-85EC-FF57-1C3DD1C33B7D}"/>
+                <a16:creationId xmlns:a16="http://schemas.microsoft.com/office/drawing/2014/main" id="{F0FF9AEA-8D78-A917-1D77-B9544EE52C11}"/>
               </a:ext>
             </a:extLst>
           </p:cNvPr>
@@ -48008,136 +47808,205 @@
           <a:lstStyle/>
           <a:p>
             <a:r>
-              <a:rPr lang="en-US" dirty="0"/>
-              <a:t>Can I call Azure Language Cognitive Service directly from my Qt application?</a:t>
+              <a:rPr lang="en-CA" dirty="0">
+                <a:solidFill>
+                  <a:schemeClr val="tx1"/>
+                </a:solidFill>
+              </a:rPr>
+              <a:t>What’s the best way to upload and store my knowledge documents?</a:t>
             </a:r>
           </a:p>
           <a:p>
             <a:pPr lvl="1"/>
             <a:r>
-              <a:rPr lang="en-CA" dirty="0"/>
-              <a:t>Yes, using Qt Network module</a:t>
-            </a:r>
-          </a:p>
-          <a:p>
-            <a:r>
-              <a:rPr lang="en-CA" dirty="0"/>
-              <a:t>Can Azure Language Cognitive Service learn from my script examples and generate script for me?</a:t>
+              <a:rPr lang="en-CA" dirty="0">
+                <a:solidFill>
+                  <a:schemeClr val="tx1"/>
+                </a:solidFill>
+              </a:rPr>
+              <a:t>Azure Blob Storage Service (Static Web Hosting)</a:t>
+            </a:r>
+          </a:p>
+          <a:p>
+            <a:r>
+              <a:rPr lang="en-CA" dirty="0">
+                <a:solidFill>
+                  <a:schemeClr val="tx1"/>
+                </a:solidFill>
+              </a:rPr>
+              <a:t>What’s the best way to set up my knowledge database?</a:t>
             </a:r>
           </a:p>
           <a:p>
             <a:pPr lvl="1"/>
             <a:r>
-              <a:rPr lang="en-CA" dirty="0"/>
-              <a:t>No, it’s not meant for code understanding and generation.</a:t>
-            </a:r>
-          </a:p>
-          <a:p>
-            <a:r>
-              <a:rPr lang="en-CA" dirty="0"/>
-              <a:t>What’s the advantages of using chatbot instead of searching documents?</a:t>
+              <a:rPr lang="en-CA" dirty="0">
+                <a:solidFill>
+                  <a:schemeClr val="tx1"/>
+                </a:solidFill>
+              </a:rPr>
+              <a:t>Azure Language Studio</a:t>
+            </a:r>
+          </a:p>
+          <a:p>
+            <a:r>
+              <a:rPr lang="en-US" dirty="0">
+                <a:solidFill>
+                  <a:schemeClr val="tx1"/>
+                </a:solidFill>
+              </a:rPr>
+              <a:t>What’s the best document format for feeding the Azure Cognitive engine?</a:t>
             </a:r>
           </a:p>
           <a:p>
             <a:pPr lvl="1"/>
             <a:r>
-              <a:rPr lang="en-CA" dirty="0"/>
-              <a:t>Searching documents: context unaware / multiple results without ranking</a:t>
+              <a:rPr lang="en-CA" dirty="0">
+                <a:solidFill>
+                  <a:schemeClr val="tx1"/>
+                </a:solidFill>
+              </a:rPr>
+              <a:t>Structured Text + Resource Links: MARKDOWN, HTML</a:t>
+            </a:r>
+          </a:p>
+          <a:p>
+            <a:r>
+              <a:rPr lang="en-CA" dirty="0">
+                <a:solidFill>
+                  <a:schemeClr val="tx1"/>
+                </a:solidFill>
+              </a:rPr>
+              <a:t>Why is URL sources preferred in Language Studio?</a:t>
             </a:r>
           </a:p>
           <a:p>
             <a:pPr lvl="1"/>
             <a:r>
-              <a:rPr lang="en-CA" dirty="0"/>
-              <a:t>Using chatbot: context aware / responses based on confidence level</a:t>
-            </a:r>
-          </a:p>
-          <a:p>
-            <a:r>
-              <a:rPr lang="en-CA" dirty="0"/>
-              <a:t>What are the advantages of our Embedded </a:t>
-            </a:r>
-            <a:r>
-              <a:rPr lang="en-CA" dirty="0" err="1"/>
-              <a:t>VMC.Copilot</a:t>
-            </a:r>
-            <a:r>
-              <a:rPr lang="en-CA" dirty="0"/>
-              <a:t> (EC) vs. Microsoft Copilot (MC)?</a:t>
+              <a:rPr lang="en-CA" dirty="0">
+                <a:solidFill>
+                  <a:schemeClr val="tx1"/>
+                </a:solidFill>
+              </a:rPr>
+              <a:t>Direct uploading has much stricter file and storage limits</a:t>
+            </a:r>
+          </a:p>
+          <a:p>
+            <a:r>
+              <a:rPr lang="en-CA" dirty="0">
+                <a:solidFill>
+                  <a:schemeClr val="tx1"/>
+                </a:solidFill>
+              </a:rPr>
+              <a:t>Does it take very long time to digest the documents?</a:t>
             </a:r>
           </a:p>
           <a:p>
             <a:pPr lvl="1"/>
             <a:r>
-              <a:rPr lang="en-CA" dirty="0"/>
-              <a:t>Knowledge domains:</a:t>
-            </a:r>
-          </a:p>
-          <a:p>
-            <a:pPr lvl="2"/>
-            <a:r>
-              <a:rPr lang="en-CA" dirty="0"/>
-              <a:t>MC: public domain</a:t>
-            </a:r>
-          </a:p>
-          <a:p>
-            <a:pPr lvl="2"/>
-            <a:r>
-              <a:rPr lang="en-CA" dirty="0"/>
-              <a:t>EC: selected public + private domains</a:t>
+              <a:rPr lang="en-CA" dirty="0">
+                <a:solidFill>
+                  <a:schemeClr val="tx1"/>
+                </a:solidFill>
+              </a:rPr>
+              <a:t>No, the performance is good</a:t>
+            </a:r>
+          </a:p>
+          <a:p>
+            <a:r>
+              <a:rPr lang="en-CA" dirty="0">
+                <a:solidFill>
+                  <a:schemeClr val="tx1"/>
+                </a:solidFill>
+              </a:rPr>
+              <a:t>How can I improve my Knowledge Database?</a:t>
             </a:r>
           </a:p>
           <a:p>
             <a:pPr lvl="1"/>
             <a:r>
-              <a:rPr lang="en-CA" dirty="0"/>
-              <a:t>Answer format:</a:t>
-            </a:r>
-          </a:p>
-          <a:p>
-            <a:pPr lvl="2"/>
-            <a:r>
-              <a:rPr lang="en-CA" dirty="0"/>
-              <a:t>MC: most are text based without images</a:t>
-            </a:r>
-          </a:p>
-          <a:p>
-            <a:pPr lvl="2"/>
-            <a:r>
-              <a:rPr lang="en-CA" dirty="0"/>
-              <a:t>EC: anything we want</a:t>
+              <a:rPr lang="en-CA" dirty="0">
+                <a:solidFill>
+                  <a:schemeClr val="tx1"/>
+                </a:solidFill>
+              </a:rPr>
+              <a:t>The more feeds, the better answers.</a:t>
             </a:r>
           </a:p>
           <a:p>
             <a:pPr lvl="1"/>
             <a:r>
-              <a:rPr lang="en-CA" dirty="0"/>
-              <a:t>Interaction within software:</a:t>
-            </a:r>
-          </a:p>
-          <a:p>
-            <a:pPr lvl="2"/>
-            <a:r>
-              <a:rPr lang="en-CA" dirty="0"/>
-              <a:t>MC: not feasible</a:t>
-            </a:r>
-          </a:p>
-          <a:p>
-            <a:pPr lvl="2"/>
-            <a:r>
-              <a:rPr lang="en-CA" dirty="0"/>
-              <a:t>EC: anything we want</a:t>
-            </a:r>
+              <a:rPr lang="en-CA" dirty="0">
+                <a:solidFill>
+                  <a:schemeClr val="tx1"/>
+                </a:solidFill>
+              </a:rPr>
+              <a:t>Synonyms and follow-up prompts are available</a:t>
+            </a:r>
+          </a:p>
+          <a:p>
+            <a:r>
+              <a:rPr lang="en-CA" dirty="0">
+                <a:solidFill>
+                  <a:schemeClr val="tx1"/>
+                </a:solidFill>
+              </a:rPr>
+              <a:t>Can I test my Knowledge Database and improve the answers?</a:t>
+            </a:r>
+          </a:p>
+          <a:p>
+            <a:pPr lvl="1"/>
+            <a:r>
+              <a:rPr lang="en-CA" dirty="0">
+                <a:solidFill>
+                  <a:schemeClr val="tx1"/>
+                </a:solidFill>
+              </a:rPr>
+              <a:t>Yes, test tool is available</a:t>
+            </a:r>
+          </a:p>
+          <a:p>
+            <a:endParaRPr lang="en-CA" dirty="0">
+              <a:solidFill>
+                <a:schemeClr val="tx1"/>
+              </a:solidFill>
+            </a:endParaRPr>
           </a:p>
           <a:p>
             <a:pPr marL="0" indent="0">
               <a:buNone/>
             </a:pPr>
-            <a:endParaRPr lang="en-CA" dirty="0"/>
-          </a:p>
-          <a:p>
-            <a:pPr lvl="2"/>
-            <a:endParaRPr lang="en-CA" dirty="0"/>
+            <a:endParaRPr lang="en-CA" dirty="0">
+              <a:solidFill>
+                <a:schemeClr val="tx1"/>
+              </a:solidFill>
+            </a:endParaRPr>
+          </a:p>
+          <a:p>
+            <a:pPr marL="0" indent="0">
+              <a:buNone/>
+            </a:pPr>
+            <a:endParaRPr lang="en-CA" dirty="0">
+              <a:solidFill>
+                <a:schemeClr val="tx1"/>
+              </a:solidFill>
+            </a:endParaRPr>
+          </a:p>
+          <a:p>
+            <a:pPr marL="0" indent="0">
+              <a:buNone/>
+            </a:pPr>
+            <a:endParaRPr lang="en-CA" dirty="0">
+              <a:solidFill>
+                <a:schemeClr val="tx1"/>
+              </a:solidFill>
+            </a:endParaRPr>
+          </a:p>
+          <a:p>
+            <a:endParaRPr lang="en-CA" dirty="0">
+              <a:solidFill>
+                <a:schemeClr val="tx1"/>
+              </a:solidFill>
+            </a:endParaRPr>
           </a:p>
           <a:p>
             <a:pPr lvl="1"/>
@@ -48148,7 +48017,7 @@
     </p:spTree>
     <p:extLst>
       <p:ext uri="{BB962C8B-B14F-4D97-AF65-F5344CB8AC3E}">
-        <p14:creationId xmlns:p14="http://schemas.microsoft.com/office/powerpoint/2010/main" val="29960138"/>
+        <p14:creationId xmlns:p14="http://schemas.microsoft.com/office/powerpoint/2010/main" val="2504123800"/>
       </p:ext>
     </p:extLst>
   </p:cSld>
@@ -48180,7 +48049,7 @@
           <p:cNvPr id="2" name="Text Placeholder 1">
             <a:extLst>
               <a:ext uri="{FF2B5EF4-FFF2-40B4-BE49-F238E27FC236}">
-                <a16:creationId xmlns:a16="http://schemas.microsoft.com/office/drawing/2014/main" id="{BFEEF7FB-E47B-943C-7ACC-F8204FE88D1B}"/>
+                <a16:creationId xmlns:a16="http://schemas.microsoft.com/office/drawing/2014/main" id="{73726631-36F8-3FA7-8B59-66F185FA0125}"/>
               </a:ext>
             </a:extLst>
           </p:cNvPr>
@@ -48205,7 +48074,7 @@
           <p:cNvPr id="3" name="Title 2">
             <a:extLst>
               <a:ext uri="{FF2B5EF4-FFF2-40B4-BE49-F238E27FC236}">
-                <a16:creationId xmlns:a16="http://schemas.microsoft.com/office/drawing/2014/main" id="{269EC857-E2DD-B985-1DF4-18414EDD451F}"/>
+                <a16:creationId xmlns:a16="http://schemas.microsoft.com/office/drawing/2014/main" id="{06DD545D-A820-1AD8-4CFA-12F9E097C1A3}"/>
               </a:ext>
             </a:extLst>
           </p:cNvPr>
@@ -48234,7 +48103,7 @@
           <p:cNvPr id="4" name="Content Placeholder 3">
             <a:extLst>
               <a:ext uri="{FF2B5EF4-FFF2-40B4-BE49-F238E27FC236}">
-                <a16:creationId xmlns:a16="http://schemas.microsoft.com/office/drawing/2014/main" id="{9A85F99E-ADF7-F268-6883-D55A7535720A}"/>
+                <a16:creationId xmlns:a16="http://schemas.microsoft.com/office/drawing/2014/main" id="{C02A8DB7-2C50-85EC-FF57-1C3DD1C33B7D}"/>
               </a:ext>
             </a:extLst>
           </p:cNvPr>
@@ -48251,109 +48120,147 @@
           <a:lstStyle/>
           <a:p>
             <a:r>
+              <a:rPr lang="en-US" dirty="0"/>
+              <a:t>Can I call Azure Language Cognitive Service directly from my Qt application?</a:t>
+            </a:r>
+          </a:p>
+          <a:p>
+            <a:pPr lvl="1"/>
+            <a:r>
               <a:rPr lang="en-CA" dirty="0"/>
-              <a:t>Why choose Microsoft Azure, not AWS, Google AI or other service providers?</a:t>
+              <a:t>Yes, using Qt Network module</a:t>
+            </a:r>
+          </a:p>
+          <a:p>
+            <a:r>
+              <a:rPr lang="en-CA" dirty="0"/>
+              <a:t>Can Azure Language Cognitive Service learn from my script examples and generate script for me?</a:t>
             </a:r>
           </a:p>
           <a:p>
             <a:pPr lvl="1"/>
             <a:r>
               <a:rPr lang="en-CA" dirty="0"/>
-              <a:t>We have subscriptions with Microsoft Azure</a:t>
-            </a:r>
-          </a:p>
-          <a:p>
-            <a:r>
-              <a:rPr lang="en-US" dirty="0"/>
-              <a:t>Is that safe to let Azure Language Cognitive Service to digest my documents and scripts?</a:t>
+              <a:t>No, it’s not meant for code understanding and generation.</a:t>
+            </a:r>
+          </a:p>
+          <a:p>
+            <a:r>
+              <a:rPr lang="en-CA" dirty="0"/>
+              <a:t>What’s the advantages of using chatbot instead of searching documents?</a:t>
             </a:r>
           </a:p>
           <a:p>
             <a:pPr lvl="1"/>
             <a:r>
-              <a:rPr lang="en-US" dirty="0"/>
-              <a:t>Yes, those are user materials.</a:t>
-            </a:r>
-          </a:p>
-          <a:p>
-            <a:r>
-              <a:rPr lang="en-US" dirty="0"/>
-              <a:t>Can I use it in other products?</a:t>
+              <a:rPr lang="en-CA" dirty="0"/>
+              <a:t>Searching documents: context unaware / multiple results without ranking</a:t>
             </a:r>
           </a:p>
           <a:p>
             <a:pPr lvl="1"/>
             <a:r>
-              <a:rPr lang="en-US" dirty="0"/>
-              <a:t>Yes, the core is NuGet packaged and can be easily adapted to any products.</a:t>
-            </a:r>
-          </a:p>
-          <a:p>
-            <a:r>
-              <a:rPr lang="en-US" dirty="0"/>
-              <a:t>Can I ask using a different language and get answers in that language?</a:t>
+              <a:rPr lang="en-CA" dirty="0"/>
+              <a:t>Using chatbot: context aware / responses based on confidence level</a:t>
+            </a:r>
+          </a:p>
+          <a:p>
+            <a:r>
+              <a:rPr lang="en-CA" dirty="0"/>
+              <a:t>What are the advantages of our Embedded </a:t>
+            </a:r>
+            <a:r>
+              <a:rPr lang="en-CA" dirty="0" err="1"/>
+              <a:t>VMC.Copilot</a:t>
+            </a:r>
+            <a:r>
+              <a:rPr lang="en-CA" dirty="0"/>
+              <a:t> (EC) vs. Microsoft Copilot (MC)?</a:t>
             </a:r>
           </a:p>
           <a:p>
             <a:pPr lvl="1"/>
             <a:r>
-              <a:rPr lang="en-US" dirty="0"/>
-              <a:t>Yes, feasible with Azure Language Translation service</a:t>
-            </a:r>
-          </a:p>
-          <a:p>
-            <a:r>
-              <a:rPr lang="en-US" dirty="0"/>
-              <a:t>Is that expensive to use the Azure Blob Storage service?</a:t>
+              <a:rPr lang="en-CA" dirty="0"/>
+              <a:t>Knowledge domains:</a:t>
+            </a:r>
+          </a:p>
+          <a:p>
+            <a:pPr lvl="2"/>
+            <a:r>
+              <a:rPr lang="en-CA" dirty="0"/>
+              <a:t>MC: public domain</a:t>
+            </a:r>
+          </a:p>
+          <a:p>
+            <a:pPr lvl="2"/>
+            <a:r>
+              <a:rPr lang="en-CA" dirty="0"/>
+              <a:t>EC: selected public + private domains</a:t>
             </a:r>
           </a:p>
           <a:p>
             <a:pPr lvl="1"/>
             <a:r>
-              <a:rPr lang="en-US"/>
-              <a:t>No</a:t>
-            </a:r>
-            <a:endParaRPr lang="en-US" dirty="0"/>
-          </a:p>
-          <a:p>
-            <a:r>
-              <a:rPr lang="en-US" dirty="0"/>
-              <a:t>Is that expensive to use the Azure Language Cognitive Service?</a:t>
+              <a:rPr lang="en-CA" dirty="0"/>
+              <a:t>Answer format:</a:t>
+            </a:r>
+          </a:p>
+          <a:p>
+            <a:pPr lvl="2"/>
+            <a:r>
+              <a:rPr lang="en-CA" dirty="0"/>
+              <a:t>MC: most are text based without images</a:t>
+            </a:r>
+          </a:p>
+          <a:p>
+            <a:pPr lvl="2"/>
+            <a:r>
+              <a:rPr lang="en-CA" dirty="0"/>
+              <a:t>EC: anything we want</a:t>
             </a:r>
           </a:p>
           <a:p>
             <a:pPr lvl="1"/>
             <a:r>
-              <a:rPr lang="en-US" dirty="0"/>
-              <a:t>Depends on the service call volume, in my experiment: $0/m(F0) or ~$40/m (S1) for 18M document training and querying. The tier is controllable.</a:t>
-            </a:r>
+              <a:rPr lang="en-CA" dirty="0"/>
+              <a:t>Interaction within software:</a:t>
+            </a:r>
+          </a:p>
+          <a:p>
+            <a:pPr lvl="2"/>
+            <a:r>
+              <a:rPr lang="en-CA" dirty="0"/>
+              <a:t>MC: not feasible</a:t>
+            </a:r>
+          </a:p>
+          <a:p>
+            <a:pPr lvl="2"/>
+            <a:r>
+              <a:rPr lang="en-CA" dirty="0"/>
+              <a:t>EC: anything we want</a:t>
+            </a:r>
+          </a:p>
+          <a:p>
+            <a:pPr marL="0" indent="0">
+              <a:buNone/>
+            </a:pPr>
+            <a:endParaRPr lang="en-CA" dirty="0"/>
+          </a:p>
+          <a:p>
+            <a:pPr lvl="2"/>
+            <a:endParaRPr lang="en-CA" dirty="0"/>
           </a:p>
           <a:p>
             <a:pPr lvl="1"/>
-            <a:r>
-              <a:rPr lang="en-US" dirty="0"/>
-              <a:t>Projecting in production ~$100/m for one product</a:t>
-            </a:r>
-          </a:p>
-          <a:p>
-            <a:pPr lvl="1"/>
-            <a:r>
-              <a:rPr lang="en-US" dirty="0"/>
-              <a:t>Comparing tons of subscription credits are wasted, this is just a tiny fraction of the expenses.</a:t>
-            </a:r>
-          </a:p>
-          <a:p>
-            <a:pPr marL="0" indent="0">
-              <a:buNone/>
-            </a:pPr>
-            <a:endParaRPr lang="en-US" dirty="0"/>
+            <a:endParaRPr lang="en-CA" dirty="0"/>
           </a:p>
         </p:txBody>
       </p:sp>
     </p:spTree>
     <p:extLst>
       <p:ext uri="{BB962C8B-B14F-4D97-AF65-F5344CB8AC3E}">
-        <p14:creationId xmlns:p14="http://schemas.microsoft.com/office/powerpoint/2010/main" val="3147653832"/>
+        <p14:creationId xmlns:p14="http://schemas.microsoft.com/office/powerpoint/2010/main" val="29960138"/>
       </p:ext>
     </p:extLst>
   </p:cSld>
@@ -48385,7 +48292,7 @@
           <p:cNvPr id="2" name="Text Placeholder 1">
             <a:extLst>
               <a:ext uri="{FF2B5EF4-FFF2-40B4-BE49-F238E27FC236}">
-                <a16:creationId xmlns:a16="http://schemas.microsoft.com/office/drawing/2014/main" id="{CC5500BF-795A-6927-7D6C-99DB2E4C81C0}"/>
+                <a16:creationId xmlns:a16="http://schemas.microsoft.com/office/drawing/2014/main" id="{BFEEF7FB-E47B-943C-7ACC-F8204FE88D1B}"/>
               </a:ext>
             </a:extLst>
           </p:cNvPr>
@@ -48410,7 +48317,7 @@
           <p:cNvPr id="3" name="Title 2">
             <a:extLst>
               <a:ext uri="{FF2B5EF4-FFF2-40B4-BE49-F238E27FC236}">
-                <a16:creationId xmlns:a16="http://schemas.microsoft.com/office/drawing/2014/main" id="{B1266E83-D9FE-3A67-6C93-987BCDAA984E}"/>
+                <a16:creationId xmlns:a16="http://schemas.microsoft.com/office/drawing/2014/main" id="{269EC857-E2DD-B985-1DF4-18414EDD451F}"/>
               </a:ext>
             </a:extLst>
           </p:cNvPr>
@@ -48428,7 +48335,7 @@
           <a:p>
             <a:r>
               <a:rPr lang="en-US" dirty="0"/>
-              <a:t>Extend Check List</a:t>
+              <a:t>What’s learned? (Cont.)</a:t>
             </a:r>
             <a:endParaRPr lang="en-CA" dirty="0"/>
           </a:p>
@@ -48439,7 +48346,7 @@
           <p:cNvPr id="4" name="Content Placeholder 3">
             <a:extLst>
               <a:ext uri="{FF2B5EF4-FFF2-40B4-BE49-F238E27FC236}">
-                <a16:creationId xmlns:a16="http://schemas.microsoft.com/office/drawing/2014/main" id="{463411C6-A138-7B7D-56F9-51D612ABD3A0}"/>
+                <a16:creationId xmlns:a16="http://schemas.microsoft.com/office/drawing/2014/main" id="{9A85F99E-ADF7-F268-6883-D55A7535720A}"/>
               </a:ext>
             </a:extLst>
           </p:cNvPr>
@@ -48455,83 +48362,110 @@
           <a:bodyPr/>
           <a:lstStyle/>
           <a:p>
-            <a:pPr>
-              <a:spcBef>
-                <a:spcPts val="600"/>
-              </a:spcBef>
-              <a:spcAft>
-                <a:spcPts val="600"/>
-              </a:spcAft>
-              <a:buFont typeface="Wingdings" panose="05000000000000000000" pitchFamily="2" charset="2"/>
-              <a:buChar char="Ø"/>
+            <a:r>
+              <a:rPr lang="en-CA" dirty="0"/>
+              <a:t>Why choose Microsoft Azure, not AWS, Google AI or other service providers?</a:t>
+            </a:r>
+          </a:p>
+          <a:p>
+            <a:pPr lvl="1"/>
+            <a:r>
+              <a:rPr lang="en-CA" dirty="0"/>
+              <a:t>We have subscriptions with Microsoft Azure</a:t>
+            </a:r>
+          </a:p>
+          <a:p>
+            <a:r>
+              <a:rPr lang="en-US" dirty="0"/>
+              <a:t>Is that safe to let Azure Language Cognitive Service to digest my documents and scripts?</a:t>
+            </a:r>
+          </a:p>
+          <a:p>
+            <a:pPr lvl="1"/>
+            <a:r>
+              <a:rPr lang="en-US" dirty="0"/>
+              <a:t>Yes, those are user materials.</a:t>
+            </a:r>
+          </a:p>
+          <a:p>
+            <a:r>
+              <a:rPr lang="en-US" dirty="0"/>
+              <a:t>Can I use it in other products?</a:t>
+            </a:r>
+          </a:p>
+          <a:p>
+            <a:pPr lvl="1"/>
+            <a:r>
+              <a:rPr lang="en-US" dirty="0"/>
+              <a:t>Yes, the core is NuGet packaged and can be easily adapted to any products.</a:t>
+            </a:r>
+          </a:p>
+          <a:p>
+            <a:r>
+              <a:rPr lang="en-US" dirty="0"/>
+              <a:t>Can I ask using a different language and get answers in that language?</a:t>
+            </a:r>
+          </a:p>
+          <a:p>
+            <a:pPr lvl="1"/>
+            <a:r>
+              <a:rPr lang="en-US" dirty="0"/>
+              <a:t>Yes, feasible with Azure Language Translation service</a:t>
+            </a:r>
+          </a:p>
+          <a:p>
+            <a:r>
+              <a:rPr lang="en-US" dirty="0"/>
+              <a:t>Is that expensive to use the Azure Blob Storage service?</a:t>
+            </a:r>
+          </a:p>
+          <a:p>
+            <a:pPr lvl="1"/>
+            <a:r>
+              <a:rPr lang="en-US"/>
+              <a:t>No</a:t>
+            </a:r>
+            <a:endParaRPr lang="en-US" dirty="0"/>
+          </a:p>
+          <a:p>
+            <a:r>
+              <a:rPr lang="en-US" dirty="0"/>
+              <a:t>Is that expensive to use the Azure Language Cognitive Service?</a:t>
+            </a:r>
+          </a:p>
+          <a:p>
+            <a:pPr lvl="1"/>
+            <a:r>
+              <a:rPr lang="en-US" dirty="0"/>
+              <a:t>Depends on the service call volume, in my experiment: $0/m(F0) or ~$40/m (S1) for 18M document training and querying. The tier is controllable.</a:t>
+            </a:r>
+          </a:p>
+          <a:p>
+            <a:pPr lvl="1"/>
+            <a:r>
+              <a:rPr lang="en-US" dirty="0"/>
+              <a:t>Projecting in production ~$100/m for one product</a:t>
+            </a:r>
+          </a:p>
+          <a:p>
+            <a:pPr lvl="1"/>
+            <a:r>
+              <a:rPr lang="en-US" dirty="0"/>
+              <a:t>Comparing tons of subscription credits are wasted, this is just a tiny fraction of the expenses.</a:t>
+            </a:r>
+          </a:p>
+          <a:p>
+            <a:pPr marL="0" indent="0">
+              <a:buNone/>
             </a:pPr>
-            <a:r>
-              <a:rPr lang="en-US" dirty="0"/>
-              <a:t>I want to ask question in my own language</a:t>
-            </a:r>
-          </a:p>
-          <a:p>
-            <a:pPr>
-              <a:spcBef>
-                <a:spcPts val="600"/>
-              </a:spcBef>
-              <a:spcAft>
-                <a:spcPts val="600"/>
-              </a:spcAft>
-              <a:buFont typeface="Wingdings" panose="05000000000000000000" pitchFamily="2" charset="2"/>
-              <a:buChar char="Ø"/>
-            </a:pPr>
-            <a:r>
-              <a:rPr lang="en-US" dirty="0"/>
-              <a:t>I want to have the answer in my own language</a:t>
-            </a:r>
-          </a:p>
-          <a:p>
-            <a:pPr>
-              <a:spcBef>
-                <a:spcPts val="600"/>
-              </a:spcBef>
-              <a:spcAft>
-                <a:spcPts val="600"/>
-              </a:spcAft>
-              <a:buFont typeface="Wingdings" panose="05000000000000000000" pitchFamily="2" charset="2"/>
-              <a:buChar char="Ø"/>
-            </a:pPr>
-            <a:r>
-              <a:rPr lang="en-US" dirty="0"/>
-              <a:t>I want to ask Chatbot to generate a script for me</a:t>
-            </a:r>
-          </a:p>
-          <a:p>
-            <a:pPr>
-              <a:spcBef>
-                <a:spcPts val="600"/>
-              </a:spcBef>
-              <a:spcAft>
-                <a:spcPts val="600"/>
-              </a:spcAft>
-              <a:buFont typeface="Wingdings" panose="05000000000000000000" pitchFamily="2" charset="2"/>
-              <a:buChar char="Ø"/>
-            </a:pPr>
-            <a:r>
-              <a:rPr lang="en-US" dirty="0"/>
-              <a:t>I want to ask Chatbot to revise generated script with </a:t>
-            </a:r>
-            <a:r>
-              <a:rPr lang="en-US"/>
-              <a:t>some prompts</a:t>
-            </a:r>
             <a:endParaRPr lang="en-US" dirty="0"/>
-          </a:p>
-          <a:p>
-            <a:endParaRPr lang="en-CA" dirty="0"/>
           </a:p>
         </p:txBody>
       </p:sp>
     </p:spTree>
     <p:extLst>
       <p:ext uri="{BB962C8B-B14F-4D97-AF65-F5344CB8AC3E}">
-        <p14:creationId xmlns:p14="http://schemas.microsoft.com/office/powerpoint/2010/main" val="1455857299"/>
+        <p14:creationId xmlns:p14="http://schemas.microsoft.com/office/powerpoint/2010/main" val="3147653832"/>
       </p:ext>
     </p:extLst>
   </p:cSld>
@@ -48563,7 +48497,7 @@
           <p:cNvPr id="2" name="Text Placeholder 1">
             <a:extLst>
               <a:ext uri="{FF2B5EF4-FFF2-40B4-BE49-F238E27FC236}">
-                <a16:creationId xmlns:a16="http://schemas.microsoft.com/office/drawing/2014/main" id="{59319340-3D40-4017-AE96-227E1D8E232D}"/>
+                <a16:creationId xmlns:a16="http://schemas.microsoft.com/office/drawing/2014/main" id="{CC5500BF-795A-6927-7D6C-99DB2E4C81C0}"/>
               </a:ext>
             </a:extLst>
           </p:cNvPr>
@@ -48571,7 +48505,7 @@
             <a:spLocks noGrp="1"/>
           </p:cNvSpPr>
           <p:nvPr>
-            <p:ph type="body" sz="quarter" idx="13"/>
+            <p:ph type="body" sz="quarter" idx="20"/>
           </p:nvPr>
         </p:nvSpPr>
         <p:spPr/>
@@ -48579,16 +48513,16 @@
           <a:bodyPr/>
           <a:lstStyle/>
           <a:p>
-            <a:endParaRPr lang="en-US"/>
+            <a:endParaRPr lang="en-CA"/>
           </a:p>
         </p:txBody>
       </p:sp>
       <p:sp>
         <p:nvSpPr>
-          <p:cNvPr id="3" name="Text Placeholder 2">
+          <p:cNvPr id="3" name="Title 2">
             <a:extLst>
               <a:ext uri="{FF2B5EF4-FFF2-40B4-BE49-F238E27FC236}">
-                <a16:creationId xmlns:a16="http://schemas.microsoft.com/office/drawing/2014/main" id="{A62E9BA5-CFFC-4654-83F4-9C29111AEBE4}"/>
+                <a16:creationId xmlns:a16="http://schemas.microsoft.com/office/drawing/2014/main" id="{B1266E83-D9FE-3A67-6C93-987BCDAA984E}"/>
               </a:ext>
             </a:extLst>
           </p:cNvPr>
@@ -48596,7 +48530,7 @@
             <a:spLocks noGrp="1"/>
           </p:cNvSpPr>
           <p:nvPr>
-            <p:ph type="body" sz="quarter" idx="11"/>
+            <p:ph type="title"/>
           </p:nvPr>
         </p:nvSpPr>
         <p:spPr/>
@@ -48606,15 +48540,110 @@
           <a:p>
             <a:r>
               <a:rPr lang="en-US" dirty="0"/>
-              <a:t>Thank you!</a:t>
-            </a:r>
+              <a:t>Extend Check List</a:t>
+            </a:r>
+            <a:endParaRPr lang="en-CA" dirty="0"/>
+          </a:p>
+        </p:txBody>
+      </p:sp>
+      <p:sp>
+        <p:nvSpPr>
+          <p:cNvPr id="4" name="Content Placeholder 3">
+            <a:extLst>
+              <a:ext uri="{FF2B5EF4-FFF2-40B4-BE49-F238E27FC236}">
+                <a16:creationId xmlns:a16="http://schemas.microsoft.com/office/drawing/2014/main" id="{463411C6-A138-7B7D-56F9-51D612ABD3A0}"/>
+              </a:ext>
+            </a:extLst>
+          </p:cNvPr>
+          <p:cNvSpPr>
+            <a:spLocks noGrp="1"/>
+          </p:cNvSpPr>
+          <p:nvPr>
+            <p:ph sz="quarter" idx="21"/>
+          </p:nvPr>
+        </p:nvSpPr>
+        <p:spPr/>
+        <p:txBody>
+          <a:bodyPr/>
+          <a:lstStyle/>
+          <a:p>
+            <a:pPr>
+              <a:spcBef>
+                <a:spcPts val="600"/>
+              </a:spcBef>
+              <a:spcAft>
+                <a:spcPts val="600"/>
+              </a:spcAft>
+              <a:buFont typeface="Wingdings" panose="05000000000000000000" pitchFamily="2" charset="2"/>
+              <a:buChar char="Ø"/>
+            </a:pPr>
+            <a:r>
+              <a:rPr lang="en-US" dirty="0"/>
+              <a:t>I want to ask question in my own language</a:t>
+            </a:r>
+          </a:p>
+          <a:p>
+            <a:pPr>
+              <a:spcBef>
+                <a:spcPts val="600"/>
+              </a:spcBef>
+              <a:spcAft>
+                <a:spcPts val="600"/>
+              </a:spcAft>
+              <a:buFont typeface="Wingdings" panose="05000000000000000000" pitchFamily="2" charset="2"/>
+              <a:buChar char="Ø"/>
+            </a:pPr>
+            <a:r>
+              <a:rPr lang="en-US" dirty="0"/>
+              <a:t>I want to have the answer in my own language</a:t>
+            </a:r>
+          </a:p>
+          <a:p>
+            <a:pPr>
+              <a:spcBef>
+                <a:spcPts val="600"/>
+              </a:spcBef>
+              <a:spcAft>
+                <a:spcPts val="600"/>
+              </a:spcAft>
+              <a:buFont typeface="Wingdings" panose="05000000000000000000" pitchFamily="2" charset="2"/>
+              <a:buChar char="Ø"/>
+            </a:pPr>
+            <a:r>
+              <a:rPr lang="en-US" dirty="0"/>
+              <a:t>I want to ask Chatbot to generate a script for me</a:t>
+            </a:r>
+          </a:p>
+          <a:p>
+            <a:pPr>
+              <a:spcBef>
+                <a:spcPts val="600"/>
+              </a:spcBef>
+              <a:spcAft>
+                <a:spcPts val="600"/>
+              </a:spcAft>
+              <a:buFont typeface="Wingdings" panose="05000000000000000000" pitchFamily="2" charset="2"/>
+              <a:buChar char="Ø"/>
+            </a:pPr>
+            <a:r>
+              <a:rPr lang="en-US" dirty="0"/>
+              <a:t>I want to ask Chatbot to revise generated script with </a:t>
+            </a:r>
+            <a:r>
+              <a:rPr lang="en-US"/>
+              <a:t>some prompts</a:t>
+            </a:r>
+            <a:endParaRPr lang="en-US" dirty="0"/>
+          </a:p>
+          <a:p>
+            <a:endParaRPr lang="en-CA" dirty="0"/>
           </a:p>
         </p:txBody>
       </p:sp>
     </p:spTree>
     <p:extLst>
       <p:ext uri="{BB962C8B-B14F-4D97-AF65-F5344CB8AC3E}">
-        <p14:creationId xmlns:p14="http://schemas.microsoft.com/office/powerpoint/2010/main" val="1343674845"/>
+        <p14:creationId xmlns:p14="http://schemas.microsoft.com/office/powerpoint/2010/main" val="1455857299"/>
       </p:ext>
     </p:extLst>
   </p:cSld>
@@ -49659,21 +49688,6 @@
 </file>
 
 <file path=customXml/item1.xml><?xml version="1.0" encoding="utf-8"?>
-<p:properties xmlns:p="http://schemas.microsoft.com/office/2006/metadata/properties" xmlns:xsi="http://www.w3.org/2001/XMLSchema-instance" xmlns:pc="http://schemas.microsoft.com/office/infopath/2007/PartnerControls">
-  <documentManagement/>
-</p:properties>
-</file>
-
-<file path=customXml/item2.xml><?xml version="1.0" encoding="utf-8"?>
-<?mso-contentType ?>
-<FormTemplates xmlns="http://schemas.microsoft.com/sharepoint/v3/contenttype/forms">
-  <Display>DocumentLibraryForm</Display>
-  <Edit>DocumentLibraryForm</Edit>
-  <New>DocumentLibraryForm</New>
-</FormTemplates>
-</file>
-
-<file path=customXml/item3.xml><?xml version="1.0" encoding="utf-8"?>
 <ct:contentTypeSchema xmlns:ct="http://schemas.microsoft.com/office/2006/metadata/contentType" xmlns:ma="http://schemas.microsoft.com/office/2006/metadata/properties/metaAttributes" ct:_="" ma:_="" ma:contentTypeName="Dokument" ma:contentTypeID="0x010100610F89A0BBA6C34A913DB646AC567109" ma:contentTypeVersion="12" ma:contentTypeDescription="Ein neues Dokument erstellen." ma:contentTypeScope="" ma:versionID="b3371b258f4be0ddf951ea065973cc30">
   <xsd:schema xmlns:xsd="http://www.w3.org/2001/XMLSchema" xmlns:xs="http://www.w3.org/2001/XMLSchema" xmlns:p="http://schemas.microsoft.com/office/2006/metadata/properties" xmlns:ns2="1f6a6638-2655-4a74-b9f8-16c1b5edccac" xmlns:ns3="bf34d6df-5183-4f9f-a1bd-e8af6fdd30b8" targetNamespace="http://schemas.microsoft.com/office/2006/metadata/properties" ma:root="true" ma:fieldsID="375e732f81423a44c24ef989eb02442f" ns2:_="" ns3:_="">
     <xsd:import namespace="1f6a6638-2655-4a74-b9f8-16c1b5edccac"/>
@@ -49890,25 +49904,22 @@
 </ct:contentTypeSchema>
 </file>
 
-<file path=customXml/itemProps1.xml><?xml version="1.0" encoding="utf-8"?>
-<ds:datastoreItem xmlns:ds="http://schemas.openxmlformats.org/officeDocument/2006/customXml" ds:itemID="{97794DA4-B143-4F60-BF7C-EA867C43D1FE}">
-  <ds:schemaRefs>
-    <ds:schemaRef ds:uri="http://schemas.microsoft.com/office/2006/metadata/properties"/>
-    <ds:schemaRef ds:uri="http://schemas.microsoft.com/office/infopath/2007/PartnerControls"/>
-    <ds:schemaRef ds:uri="d62b6ecb-acff-4b24-a527-ff2b271ebe71"/>
-  </ds:schemaRefs>
-</ds:datastoreItem>
+<file path=customXml/item2.xml><?xml version="1.0" encoding="utf-8"?>
+<?mso-contentType ?>
+<FormTemplates xmlns="http://schemas.microsoft.com/sharepoint/v3/contenttype/forms">
+  <Display>DocumentLibraryForm</Display>
+  <Edit>DocumentLibraryForm</Edit>
+  <New>DocumentLibraryForm</New>
+</FormTemplates>
 </file>
 
-<file path=customXml/itemProps2.xml><?xml version="1.0" encoding="utf-8"?>
-<ds:datastoreItem xmlns:ds="http://schemas.openxmlformats.org/officeDocument/2006/customXml" ds:itemID="{6543A033-2779-4EB5-82E0-EE769341BA7A}">
-  <ds:schemaRefs>
-    <ds:schemaRef ds:uri="http://schemas.microsoft.com/sharepoint/v3/contenttype/forms"/>
-  </ds:schemaRefs>
-</ds:datastoreItem>
+<file path=customXml/item3.xml><?xml version="1.0" encoding="utf-8"?>
+<p:properties xmlns:p="http://schemas.microsoft.com/office/2006/metadata/properties" xmlns:xsi="http://www.w3.org/2001/XMLSchema-instance" xmlns:pc="http://schemas.microsoft.com/office/infopath/2007/PartnerControls">
+  <documentManagement/>
+</p:properties>
 </file>
 
-<file path=customXml/itemProps3.xml><?xml version="1.0" encoding="utf-8"?>
+<file path=customXml/itemProps1.xml><?xml version="1.0" encoding="utf-8"?>
 <ds:datastoreItem xmlns:ds="http://schemas.openxmlformats.org/officeDocument/2006/customXml" ds:itemID="{CCCB94B5-2582-4AC7-85D8-612CAD4FD0C1}">
   <ds:schemaRefs>
     <ds:schemaRef ds:uri="http://schemas.microsoft.com/office/2006/metadata/contentType"/>
@@ -49925,4 +49936,22 @@
     <ds:schemaRef ds:uri="http://schemas.microsoft.com/internal/obd"/>
   </ds:schemaRefs>
 </ds:datastoreItem>
+</file>
+
+<file path=customXml/itemProps2.xml><?xml version="1.0" encoding="utf-8"?>
+<ds:datastoreItem xmlns:ds="http://schemas.openxmlformats.org/officeDocument/2006/customXml" ds:itemID="{6543A033-2779-4EB5-82E0-EE769341BA7A}">
+  <ds:schemaRefs>
+    <ds:schemaRef ds:uri="http://schemas.microsoft.com/sharepoint/v3/contenttype/forms"/>
+  </ds:schemaRefs>
+</ds:datastoreItem>
+</file>
+
+<file path=customXml/itemProps3.xml><?xml version="1.0" encoding="utf-8"?>
+<ds:datastoreItem xmlns:ds="http://schemas.openxmlformats.org/officeDocument/2006/customXml" ds:itemID="{97794DA4-B143-4F60-BF7C-EA867C43D1FE}">
+  <ds:schemaRefs>
+    <ds:schemaRef ds:uri="http://schemas.microsoft.com/office/2006/metadata/properties"/>
+    <ds:schemaRef ds:uri="http://schemas.microsoft.com/office/infopath/2007/PartnerControls"/>
+    <ds:schemaRef ds:uri="d62b6ecb-acff-4b24-a527-ff2b271ebe71"/>
+  </ds:schemaRefs>
+</ds:datastoreItem>
 </file>
--- a/docs/VMC Hackathon 2024 - VMC.Chatbot - Demo.pptx
+++ b/docs/VMC Hackathon 2024 - VMC.Chatbot - Demo.pptx
@@ -6,10 +6,10 @@
     <p:sldMasterId id="2147483899" r:id="rId5"/>
   </p:sldMasterIdLst>
   <p:notesMasterIdLst>
-    <p:notesMasterId r:id="rId16"/>
+    <p:notesMasterId r:id="rId17"/>
   </p:notesMasterIdLst>
   <p:handoutMasterIdLst>
-    <p:handoutMasterId r:id="rId17"/>
+    <p:handoutMasterId r:id="rId18"/>
   </p:handoutMasterIdLst>
   <p:sldIdLst>
     <p:sldId id="256" r:id="rId6"/>
@@ -20,13 +20,14 @@
     <p:sldId id="268" r:id="rId11"/>
     <p:sldId id="269" r:id="rId12"/>
     <p:sldId id="270" r:id="rId13"/>
-    <p:sldId id="267" r:id="rId14"/>
-    <p:sldId id="259" r:id="rId15"/>
+    <p:sldId id="273" r:id="rId14"/>
+    <p:sldId id="267" r:id="rId15"/>
+    <p:sldId id="259" r:id="rId16"/>
   </p:sldIdLst>
   <p:sldSz cx="12192000" cy="6858000"/>
   <p:notesSz cx="6858000" cy="9144000"/>
   <p:custDataLst>
-    <p:tags r:id="rId18"/>
+    <p:tags r:id="rId19"/>
   </p:custDataLst>
   <p:defaultTextStyle>
     <a:defPPr>
@@ -290,7 +291,7 @@
               <a:pPr>
                 <a:defRPr/>
               </a:pPr>
-              <a:t>5/31/2024</a:t>
+              <a:t>6/4/2024</a:t>
             </a:fld>
             <a:endParaRPr lang="en-US"/>
           </a:p>
@@ -536,7 +537,7 @@
               <a:pPr>
                 <a:defRPr/>
               </a:pPr>
-              <a:t>5/31/2024</a:t>
+              <a:t>6/4/2024</a:t>
             </a:fld>
             <a:endParaRPr lang="en-US"/>
           </a:p>
@@ -43917,7 +43918,7 @@
             </a:pPr>
             <a:fld id="{FB89F83D-D94F-4E45-A8B2-6C514902A01F}" type="datetime1">
               <a:rPr lang="de-DE" smtClean="0"/>
-              <a:t>31.05.2024</a:t>
+              <a:t>04.06.2024</a:t>
             </a:fld>
             <a:endParaRPr lang="de-DE" dirty="0"/>
           </a:p>
@@ -46373,6 +46374,163 @@
           <p:cNvPr id="2" name="Text Placeholder 1">
             <a:extLst>
               <a:ext uri="{FF2B5EF4-FFF2-40B4-BE49-F238E27FC236}">
+                <a16:creationId xmlns:a16="http://schemas.microsoft.com/office/drawing/2014/main" id="{CC5500BF-795A-6927-7D6C-99DB2E4C81C0}"/>
+              </a:ext>
+            </a:extLst>
+          </p:cNvPr>
+          <p:cNvSpPr>
+            <a:spLocks noGrp="1"/>
+          </p:cNvSpPr>
+          <p:nvPr>
+            <p:ph type="body" sz="quarter" idx="20"/>
+          </p:nvPr>
+        </p:nvSpPr>
+        <p:spPr/>
+        <p:txBody>
+          <a:bodyPr/>
+          <a:lstStyle/>
+          <a:p>
+            <a:endParaRPr lang="en-CA"/>
+          </a:p>
+        </p:txBody>
+      </p:sp>
+      <p:sp>
+        <p:nvSpPr>
+          <p:cNvPr id="3" name="Title 2">
+            <a:extLst>
+              <a:ext uri="{FF2B5EF4-FFF2-40B4-BE49-F238E27FC236}">
+                <a16:creationId xmlns:a16="http://schemas.microsoft.com/office/drawing/2014/main" id="{B1266E83-D9FE-3A67-6C93-987BCDAA984E}"/>
+              </a:ext>
+            </a:extLst>
+          </p:cNvPr>
+          <p:cNvSpPr>
+            <a:spLocks noGrp="1"/>
+          </p:cNvSpPr>
+          <p:nvPr>
+            <p:ph type="title"/>
+          </p:nvPr>
+        </p:nvSpPr>
+        <p:spPr/>
+        <p:txBody>
+          <a:bodyPr/>
+          <a:lstStyle/>
+          <a:p>
+            <a:r>
+              <a:rPr lang="en-US" dirty="0"/>
+              <a:t>Extend Check List</a:t>
+            </a:r>
+            <a:endParaRPr lang="en-CA" dirty="0"/>
+          </a:p>
+        </p:txBody>
+      </p:sp>
+      <p:sp>
+        <p:nvSpPr>
+          <p:cNvPr id="4" name="Content Placeholder 3">
+            <a:extLst>
+              <a:ext uri="{FF2B5EF4-FFF2-40B4-BE49-F238E27FC236}">
+                <a16:creationId xmlns:a16="http://schemas.microsoft.com/office/drawing/2014/main" id="{463411C6-A138-7B7D-56F9-51D612ABD3A0}"/>
+              </a:ext>
+            </a:extLst>
+          </p:cNvPr>
+          <p:cNvSpPr>
+            <a:spLocks noGrp="1"/>
+          </p:cNvSpPr>
+          <p:nvPr>
+            <p:ph sz="quarter" idx="21"/>
+          </p:nvPr>
+        </p:nvSpPr>
+        <p:spPr/>
+        <p:txBody>
+          <a:bodyPr/>
+          <a:lstStyle/>
+          <a:p>
+            <a:pPr>
+              <a:spcBef>
+                <a:spcPts val="600"/>
+              </a:spcBef>
+              <a:spcAft>
+                <a:spcPts val="600"/>
+              </a:spcAft>
+              <a:buFont typeface="Wingdings" panose="05000000000000000000" pitchFamily="2" charset="2"/>
+              <a:buChar char="Ø"/>
+            </a:pPr>
+            <a:r>
+              <a:rPr lang="en-US" dirty="0"/>
+              <a:t>I want to ask question in my own language</a:t>
+            </a:r>
+          </a:p>
+          <a:p>
+            <a:pPr>
+              <a:spcBef>
+                <a:spcPts val="600"/>
+              </a:spcBef>
+              <a:spcAft>
+                <a:spcPts val="600"/>
+              </a:spcAft>
+              <a:buFont typeface="Wingdings" panose="05000000000000000000" pitchFamily="2" charset="2"/>
+              <a:buChar char="Ø"/>
+            </a:pPr>
+            <a:r>
+              <a:rPr lang="en-US" dirty="0"/>
+              <a:t>I want to have the answer in my own language</a:t>
+            </a:r>
+          </a:p>
+          <a:p>
+            <a:pPr>
+              <a:spcBef>
+                <a:spcPts val="600"/>
+              </a:spcBef>
+              <a:spcAft>
+                <a:spcPts val="600"/>
+              </a:spcAft>
+              <a:buFont typeface="Wingdings" panose="05000000000000000000" pitchFamily="2" charset="2"/>
+              <a:buChar char="Ø"/>
+            </a:pPr>
+            <a:r>
+              <a:rPr lang="en-US" dirty="0"/>
+              <a:t>I want to ask Chatbot to revise generated script with some prompts</a:t>
+            </a:r>
+          </a:p>
+          <a:p>
+            <a:endParaRPr lang="en-CA" dirty="0"/>
+          </a:p>
+        </p:txBody>
+      </p:sp>
+    </p:spTree>
+    <p:extLst>
+      <p:ext uri="{BB962C8B-B14F-4D97-AF65-F5344CB8AC3E}">
+        <p14:creationId xmlns:p14="http://schemas.microsoft.com/office/powerpoint/2010/main" val="1455857299"/>
+      </p:ext>
+    </p:extLst>
+  </p:cSld>
+  <p:clrMapOvr>
+    <a:masterClrMapping/>
+  </p:clrMapOvr>
+</p:sld>
+</file>
+
+<file path=ppt/slides/slide11.xml><?xml version="1.0" encoding="utf-8"?>
+<p:sld xmlns:a="http://schemas.openxmlformats.org/drawingml/2006/main" xmlns:r="http://schemas.openxmlformats.org/officeDocument/2006/relationships" xmlns:p="http://schemas.openxmlformats.org/presentationml/2006/main">
+  <p:cSld>
+    <p:spTree>
+      <p:nvGrpSpPr>
+        <p:cNvPr id="1" name=""/>
+        <p:cNvGrpSpPr/>
+        <p:nvPr/>
+      </p:nvGrpSpPr>
+      <p:grpSpPr>
+        <a:xfrm>
+          <a:off x="0" y="0"/>
+          <a:ext cx="0" cy="0"/>
+          <a:chOff x="0" y="0"/>
+          <a:chExt cx="0" cy="0"/>
+        </a:xfrm>
+      </p:grpSpPr>
+      <p:sp>
+        <p:nvSpPr>
+          <p:cNvPr id="2" name="Text Placeholder 1">
+            <a:extLst>
+              <a:ext uri="{FF2B5EF4-FFF2-40B4-BE49-F238E27FC236}">
                 <a16:creationId xmlns:a16="http://schemas.microsoft.com/office/drawing/2014/main" id="{59319340-3D40-4017-AE96-227E1D8E232D}"/>
               </a:ext>
             </a:extLst>
@@ -47070,6 +47228,68 @@
             </a:r>
           </a:p>
           <a:p>
+            <a:pPr>
+              <a:lnSpc>
+                <a:spcPct val="100000"/>
+              </a:lnSpc>
+              <a:spcBef>
+                <a:spcPts val="600"/>
+              </a:spcBef>
+              <a:spcAft>
+                <a:spcPts val="600"/>
+              </a:spcAft>
+              <a:buFont typeface="Wingdings" panose="05000000000000000000" pitchFamily="2" charset="2"/>
+              <a:buChar char="Ø"/>
+            </a:pPr>
+            <a:r>
+              <a:rPr lang="en-US" dirty="0"/>
+              <a:t>I want to ask Chatbot to generate a script for me </a:t>
+            </a:r>
+            <a:r>
+              <a:rPr lang="en-US" dirty="0">
+                <a:solidFill>
+                  <a:srgbClr val="FF0000"/>
+                </a:solidFill>
+              </a:rPr>
+              <a:t>FS</a:t>
+            </a:r>
+            <a:r>
+              <a:rPr lang="en-US" dirty="0"/>
+              <a:t> </a:t>
+            </a:r>
+            <a:r>
+              <a:rPr lang="en-US" dirty="0">
+                <a:solidFill>
+                  <a:srgbClr val="FF0000"/>
+                </a:solidFill>
+              </a:rPr>
+              <a:t>SF</a:t>
+            </a:r>
+          </a:p>
+          <a:p>
+            <a:pPr>
+              <a:lnSpc>
+                <a:spcPct val="100000"/>
+              </a:lnSpc>
+              <a:spcBef>
+                <a:spcPts val="600"/>
+              </a:spcBef>
+              <a:spcAft>
+                <a:spcPts val="600"/>
+              </a:spcAft>
+              <a:buFont typeface="Wingdings" panose="05000000000000000000" pitchFamily="2" charset="2"/>
+              <a:buChar char="Ø"/>
+            </a:pPr>
+            <a:endParaRPr lang="en-US" dirty="0">
+              <a:solidFill>
+                <a:schemeClr val="tx1"/>
+              </a:solidFill>
+              <a:highlight>
+                <a:srgbClr val="FFFFFF"/>
+              </a:highlight>
+            </a:endParaRPr>
+          </a:p>
+          <a:p>
             <a:pPr marL="0" indent="0">
               <a:lnSpc>
                 <a:spcPct val="100000"/>
@@ -47529,7 +47749,7 @@
                   <a:schemeClr val="tx1"/>
                 </a:solidFill>
               </a:rPr>
-              <a:t> How to merge  geometry sets </a:t>
+              <a:t> How to merge geometry sets </a:t>
             </a:r>
           </a:p>
           <a:p>
@@ -47551,23 +47771,73 @@
                   <a:schemeClr val="tx1"/>
                 </a:solidFill>
               </a:rPr>
-              <a:t>Show </a:t>
-            </a:r>
-            <a:r>
-              <a:rPr lang="en-CA" dirty="0" err="1">
+              <a:t>Show query to generate scripts:</a:t>
+            </a:r>
+          </a:p>
+          <a:p>
+            <a:pPr lvl="2"/>
+            <a:r>
+              <a:rPr lang="en-CA" dirty="0">
                 <a:solidFill>
                   <a:schemeClr val="tx1"/>
                 </a:solidFill>
               </a:rPr>
-              <a:t>QnA</a:t>
-            </a:r>
+              <a:t>@oa Show me code to import a geometry and define its material</a:t>
+            </a:r>
+          </a:p>
+          <a:p>
+            <a:pPr lvl="2"/>
             <a:r>
               <a:rPr lang="en-CA" dirty="0">
                 <a:solidFill>
                   <a:schemeClr val="tx1"/>
                 </a:solidFill>
               </a:rPr>
-              <a:t> playground for query testing</a:t>
+              <a:t>@oa Show me code to create a line die plan process</a:t>
+            </a:r>
+          </a:p>
+          <a:p>
+            <a:pPr lvl="2"/>
+            <a:r>
+              <a:rPr lang="en-CA" dirty="0">
+                <a:solidFill>
+                  <a:schemeClr val="tx1"/>
+                </a:solidFill>
+              </a:rPr>
+              <a:t>@oa Show me code to create solve a nesting layout</a:t>
+            </a:r>
+          </a:p>
+          <a:p>
+            <a:pPr lvl="1"/>
+            <a:r>
+              <a:rPr lang="en-CA" dirty="0">
+                <a:solidFill>
+                  <a:schemeClr val="tx1"/>
+                </a:solidFill>
+              </a:rPr>
+              <a:t>Show query random questions:</a:t>
+            </a:r>
+          </a:p>
+          <a:p>
+            <a:pPr lvl="2"/>
+            <a:r>
+              <a:rPr lang="en-CA" dirty="0">
+                <a:solidFill>
+                  <a:schemeClr val="tx1"/>
+                </a:solidFill>
+              </a:rPr>
+              <a:t>@oa What’s the best restaurant in Hamburg Germany</a:t>
+            </a:r>
+          </a:p>
+          <a:p>
+            <a:pPr lvl="2"/>
+            <a:r>
+              <a:rPr lang="en-CA" dirty="0">
+                <a:solidFill>
+                  <a:schemeClr val="tx1"/>
+                </a:solidFill>
+              </a:rPr>
+              <a:t>@oa Can you translate this sentence “Welcome to AI world!” to German</a:t>
             </a:r>
           </a:p>
           <a:p>
@@ -48384,7 +48654,7 @@
             <a:pPr lvl="1"/>
             <a:r>
               <a:rPr lang="en-US" dirty="0"/>
-              <a:t>Yes, those are user materials.</a:t>
+              <a:t>Yes, those are user materials in public domain.</a:t>
             </a:r>
           </a:p>
           <a:p>
@@ -48422,10 +48692,9 @@
           <a:p>
             <a:pPr lvl="1"/>
             <a:r>
-              <a:rPr lang="en-US"/>
+              <a:rPr lang="en-US" dirty="0"/>
               <a:t>No</a:t>
             </a:r>
-            <a:endParaRPr lang="en-US" dirty="0"/>
           </a:p>
           <a:p>
             <a:r>
@@ -48497,7 +48766,7 @@
           <p:cNvPr id="2" name="Text Placeholder 1">
             <a:extLst>
               <a:ext uri="{FF2B5EF4-FFF2-40B4-BE49-F238E27FC236}">
-                <a16:creationId xmlns:a16="http://schemas.microsoft.com/office/drawing/2014/main" id="{CC5500BF-795A-6927-7D6C-99DB2E4C81C0}"/>
+                <a16:creationId xmlns:a16="http://schemas.microsoft.com/office/drawing/2014/main" id="{582FA5E9-8661-2D1B-533C-8966859CACAE}"/>
               </a:ext>
             </a:extLst>
           </p:cNvPr>
@@ -48522,7 +48791,7 @@
           <p:cNvPr id="3" name="Title 2">
             <a:extLst>
               <a:ext uri="{FF2B5EF4-FFF2-40B4-BE49-F238E27FC236}">
-                <a16:creationId xmlns:a16="http://schemas.microsoft.com/office/drawing/2014/main" id="{B1266E83-D9FE-3A67-6C93-987BCDAA984E}"/>
+                <a16:creationId xmlns:a16="http://schemas.microsoft.com/office/drawing/2014/main" id="{B4B75E4A-CD25-59F7-9F4D-56129E99D70D}"/>
               </a:ext>
             </a:extLst>
           </p:cNvPr>
@@ -48540,7 +48809,7 @@
           <a:p>
             <a:r>
               <a:rPr lang="en-US" dirty="0"/>
-              <a:t>Extend Check List</a:t>
+              <a:t>What’s learned? (Cont.)</a:t>
             </a:r>
             <a:endParaRPr lang="en-CA" dirty="0"/>
           </a:p>
@@ -48551,7 +48820,7 @@
           <p:cNvPr id="4" name="Content Placeholder 3">
             <a:extLst>
               <a:ext uri="{FF2B5EF4-FFF2-40B4-BE49-F238E27FC236}">
-                <a16:creationId xmlns:a16="http://schemas.microsoft.com/office/drawing/2014/main" id="{463411C6-A138-7B7D-56F9-51D612ABD3A0}"/>
+                <a16:creationId xmlns:a16="http://schemas.microsoft.com/office/drawing/2014/main" id="{CA5C3453-3EDE-8C6C-F92C-3ECD1024024D}"/>
               </a:ext>
             </a:extLst>
           </p:cNvPr>
@@ -48567,75 +48836,17 @@
           <a:bodyPr/>
           <a:lstStyle/>
           <a:p>
-            <a:pPr>
-              <a:spcBef>
-                <a:spcPts val="600"/>
-              </a:spcBef>
-              <a:spcAft>
-                <a:spcPts val="600"/>
-              </a:spcAft>
-              <a:buFont typeface="Wingdings" panose="05000000000000000000" pitchFamily="2" charset="2"/>
-              <a:buChar char="Ø"/>
-            </a:pPr>
             <a:r>
               <a:rPr lang="en-US" dirty="0"/>
-              <a:t>I want to ask question in my own language</a:t>
-            </a:r>
-          </a:p>
-          <a:p>
-            <a:pPr>
-              <a:spcBef>
-                <a:spcPts val="600"/>
-              </a:spcBef>
-              <a:spcAft>
-                <a:spcPts val="600"/>
-              </a:spcAft>
-              <a:buFont typeface="Wingdings" panose="05000000000000000000" pitchFamily="2" charset="2"/>
-              <a:buChar char="Ø"/>
-            </a:pPr>
+              <a:t>Which service is better than Azure Cognitive service?</a:t>
+            </a:r>
+          </a:p>
+          <a:p>
+            <a:pPr lvl="1"/>
             <a:r>
               <a:rPr lang="en-US" dirty="0"/>
-              <a:t>I want to have the answer in my own language</a:t>
-            </a:r>
-          </a:p>
-          <a:p>
-            <a:pPr>
-              <a:spcBef>
-                <a:spcPts val="600"/>
-              </a:spcBef>
-              <a:spcAft>
-                <a:spcPts val="600"/>
-              </a:spcAft>
-              <a:buFont typeface="Wingdings" panose="05000000000000000000" pitchFamily="2" charset="2"/>
-              <a:buChar char="Ø"/>
-            </a:pPr>
-            <a:r>
-              <a:rPr lang="en-US" dirty="0"/>
-              <a:t>I want to ask Chatbot to generate a script for me</a:t>
-            </a:r>
-          </a:p>
-          <a:p>
-            <a:pPr>
-              <a:spcBef>
-                <a:spcPts val="600"/>
-              </a:spcBef>
-              <a:spcAft>
-                <a:spcPts val="600"/>
-              </a:spcAft>
-              <a:buFont typeface="Wingdings" panose="05000000000000000000" pitchFamily="2" charset="2"/>
-              <a:buChar char="Ø"/>
-            </a:pPr>
-            <a:r>
-              <a:rPr lang="en-US" dirty="0"/>
-              <a:t>I want to ask Chatbot to revise generated script with </a:t>
-            </a:r>
-            <a:r>
-              <a:rPr lang="en-US"/>
-              <a:t>some prompts</a:t>
-            </a:r>
-            <a:endParaRPr lang="en-US" dirty="0"/>
-          </a:p>
-          <a:p>
+              <a:t>OpenAI service</a:t>
+            </a:r>
             <a:endParaRPr lang="en-CA" dirty="0"/>
           </a:p>
         </p:txBody>
@@ -48643,7 +48854,7 @@
     </p:spTree>
     <p:extLst>
       <p:ext uri="{BB962C8B-B14F-4D97-AF65-F5344CB8AC3E}">
-        <p14:creationId xmlns:p14="http://schemas.microsoft.com/office/powerpoint/2010/main" val="1455857299"/>
+        <p14:creationId xmlns:p14="http://schemas.microsoft.com/office/powerpoint/2010/main" val="338317123"/>
       </p:ext>
     </p:extLst>
   </p:cSld>
@@ -49688,6 +49899,21 @@
 </file>
 
 <file path=customXml/item1.xml><?xml version="1.0" encoding="utf-8"?>
+<p:properties xmlns:p="http://schemas.microsoft.com/office/2006/metadata/properties" xmlns:xsi="http://www.w3.org/2001/XMLSchema-instance" xmlns:pc="http://schemas.microsoft.com/office/infopath/2007/PartnerControls">
+  <documentManagement/>
+</p:properties>
+</file>
+
+<file path=customXml/item2.xml><?xml version="1.0" encoding="utf-8"?>
+<?mso-contentType ?>
+<FormTemplates xmlns="http://schemas.microsoft.com/sharepoint/v3/contenttype/forms">
+  <Display>DocumentLibraryForm</Display>
+  <Edit>DocumentLibraryForm</Edit>
+  <New>DocumentLibraryForm</New>
+</FormTemplates>
+</file>
+
+<file path=customXml/item3.xml><?xml version="1.0" encoding="utf-8"?>
 <ct:contentTypeSchema xmlns:ct="http://schemas.microsoft.com/office/2006/metadata/contentType" xmlns:ma="http://schemas.microsoft.com/office/2006/metadata/properties/metaAttributes" ct:_="" ma:_="" ma:contentTypeName="Dokument" ma:contentTypeID="0x010100610F89A0BBA6C34A913DB646AC567109" ma:contentTypeVersion="12" ma:contentTypeDescription="Ein neues Dokument erstellen." ma:contentTypeScope="" ma:versionID="b3371b258f4be0ddf951ea065973cc30">
   <xsd:schema xmlns:xsd="http://www.w3.org/2001/XMLSchema" xmlns:xs="http://www.w3.org/2001/XMLSchema" xmlns:p="http://schemas.microsoft.com/office/2006/metadata/properties" xmlns:ns2="1f6a6638-2655-4a74-b9f8-16c1b5edccac" xmlns:ns3="bf34d6df-5183-4f9f-a1bd-e8af6fdd30b8" targetNamespace="http://schemas.microsoft.com/office/2006/metadata/properties" ma:root="true" ma:fieldsID="375e732f81423a44c24ef989eb02442f" ns2:_="" ns3:_="">
     <xsd:import namespace="1f6a6638-2655-4a74-b9f8-16c1b5edccac"/>
@@ -49904,22 +50130,25 @@
 </ct:contentTypeSchema>
 </file>
 
-<file path=customXml/item2.xml><?xml version="1.0" encoding="utf-8"?>
-<?mso-contentType ?>
-<FormTemplates xmlns="http://schemas.microsoft.com/sharepoint/v3/contenttype/forms">
-  <Display>DocumentLibraryForm</Display>
-  <Edit>DocumentLibraryForm</Edit>
-  <New>DocumentLibraryForm</New>
-</FormTemplates>
+<file path=customXml/itemProps1.xml><?xml version="1.0" encoding="utf-8"?>
+<ds:datastoreItem xmlns:ds="http://schemas.openxmlformats.org/officeDocument/2006/customXml" ds:itemID="{97794DA4-B143-4F60-BF7C-EA867C43D1FE}">
+  <ds:schemaRefs>
+    <ds:schemaRef ds:uri="http://schemas.microsoft.com/office/2006/metadata/properties"/>
+    <ds:schemaRef ds:uri="http://schemas.microsoft.com/office/infopath/2007/PartnerControls"/>
+    <ds:schemaRef ds:uri="d62b6ecb-acff-4b24-a527-ff2b271ebe71"/>
+  </ds:schemaRefs>
+</ds:datastoreItem>
 </file>
 
-<file path=customXml/item3.xml><?xml version="1.0" encoding="utf-8"?>
-<p:properties xmlns:p="http://schemas.microsoft.com/office/2006/metadata/properties" xmlns:xsi="http://www.w3.org/2001/XMLSchema-instance" xmlns:pc="http://schemas.microsoft.com/office/infopath/2007/PartnerControls">
-  <documentManagement/>
-</p:properties>
+<file path=customXml/itemProps2.xml><?xml version="1.0" encoding="utf-8"?>
+<ds:datastoreItem xmlns:ds="http://schemas.openxmlformats.org/officeDocument/2006/customXml" ds:itemID="{6543A033-2779-4EB5-82E0-EE769341BA7A}">
+  <ds:schemaRefs>
+    <ds:schemaRef ds:uri="http://schemas.microsoft.com/sharepoint/v3/contenttype/forms"/>
+  </ds:schemaRefs>
+</ds:datastoreItem>
 </file>
 
-<file path=customXml/itemProps1.xml><?xml version="1.0" encoding="utf-8"?>
+<file path=customXml/itemProps3.xml><?xml version="1.0" encoding="utf-8"?>
 <ds:datastoreItem xmlns:ds="http://schemas.openxmlformats.org/officeDocument/2006/customXml" ds:itemID="{CCCB94B5-2582-4AC7-85D8-612CAD4FD0C1}">
   <ds:schemaRefs>
     <ds:schemaRef ds:uri="http://schemas.microsoft.com/office/2006/metadata/contentType"/>
@@ -49936,22 +50165,4 @@
     <ds:schemaRef ds:uri="http://schemas.microsoft.com/internal/obd"/>
   </ds:schemaRefs>
 </ds:datastoreItem>
-</file>
-
-<file path=customXml/itemProps2.xml><?xml version="1.0" encoding="utf-8"?>
-<ds:datastoreItem xmlns:ds="http://schemas.openxmlformats.org/officeDocument/2006/customXml" ds:itemID="{6543A033-2779-4EB5-82E0-EE769341BA7A}">
-  <ds:schemaRefs>
-    <ds:schemaRef ds:uri="http://schemas.microsoft.com/sharepoint/v3/contenttype/forms"/>
-  </ds:schemaRefs>
-</ds:datastoreItem>
-</file>
-
-<file path=customXml/itemProps3.xml><?xml version="1.0" encoding="utf-8"?>
-<ds:datastoreItem xmlns:ds="http://schemas.openxmlformats.org/officeDocument/2006/customXml" ds:itemID="{97794DA4-B143-4F60-BF7C-EA867C43D1FE}">
-  <ds:schemaRefs>
-    <ds:schemaRef ds:uri="http://schemas.microsoft.com/office/2006/metadata/properties"/>
-    <ds:schemaRef ds:uri="http://schemas.microsoft.com/office/infopath/2007/PartnerControls"/>
-    <ds:schemaRef ds:uri="d62b6ecb-acff-4b24-a527-ff2b271ebe71"/>
-  </ds:schemaRefs>
-</ds:datastoreItem>
 </file>
--- a/docs/VMC Hackathon 2024 - VMC.Chatbot - Demo.pptx
+++ b/docs/VMC Hackathon 2024 - VMC.Chatbot - Demo.pptx
@@ -6,28 +6,27 @@
     <p:sldMasterId id="2147483899" r:id="rId5"/>
   </p:sldMasterIdLst>
   <p:notesMasterIdLst>
-    <p:notesMasterId r:id="rId17"/>
+    <p:notesMasterId r:id="rId16"/>
   </p:notesMasterIdLst>
   <p:handoutMasterIdLst>
-    <p:handoutMasterId r:id="rId18"/>
+    <p:handoutMasterId r:id="rId17"/>
   </p:handoutMasterIdLst>
   <p:sldIdLst>
     <p:sldId id="256" r:id="rId6"/>
     <p:sldId id="264" r:id="rId7"/>
     <p:sldId id="265" r:id="rId8"/>
-    <p:sldId id="271" r:id="rId9"/>
-    <p:sldId id="272" r:id="rId10"/>
-    <p:sldId id="268" r:id="rId11"/>
-    <p:sldId id="269" r:id="rId12"/>
-    <p:sldId id="270" r:id="rId13"/>
-    <p:sldId id="273" r:id="rId14"/>
-    <p:sldId id="267" r:id="rId15"/>
-    <p:sldId id="259" r:id="rId16"/>
+    <p:sldId id="274" r:id="rId9"/>
+    <p:sldId id="271" r:id="rId10"/>
+    <p:sldId id="272" r:id="rId11"/>
+    <p:sldId id="282" r:id="rId12"/>
+    <p:sldId id="283" r:id="rId13"/>
+    <p:sldId id="267" r:id="rId14"/>
+    <p:sldId id="259" r:id="rId15"/>
   </p:sldIdLst>
   <p:sldSz cx="12192000" cy="6858000"/>
   <p:notesSz cx="6858000" cy="9144000"/>
   <p:custDataLst>
-    <p:tags r:id="rId19"/>
+    <p:tags r:id="rId18"/>
   </p:custDataLst>
   <p:defaultTextStyle>
     <a:defPPr>
@@ -169,6 +168,4443 @@
 </p:cmAuthorLst>
 </file>
 
+<file path=ppt/diagrams/colors1.xml><?xml version="1.0" encoding="utf-8"?>
+<dgm:colorsDef xmlns:dgm="http://schemas.openxmlformats.org/drawingml/2006/diagram" xmlns:a="http://schemas.openxmlformats.org/drawingml/2006/main" uniqueId="urn:microsoft.com/office/officeart/2005/8/colors/accent1_2">
+  <dgm:title val=""/>
+  <dgm:desc val=""/>
+  <dgm:catLst>
+    <dgm:cat type="accent1" pri="11200"/>
+  </dgm:catLst>
+  <dgm:styleLbl name="node0">
+    <dgm:fillClrLst meth="repeat">
+      <a:schemeClr val="accent1"/>
+    </dgm:fillClrLst>
+    <dgm:linClrLst meth="repeat">
+      <a:schemeClr val="lt1"/>
+    </dgm:linClrLst>
+    <dgm:effectClrLst/>
+    <dgm:txLinClrLst/>
+    <dgm:txFillClrLst/>
+    <dgm:txEffectClrLst/>
+  </dgm:styleLbl>
+  <dgm:styleLbl name="alignNode1">
+    <dgm:fillClrLst meth="repeat">
+      <a:schemeClr val="accent1"/>
+    </dgm:fillClrLst>
+    <dgm:linClrLst meth="repeat">
+      <a:schemeClr val="accent1"/>
+    </dgm:linClrLst>
+    <dgm:effectClrLst/>
+    <dgm:txLinClrLst/>
+    <dgm:txFillClrLst/>
+    <dgm:txEffectClrLst/>
+  </dgm:styleLbl>
+  <dgm:styleLbl name="node1">
+    <dgm:fillClrLst meth="repeat">
+      <a:schemeClr val="accent1"/>
+    </dgm:fillClrLst>
+    <dgm:linClrLst meth="repeat">
+      <a:schemeClr val="lt1"/>
+    </dgm:linClrLst>
+    <dgm:effectClrLst/>
+    <dgm:txLinClrLst/>
+    <dgm:txFillClrLst/>
+    <dgm:txEffectClrLst/>
+  </dgm:styleLbl>
+  <dgm:styleLbl name="lnNode1">
+    <dgm:fillClrLst meth="repeat">
+      <a:schemeClr val="accent1"/>
+    </dgm:fillClrLst>
+    <dgm:linClrLst meth="repeat">
+      <a:schemeClr val="lt1"/>
+    </dgm:linClrLst>
+    <dgm:effectClrLst/>
+    <dgm:txLinClrLst/>
+    <dgm:txFillClrLst/>
+    <dgm:txEffectClrLst/>
+  </dgm:styleLbl>
+  <dgm:styleLbl name="vennNode1">
+    <dgm:fillClrLst meth="repeat">
+      <a:schemeClr val="accent1">
+        <a:alpha val="50000"/>
+      </a:schemeClr>
+    </dgm:fillClrLst>
+    <dgm:linClrLst meth="repeat">
+      <a:schemeClr val="lt1"/>
+    </dgm:linClrLst>
+    <dgm:effectClrLst/>
+    <dgm:txLinClrLst/>
+    <dgm:txFillClrLst/>
+    <dgm:txEffectClrLst/>
+  </dgm:styleLbl>
+  <dgm:styleLbl name="node2">
+    <dgm:fillClrLst meth="repeat">
+      <a:schemeClr val="accent1"/>
+    </dgm:fillClrLst>
+    <dgm:linClrLst meth="repeat">
+      <a:schemeClr val="lt1"/>
+    </dgm:linClrLst>
+    <dgm:effectClrLst/>
+    <dgm:txLinClrLst/>
+    <dgm:txFillClrLst/>
+    <dgm:txEffectClrLst/>
+  </dgm:styleLbl>
+  <dgm:styleLbl name="node3">
+    <dgm:fillClrLst meth="repeat">
+      <a:schemeClr val="accent1"/>
+    </dgm:fillClrLst>
+    <dgm:linClrLst meth="repeat">
+      <a:schemeClr val="lt1"/>
+    </dgm:linClrLst>
+    <dgm:effectClrLst/>
+    <dgm:txLinClrLst/>
+    <dgm:txFillClrLst/>
+    <dgm:txEffectClrLst/>
+  </dgm:styleLbl>
+  <dgm:styleLbl name="node4">
+    <dgm:fillClrLst meth="repeat">
+      <a:schemeClr val="accent1"/>
+    </dgm:fillClrLst>
+    <dgm:linClrLst meth="repeat">
+      <a:schemeClr val="lt1"/>
+    </dgm:linClrLst>
+    <dgm:effectClrLst/>
+    <dgm:txLinClrLst/>
+    <dgm:txFillClrLst/>
+    <dgm:txEffectClrLst/>
+  </dgm:styleLbl>
+  <dgm:styleLbl name="fgImgPlace1">
+    <dgm:fillClrLst meth="repeat">
+      <a:schemeClr val="accent1">
+        <a:tint val="50000"/>
+      </a:schemeClr>
+    </dgm:fillClrLst>
+    <dgm:linClrLst meth="repeat">
+      <a:schemeClr val="lt1"/>
+    </dgm:linClrLst>
+    <dgm:effectClrLst/>
+    <dgm:txLinClrLst/>
+    <dgm:txFillClrLst meth="repeat">
+      <a:schemeClr val="lt1"/>
+    </dgm:txFillClrLst>
+    <dgm:txEffectClrLst/>
+  </dgm:styleLbl>
+  <dgm:styleLbl name="alignImgPlace1">
+    <dgm:fillClrLst meth="repeat">
+      <a:schemeClr val="accent1">
+        <a:tint val="50000"/>
+      </a:schemeClr>
+    </dgm:fillClrLst>
+    <dgm:linClrLst meth="repeat">
+      <a:schemeClr val="lt1"/>
+    </dgm:linClrLst>
+    <dgm:effectClrLst/>
+    <dgm:txLinClrLst/>
+    <dgm:txFillClrLst meth="repeat">
+      <a:schemeClr val="lt1"/>
+    </dgm:txFillClrLst>
+    <dgm:txEffectClrLst/>
+  </dgm:styleLbl>
+  <dgm:styleLbl name="bgImgPlace1">
+    <dgm:fillClrLst meth="repeat">
+      <a:schemeClr val="accent1">
+        <a:tint val="50000"/>
+      </a:schemeClr>
+    </dgm:fillClrLst>
+    <dgm:linClrLst meth="repeat">
+      <a:schemeClr val="lt1"/>
+    </dgm:linClrLst>
+    <dgm:effectClrLst/>
+    <dgm:txLinClrLst/>
+    <dgm:txFillClrLst meth="repeat">
+      <a:schemeClr val="lt1"/>
+    </dgm:txFillClrLst>
+    <dgm:txEffectClrLst/>
+  </dgm:styleLbl>
+  <dgm:styleLbl name="sibTrans2D1">
+    <dgm:fillClrLst meth="repeat">
+      <a:schemeClr val="accent1">
+        <a:tint val="60000"/>
+      </a:schemeClr>
+    </dgm:fillClrLst>
+    <dgm:linClrLst meth="repeat">
+      <a:schemeClr val="accent1">
+        <a:tint val="60000"/>
+      </a:schemeClr>
+    </dgm:linClrLst>
+    <dgm:effectClrLst/>
+    <dgm:txLinClrLst/>
+    <dgm:txFillClrLst/>
+    <dgm:txEffectClrLst/>
+  </dgm:styleLbl>
+  <dgm:styleLbl name="fgSibTrans2D1">
+    <dgm:fillClrLst meth="repeat">
+      <a:schemeClr val="accent1">
+        <a:tint val="60000"/>
+      </a:schemeClr>
+    </dgm:fillClrLst>
+    <dgm:linClrLst meth="repeat">
+      <a:schemeClr val="accent1">
+        <a:tint val="60000"/>
+      </a:schemeClr>
+    </dgm:linClrLst>
+    <dgm:effectClrLst/>
+    <dgm:txLinClrLst/>
+    <dgm:txFillClrLst/>
+    <dgm:txEffectClrLst/>
+  </dgm:styleLbl>
+  <dgm:styleLbl name="bgSibTrans2D1">
+    <dgm:fillClrLst meth="repeat">
+      <a:schemeClr val="accent1">
+        <a:tint val="60000"/>
+      </a:schemeClr>
+    </dgm:fillClrLst>
+    <dgm:linClrLst meth="repeat">
+      <a:schemeClr val="accent1">
+        <a:tint val="60000"/>
+      </a:schemeClr>
+    </dgm:linClrLst>
+    <dgm:effectClrLst/>
+    <dgm:txLinClrLst/>
+    <dgm:txFillClrLst/>
+    <dgm:txEffectClrLst/>
+  </dgm:styleLbl>
+  <dgm:styleLbl name="sibTrans1D1">
+    <dgm:fillClrLst meth="repeat">
+      <a:schemeClr val="accent1"/>
+    </dgm:fillClrLst>
+    <dgm:linClrLst meth="repeat">
+      <a:schemeClr val="accent1"/>
+    </dgm:linClrLst>
+    <dgm:effectClrLst/>
+    <dgm:txLinClrLst/>
+    <dgm:txFillClrLst meth="repeat">
+      <a:schemeClr val="tx1"/>
+    </dgm:txFillClrLst>
+    <dgm:txEffectClrLst/>
+  </dgm:styleLbl>
+  <dgm:styleLbl name="callout">
+    <dgm:fillClrLst meth="repeat">
+      <a:schemeClr val="accent1"/>
+    </dgm:fillClrLst>
+    <dgm:linClrLst meth="repeat">
+      <a:schemeClr val="accent1">
+        <a:tint val="50000"/>
+      </a:schemeClr>
+    </dgm:linClrLst>
+    <dgm:effectClrLst/>
+    <dgm:txLinClrLst/>
+    <dgm:txFillClrLst meth="repeat">
+      <a:schemeClr val="tx1"/>
+    </dgm:txFillClrLst>
+    <dgm:txEffectClrLst/>
+  </dgm:styleLbl>
+  <dgm:styleLbl name="asst0">
+    <dgm:fillClrLst meth="repeat">
+      <a:schemeClr val="accent1"/>
+    </dgm:fillClrLst>
+    <dgm:linClrLst meth="repeat">
+      <a:schemeClr val="lt1"/>
+    </dgm:linClrLst>
+    <dgm:effectClrLst/>
+    <dgm:txLinClrLst/>
+    <dgm:txFillClrLst/>
+    <dgm:txEffectClrLst/>
+  </dgm:styleLbl>
+  <dgm:styleLbl name="asst1">
+    <dgm:fillClrLst meth="repeat">
+      <a:schemeClr val="accent1"/>
+    </dgm:fillClrLst>
+    <dgm:linClrLst meth="repeat">
+      <a:schemeClr val="lt1"/>
+    </dgm:linClrLst>
+    <dgm:effectClrLst/>
+    <dgm:txLinClrLst/>
+    <dgm:txFillClrLst/>
+    <dgm:txEffectClrLst/>
+  </dgm:styleLbl>
+  <dgm:styleLbl name="asst2">
+    <dgm:fillClrLst meth="repeat">
+      <a:schemeClr val="accent1"/>
+    </dgm:fillClrLst>
+    <dgm:linClrLst meth="repeat">
+      <a:schemeClr val="lt1"/>
+    </dgm:linClrLst>
+    <dgm:effectClrLst/>
+    <dgm:txLinClrLst/>
+    <dgm:txFillClrLst/>
+    <dgm:txEffectClrLst/>
+  </dgm:styleLbl>
+  <dgm:styleLbl name="asst3">
+    <dgm:fillClrLst meth="repeat">
+      <a:schemeClr val="accent1"/>
+    </dgm:fillClrLst>
+    <dgm:linClrLst meth="repeat">
+      <a:schemeClr val="lt1"/>
+    </dgm:linClrLst>
+    <dgm:effectClrLst/>
+    <dgm:txLinClrLst/>
+    <dgm:txFillClrLst/>
+    <dgm:txEffectClrLst/>
+  </dgm:styleLbl>
+  <dgm:styleLbl name="asst4">
+    <dgm:fillClrLst meth="repeat">
+      <a:schemeClr val="accent1"/>
+    </dgm:fillClrLst>
+    <dgm:linClrLst meth="repeat">
+      <a:schemeClr val="lt1"/>
+    </dgm:linClrLst>
+    <dgm:effectClrLst/>
+    <dgm:txLinClrLst/>
+    <dgm:txFillClrLst/>
+    <dgm:txEffectClrLst/>
+  </dgm:styleLbl>
+  <dgm:styleLbl name="parChTrans2D1">
+    <dgm:fillClrLst meth="repeat">
+      <a:schemeClr val="accent1">
+        <a:tint val="60000"/>
+      </a:schemeClr>
+    </dgm:fillClrLst>
+    <dgm:linClrLst meth="repeat">
+      <a:schemeClr val="accent1">
+        <a:tint val="60000"/>
+      </a:schemeClr>
+    </dgm:linClrLst>
+    <dgm:effectClrLst/>
+    <dgm:txLinClrLst/>
+    <dgm:txFillClrLst meth="repeat">
+      <a:schemeClr val="lt1"/>
+    </dgm:txFillClrLst>
+    <dgm:txEffectClrLst/>
+  </dgm:styleLbl>
+  <dgm:styleLbl name="parChTrans2D2">
+    <dgm:fillClrLst meth="repeat">
+      <a:schemeClr val="accent1"/>
+    </dgm:fillClrLst>
+    <dgm:linClrLst meth="repeat">
+      <a:schemeClr val="accent1"/>
+    </dgm:linClrLst>
+    <dgm:effectClrLst/>
+    <dgm:txLinClrLst/>
+    <dgm:txFillClrLst meth="repeat">
+      <a:schemeClr val="lt1"/>
+    </dgm:txFillClrLst>
+    <dgm:txEffectClrLst/>
+  </dgm:styleLbl>
+  <dgm:styleLbl name="parChTrans2D3">
+    <dgm:fillClrLst meth="repeat">
+      <a:schemeClr val="accent1"/>
+    </dgm:fillClrLst>
+    <dgm:linClrLst meth="repeat">
+      <a:schemeClr val="accent1"/>
+    </dgm:linClrLst>
+    <dgm:effectClrLst/>
+    <dgm:txLinClrLst/>
+    <dgm:txFillClrLst meth="repeat">
+      <a:schemeClr val="lt1"/>
+    </dgm:txFillClrLst>
+    <dgm:txEffectClrLst/>
+  </dgm:styleLbl>
+  <dgm:styleLbl name="parChTrans2D4">
+    <dgm:fillClrLst meth="repeat">
+      <a:schemeClr val="accent1"/>
+    </dgm:fillClrLst>
+    <dgm:linClrLst meth="repeat">
+      <a:schemeClr val="accent1"/>
+    </dgm:linClrLst>
+    <dgm:effectClrLst/>
+    <dgm:txLinClrLst/>
+    <dgm:txFillClrLst meth="repeat">
+      <a:schemeClr val="lt1"/>
+    </dgm:txFillClrLst>
+    <dgm:txEffectClrLst/>
+  </dgm:styleLbl>
+  <dgm:styleLbl name="parChTrans1D1">
+    <dgm:fillClrLst meth="repeat">
+      <a:schemeClr val="accent1"/>
+    </dgm:fillClrLst>
+    <dgm:linClrLst meth="repeat">
+      <a:schemeClr val="accent1">
+        <a:shade val="60000"/>
+      </a:schemeClr>
+    </dgm:linClrLst>
+    <dgm:effectClrLst/>
+    <dgm:txLinClrLst/>
+    <dgm:txFillClrLst meth="repeat">
+      <a:schemeClr val="tx1"/>
+    </dgm:txFillClrLst>
+    <dgm:txEffectClrLst/>
+  </dgm:styleLbl>
+  <dgm:styleLbl name="parChTrans1D2">
+    <dgm:fillClrLst meth="repeat">
+      <a:schemeClr val="accent1"/>
+    </dgm:fillClrLst>
+    <dgm:linClrLst meth="repeat">
+      <a:schemeClr val="accent1">
+        <a:shade val="60000"/>
+      </a:schemeClr>
+    </dgm:linClrLst>
+    <dgm:effectClrLst/>
+    <dgm:txLinClrLst/>
+    <dgm:txFillClrLst meth="repeat">
+      <a:schemeClr val="tx1"/>
+    </dgm:txFillClrLst>
+    <dgm:txEffectClrLst/>
+  </dgm:styleLbl>
+  <dgm:styleLbl name="parChTrans1D3">
+    <dgm:fillClrLst meth="repeat">
+      <a:schemeClr val="accent1"/>
+    </dgm:fillClrLst>
+    <dgm:linClrLst meth="repeat">
+      <a:schemeClr val="accent1">
+        <a:shade val="80000"/>
+      </a:schemeClr>
+    </dgm:linClrLst>
+    <dgm:effectClrLst/>
+    <dgm:txLinClrLst/>
+    <dgm:txFillClrLst meth="repeat">
+      <a:schemeClr val="tx1"/>
+    </dgm:txFillClrLst>
+    <dgm:txEffectClrLst/>
+  </dgm:styleLbl>
+  <dgm:styleLbl name="parChTrans1D4">
+    <dgm:fillClrLst meth="repeat">
+      <a:schemeClr val="accent1"/>
+    </dgm:fillClrLst>
+    <dgm:linClrLst meth="repeat">
+      <a:schemeClr val="accent1">
+        <a:shade val="80000"/>
+      </a:schemeClr>
+    </dgm:linClrLst>
+    <dgm:effectClrLst/>
+    <dgm:txLinClrLst/>
+    <dgm:txFillClrLst meth="repeat">
+      <a:schemeClr val="tx1"/>
+    </dgm:txFillClrLst>
+    <dgm:txEffectClrLst/>
+  </dgm:styleLbl>
+  <dgm:styleLbl name="fgAcc1">
+    <dgm:fillClrLst meth="repeat">
+      <a:schemeClr val="lt1">
+        <a:alpha val="90000"/>
+      </a:schemeClr>
+    </dgm:fillClrLst>
+    <dgm:linClrLst meth="repeat">
+      <a:schemeClr val="accent1"/>
+    </dgm:linClrLst>
+    <dgm:effectClrLst/>
+    <dgm:txLinClrLst/>
+    <dgm:txFillClrLst meth="repeat">
+      <a:schemeClr val="dk1"/>
+    </dgm:txFillClrLst>
+    <dgm:txEffectClrLst/>
+  </dgm:styleLbl>
+  <dgm:styleLbl name="conFgAcc1">
+    <dgm:fillClrLst meth="repeat">
+      <a:schemeClr val="lt1">
+        <a:alpha val="90000"/>
+      </a:schemeClr>
+    </dgm:fillClrLst>
+    <dgm:linClrLst meth="repeat">
+      <a:schemeClr val="accent1"/>
+    </dgm:linClrLst>
+    <dgm:effectClrLst/>
+    <dgm:txLinClrLst/>
+    <dgm:txFillClrLst meth="repeat">
+      <a:schemeClr val="dk1"/>
+    </dgm:txFillClrLst>
+    <dgm:txEffectClrLst/>
+  </dgm:styleLbl>
+  <dgm:styleLbl name="alignAcc1">
+    <dgm:fillClrLst meth="repeat">
+      <a:schemeClr val="lt1">
+        <a:alpha val="90000"/>
+      </a:schemeClr>
+    </dgm:fillClrLst>
+    <dgm:linClrLst meth="repeat">
+      <a:schemeClr val="accent1"/>
+    </dgm:linClrLst>
+    <dgm:effectClrLst/>
+    <dgm:txLinClrLst/>
+    <dgm:txFillClrLst meth="repeat">
+      <a:schemeClr val="dk1"/>
+    </dgm:txFillClrLst>
+    <dgm:txEffectClrLst/>
+  </dgm:styleLbl>
+  <dgm:styleLbl name="trAlignAcc1">
+    <dgm:fillClrLst meth="repeat">
+      <a:schemeClr val="lt1">
+        <a:alpha val="40000"/>
+      </a:schemeClr>
+    </dgm:fillClrLst>
+    <dgm:linClrLst meth="repeat">
+      <a:schemeClr val="accent1"/>
+    </dgm:linClrLst>
+    <dgm:effectClrLst/>
+    <dgm:txLinClrLst/>
+    <dgm:txFillClrLst meth="repeat">
+      <a:schemeClr val="dk1"/>
+    </dgm:txFillClrLst>
+    <dgm:txEffectClrLst/>
+  </dgm:styleLbl>
+  <dgm:styleLbl name="bgAcc1">
+    <dgm:fillClrLst meth="repeat">
+      <a:schemeClr val="lt1">
+        <a:alpha val="90000"/>
+      </a:schemeClr>
+    </dgm:fillClrLst>
+    <dgm:linClrLst meth="repeat">
+      <a:schemeClr val="accent1"/>
+    </dgm:linClrLst>
+    <dgm:effectClrLst/>
+    <dgm:txLinClrLst/>
+    <dgm:txFillClrLst meth="repeat">
+      <a:schemeClr val="dk1"/>
+    </dgm:txFillClrLst>
+    <dgm:txEffectClrLst/>
+  </dgm:styleLbl>
+  <dgm:styleLbl name="solidFgAcc1">
+    <dgm:fillClrLst meth="repeat">
+      <a:schemeClr val="lt1"/>
+    </dgm:fillClrLst>
+    <dgm:linClrLst meth="repeat">
+      <a:schemeClr val="accent1"/>
+    </dgm:linClrLst>
+    <dgm:effectClrLst/>
+    <dgm:txLinClrLst/>
+    <dgm:txFillClrLst meth="repeat">
+      <a:schemeClr val="dk1"/>
+    </dgm:txFillClrLst>
+    <dgm:txEffectClrLst/>
+  </dgm:styleLbl>
+  <dgm:styleLbl name="solidAlignAcc1">
+    <dgm:fillClrLst meth="repeat">
+      <a:schemeClr val="lt1"/>
+    </dgm:fillClrLst>
+    <dgm:linClrLst meth="repeat">
+      <a:schemeClr val="accent1"/>
+    </dgm:linClrLst>
+    <dgm:effectClrLst/>
+    <dgm:txLinClrLst/>
+    <dgm:txFillClrLst meth="repeat">
+      <a:schemeClr val="dk1"/>
+    </dgm:txFillClrLst>
+    <dgm:txEffectClrLst/>
+  </dgm:styleLbl>
+  <dgm:styleLbl name="solidBgAcc1">
+    <dgm:fillClrLst meth="repeat">
+      <a:schemeClr val="lt1"/>
+    </dgm:fillClrLst>
+    <dgm:linClrLst meth="repeat">
+      <a:schemeClr val="accent1"/>
+    </dgm:linClrLst>
+    <dgm:effectClrLst/>
+    <dgm:txLinClrLst/>
+    <dgm:txFillClrLst meth="repeat">
+      <a:schemeClr val="dk1"/>
+    </dgm:txFillClrLst>
+    <dgm:txEffectClrLst/>
+  </dgm:styleLbl>
+  <dgm:styleLbl name="fgAccFollowNode1">
+    <dgm:fillClrLst meth="repeat">
+      <a:schemeClr val="accent1">
+        <a:alpha val="90000"/>
+        <a:tint val="40000"/>
+      </a:schemeClr>
+    </dgm:fillClrLst>
+    <dgm:linClrLst meth="repeat">
+      <a:schemeClr val="accent1">
+        <a:alpha val="90000"/>
+        <a:tint val="40000"/>
+      </a:schemeClr>
+    </dgm:linClrLst>
+    <dgm:effectClrLst/>
+    <dgm:txLinClrLst/>
+    <dgm:txFillClrLst meth="repeat">
+      <a:schemeClr val="dk1"/>
+    </dgm:txFillClrLst>
+    <dgm:txEffectClrLst/>
+  </dgm:styleLbl>
+  <dgm:styleLbl name="alignAccFollowNode1">
+    <dgm:fillClrLst meth="repeat">
+      <a:schemeClr val="accent1">
+        <a:alpha val="90000"/>
+        <a:tint val="40000"/>
+      </a:schemeClr>
+    </dgm:fillClrLst>
+    <dgm:linClrLst meth="repeat">
+      <a:schemeClr val="accent1">
+        <a:alpha val="90000"/>
+        <a:tint val="40000"/>
+      </a:schemeClr>
+    </dgm:linClrLst>
+    <dgm:effectClrLst/>
+    <dgm:txLinClrLst/>
+    <dgm:txFillClrLst meth="repeat">
+      <a:schemeClr val="dk1"/>
+    </dgm:txFillClrLst>
+    <dgm:txEffectClrLst/>
+  </dgm:styleLbl>
+  <dgm:styleLbl name="bgAccFollowNode1">
+    <dgm:fillClrLst meth="repeat">
+      <a:schemeClr val="accent1">
+        <a:alpha val="90000"/>
+        <a:tint val="40000"/>
+      </a:schemeClr>
+    </dgm:fillClrLst>
+    <dgm:linClrLst meth="repeat">
+      <a:schemeClr val="accent1">
+        <a:alpha val="90000"/>
+        <a:tint val="40000"/>
+      </a:schemeClr>
+    </dgm:linClrLst>
+    <dgm:effectClrLst/>
+    <dgm:txLinClrLst/>
+    <dgm:txFillClrLst meth="repeat">
+      <a:schemeClr val="dk1"/>
+    </dgm:txFillClrLst>
+    <dgm:txEffectClrLst/>
+  </dgm:styleLbl>
+  <dgm:styleLbl name="fgAcc0">
+    <dgm:fillClrLst meth="repeat">
+      <a:schemeClr val="lt1">
+        <a:alpha val="90000"/>
+      </a:schemeClr>
+    </dgm:fillClrLst>
+    <dgm:linClrLst meth="repeat">
+      <a:schemeClr val="accent1"/>
+    </dgm:linClrLst>
+    <dgm:effectClrLst/>
+    <dgm:txLinClrLst/>
+    <dgm:txFillClrLst meth="repeat">
+      <a:schemeClr val="dk1"/>
+    </dgm:txFillClrLst>
+    <dgm:txEffectClrLst/>
+  </dgm:styleLbl>
+  <dgm:styleLbl name="fgAcc2">
+    <dgm:fillClrLst meth="repeat">
+      <a:schemeClr val="lt1">
+        <a:alpha val="90000"/>
+      </a:schemeClr>
+    </dgm:fillClrLst>
+    <dgm:linClrLst meth="repeat">
+      <a:schemeClr val="accent1"/>
+    </dgm:linClrLst>
+    <dgm:effectClrLst/>
+    <dgm:txLinClrLst/>
+    <dgm:txFillClrLst meth="repeat">
+      <a:schemeClr val="dk1"/>
+    </dgm:txFillClrLst>
+    <dgm:txEffectClrLst/>
+  </dgm:styleLbl>
+  <dgm:styleLbl name="fgAcc3">
+    <dgm:fillClrLst meth="repeat">
+      <a:schemeClr val="lt1">
+        <a:alpha val="90000"/>
+      </a:schemeClr>
+    </dgm:fillClrLst>
+    <dgm:linClrLst meth="repeat">
+      <a:schemeClr val="accent1"/>
+    </dgm:linClrLst>
+    <dgm:effectClrLst/>
+    <dgm:txLinClrLst/>
+    <dgm:txFillClrLst meth="repeat">
+      <a:schemeClr val="dk1"/>
+    </dgm:txFillClrLst>
+    <dgm:txEffectClrLst/>
+  </dgm:styleLbl>
+  <dgm:styleLbl name="fgAcc4">
+    <dgm:fillClrLst meth="repeat">
+      <a:schemeClr val="lt1">
+        <a:alpha val="90000"/>
+      </a:schemeClr>
+    </dgm:fillClrLst>
+    <dgm:linClrLst meth="repeat">
+      <a:schemeClr val="accent1"/>
+    </dgm:linClrLst>
+    <dgm:effectClrLst/>
+    <dgm:txLinClrLst/>
+    <dgm:txFillClrLst meth="repeat">
+      <a:schemeClr val="dk1"/>
+    </dgm:txFillClrLst>
+    <dgm:txEffectClrLst/>
+  </dgm:styleLbl>
+  <dgm:styleLbl name="bgShp">
+    <dgm:fillClrLst meth="repeat">
+      <a:schemeClr val="accent1">
+        <a:tint val="40000"/>
+      </a:schemeClr>
+    </dgm:fillClrLst>
+    <dgm:linClrLst meth="repeat">
+      <a:schemeClr val="accent1"/>
+    </dgm:linClrLst>
+    <dgm:effectClrLst/>
+    <dgm:txLinClrLst/>
+    <dgm:txFillClrLst meth="repeat">
+      <a:schemeClr val="dk1"/>
+    </dgm:txFillClrLst>
+    <dgm:txEffectClrLst/>
+  </dgm:styleLbl>
+  <dgm:styleLbl name="dkBgShp">
+    <dgm:fillClrLst meth="repeat">
+      <a:schemeClr val="accent1">
+        <a:shade val="80000"/>
+      </a:schemeClr>
+    </dgm:fillClrLst>
+    <dgm:linClrLst meth="repeat">
+      <a:schemeClr val="accent1"/>
+    </dgm:linClrLst>
+    <dgm:effectClrLst/>
+    <dgm:txLinClrLst/>
+    <dgm:txFillClrLst meth="repeat">
+      <a:schemeClr val="lt1"/>
+    </dgm:txFillClrLst>
+    <dgm:txEffectClrLst/>
+  </dgm:styleLbl>
+  <dgm:styleLbl name="trBgShp">
+    <dgm:fillClrLst meth="repeat">
+      <a:schemeClr val="accent1">
+        <a:tint val="50000"/>
+        <a:alpha val="40000"/>
+      </a:schemeClr>
+    </dgm:fillClrLst>
+    <dgm:linClrLst meth="repeat">
+      <a:schemeClr val="accent1"/>
+    </dgm:linClrLst>
+    <dgm:effectClrLst/>
+    <dgm:txLinClrLst/>
+    <dgm:txFillClrLst meth="repeat">
+      <a:schemeClr val="lt1"/>
+    </dgm:txFillClrLst>
+    <dgm:txEffectClrLst/>
+  </dgm:styleLbl>
+  <dgm:styleLbl name="fgShp">
+    <dgm:fillClrLst meth="repeat">
+      <a:schemeClr val="accent1">
+        <a:tint val="60000"/>
+      </a:schemeClr>
+    </dgm:fillClrLst>
+    <dgm:linClrLst meth="repeat">
+      <a:schemeClr val="lt1"/>
+    </dgm:linClrLst>
+    <dgm:effectClrLst/>
+    <dgm:txLinClrLst/>
+    <dgm:txFillClrLst meth="repeat">
+      <a:schemeClr val="dk1"/>
+    </dgm:txFillClrLst>
+    <dgm:txEffectClrLst/>
+  </dgm:styleLbl>
+  <dgm:styleLbl name="revTx">
+    <dgm:fillClrLst meth="repeat">
+      <a:schemeClr val="lt1">
+        <a:alpha val="0"/>
+      </a:schemeClr>
+    </dgm:fillClrLst>
+    <dgm:linClrLst meth="repeat">
+      <a:schemeClr val="dk1">
+        <a:alpha val="0"/>
+      </a:schemeClr>
+    </dgm:linClrLst>
+    <dgm:effectClrLst/>
+    <dgm:txLinClrLst/>
+    <dgm:txFillClrLst meth="repeat">
+      <a:schemeClr val="tx1"/>
+    </dgm:txFillClrLst>
+    <dgm:txEffectClrLst/>
+  </dgm:styleLbl>
+</dgm:colorsDef>
+</file>
+
+<file path=ppt/diagrams/data1.xml><?xml version="1.0" encoding="utf-8"?>
+<dgm:dataModel xmlns:dgm="http://schemas.openxmlformats.org/drawingml/2006/diagram" xmlns:a="http://schemas.openxmlformats.org/drawingml/2006/main">
+  <dgm:ptLst>
+    <dgm:pt modelId="{DC5CA891-D4F0-47EE-A366-4CD37348E1BA}" type="doc">
+      <dgm:prSet loTypeId="urn:microsoft.com/office/officeart/2009/layout/CircleArrowProcess" loCatId="process" qsTypeId="urn:microsoft.com/office/officeart/2005/8/quickstyle/simple1" qsCatId="simple" csTypeId="urn:microsoft.com/office/officeart/2005/8/colors/accent1_2" csCatId="accent1" phldr="1"/>
+      <dgm:spPr/>
+      <dgm:t>
+        <a:bodyPr/>
+        <a:lstStyle/>
+        <a:p>
+          <a:endParaRPr lang="en-DE"/>
+        </a:p>
+      </dgm:t>
+    </dgm:pt>
+    <dgm:pt modelId="{471BC42F-FC2E-4A20-813C-7D1EBEA9BE5E}">
+      <dgm:prSet phldrT="[Text]"/>
+      <dgm:spPr/>
+      <dgm:t>
+        <a:bodyPr/>
+        <a:lstStyle/>
+        <a:p>
+          <a:r>
+            <a:rPr lang="en-GB" dirty="0"/>
+            <a:t>xml</a:t>
+          </a:r>
+          <a:endParaRPr lang="en-DE" dirty="0"/>
+        </a:p>
+      </dgm:t>
+    </dgm:pt>
+    <dgm:pt modelId="{8AA0B185-972A-471E-B419-6AF64A55AD6F}" type="parTrans" cxnId="{6847F873-E455-4B6B-8A1E-E640ED5F9911}">
+      <dgm:prSet/>
+      <dgm:spPr/>
+      <dgm:t>
+        <a:bodyPr/>
+        <a:lstStyle/>
+        <a:p>
+          <a:endParaRPr lang="en-DE"/>
+        </a:p>
+      </dgm:t>
+    </dgm:pt>
+    <dgm:pt modelId="{A1231FA0-5C85-4925-AFE8-60E323A9AA29}" type="sibTrans" cxnId="{6847F873-E455-4B6B-8A1E-E640ED5F9911}">
+      <dgm:prSet/>
+      <dgm:spPr/>
+      <dgm:t>
+        <a:bodyPr/>
+        <a:lstStyle/>
+        <a:p>
+          <a:endParaRPr lang="en-DE"/>
+        </a:p>
+      </dgm:t>
+    </dgm:pt>
+    <dgm:pt modelId="{0FA4BC3C-1F9A-4634-B738-461EE7823510}">
+      <dgm:prSet phldrT="[Text]"/>
+      <dgm:spPr/>
+      <dgm:t>
+        <a:bodyPr/>
+        <a:lstStyle/>
+        <a:p>
+          <a:r>
+            <a:rPr lang="en-GB" dirty="0"/>
+            <a:t>html</a:t>
+          </a:r>
+          <a:endParaRPr lang="en-DE" dirty="0"/>
+        </a:p>
+      </dgm:t>
+    </dgm:pt>
+    <dgm:pt modelId="{014DC7A9-6791-45D7-854A-3DC75E93205E}" type="parTrans" cxnId="{AC01D01D-297F-4265-93C9-C0E51FEDFD1F}">
+      <dgm:prSet/>
+      <dgm:spPr/>
+      <dgm:t>
+        <a:bodyPr/>
+        <a:lstStyle/>
+        <a:p>
+          <a:endParaRPr lang="en-DE"/>
+        </a:p>
+      </dgm:t>
+    </dgm:pt>
+    <dgm:pt modelId="{CE04B068-51D0-4B41-B3CB-737FE871F452}" type="sibTrans" cxnId="{AC01D01D-297F-4265-93C9-C0E51FEDFD1F}">
+      <dgm:prSet/>
+      <dgm:spPr/>
+      <dgm:t>
+        <a:bodyPr/>
+        <a:lstStyle/>
+        <a:p>
+          <a:endParaRPr lang="en-DE"/>
+        </a:p>
+      </dgm:t>
+    </dgm:pt>
+    <dgm:pt modelId="{84F902F9-7E05-4D30-A46F-26F50A2E9CFD}">
+      <dgm:prSet phldrT="[Text]"/>
+      <dgm:spPr/>
+      <dgm:t>
+        <a:bodyPr/>
+        <a:lstStyle/>
+        <a:p>
+          <a:r>
+            <a:rPr lang="en-GB" dirty="0"/>
+            <a:t>static website</a:t>
+          </a:r>
+          <a:endParaRPr lang="en-DE" dirty="0"/>
+        </a:p>
+      </dgm:t>
+    </dgm:pt>
+    <dgm:pt modelId="{58D07AFC-F262-4CCA-B890-12928F30A4AA}" type="parTrans" cxnId="{1D4E1104-D6C8-46C4-8A67-3E857C5AD4A3}">
+      <dgm:prSet/>
+      <dgm:spPr/>
+      <dgm:t>
+        <a:bodyPr/>
+        <a:lstStyle/>
+        <a:p>
+          <a:endParaRPr lang="en-DE"/>
+        </a:p>
+      </dgm:t>
+    </dgm:pt>
+    <dgm:pt modelId="{02AC3380-51CD-41BE-8C17-99D2B0944391}" type="sibTrans" cxnId="{1D4E1104-D6C8-46C4-8A67-3E857C5AD4A3}">
+      <dgm:prSet/>
+      <dgm:spPr/>
+      <dgm:t>
+        <a:bodyPr/>
+        <a:lstStyle/>
+        <a:p>
+          <a:endParaRPr lang="en-DE"/>
+        </a:p>
+      </dgm:t>
+    </dgm:pt>
+    <dgm:pt modelId="{3562C9D5-BC4D-4157-8076-9F01F4C8157E}" type="pres">
+      <dgm:prSet presAssocID="{DC5CA891-D4F0-47EE-A366-4CD37348E1BA}" presName="Name0" presStyleCnt="0">
+        <dgm:presLayoutVars>
+          <dgm:chMax val="7"/>
+          <dgm:chPref val="7"/>
+          <dgm:dir/>
+          <dgm:animLvl val="lvl"/>
+        </dgm:presLayoutVars>
+      </dgm:prSet>
+      <dgm:spPr/>
+    </dgm:pt>
+    <dgm:pt modelId="{4D8E518A-08BE-4064-9A5E-63021AB3804A}" type="pres">
+      <dgm:prSet presAssocID="{471BC42F-FC2E-4A20-813C-7D1EBEA9BE5E}" presName="Accent1" presStyleCnt="0"/>
+      <dgm:spPr/>
+    </dgm:pt>
+    <dgm:pt modelId="{FA6337B8-5CFE-48E8-A8F9-538CCB76F5A2}" type="pres">
+      <dgm:prSet presAssocID="{471BC42F-FC2E-4A20-813C-7D1EBEA9BE5E}" presName="Accent" presStyleLbl="node1" presStyleIdx="0" presStyleCnt="3"/>
+      <dgm:spPr/>
+    </dgm:pt>
+    <dgm:pt modelId="{29393BFD-0319-4FF1-BCE3-F71A95C0ABB8}" type="pres">
+      <dgm:prSet presAssocID="{471BC42F-FC2E-4A20-813C-7D1EBEA9BE5E}" presName="Parent1" presStyleLbl="revTx" presStyleIdx="0" presStyleCnt="3">
+        <dgm:presLayoutVars>
+          <dgm:chMax val="1"/>
+          <dgm:chPref val="1"/>
+          <dgm:bulletEnabled val="1"/>
+        </dgm:presLayoutVars>
+      </dgm:prSet>
+      <dgm:spPr/>
+    </dgm:pt>
+    <dgm:pt modelId="{F9ACA16E-2BCE-4EB2-A0E2-1AEA5EEB7817}" type="pres">
+      <dgm:prSet presAssocID="{0FA4BC3C-1F9A-4634-B738-461EE7823510}" presName="Accent2" presStyleCnt="0"/>
+      <dgm:spPr/>
+    </dgm:pt>
+    <dgm:pt modelId="{9DCBD915-2FF6-4039-B925-C89BEFC33A31}" type="pres">
+      <dgm:prSet presAssocID="{0FA4BC3C-1F9A-4634-B738-461EE7823510}" presName="Accent" presStyleLbl="node1" presStyleIdx="1" presStyleCnt="3"/>
+      <dgm:spPr/>
+    </dgm:pt>
+    <dgm:pt modelId="{66BDF273-3F7E-4FEB-8913-05093DEB1A77}" type="pres">
+      <dgm:prSet presAssocID="{0FA4BC3C-1F9A-4634-B738-461EE7823510}" presName="Parent2" presStyleLbl="revTx" presStyleIdx="1" presStyleCnt="3">
+        <dgm:presLayoutVars>
+          <dgm:chMax val="1"/>
+          <dgm:chPref val="1"/>
+          <dgm:bulletEnabled val="1"/>
+        </dgm:presLayoutVars>
+      </dgm:prSet>
+      <dgm:spPr/>
+    </dgm:pt>
+    <dgm:pt modelId="{EE7E25ED-3DAB-4763-978D-19A4ECDD3831}" type="pres">
+      <dgm:prSet presAssocID="{84F902F9-7E05-4D30-A46F-26F50A2E9CFD}" presName="Accent3" presStyleCnt="0"/>
+      <dgm:spPr/>
+    </dgm:pt>
+    <dgm:pt modelId="{F9144445-4035-4A33-8A97-6A328A94F200}" type="pres">
+      <dgm:prSet presAssocID="{84F902F9-7E05-4D30-A46F-26F50A2E9CFD}" presName="Accent" presStyleLbl="node1" presStyleIdx="2" presStyleCnt="3"/>
+      <dgm:spPr/>
+    </dgm:pt>
+    <dgm:pt modelId="{BCF07DEA-075C-4600-AC13-938CC5CACC62}" type="pres">
+      <dgm:prSet presAssocID="{84F902F9-7E05-4D30-A46F-26F50A2E9CFD}" presName="Parent3" presStyleLbl="revTx" presStyleIdx="2" presStyleCnt="3">
+        <dgm:presLayoutVars>
+          <dgm:chMax val="1"/>
+          <dgm:chPref val="1"/>
+          <dgm:bulletEnabled val="1"/>
+        </dgm:presLayoutVars>
+      </dgm:prSet>
+      <dgm:spPr/>
+    </dgm:pt>
+  </dgm:ptLst>
+  <dgm:cxnLst>
+    <dgm:cxn modelId="{1D4E1104-D6C8-46C4-8A67-3E857C5AD4A3}" srcId="{DC5CA891-D4F0-47EE-A366-4CD37348E1BA}" destId="{84F902F9-7E05-4D30-A46F-26F50A2E9CFD}" srcOrd="2" destOrd="0" parTransId="{58D07AFC-F262-4CCA-B890-12928F30A4AA}" sibTransId="{02AC3380-51CD-41BE-8C17-99D2B0944391}"/>
+    <dgm:cxn modelId="{AC01D01D-297F-4265-93C9-C0E51FEDFD1F}" srcId="{DC5CA891-D4F0-47EE-A366-4CD37348E1BA}" destId="{0FA4BC3C-1F9A-4634-B738-461EE7823510}" srcOrd="1" destOrd="0" parTransId="{014DC7A9-6791-45D7-854A-3DC75E93205E}" sibTransId="{CE04B068-51D0-4B41-B3CB-737FE871F452}"/>
+    <dgm:cxn modelId="{A1325226-0A3B-4235-A05B-FEA3DEC6A694}" type="presOf" srcId="{DC5CA891-D4F0-47EE-A366-4CD37348E1BA}" destId="{3562C9D5-BC4D-4157-8076-9F01F4C8157E}" srcOrd="0" destOrd="0" presId="urn:microsoft.com/office/officeart/2009/layout/CircleArrowProcess"/>
+    <dgm:cxn modelId="{6847F873-E455-4B6B-8A1E-E640ED5F9911}" srcId="{DC5CA891-D4F0-47EE-A366-4CD37348E1BA}" destId="{471BC42F-FC2E-4A20-813C-7D1EBEA9BE5E}" srcOrd="0" destOrd="0" parTransId="{8AA0B185-972A-471E-B419-6AF64A55AD6F}" sibTransId="{A1231FA0-5C85-4925-AFE8-60E323A9AA29}"/>
+    <dgm:cxn modelId="{50005157-DDB2-4AFC-B3FE-48E6AD7EE59C}" type="presOf" srcId="{84F902F9-7E05-4D30-A46F-26F50A2E9CFD}" destId="{BCF07DEA-075C-4600-AC13-938CC5CACC62}" srcOrd="0" destOrd="0" presId="urn:microsoft.com/office/officeart/2009/layout/CircleArrowProcess"/>
+    <dgm:cxn modelId="{02DF4BE1-9A9C-4A1C-A42F-28512D245589}" type="presOf" srcId="{471BC42F-FC2E-4A20-813C-7D1EBEA9BE5E}" destId="{29393BFD-0319-4FF1-BCE3-F71A95C0ABB8}" srcOrd="0" destOrd="0" presId="urn:microsoft.com/office/officeart/2009/layout/CircleArrowProcess"/>
+    <dgm:cxn modelId="{283422F5-D380-45A5-A6EC-98A20E0B6117}" type="presOf" srcId="{0FA4BC3C-1F9A-4634-B738-461EE7823510}" destId="{66BDF273-3F7E-4FEB-8913-05093DEB1A77}" srcOrd="0" destOrd="0" presId="urn:microsoft.com/office/officeart/2009/layout/CircleArrowProcess"/>
+    <dgm:cxn modelId="{DCE0E7E8-6D88-4C57-BC21-6FB9A292722B}" type="presParOf" srcId="{3562C9D5-BC4D-4157-8076-9F01F4C8157E}" destId="{4D8E518A-08BE-4064-9A5E-63021AB3804A}" srcOrd="0" destOrd="0" presId="urn:microsoft.com/office/officeart/2009/layout/CircleArrowProcess"/>
+    <dgm:cxn modelId="{8CA57944-1149-4E0C-A1F2-680C30C14F36}" type="presParOf" srcId="{4D8E518A-08BE-4064-9A5E-63021AB3804A}" destId="{FA6337B8-5CFE-48E8-A8F9-538CCB76F5A2}" srcOrd="0" destOrd="0" presId="urn:microsoft.com/office/officeart/2009/layout/CircleArrowProcess"/>
+    <dgm:cxn modelId="{9D7DBCA2-8F44-4C01-863C-56E8DB7F8E86}" type="presParOf" srcId="{3562C9D5-BC4D-4157-8076-9F01F4C8157E}" destId="{29393BFD-0319-4FF1-BCE3-F71A95C0ABB8}" srcOrd="1" destOrd="0" presId="urn:microsoft.com/office/officeart/2009/layout/CircleArrowProcess"/>
+    <dgm:cxn modelId="{DCE71A7D-CBFF-401D-BAF5-DF910E4A5179}" type="presParOf" srcId="{3562C9D5-BC4D-4157-8076-9F01F4C8157E}" destId="{F9ACA16E-2BCE-4EB2-A0E2-1AEA5EEB7817}" srcOrd="2" destOrd="0" presId="urn:microsoft.com/office/officeart/2009/layout/CircleArrowProcess"/>
+    <dgm:cxn modelId="{12981F36-F7B8-4F2F-9282-488CA625B9F8}" type="presParOf" srcId="{F9ACA16E-2BCE-4EB2-A0E2-1AEA5EEB7817}" destId="{9DCBD915-2FF6-4039-B925-C89BEFC33A31}" srcOrd="0" destOrd="0" presId="urn:microsoft.com/office/officeart/2009/layout/CircleArrowProcess"/>
+    <dgm:cxn modelId="{33A08899-0F60-4D7D-A700-1B1D634686B5}" type="presParOf" srcId="{3562C9D5-BC4D-4157-8076-9F01F4C8157E}" destId="{66BDF273-3F7E-4FEB-8913-05093DEB1A77}" srcOrd="3" destOrd="0" presId="urn:microsoft.com/office/officeart/2009/layout/CircleArrowProcess"/>
+    <dgm:cxn modelId="{B3F064D3-18AF-46B7-B58D-AC7298A6EB80}" type="presParOf" srcId="{3562C9D5-BC4D-4157-8076-9F01F4C8157E}" destId="{EE7E25ED-3DAB-4763-978D-19A4ECDD3831}" srcOrd="4" destOrd="0" presId="urn:microsoft.com/office/officeart/2009/layout/CircleArrowProcess"/>
+    <dgm:cxn modelId="{5131BE6A-C2BE-44E1-A910-3DE7683B0E8C}" type="presParOf" srcId="{EE7E25ED-3DAB-4763-978D-19A4ECDD3831}" destId="{F9144445-4035-4A33-8A97-6A328A94F200}" srcOrd="0" destOrd="0" presId="urn:microsoft.com/office/officeart/2009/layout/CircleArrowProcess"/>
+    <dgm:cxn modelId="{D42FE663-55E8-460E-8D16-886A6FD97B3A}" type="presParOf" srcId="{3562C9D5-BC4D-4157-8076-9F01F4C8157E}" destId="{BCF07DEA-075C-4600-AC13-938CC5CACC62}" srcOrd="5" destOrd="0" presId="urn:microsoft.com/office/officeart/2009/layout/CircleArrowProcess"/>
+  </dgm:cxnLst>
+  <dgm:bg/>
+  <dgm:whole/>
+  <dgm:extLst>
+    <a:ext uri="http://schemas.microsoft.com/office/drawing/2008/diagram">
+      <dsp:dataModelExt xmlns:dsp="http://schemas.microsoft.com/office/drawing/2008/diagram" relId="rId6" minVer="http://schemas.openxmlformats.org/drawingml/2006/diagram"/>
+    </a:ext>
+  </dgm:extLst>
+</dgm:dataModel>
+</file>
+
+<file path=ppt/diagrams/drawing1.xml><?xml version="1.0" encoding="utf-8"?>
+<dsp:drawing xmlns:dgm="http://schemas.openxmlformats.org/drawingml/2006/diagram" xmlns:dsp="http://schemas.microsoft.com/office/drawing/2008/diagram" xmlns:a="http://schemas.openxmlformats.org/drawingml/2006/main">
+  <dsp:spTree>
+    <dsp:nvGrpSpPr>
+      <dsp:cNvPr id="0" name=""/>
+      <dsp:cNvGrpSpPr/>
+    </dsp:nvGrpSpPr>
+    <dsp:grpSpPr/>
+    <dsp:sp modelId="{FA6337B8-5CFE-48E8-A8F9-538CCB76F5A2}">
+      <dsp:nvSpPr>
+        <dsp:cNvPr id="0" name=""/>
+        <dsp:cNvSpPr/>
+      </dsp:nvSpPr>
+      <dsp:spPr>
+        <a:xfrm>
+          <a:off x="1684088" y="0"/>
+          <a:ext cx="1740747" cy="1741011"/>
+        </a:xfrm>
+        <a:prstGeom prst="circularArrow">
+          <a:avLst>
+            <a:gd name="adj1" fmla="val 10980"/>
+            <a:gd name="adj2" fmla="val 1142322"/>
+            <a:gd name="adj3" fmla="val 4500000"/>
+            <a:gd name="adj4" fmla="val 10800000"/>
+            <a:gd name="adj5" fmla="val 12500"/>
+          </a:avLst>
+        </a:prstGeom>
+        <a:solidFill>
+          <a:schemeClr val="accent1">
+            <a:hueOff val="0"/>
+            <a:satOff val="0"/>
+            <a:lumOff val="0"/>
+            <a:alphaOff val="0"/>
+          </a:schemeClr>
+        </a:solidFill>
+        <a:ln w="12700" cap="flat" cmpd="sng" algn="ctr">
+          <a:solidFill>
+            <a:schemeClr val="lt1">
+              <a:hueOff val="0"/>
+              <a:satOff val="0"/>
+              <a:lumOff val="0"/>
+              <a:alphaOff val="0"/>
+            </a:schemeClr>
+          </a:solidFill>
+          <a:prstDash val="solid"/>
+          <a:miter lim="800000"/>
+        </a:ln>
+        <a:effectLst/>
+      </dsp:spPr>
+      <dsp:style>
+        <a:lnRef idx="2">
+          <a:scrgbClr r="0" g="0" b="0"/>
+        </a:lnRef>
+        <a:fillRef idx="1">
+          <a:scrgbClr r="0" g="0" b="0"/>
+        </a:fillRef>
+        <a:effectRef idx="0">
+          <a:scrgbClr r="0" g="0" b="0"/>
+        </a:effectRef>
+        <a:fontRef idx="minor">
+          <a:schemeClr val="lt1"/>
+        </a:fontRef>
+      </dsp:style>
+    </dsp:sp>
+    <dsp:sp modelId="{29393BFD-0319-4FF1-BCE3-F71A95C0ABB8}">
+      <dsp:nvSpPr>
+        <dsp:cNvPr id="0" name=""/>
+        <dsp:cNvSpPr/>
+      </dsp:nvSpPr>
+      <dsp:spPr>
+        <a:xfrm>
+          <a:off x="2068850" y="628558"/>
+          <a:ext cx="967299" cy="483534"/>
+        </a:xfrm>
+        <a:prstGeom prst="rect">
+          <a:avLst/>
+        </a:prstGeom>
+        <a:noFill/>
+        <a:ln>
+          <a:noFill/>
+        </a:ln>
+        <a:effectLst/>
+      </dsp:spPr>
+      <dsp:style>
+        <a:lnRef idx="0">
+          <a:scrgbClr r="0" g="0" b="0"/>
+        </a:lnRef>
+        <a:fillRef idx="0">
+          <a:scrgbClr r="0" g="0" b="0"/>
+        </a:fillRef>
+        <a:effectRef idx="0">
+          <a:scrgbClr r="0" g="0" b="0"/>
+        </a:effectRef>
+        <a:fontRef idx="minor"/>
+      </dsp:style>
+      <dsp:txBody>
+        <a:bodyPr spcFirstLastPara="0" vert="horz" wrap="square" lIns="10795" tIns="10795" rIns="10795" bIns="10795" numCol="1" spcCol="1270" anchor="ctr" anchorCtr="0">
+          <a:noAutofit/>
+        </a:bodyPr>
+        <a:lstStyle/>
+        <a:p>
+          <a:pPr marL="0" lvl="0" indent="0" algn="ctr" defTabSz="755650">
+            <a:lnSpc>
+              <a:spcPct val="90000"/>
+            </a:lnSpc>
+            <a:spcBef>
+              <a:spcPct val="0"/>
+            </a:spcBef>
+            <a:spcAft>
+              <a:spcPct val="35000"/>
+            </a:spcAft>
+            <a:buNone/>
+          </a:pPr>
+          <a:r>
+            <a:rPr lang="en-GB" sz="1700" kern="1200" dirty="0"/>
+            <a:t>xml</a:t>
+          </a:r>
+          <a:endParaRPr lang="en-DE" sz="1700" kern="1200" dirty="0"/>
+        </a:p>
+      </dsp:txBody>
+      <dsp:txXfrm>
+        <a:off x="2068850" y="628558"/>
+        <a:ext cx="967299" cy="483534"/>
+      </dsp:txXfrm>
+    </dsp:sp>
+    <dsp:sp modelId="{9DCBD915-2FF6-4039-B925-C89BEFC33A31}">
+      <dsp:nvSpPr>
+        <dsp:cNvPr id="0" name=""/>
+        <dsp:cNvSpPr/>
+      </dsp:nvSpPr>
+      <dsp:spPr>
+        <a:xfrm>
+          <a:off x="1200601" y="1000340"/>
+          <a:ext cx="1740747" cy="1741011"/>
+        </a:xfrm>
+        <a:prstGeom prst="leftCircularArrow">
+          <a:avLst>
+            <a:gd name="adj1" fmla="val 10980"/>
+            <a:gd name="adj2" fmla="val 1142322"/>
+            <a:gd name="adj3" fmla="val 6300000"/>
+            <a:gd name="adj4" fmla="val 18900000"/>
+            <a:gd name="adj5" fmla="val 12500"/>
+          </a:avLst>
+        </a:prstGeom>
+        <a:solidFill>
+          <a:schemeClr val="accent1">
+            <a:hueOff val="0"/>
+            <a:satOff val="0"/>
+            <a:lumOff val="0"/>
+            <a:alphaOff val="0"/>
+          </a:schemeClr>
+        </a:solidFill>
+        <a:ln w="12700" cap="flat" cmpd="sng" algn="ctr">
+          <a:solidFill>
+            <a:schemeClr val="lt1">
+              <a:hueOff val="0"/>
+              <a:satOff val="0"/>
+              <a:lumOff val="0"/>
+              <a:alphaOff val="0"/>
+            </a:schemeClr>
+          </a:solidFill>
+          <a:prstDash val="solid"/>
+          <a:miter lim="800000"/>
+        </a:ln>
+        <a:effectLst/>
+      </dsp:spPr>
+      <dsp:style>
+        <a:lnRef idx="2">
+          <a:scrgbClr r="0" g="0" b="0"/>
+        </a:lnRef>
+        <a:fillRef idx="1">
+          <a:scrgbClr r="0" g="0" b="0"/>
+        </a:fillRef>
+        <a:effectRef idx="0">
+          <a:scrgbClr r="0" g="0" b="0"/>
+        </a:effectRef>
+        <a:fontRef idx="minor">
+          <a:schemeClr val="lt1"/>
+        </a:fontRef>
+      </dsp:style>
+    </dsp:sp>
+    <dsp:sp modelId="{66BDF273-3F7E-4FEB-8913-05093DEB1A77}">
+      <dsp:nvSpPr>
+        <dsp:cNvPr id="0" name=""/>
+        <dsp:cNvSpPr/>
+      </dsp:nvSpPr>
+      <dsp:spPr>
+        <a:xfrm>
+          <a:off x="1587325" y="1634685"/>
+          <a:ext cx="967299" cy="483534"/>
+        </a:xfrm>
+        <a:prstGeom prst="rect">
+          <a:avLst/>
+        </a:prstGeom>
+        <a:noFill/>
+        <a:ln>
+          <a:noFill/>
+        </a:ln>
+        <a:effectLst/>
+      </dsp:spPr>
+      <dsp:style>
+        <a:lnRef idx="0">
+          <a:scrgbClr r="0" g="0" b="0"/>
+        </a:lnRef>
+        <a:fillRef idx="0">
+          <a:scrgbClr r="0" g="0" b="0"/>
+        </a:fillRef>
+        <a:effectRef idx="0">
+          <a:scrgbClr r="0" g="0" b="0"/>
+        </a:effectRef>
+        <a:fontRef idx="minor"/>
+      </dsp:style>
+      <dsp:txBody>
+        <a:bodyPr spcFirstLastPara="0" vert="horz" wrap="square" lIns="10795" tIns="10795" rIns="10795" bIns="10795" numCol="1" spcCol="1270" anchor="ctr" anchorCtr="0">
+          <a:noAutofit/>
+        </a:bodyPr>
+        <a:lstStyle/>
+        <a:p>
+          <a:pPr marL="0" lvl="0" indent="0" algn="ctr" defTabSz="755650">
+            <a:lnSpc>
+              <a:spcPct val="90000"/>
+            </a:lnSpc>
+            <a:spcBef>
+              <a:spcPct val="0"/>
+            </a:spcBef>
+            <a:spcAft>
+              <a:spcPct val="35000"/>
+            </a:spcAft>
+            <a:buNone/>
+          </a:pPr>
+          <a:r>
+            <a:rPr lang="en-GB" sz="1700" kern="1200" dirty="0"/>
+            <a:t>html</a:t>
+          </a:r>
+          <a:endParaRPr lang="en-DE" sz="1700" kern="1200" dirty="0"/>
+        </a:p>
+      </dsp:txBody>
+      <dsp:txXfrm>
+        <a:off x="1587325" y="1634685"/>
+        <a:ext cx="967299" cy="483534"/>
+      </dsp:txXfrm>
+    </dsp:sp>
+    <dsp:sp modelId="{F9144445-4035-4A33-8A97-6A328A94F200}">
+      <dsp:nvSpPr>
+        <dsp:cNvPr id="0" name=""/>
+        <dsp:cNvSpPr/>
+      </dsp:nvSpPr>
+      <dsp:spPr>
+        <a:xfrm>
+          <a:off x="1807983" y="2120389"/>
+          <a:ext cx="1495571" cy="1496170"/>
+        </a:xfrm>
+        <a:prstGeom prst="blockArc">
+          <a:avLst>
+            <a:gd name="adj1" fmla="val 13500000"/>
+            <a:gd name="adj2" fmla="val 10800000"/>
+            <a:gd name="adj3" fmla="val 12740"/>
+          </a:avLst>
+        </a:prstGeom>
+        <a:solidFill>
+          <a:schemeClr val="accent1">
+            <a:hueOff val="0"/>
+            <a:satOff val="0"/>
+            <a:lumOff val="0"/>
+            <a:alphaOff val="0"/>
+          </a:schemeClr>
+        </a:solidFill>
+        <a:ln w="12700" cap="flat" cmpd="sng" algn="ctr">
+          <a:solidFill>
+            <a:schemeClr val="lt1">
+              <a:hueOff val="0"/>
+              <a:satOff val="0"/>
+              <a:lumOff val="0"/>
+              <a:alphaOff val="0"/>
+            </a:schemeClr>
+          </a:solidFill>
+          <a:prstDash val="solid"/>
+          <a:miter lim="800000"/>
+        </a:ln>
+        <a:effectLst/>
+      </dsp:spPr>
+      <dsp:style>
+        <a:lnRef idx="2">
+          <a:scrgbClr r="0" g="0" b="0"/>
+        </a:lnRef>
+        <a:fillRef idx="1">
+          <a:scrgbClr r="0" g="0" b="0"/>
+        </a:fillRef>
+        <a:effectRef idx="0">
+          <a:scrgbClr r="0" g="0" b="0"/>
+        </a:effectRef>
+        <a:fontRef idx="minor">
+          <a:schemeClr val="lt1"/>
+        </a:fontRef>
+      </dsp:style>
+    </dsp:sp>
+    <dsp:sp modelId="{BCF07DEA-075C-4600-AC13-938CC5CACC62}">
+      <dsp:nvSpPr>
+        <dsp:cNvPr id="0" name=""/>
+        <dsp:cNvSpPr/>
+      </dsp:nvSpPr>
+      <dsp:spPr>
+        <a:xfrm>
+          <a:off x="2071138" y="2642258"/>
+          <a:ext cx="967299" cy="483534"/>
+        </a:xfrm>
+        <a:prstGeom prst="rect">
+          <a:avLst/>
+        </a:prstGeom>
+        <a:noFill/>
+        <a:ln>
+          <a:noFill/>
+        </a:ln>
+        <a:effectLst/>
+      </dsp:spPr>
+      <dsp:style>
+        <a:lnRef idx="0">
+          <a:scrgbClr r="0" g="0" b="0"/>
+        </a:lnRef>
+        <a:fillRef idx="0">
+          <a:scrgbClr r="0" g="0" b="0"/>
+        </a:fillRef>
+        <a:effectRef idx="0">
+          <a:scrgbClr r="0" g="0" b="0"/>
+        </a:effectRef>
+        <a:fontRef idx="minor"/>
+      </dsp:style>
+      <dsp:txBody>
+        <a:bodyPr spcFirstLastPara="0" vert="horz" wrap="square" lIns="10795" tIns="10795" rIns="10795" bIns="10795" numCol="1" spcCol="1270" anchor="ctr" anchorCtr="0">
+          <a:noAutofit/>
+        </a:bodyPr>
+        <a:lstStyle/>
+        <a:p>
+          <a:pPr marL="0" lvl="0" indent="0" algn="ctr" defTabSz="755650">
+            <a:lnSpc>
+              <a:spcPct val="90000"/>
+            </a:lnSpc>
+            <a:spcBef>
+              <a:spcPct val="0"/>
+            </a:spcBef>
+            <a:spcAft>
+              <a:spcPct val="35000"/>
+            </a:spcAft>
+            <a:buNone/>
+          </a:pPr>
+          <a:r>
+            <a:rPr lang="en-GB" sz="1700" kern="1200" dirty="0"/>
+            <a:t>static website</a:t>
+          </a:r>
+          <a:endParaRPr lang="en-DE" sz="1700" kern="1200" dirty="0"/>
+        </a:p>
+      </dsp:txBody>
+      <dsp:txXfrm>
+        <a:off x="2071138" y="2642258"/>
+        <a:ext cx="967299" cy="483534"/>
+      </dsp:txXfrm>
+    </dsp:sp>
+  </dsp:spTree>
+</dsp:drawing>
+</file>
+
+<file path=ppt/diagrams/layout1.xml><?xml version="1.0" encoding="utf-8"?>
+<dgm:layoutDef xmlns:dgm="http://schemas.openxmlformats.org/drawingml/2006/diagram" xmlns:a="http://schemas.openxmlformats.org/drawingml/2006/main" uniqueId="urn:microsoft.com/office/officeart/2009/layout/CircleArrowProcess">
+  <dgm:title val=""/>
+  <dgm:desc val=""/>
+  <dgm:catLst>
+    <dgm:cat type="process" pri="16500"/>
+    <dgm:cat type="cycle" pri="16000"/>
+  </dgm:catLst>
+  <dgm:sampData>
+    <dgm:dataModel>
+      <dgm:ptLst>
+        <dgm:pt modelId="0" type="doc"/>
+        <dgm:pt modelId="10">
+          <dgm:prSet phldr="1"/>
+        </dgm:pt>
+        <dgm:pt modelId="20">
+          <dgm:prSet phldr="1"/>
+        </dgm:pt>
+        <dgm:pt modelId="30">
+          <dgm:prSet phldr="1"/>
+        </dgm:pt>
+      </dgm:ptLst>
+      <dgm:cxnLst>
+        <dgm:cxn modelId="40" srcId="0" destId="10" srcOrd="0" destOrd="0"/>
+        <dgm:cxn modelId="50" srcId="0" destId="20" srcOrd="1" destOrd="0"/>
+        <dgm:cxn modelId="60" srcId="0" destId="30" srcOrd="2" destOrd="0"/>
+      </dgm:cxnLst>
+      <dgm:bg/>
+      <dgm:whole/>
+    </dgm:dataModel>
+  </dgm:sampData>
+  <dgm:styleData>
+    <dgm:dataModel>
+      <dgm:ptLst>
+        <dgm:pt modelId="0" type="doc"/>
+        <dgm:pt modelId="10">
+          <dgm:prSet phldr="1"/>
+        </dgm:pt>
+        <dgm:pt modelId="20">
+          <dgm:prSet phldr="1"/>
+        </dgm:pt>
+      </dgm:ptLst>
+      <dgm:cxnLst>
+        <dgm:cxn modelId="30" srcId="0" destId="10" srcOrd="0" destOrd="0"/>
+        <dgm:cxn modelId="40" srcId="0" destId="20" srcOrd="1" destOrd="0"/>
+      </dgm:cxnLst>
+      <dgm:bg/>
+      <dgm:whole/>
+    </dgm:dataModel>
+  </dgm:styleData>
+  <dgm:clrData>
+    <dgm:dataModel>
+      <dgm:ptLst>
+        <dgm:pt modelId="0" type="doc"/>
+        <dgm:pt modelId="10">
+          <dgm:prSet phldr="1"/>
+        </dgm:pt>
+        <dgm:pt modelId="20">
+          <dgm:prSet phldr="1"/>
+        </dgm:pt>
+        <dgm:pt modelId="30">
+          <dgm:prSet phldr="1"/>
+        </dgm:pt>
+        <dgm:pt modelId="40">
+          <dgm:prSet phldr="1"/>
+        </dgm:pt>
+      </dgm:ptLst>
+      <dgm:cxnLst>
+        <dgm:cxn modelId="50" srcId="0" destId="10" srcOrd="0" destOrd="0"/>
+        <dgm:cxn modelId="60" srcId="0" destId="20" srcOrd="1" destOrd="0"/>
+        <dgm:cxn modelId="70" srcId="0" destId="30" srcOrd="2" destOrd="0"/>
+        <dgm:cxn modelId="80" srcId="0" destId="40" srcOrd="3" destOrd="0"/>
+      </dgm:cxnLst>
+      <dgm:bg/>
+      <dgm:whole/>
+    </dgm:dataModel>
+  </dgm:clrData>
+  <dgm:layoutNode name="Name0">
+    <dgm:varLst>
+      <dgm:chMax val="7"/>
+      <dgm:chPref val="7"/>
+      <dgm:dir/>
+      <dgm:animLvl val="lvl"/>
+    </dgm:varLst>
+    <dgm:shape xmlns:r="http://schemas.openxmlformats.org/officeDocument/2006/relationships" r:blip="">
+      <dgm:adjLst/>
+    </dgm:shape>
+    <dgm:choose name="Name1">
+      <dgm:if name="Name2" func="var" arg="dir" op="equ" val="norm">
+        <dgm:choose name="Name3">
+          <dgm:if name="Name4" axis="ch" ptType="node" func="cnt" op="equ" val="1">
+            <dgm:alg type="composite">
+              <dgm:param type="ar" val="1.5999"/>
+            </dgm:alg>
+            <dgm:constrLst>
+              <dgm:constr type="primFontSz" for="des" forName="Child1" val="65"/>
+              <dgm:constr type="primFontSz" for="des" forName="Parent1" val="65"/>
+              <dgm:constr type="primFontSz" for="des" forName="Child1" refType="primFontSz" refFor="des" refForName="Parent1" op="lte"/>
+              <dgm:constr type="l" for="ch" forName="Child1" refType="w" fact="0.625"/>
+              <dgm:constr type="t" for="ch" forName="Child1" refType="h" fact="0.2981"/>
+              <dgm:constr type="w" for="ch" forName="Child1" refType="w" fact="0.375"/>
+              <dgm:constr type="h" for="ch" forName="Child1" refType="h" fact="0.4001"/>
+              <dgm:constr type="l" for="ch" forName="Accent1" refType="w" fact="0"/>
+              <dgm:constr type="t" for="ch" forName="Accent1" refType="h" fact="0"/>
+              <dgm:constr type="w" for="ch" forName="Accent1" refType="w" fact="0.6249"/>
+              <dgm:constr type="h" for="ch" forName="Accent1" refType="h"/>
+              <dgm:constr type="l" for="ch" forName="Parent1" refType="w" fact="0.138"/>
+              <dgm:constr type="t" for="ch" forName="Parent1" refType="h" fact="0.362"/>
+              <dgm:constr type="w" for="ch" forName="Parent1" refType="w" fact="0.3487"/>
+              <dgm:constr type="h" for="ch" forName="Parent1" refType="h" fact="0.2789"/>
+            </dgm:constrLst>
+          </dgm:if>
+          <dgm:if name="Name5" axis="ch" ptType="node" func="cnt" op="equ" val="2">
+            <dgm:alg type="composite">
+              <dgm:param type="ar" val="1.2026"/>
+            </dgm:alg>
+            <dgm:constrLst>
+              <dgm:constr type="primFontSz" for="des" forName="Child1" val="65"/>
+              <dgm:constr type="primFontSz" for="des" forName="Parent1" val="65"/>
+              <dgm:constr type="primFontSz" for="des" forName="Child1" refType="primFontSz" refFor="des" refForName="Parent1" op="lte"/>
+              <dgm:constr type="primFontSz" for="des" forName="Child2" refType="primFontSz" refFor="des" refForName="Parent1" op="lte"/>
+              <dgm:constr type="primFontSz" for="des" forName="Child1" refType="primFontSz" refFor="des" refForName="Parent2" op="lte"/>
+              <dgm:constr type="primFontSz" for="des" forName="Child2" refType="primFontSz" refFor="des" refForName="Parent2" op="lte"/>
+              <dgm:constr type="primFontSz" for="des" forName="Parent2" refType="primFontSz" refFor="des" refForName="Parent1" op="equ"/>
+              <dgm:constr type="primFontSz" for="des" forName="Child2" refType="primFontSz" refFor="des" refForName="Child1" op="equ"/>
+              <dgm:constr type="l" for="ch" forName="Accent1" refType="w" fact="0.1144"/>
+              <dgm:constr type="t" for="ch" forName="Accent1" refType="h" fact="0"/>
+              <dgm:constr type="w" for="ch" forName="Accent1" refType="w" fact="0.5542"/>
+              <dgm:constr type="h" for="ch" forName="Accent1" refType="h" fact="0.6665"/>
+              <dgm:constr type="l" for="ch" forName="Parent1" refType="w" fact="0.2368"/>
+              <dgm:constr type="t" for="ch" forName="Parent1" refType="h" fact="0.2413"/>
+              <dgm:constr type="w" for="ch" forName="Parent1" refType="w" fact="0.3092"/>
+              <dgm:constr type="h" for="ch" forName="Parent1" refType="h" fact="0.1859"/>
+              <dgm:constr type="l" for="ch" forName="Parent2" refType="w" fact="0.0822"/>
+              <dgm:constr type="t" for="ch" forName="Parent2" refType="h" fact="0.625"/>
+              <dgm:constr type="w" for="ch" forName="Parent2" refType="w" fact="0.3092"/>
+              <dgm:constr type="h" for="ch" forName="Parent2" refType="h" fact="0.1859"/>
+              <dgm:constr type="l" for="ch" forName="Child1" refType="w" fact="0.6678"/>
+              <dgm:constr type="t" for="ch" forName="Child1" refType="h" fact="0.1978"/>
+              <dgm:constr type="w" for="ch" forName="Child1" refType="w" fact="0.3322"/>
+              <dgm:constr type="h" for="ch" forName="Child1" refType="h" fact="0.265"/>
+              <dgm:constr type="l" for="ch" forName="Child2" refType="w" fact="0.5164"/>
+              <dgm:constr type="t" for="ch" forName="Child2" refType="h" fact="0.5855"/>
+              <dgm:constr type="w" for="ch" forName="Child2" refType="w" fact="0.3322"/>
+              <dgm:constr type="h" for="ch" forName="Child2" refType="h" fact="0.265"/>
+              <dgm:constr type="l" for="ch" forName="Accent2" refType="w" fact="0"/>
+              <dgm:constr type="t" for="ch" forName="Accent2" refType="h" fact="0.4272"/>
+              <dgm:constr type="w" for="ch" forName="Accent2" refType="w" fact="0.4761"/>
+              <dgm:constr type="h" for="ch" forName="Accent2" refType="h" fact="0.5728"/>
+            </dgm:constrLst>
+          </dgm:if>
+          <dgm:if name="Name6" axis="ch" ptType="node" func="cnt" op="equ" val="3">
+            <dgm:alg type="composite">
+              <dgm:param type="ar" val="0.9039"/>
+            </dgm:alg>
+            <dgm:shape xmlns:r="http://schemas.openxmlformats.org/officeDocument/2006/relationships" r:blip="">
+              <dgm:adjLst/>
+            </dgm:shape>
+            <dgm:constrLst>
+              <dgm:constr type="primFontSz" for="des" forName="Child1" val="65"/>
+              <dgm:constr type="primFontSz" for="des" forName="Parent1" val="65"/>
+              <dgm:constr type="primFontSz" for="des" forName="Child1" refType="primFontSz" refFor="des" refForName="Parent1" op="lte"/>
+              <dgm:constr type="primFontSz" for="des" forName="Child2" refType="primFontSz" refFor="des" refForName="Parent1" op="lte"/>
+              <dgm:constr type="primFontSz" for="des" forName="Child3" refType="primFontSz" refFor="des" refForName="Parent1" op="lte"/>
+              <dgm:constr type="primFontSz" for="des" forName="Child1" refType="primFontSz" refFor="des" refForName="Parent2" op="lte"/>
+              <dgm:constr type="primFontSz" for="des" forName="Child2" refType="primFontSz" refFor="des" refForName="Parent2" op="lte"/>
+              <dgm:constr type="primFontSz" for="des" forName="Child3" refType="primFontSz" refFor="des" refForName="Parent2" op="lte"/>
+              <dgm:constr type="primFontSz" for="des" forName="Child1" refType="primFontSz" refFor="des" refForName="Parent3" op="lte"/>
+              <dgm:constr type="primFontSz" for="des" forName="Child2" refType="primFontSz" refFor="des" refForName="Parent3" op="lte"/>
+              <dgm:constr type="primFontSz" for="des" forName="Child3" refType="primFontSz" refFor="des" refForName="Parent3" op="lte"/>
+              <dgm:constr type="primFontSz" for="des" forName="Parent2" refType="primFontSz" refFor="des" refForName="Parent1" op="equ"/>
+              <dgm:constr type="primFontSz" for="des" forName="Parent3" refType="primFontSz" refFor="des" refForName="Parent1" op="equ"/>
+              <dgm:constr type="primFontSz" for="des" forName="Child2" refType="primFontSz" refFor="des" refForName="Child1" op="equ"/>
+              <dgm:constr type="primFontSz" for="des" forName="Child3" refType="primFontSz" refFor="des" refForName="Child1" op="equ"/>
+              <dgm:constr type="l" for="ch" forName="Accent1" refType="w" fact="0.1479"/>
+              <dgm:constr type="t" for="ch" forName="Accent1" refType="h" fact="0"/>
+              <dgm:constr type="w" for="ch" forName="Accent1" refType="w" fact="0.5325"/>
+              <dgm:constr type="h" for="ch" forName="Accent1" refType="h" fact="0.4814"/>
+              <dgm:constr type="l" for="ch" forName="Accent2" refType="w" fact="0"/>
+              <dgm:constr type="t" for="ch" forName="Accent2" refType="h" fact="0.2766"/>
+              <dgm:constr type="w" for="ch" forName="Accent2" refType="w" fact="0.5325"/>
+              <dgm:constr type="h" for="ch" forName="Accent2" refType="h" fact="0.4814"/>
+              <dgm:constr type="l" for="ch" forName="Parent1" refType="w" fact="0.2656"/>
+              <dgm:constr type="t" for="ch" forName="Parent1" refType="h" fact="0.1738"/>
+              <dgm:constr type="w" for="ch" forName="Parent1" refType="w" fact="0.2959"/>
+              <dgm:constr type="h" for="ch" forName="Parent1" refType="h" fact="0.1337"/>
+              <dgm:constr type="l" for="ch" forName="Accent3" refType="w" fact="0.1858"/>
+              <dgm:constr type="t" for="ch" forName="Accent3" refType="h" fact="0.5863"/>
+              <dgm:constr type="w" for="ch" forName="Accent3" refType="w" fact="0.4575"/>
+              <dgm:constr type="h" for="ch" forName="Accent3" refType="h" fact="0.4137"/>
+              <dgm:constr type="l" for="ch" forName="Parent2" refType="w" fact="0.1183"/>
+              <dgm:constr type="t" for="ch" forName="Parent2" refType="h" fact="0.452"/>
+              <dgm:constr type="w" for="ch" forName="Parent2" refType="w" fact="0.2959"/>
+              <dgm:constr type="h" for="ch" forName="Parent2" refType="h" fact="0.1337"/>
+              <dgm:constr type="l" for="ch" forName="Parent3" refType="w" fact="0.2663"/>
+              <dgm:constr type="t" for="ch" forName="Parent3" refType="h" fact="0.7306"/>
+              <dgm:constr type="w" for="ch" forName="Parent3" refType="w" fact="0.2959"/>
+              <dgm:constr type="h" for="ch" forName="Parent3" refType="h" fact="0.1337"/>
+              <dgm:constr type="l" for="ch" forName="Child2" refType="w" fact="0.5325"/>
+              <dgm:constr type="t" for="ch" forName="Child2" refType="h" fact="0.4217"/>
+              <dgm:constr type="w" for="ch" forName="Child2" refType="w" fact="0.3195"/>
+              <dgm:constr type="h" for="ch" forName="Child2" refType="h" fact="0.1926"/>
+              <dgm:constr type="l" for="ch" forName="Child1" refType="w" fact="0.6805"/>
+              <dgm:constr type="t" for="ch" forName="Child1" refType="h" fact="0.1435"/>
+              <dgm:constr type="w" for="ch" forName="Child1" refType="w" fact="0.3195"/>
+              <dgm:constr type="h" for="ch" forName="Child1" refType="h" fact="0.1926"/>
+              <dgm:constr type="l" for="ch" forName="Child3" refType="w" fact="0.6805"/>
+              <dgm:constr type="t" for="ch" forName="Child3" refType="h" fact="0.6998"/>
+              <dgm:constr type="w" for="ch" forName="Child3" refType="w" fact="0.3195"/>
+              <dgm:constr type="h" for="ch" forName="Child3" refType="h" fact="0.1926"/>
+            </dgm:constrLst>
+          </dgm:if>
+          <dgm:if name="Name7" axis="ch" ptType="node" func="cnt" op="equ" val="4">
+            <dgm:alg type="composite">
+              <dgm:param type="ar" val="0.7073"/>
+            </dgm:alg>
+            <dgm:constrLst>
+              <dgm:constr type="primFontSz" for="des" forName="Child1" val="65"/>
+              <dgm:constr type="primFontSz" for="des" forName="Parent1" val="65"/>
+              <dgm:constr type="primFontSz" for="des" forName="Child1" refType="primFontSz" refFor="des" refForName="Parent1" op="lte"/>
+              <dgm:constr type="primFontSz" for="des" forName="Child2" refType="primFontSz" refFor="des" refForName="Parent1" op="lte"/>
+              <dgm:constr type="primFontSz" for="des" forName="Child3" refType="primFontSz" refFor="des" refForName="Parent1" op="lte"/>
+              <dgm:constr type="primFontSz" for="des" forName="Child4" refType="primFontSz" refFor="des" refForName="Parent1" op="lte"/>
+              <dgm:constr type="primFontSz" for="des" forName="Child1" refType="primFontSz" refFor="des" refForName="Parent2" op="lte"/>
+              <dgm:constr type="primFontSz" for="des" forName="Child2" refType="primFontSz" refFor="des" refForName="Parent2" op="lte"/>
+              <dgm:constr type="primFontSz" for="des" forName="Child3" refType="primFontSz" refFor="des" refForName="Parent2" op="lte"/>
+              <dgm:constr type="primFontSz" for="des" forName="Child4" refType="primFontSz" refFor="des" refForName="Parent2" op="lte"/>
+              <dgm:constr type="primFontSz" for="des" forName="Child1" refType="primFontSz" refFor="des" refForName="Parent3" op="lte"/>
+              <dgm:constr type="primFontSz" for="des" forName="Child2" refType="primFontSz" refFor="des" refForName="Parent3" op="lte"/>
+              <dgm:constr type="primFontSz" for="des" forName="Child3" refType="primFontSz" refFor="des" refForName="Parent3" op="lte"/>
+              <dgm:constr type="primFontSz" for="des" forName="Child4" refType="primFontSz" refFor="des" refForName="Parent3" op="lte"/>
+              <dgm:constr type="primFontSz" for="des" forName="Child1" refType="primFontSz" refFor="des" refForName="Parent4" op="lte"/>
+              <dgm:constr type="primFontSz" for="des" forName="Child2" refType="primFontSz" refFor="des" refForName="Parent4" op="lte"/>
+              <dgm:constr type="primFontSz" for="des" forName="Child3" refType="primFontSz" refFor="des" refForName="Parent4" op="lte"/>
+              <dgm:constr type="primFontSz" for="des" forName="Child4" refType="primFontSz" refFor="des" refForName="Parent4" op="lte"/>
+              <dgm:constr type="primFontSz" for="des" forName="Parent2" refType="primFontSz" refFor="des" refForName="Parent1" op="equ"/>
+              <dgm:constr type="primFontSz" for="des" forName="Parent3" refType="primFontSz" refFor="des" refForName="Parent1" op="equ"/>
+              <dgm:constr type="primFontSz" for="des" forName="Parent4" refType="primFontSz" refFor="des" refForName="Parent1" op="equ"/>
+              <dgm:constr type="primFontSz" for="des" forName="Child2" refType="primFontSz" refFor="des" refForName="Child1" op="equ"/>
+              <dgm:constr type="primFontSz" for="des" forName="Child3" refType="primFontSz" refFor="des" refForName="Child1" op="equ"/>
+              <dgm:constr type="primFontSz" for="des" forName="Child4" refType="primFontSz" refFor="des" refForName="Child1" op="equ"/>
+              <dgm:constr type="l" for="ch" forName="Accent1" refType="w" fact="0.1481"/>
+              <dgm:constr type="t" for="ch" forName="Accent1" refType="h" fact="0"/>
+              <dgm:constr type="w" for="ch" forName="Accent1" refType="w" fact="0.5331"/>
+              <dgm:constr type="h" for="ch" forName="Accent1" refType="h" fact="0.3771"/>
+              <dgm:constr type="l" for="ch" forName="Accent2" refType="w" fact="0"/>
+              <dgm:constr type="t" for="ch" forName="Accent2" refType="h" fact="0.2167"/>
+              <dgm:constr type="w" for="ch" forName="Accent2" refType="w" fact="0.5331"/>
+              <dgm:constr type="h" for="ch" forName="Accent2" refType="h" fact="0.3771"/>
+              <dgm:constr type="l" for="ch" forName="Accent3" refType="w" fact="0.1481"/>
+              <dgm:constr type="t" for="ch" forName="Accent3" refType="h" fact="0.4342"/>
+              <dgm:constr type="w" for="ch" forName="Accent3" refType="w" fact="0.5331"/>
+              <dgm:constr type="h" for="ch" forName="Accent3" refType="h" fact="0.3771"/>
+              <dgm:constr type="l" for="ch" forName="Parent1" refType="w" fact="0.2658"/>
+              <dgm:constr type="t" for="ch" forName="Parent1" refType="h" fact="0.1365"/>
+              <dgm:constr type="w" for="ch" forName="Parent1" refType="w" fact="0.2975"/>
+              <dgm:constr type="h" for="ch" forName="Parent1" refType="h" fact="0.1052"/>
+              <dgm:constr type="l" for="ch" forName="Parent2" refType="w" fact="0.1171"/>
+              <dgm:constr type="t" for="ch" forName="Parent2" refType="h" fact="0.3536"/>
+              <dgm:constr type="w" for="ch" forName="Parent2" refType="w" fact="0.2975"/>
+              <dgm:constr type="h" for="ch" forName="Parent2" refType="h" fact="0.1052"/>
+              <dgm:constr type="l" for="ch" forName="Parent3" refType="w" fact="0.2658"/>
+              <dgm:constr type="t" for="ch" forName="Parent3" refType="h" fact="0.5707"/>
+              <dgm:constr type="w" for="ch" forName="Parent3" refType="w" fact="0.2975"/>
+              <dgm:constr type="h" for="ch" forName="Parent3" refType="h" fact="0.1052"/>
+              <dgm:constr type="l" for="ch" forName="Parent4" refType="w" fact="0.1171"/>
+              <dgm:constr type="t" for="ch" forName="Parent4" refType="h" fact="0.7878"/>
+              <dgm:constr type="w" for="ch" forName="Parent4" refType="w" fact="0.2975"/>
+              <dgm:constr type="h" for="ch" forName="Parent4" refType="h" fact="0.1052"/>
+              <dgm:constr type="l" for="ch" forName="Child1" refType="w" fact="0.6804"/>
+              <dgm:constr type="t" for="ch" forName="Child1" refType="h" fact="0.1119"/>
+              <dgm:constr type="w" for="ch" forName="Child1" refType="w" fact="0.3196"/>
+              <dgm:constr type="h" for="ch" forName="Child1" refType="h" fact="0.15"/>
+              <dgm:constr type="l" for="ch" forName="Child2" refType="w" fact="0.5348"/>
+              <dgm:constr type="t" for="ch" forName="Child2" refType="h" fact="0.3312"/>
+              <dgm:constr type="w" for="ch" forName="Child2" refType="w" fact="0.3196"/>
+              <dgm:constr type="h" for="ch" forName="Child2" refType="h" fact="0.15"/>
+              <dgm:constr type="l" for="ch" forName="Child3" refType="w" fact="0.6804"/>
+              <dgm:constr type="t" for="ch" forName="Child3" refType="h" fact="0.5461"/>
+              <dgm:constr type="w" for="ch" forName="Child3" refType="w" fact="0.3196"/>
+              <dgm:constr type="h" for="ch" forName="Child3" refType="h" fact="0.15"/>
+              <dgm:constr type="l" for="ch" forName="Child4" refType="w" fact="0.5348"/>
+              <dgm:constr type="t" for="ch" forName="Child4" refType="h" fact="0.7632"/>
+              <dgm:constr type="w" for="ch" forName="Child4" refType="w" fact="0.3196"/>
+              <dgm:constr type="h" for="ch" forName="Child4" refType="h" fact="0.15"/>
+              <dgm:constr type="l" for="ch" forName="Accent4" refType="w" fact="0.038"/>
+              <dgm:constr type="t" for="ch" forName="Accent4" refType="h" fact="0.6759"/>
+              <dgm:constr type="w" for="ch" forName="Accent4" refType="w" fact="0.458"/>
+              <dgm:constr type="h" for="ch" forName="Accent4" refType="h" fact="0.3241"/>
+            </dgm:constrLst>
+          </dgm:if>
+          <dgm:if name="Name8" axis="ch" ptType="node" func="cnt" op="equ" val="5">
+            <dgm:alg type="composite">
+              <dgm:param type="ar" val="0.5811"/>
+            </dgm:alg>
+            <dgm:constrLst>
+              <dgm:constr type="primFontSz" for="des" forName="Child1" val="65"/>
+              <dgm:constr type="primFontSz" for="des" forName="Parent1" val="65"/>
+              <dgm:constr type="primFontSz" for="des" forName="Child1" refType="primFontSz" refFor="des" refForName="Parent1" op="lte"/>
+              <dgm:constr type="primFontSz" for="des" forName="Child2" refType="primFontSz" refFor="des" refForName="Parent1" op="lte"/>
+              <dgm:constr type="primFontSz" for="des" forName="Child3" refType="primFontSz" refFor="des" refForName="Parent1" op="lte"/>
+              <dgm:constr type="primFontSz" for="des" forName="Child4" refType="primFontSz" refFor="des" refForName="Parent1" op="lte"/>
+              <dgm:constr type="primFontSz" for="des" forName="Child5" refType="primFontSz" refFor="des" refForName="Parent1" op="lte"/>
+              <dgm:constr type="primFontSz" for="des" forName="Child1" refType="primFontSz" refFor="des" refForName="Parent2" op="lte"/>
+              <dgm:constr type="primFontSz" for="des" forName="Child2" refType="primFontSz" refFor="des" refForName="Parent2" op="lte"/>
+              <dgm:constr type="primFontSz" for="des" forName="Child3" refType="primFontSz" refFor="des" refForName="Parent2" op="lte"/>
+              <dgm:constr type="primFontSz" for="des" forName="Child4" refType="primFontSz" refFor="des" refForName="Parent2" op="lte"/>
+              <dgm:constr type="primFontSz" for="des" forName="Child5" refType="primFontSz" refFor="des" refForName="Parent2" op="lte"/>
+              <dgm:constr type="primFontSz" for="des" forName="Child1" refType="primFontSz" refFor="des" refForName="Parent3" op="lte"/>
+              <dgm:constr type="primFontSz" for="des" forName="Child2" refType="primFontSz" refFor="des" refForName="Parent3" op="lte"/>
+              <dgm:constr type="primFontSz" for="des" forName="Child3" refType="primFontSz" refFor="des" refForName="Parent3" op="lte"/>
+              <dgm:constr type="primFontSz" for="des" forName="Child4" refType="primFontSz" refFor="des" refForName="Parent3" op="lte"/>
+              <dgm:constr type="primFontSz" for="des" forName="Child5" refType="primFontSz" refFor="des" refForName="Parent3" op="lte"/>
+              <dgm:constr type="primFontSz" for="des" forName="Child1" refType="primFontSz" refFor="des" refForName="Parent4" op="lte"/>
+              <dgm:constr type="primFontSz" for="des" forName="Child2" refType="primFontSz" refFor="des" refForName="Parent4" op="lte"/>
+              <dgm:constr type="primFontSz" for="des" forName="Child3" refType="primFontSz" refFor="des" refForName="Parent4" op="lte"/>
+              <dgm:constr type="primFontSz" for="des" forName="Child4" refType="primFontSz" refFor="des" refForName="Parent4" op="lte"/>
+              <dgm:constr type="primFontSz" for="des" forName="Child5" refType="primFontSz" refFor="des" refForName="Parent4" op="lte"/>
+              <dgm:constr type="primFontSz" for="des" forName="Child1" refType="primFontSz" refFor="des" refForName="Parent5" op="lte"/>
+              <dgm:constr type="primFontSz" for="des" forName="Child2" refType="primFontSz" refFor="des" refForName="Parent5" op="lte"/>
+              <dgm:constr type="primFontSz" for="des" forName="Child3" refType="primFontSz" refFor="des" refForName="Parent5" op="lte"/>
+              <dgm:constr type="primFontSz" for="des" forName="Child4" refType="primFontSz" refFor="des" refForName="Parent5" op="lte"/>
+              <dgm:constr type="primFontSz" for="des" forName="Child5" refType="primFontSz" refFor="des" refForName="Parent5" op="lte"/>
+              <dgm:constr type="primFontSz" for="des" forName="Parent2" refType="primFontSz" refFor="des" refForName="Parent1" op="equ"/>
+              <dgm:constr type="primFontSz" for="des" forName="Parent3" refType="primFontSz" refFor="des" refForName="Parent1" op="equ"/>
+              <dgm:constr type="primFontSz" for="des" forName="Parent4" refType="primFontSz" refFor="des" refForName="Parent1" op="equ"/>
+              <dgm:constr type="primFontSz" for="des" forName="Parent5" refType="primFontSz" refFor="des" refForName="Parent1" op="equ"/>
+              <dgm:constr type="primFontSz" for="des" forName="Child2" refType="primFontSz" refFor="des" refForName="Child1" op="equ"/>
+              <dgm:constr type="primFontSz" for="des" forName="Child3" refType="primFontSz" refFor="des" refForName="Child1" op="equ"/>
+              <dgm:constr type="primFontSz" for="des" forName="Child4" refType="primFontSz" refFor="des" refForName="Child1" op="equ"/>
+              <dgm:constr type="primFontSz" for="des" forName="Child5" refType="primFontSz" refFor="des" refForName="Child1" op="equ"/>
+              <dgm:constr type="l" for="ch" forName="Accent1" refType="w" fact="0.1481"/>
+              <dgm:constr type="t" for="ch" forName="Accent1" refType="h" fact="0"/>
+              <dgm:constr type="w" for="ch" forName="Accent1" refType="w" fact="0.5331"/>
+              <dgm:constr type="h" for="ch" forName="Accent1" refType="h" fact="0.3098"/>
+              <dgm:constr type="l" for="ch" forName="Accent2" refType="w" fact="0"/>
+              <dgm:constr type="t" for="ch" forName="Accent2" refType="h" fact="0.178"/>
+              <dgm:constr type="w" for="ch" forName="Accent2" refType="w" fact="0.5331"/>
+              <dgm:constr type="h" for="ch" forName="Accent2" refType="h" fact="0.3098"/>
+              <dgm:constr type="l" for="ch" forName="Accent3" refType="w" fact="0.1481"/>
+              <dgm:constr type="t" for="ch" forName="Accent3" refType="h" fact="0.3568"/>
+              <dgm:constr type="w" for="ch" forName="Accent3" refType="w" fact="0.5331"/>
+              <dgm:constr type="h" for="ch" forName="Accent3" refType="h" fact="0.3098"/>
+              <dgm:constr type="l" for="ch" forName="Accent4" refType="w" fact="0"/>
+              <dgm:constr type="t" for="ch" forName="Accent4" refType="h" fact="0.5351"/>
+              <dgm:constr type="w" for="ch" forName="Accent4" refType="w" fact="0.5331"/>
+              <dgm:constr type="h" for="ch" forName="Accent4" refType="h" fact="0.3098"/>
+              <dgm:constr type="l" for="ch" forName="Accent5" refType="w" fact="0.186"/>
+              <dgm:constr type="t" for="ch" forName="Accent5" refType="h" fact="0.7337"/>
+              <dgm:constr type="w" for="ch" forName="Accent5" refType="w" fact="0.458"/>
+              <dgm:constr type="h" for="ch" forName="Accent5" refType="h" fact="0.2663"/>
+              <dgm:constr type="l" for="ch" forName="Parent1" refType="w" fact="0.2658"/>
+              <dgm:constr type="t" for="ch" forName="Parent1" refType="h" fact="0.1122"/>
+              <dgm:constr type="w" for="ch" forName="Parent1" refType="w" fact="0.2975"/>
+              <dgm:constr type="h" for="ch" forName="Parent1" refType="h" fact="0.0864"/>
+              <dgm:constr type="l" for="ch" forName="Parent2" refType="w" fact="0.1171"/>
+              <dgm:constr type="t" for="ch" forName="Parent2" refType="h" fact="0.2906"/>
+              <dgm:constr type="w" for="ch" forName="Parent2" refType="w" fact="0.2975"/>
+              <dgm:constr type="h" for="ch" forName="Parent2" refType="h" fact="0.0864"/>
+              <dgm:constr type="l" for="ch" forName="Parent3" refType="w" fact="0.2658"/>
+              <dgm:constr type="t" for="ch" forName="Parent3" refType="h" fact="0.4689"/>
+              <dgm:constr type="w" for="ch" forName="Parent3" refType="w" fact="0.2975"/>
+              <dgm:constr type="h" for="ch" forName="Parent3" refType="h" fact="0.0864"/>
+              <dgm:constr type="l" for="ch" forName="Parent4" refType="w" fact="0.1171"/>
+              <dgm:constr type="t" for="ch" forName="Parent4" refType="h" fact="0.6473"/>
+              <dgm:constr type="w" for="ch" forName="Parent4" refType="w" fact="0.2975"/>
+              <dgm:constr type="h" for="ch" forName="Parent4" refType="h" fact="0.0864"/>
+              <dgm:constr type="l" for="ch" forName="Parent5" refType="w" fact="0.2658"/>
+              <dgm:constr type="t" for="ch" forName="Parent5" refType="h" fact="0.8257"/>
+              <dgm:constr type="w" for="ch" forName="Parent5" refType="w" fact="0.2975"/>
+              <dgm:constr type="h" for="ch" forName="Parent5" refType="h" fact="0.0864"/>
+              <dgm:constr type="l" for="ch" forName="Child1" refType="w" fact="0.6804"/>
+              <dgm:constr type="t" for="ch" forName="Child1" refType="h" fact="0.0919"/>
+              <dgm:constr type="w" for="ch" forName="Child1" refType="w" fact="0.3196"/>
+              <dgm:constr type="h" for="ch" forName="Child1" refType="h" fact="0.1232"/>
+              <dgm:constr type="l" for="ch" forName="Child2" refType="w" fact="0.5348"/>
+              <dgm:constr type="t" for="ch" forName="Child2" refType="h" fact="0.2722"/>
+              <dgm:constr type="w" for="ch" forName="Child2" refType="w" fact="0.3196"/>
+              <dgm:constr type="h" for="ch" forName="Child2" refType="h" fact="0.1232"/>
+              <dgm:constr type="l" for="ch" forName="Child3" refType="w" fact="0.6804"/>
+              <dgm:constr type="t" for="ch" forName="Child3" refType="h" fact="0.4487"/>
+              <dgm:constr type="w" for="ch" forName="Child3" refType="w" fact="0.3196"/>
+              <dgm:constr type="h" for="ch" forName="Child3" refType="h" fact="0.1232"/>
+              <dgm:constr type="l" for="ch" forName="Child4" refType="w" fact="0.5348"/>
+              <dgm:constr type="t" for="ch" forName="Child4" refType="h" fact="0.6271"/>
+              <dgm:constr type="w" for="ch" forName="Child4" refType="w" fact="0.3196"/>
+              <dgm:constr type="h" for="ch" forName="Child4" refType="h" fact="0.1232"/>
+              <dgm:constr type="l" for="ch" forName="Child5" refType="w" fact="0.6804"/>
+              <dgm:constr type="t" for="ch" forName="Child5" refType="h" fact="0.8073"/>
+              <dgm:constr type="w" for="ch" forName="Child5" refType="w" fact="0.3196"/>
+              <dgm:constr type="h" for="ch" forName="Child5" refType="h" fact="0.1232"/>
+            </dgm:constrLst>
+          </dgm:if>
+          <dgm:if name="Name9" axis="ch" ptType="node" func="cnt" op="equ" val="6">
+            <dgm:alg type="composite">
+              <dgm:param type="ar" val="0.4931"/>
+            </dgm:alg>
+            <dgm:constrLst>
+              <dgm:constr type="primFontSz" for="des" forName="Child1" val="65"/>
+              <dgm:constr type="primFontSz" for="des" forName="Parent1" val="65"/>
+              <dgm:constr type="primFontSz" for="des" forName="Child1" refType="primFontSz" refFor="des" refForName="Parent1" op="lte"/>
+              <dgm:constr type="primFontSz" for="des" forName="Child2" refType="primFontSz" refFor="des" refForName="Parent1" op="lte"/>
+              <dgm:constr type="primFontSz" for="des" forName="Child3" refType="primFontSz" refFor="des" refForName="Parent1" op="lte"/>
+              <dgm:constr type="primFontSz" for="des" forName="Child4" refType="primFontSz" refFor="des" refForName="Parent1" op="lte"/>
+              <dgm:constr type="primFontSz" for="des" forName="Child5" refType="primFontSz" refFor="des" refForName="Parent1" op="lte"/>
+              <dgm:constr type="primFontSz" for="des" forName="Child6" refType="primFontSz" refFor="des" refForName="Parent1" op="lte"/>
+              <dgm:constr type="primFontSz" for="des" forName="Child1" refType="primFontSz" refFor="des" refForName="Parent2" op="lte"/>
+              <dgm:constr type="primFontSz" for="des" forName="Child2" refType="primFontSz" refFor="des" refForName="Parent2" op="lte"/>
+              <dgm:constr type="primFontSz" for="des" forName="Child3" refType="primFontSz" refFor="des" refForName="Parent2" op="lte"/>
+              <dgm:constr type="primFontSz" for="des" forName="Child4" refType="primFontSz" refFor="des" refForName="Parent2" op="lte"/>
+              <dgm:constr type="primFontSz" for="des" forName="Child5" refType="primFontSz" refFor="des" refForName="Parent2" op="lte"/>
+              <dgm:constr type="primFontSz" for="des" forName="Child6" refType="primFontSz" refFor="des" refForName="Parent2" op="lte"/>
+              <dgm:constr type="primFontSz" for="des" forName="Child1" refType="primFontSz" refFor="des" refForName="Parent3" op="lte"/>
+              <dgm:constr type="primFontSz" for="des" forName="Child2" refType="primFontSz" refFor="des" refForName="Parent3" op="lte"/>
+              <dgm:constr type="primFontSz" for="des" forName="Child3" refType="primFontSz" refFor="des" refForName="Parent3" op="lte"/>
+              <dgm:constr type="primFontSz" for="des" forName="Child4" refType="primFontSz" refFor="des" refForName="Parent3" op="lte"/>
+              <dgm:constr type="primFontSz" for="des" forName="Child5" refType="primFontSz" refFor="des" refForName="Parent3" op="lte"/>
+              <dgm:constr type="primFontSz" for="des" forName="Child6" refType="primFontSz" refFor="des" refForName="Parent3" op="lte"/>
+              <dgm:constr type="primFontSz" for="des" forName="Child1" refType="primFontSz" refFor="des" refForName="Parent4" op="lte"/>
+              <dgm:constr type="primFontSz" for="des" forName="Child2" refType="primFontSz" refFor="des" refForName="Parent4" op="lte"/>
+              <dgm:constr type="primFontSz" for="des" forName="Child3" refType="primFontSz" refFor="des" refForName="Parent4" op="lte"/>
+              <dgm:constr type="primFontSz" for="des" forName="Child4" refType="primFontSz" refFor="des" refForName="Parent4" op="lte"/>
+              <dgm:constr type="primFontSz" for="des" forName="Child5" refType="primFontSz" refFor="des" refForName="Parent4" op="lte"/>
+              <dgm:constr type="primFontSz" for="des" forName="Child6" refType="primFontSz" refFor="des" refForName="Parent4" op="lte"/>
+              <dgm:constr type="primFontSz" for="des" forName="Child1" refType="primFontSz" refFor="des" refForName="Parent5" op="lte"/>
+              <dgm:constr type="primFontSz" for="des" forName="Child2" refType="primFontSz" refFor="des" refForName="Parent5" op="lte"/>
+              <dgm:constr type="primFontSz" for="des" forName="Child3" refType="primFontSz" refFor="des" refForName="Parent5" op="lte"/>
+              <dgm:constr type="primFontSz" for="des" forName="Child4" refType="primFontSz" refFor="des" refForName="Parent5" op="lte"/>
+              <dgm:constr type="primFontSz" for="des" forName="Child5" refType="primFontSz" refFor="des" refForName="Parent5" op="lte"/>
+              <dgm:constr type="primFontSz" for="des" forName="Child6" refType="primFontSz" refFor="des" refForName="Parent5" op="lte"/>
+              <dgm:constr type="primFontSz" for="des" forName="Child1" refType="primFontSz" refFor="des" refForName="Parent6" op="lte"/>
+              <dgm:constr type="primFontSz" for="des" forName="Child2" refType="primFontSz" refFor="des" refForName="Parent6" op="lte"/>
+              <dgm:constr type="primFontSz" for="des" forName="Child3" refType="primFontSz" refFor="des" refForName="Parent6" op="lte"/>
+              <dgm:constr type="primFontSz" for="des" forName="Child4" refType="primFontSz" refFor="des" refForName="Parent6" op="lte"/>
+              <dgm:constr type="primFontSz" for="des" forName="Child5" refType="primFontSz" refFor="des" refForName="Parent6" op="lte"/>
+              <dgm:constr type="primFontSz" for="des" forName="Child6" refType="primFontSz" refFor="des" refForName="Parent6" op="lte"/>
+              <dgm:constr type="primFontSz" for="des" forName="Parent2" refType="primFontSz" refFor="des" refForName="Parent1" op="equ"/>
+              <dgm:constr type="primFontSz" for="des" forName="Parent3" refType="primFontSz" refFor="des" refForName="Parent1" op="equ"/>
+              <dgm:constr type="primFontSz" for="des" forName="Parent4" refType="primFontSz" refFor="des" refForName="Parent1" op="equ"/>
+              <dgm:constr type="primFontSz" for="des" forName="Parent5" refType="primFontSz" refFor="des" refForName="Parent1" op="equ"/>
+              <dgm:constr type="primFontSz" for="des" forName="Parent6" refType="primFontSz" refFor="des" refForName="Parent1" op="equ"/>
+              <dgm:constr type="primFontSz" for="des" forName="Child2" refType="primFontSz" refFor="des" refForName="Child1" op="equ"/>
+              <dgm:constr type="primFontSz" for="des" forName="Child3" refType="primFontSz" refFor="des" refForName="Child1" op="equ"/>
+              <dgm:constr type="primFontSz" for="des" forName="Child4" refType="primFontSz" refFor="des" refForName="Child1" op="equ"/>
+              <dgm:constr type="primFontSz" for="des" forName="Child5" refType="primFontSz" refFor="des" refForName="Child1" op="equ"/>
+              <dgm:constr type="primFontSz" for="des" forName="Child6" refType="primFontSz" refFor="des" refForName="Child1" op="equ"/>
+              <dgm:constr type="l" for="ch" forName="Accent1" refType="w" fact="0.1481"/>
+              <dgm:constr type="t" for="ch" forName="Accent1" refType="h" fact="0"/>
+              <dgm:constr type="w" for="ch" forName="Accent1" refType="w" fact="0.5331"/>
+              <dgm:constr type="h" for="ch" forName="Accent1" refType="h" fact="0.2629"/>
+              <dgm:constr type="l" for="ch" forName="Accent2" refType="w" fact="0"/>
+              <dgm:constr type="t" for="ch" forName="Accent2" refType="h" fact="0.1511"/>
+              <dgm:constr type="w" for="ch" forName="Accent2" refType="w" fact="0.5331"/>
+              <dgm:constr type="h" for="ch" forName="Accent2" refType="h" fact="0.2629"/>
+              <dgm:constr type="l" for="ch" forName="Accent3" refType="w" fact="0.1481"/>
+              <dgm:constr type="t" for="ch" forName="Accent3" refType="h" fact="0.3027"/>
+              <dgm:constr type="w" for="ch" forName="Accent3" refType="w" fact="0.5331"/>
+              <dgm:constr type="h" for="ch" forName="Accent3" refType="h" fact="0.2629"/>
+              <dgm:constr type="l" for="ch" forName="Accent4" refType="w" fact="0"/>
+              <dgm:constr type="t" for="ch" forName="Accent4" refType="h" fact="0.4541"/>
+              <dgm:constr type="w" for="ch" forName="Accent4" refType="w" fact="0.5331"/>
+              <dgm:constr type="h" for="ch" forName="Accent4" refType="h" fact="0.2629"/>
+              <dgm:constr type="l" for="ch" forName="Parent1" refType="w" fact="0.2658"/>
+              <dgm:constr type="t" for="ch" forName="Parent1" refType="h" fact="0.0952"/>
+              <dgm:constr type="w" for="ch" forName="Parent1" refType="w" fact="0.2975"/>
+              <dgm:constr type="h" for="ch" forName="Parent1" refType="h" fact="0.0733"/>
+              <dgm:constr type="l" for="ch" forName="Parent2" refType="w" fact="0.1171"/>
+              <dgm:constr type="t" for="ch" forName="Parent2" refType="h" fact="0.2466"/>
+              <dgm:constr type="w" for="ch" forName="Parent2" refType="w" fact="0.2975"/>
+              <dgm:constr type="h" for="ch" forName="Parent2" refType="h" fact="0.0733"/>
+              <dgm:constr type="l" for="ch" forName="Parent3" refType="w" fact="0.2658"/>
+              <dgm:constr type="t" for="ch" forName="Parent3" refType="h" fact="0.3979"/>
+              <dgm:constr type="w" for="ch" forName="Parent3" refType="w" fact="0.2975"/>
+              <dgm:constr type="h" for="ch" forName="Parent3" refType="h" fact="0.0733"/>
+              <dgm:constr type="l" for="ch" forName="Parent4" refType="w" fact="0.1171"/>
+              <dgm:constr type="t" for="ch" forName="Parent4" refType="h" fact="0.5493"/>
+              <dgm:constr type="w" for="ch" forName="Parent4" refType="w" fact="0.2975"/>
+              <dgm:constr type="h" for="ch" forName="Parent4" refType="h" fact="0.0733"/>
+              <dgm:constr type="l" for="ch" forName="Child1" refType="w" fact="0.6804"/>
+              <dgm:constr type="t" for="ch" forName="Child1" refType="h" fact="0.078"/>
+              <dgm:constr type="w" for="ch" forName="Child1" refType="w" fact="0.3196"/>
+              <dgm:constr type="h" for="ch" forName="Child1" refType="h" fact="0.1046"/>
+              <dgm:constr type="l" for="ch" forName="Child2" refType="w" fact="0.5348"/>
+              <dgm:constr type="t" for="ch" forName="Child2" refType="h" fact="0.231"/>
+              <dgm:constr type="w" for="ch" forName="Child2" refType="w" fact="0.3196"/>
+              <dgm:constr type="h" for="ch" forName="Child2" refType="h" fact="0.1046"/>
+              <dgm:constr type="l" for="ch" forName="Child3" refType="w" fact="0.6804"/>
+              <dgm:constr type="t" for="ch" forName="Child3" refType="h" fact="0.3808"/>
+              <dgm:constr type="w" for="ch" forName="Child3" refType="w" fact="0.3196"/>
+              <dgm:constr type="h" for="ch" forName="Child3" refType="h" fact="0.1046"/>
+              <dgm:constr type="l" for="ch" forName="Child4" refType="w" fact="0.5348"/>
+              <dgm:constr type="t" for="ch" forName="Child4" refType="h" fact="0.5322"/>
+              <dgm:constr type="w" for="ch" forName="Child4" refType="w" fact="0.3196"/>
+              <dgm:constr type="h" for="ch" forName="Child4" refType="h" fact="0.1046"/>
+              <dgm:constr type="l" for="ch" forName="Accent5" refType="w" fact="0.1481"/>
+              <dgm:constr type="t" for="ch" forName="Accent5" refType="h" fact="0.6053"/>
+              <dgm:constr type="w" for="ch" forName="Accent5" refType="w" fact="0.5331"/>
+              <dgm:constr type="h" for="ch" forName="Accent5" refType="h" fact="0.2629"/>
+              <dgm:constr type="l" for="ch" forName="Accent6" refType="w" fact="0.038"/>
+              <dgm:constr type="t" for="ch" forName="Accent6" refType="h" fact="0.774"/>
+              <dgm:constr type="w" for="ch" forName="Accent6" refType="w" fact="0.458"/>
+              <dgm:constr type="h" for="ch" forName="Accent6" refType="h" fact="0.226"/>
+              <dgm:constr type="l" for="ch" forName="Parent5" refType="w" fact="0.2658"/>
+              <dgm:constr type="t" for="ch" forName="Parent5" refType="h" fact="0.7005"/>
+              <dgm:constr type="w" for="ch" forName="Parent5" refType="w" fact="0.2975"/>
+              <dgm:constr type="h" for="ch" forName="Parent5" refType="h" fact="0.0733"/>
+              <dgm:constr type="l" for="ch" forName="Parent6" refType="w" fact="0.1171"/>
+              <dgm:constr type="t" for="ch" forName="Parent6" refType="h" fact="0.8519"/>
+              <dgm:constr type="w" for="ch" forName="Parent6" refType="w" fact="0.2975"/>
+              <dgm:constr type="h" for="ch" forName="Parent6" refType="h" fact="0.0733"/>
+              <dgm:constr type="l" for="ch" forName="Child5" refType="w" fact="0.6804"/>
+              <dgm:constr type="t" for="ch" forName="Child5" refType="h" fact="0.6833"/>
+              <dgm:constr type="w" for="ch" forName="Child5" refType="w" fact="0.3196"/>
+              <dgm:constr type="h" for="ch" forName="Child5" refType="h" fact="0.1046"/>
+              <dgm:constr type="l" for="ch" forName="Child6" refType="w" fact="0.5348"/>
+              <dgm:constr type="t" for="ch" forName="Child6" refType="h" fact="0.8347"/>
+              <dgm:constr type="w" for="ch" forName="Child6" refType="w" fact="0.3196"/>
+              <dgm:constr type="h" for="ch" forName="Child6" refType="h" fact="0.1046"/>
+            </dgm:constrLst>
+          </dgm:if>
+          <dgm:else name="Name10">
+            <dgm:alg type="composite">
+              <dgm:param type="ar" val="0.4284"/>
+            </dgm:alg>
+            <dgm:constrLst>
+              <dgm:constr type="primFontSz" for="des" forName="Child1" val="65"/>
+              <dgm:constr type="primFontSz" for="des" forName="Parent1" val="65"/>
+              <dgm:constr type="primFontSz" for="des" forName="Child1" refType="primFontSz" refFor="des" refForName="Parent1" op="lte"/>
+              <dgm:constr type="primFontSz" for="des" forName="Child2" refType="primFontSz" refFor="des" refForName="Parent1" op="lte"/>
+              <dgm:constr type="primFontSz" for="des" forName="Child3" refType="primFontSz" refFor="des" refForName="Parent1" op="lte"/>
+              <dgm:constr type="primFontSz" for="des" forName="Child4" refType="primFontSz" refFor="des" refForName="Parent1" op="lte"/>
+              <dgm:constr type="primFontSz" for="des" forName="Child5" refType="primFontSz" refFor="des" refForName="Parent1" op="lte"/>
+              <dgm:constr type="primFontSz" for="des" forName="Child6" refType="primFontSz" refFor="des" refForName="Parent1" op="lte"/>
+              <dgm:constr type="primFontSz" for="des" forName="Child7" refType="primFontSz" refFor="des" refForName="Parent1" op="lte"/>
+              <dgm:constr type="primFontSz" for="des" forName="Child1" refType="primFontSz" refFor="des" refForName="Parent2" op="lte"/>
+              <dgm:constr type="primFontSz" for="des" forName="Child2" refType="primFontSz" refFor="des" refForName="Parent2" op="lte"/>
+              <dgm:constr type="primFontSz" for="des" forName="Child3" refType="primFontSz" refFor="des" refForName="Parent2" op="lte"/>
+              <dgm:constr type="primFontSz" for="des" forName="Child4" refType="primFontSz" refFor="des" refForName="Parent2" op="lte"/>
+              <dgm:constr type="primFontSz" for="des" forName="Child5" refType="primFontSz" refFor="des" refForName="Parent2" op="lte"/>
+              <dgm:constr type="primFontSz" for="des" forName="Child6" refType="primFontSz" refFor="des" refForName="Parent2" op="lte"/>
+              <dgm:constr type="primFontSz" for="des" forName="Child7" refType="primFontSz" refFor="des" refForName="Parent2" op="lte"/>
+              <dgm:constr type="primFontSz" for="des" forName="Child1" refType="primFontSz" refFor="des" refForName="Parent3" op="lte"/>
+              <dgm:constr type="primFontSz" for="des" forName="Child2" refType="primFontSz" refFor="des" refForName="Parent3" op="lte"/>
+              <dgm:constr type="primFontSz" for="des" forName="Child3" refType="primFontSz" refFor="des" refForName="Parent3" op="lte"/>
+              <dgm:constr type="primFontSz" for="des" forName="Child4" refType="primFontSz" refFor="des" refForName="Parent3" op="lte"/>
+              <dgm:constr type="primFontSz" for="des" forName="Child5" refType="primFontSz" refFor="des" refForName="Parent3" op="lte"/>
+              <dgm:constr type="primFontSz" for="des" forName="Child6" refType="primFontSz" refFor="des" refForName="Parent3" op="lte"/>
+              <dgm:constr type="primFontSz" for="des" forName="Child7" refType="primFontSz" refFor="des" refForName="Parent3" op="lte"/>
+              <dgm:constr type="primFontSz" for="des" forName="Child1" refType="primFontSz" refFor="des" refForName="Parent4" op="lte"/>
+              <dgm:constr type="primFontSz" for="des" forName="Child2" refType="primFontSz" refFor="des" refForName="Parent4" op="lte"/>
+              <dgm:constr type="primFontSz" for="des" forName="Child3" refType="primFontSz" refFor="des" refForName="Parent4" op="lte"/>
+              <dgm:constr type="primFontSz" for="des" forName="Child4" refType="primFontSz" refFor="des" refForName="Parent4" op="lte"/>
+              <dgm:constr type="primFontSz" for="des" forName="Child5" refType="primFontSz" refFor="des" refForName="Parent4" op="lte"/>
+              <dgm:constr type="primFontSz" for="des" forName="Child6" refType="primFontSz" refFor="des" refForName="Parent4" op="lte"/>
+              <dgm:constr type="primFontSz" for="des" forName="Child7" refType="primFontSz" refFor="des" refForName="Parent4" op="lte"/>
+              <dgm:constr type="primFontSz" for="des" forName="Child1" refType="primFontSz" refFor="des" refForName="Parent5" op="lte"/>
+              <dgm:constr type="primFontSz" for="des" forName="Child2" refType="primFontSz" refFor="des" refForName="Parent5" op="lte"/>
+              <dgm:constr type="primFontSz" for="des" forName="Child3" refType="primFontSz" refFor="des" refForName="Parent5" op="lte"/>
+              <dgm:constr type="primFontSz" for="des" forName="Child4" refType="primFontSz" refFor="des" refForName="Parent5" op="lte"/>
+              <dgm:constr type="primFontSz" for="des" forName="Child5" refType="primFontSz" refFor="des" refForName="Parent5" op="lte"/>
+              <dgm:constr type="primFontSz" for="des" forName="Child6" refType="primFontSz" refFor="des" refForName="Parent5" op="lte"/>
+              <dgm:constr type="primFontSz" for="des" forName="Child7" refType="primFontSz" refFor="des" refForName="Parent5" op="lte"/>
+              <dgm:constr type="primFontSz" for="des" forName="Child1" refType="primFontSz" refFor="des" refForName="Parent6" op="lte"/>
+              <dgm:constr type="primFontSz" for="des" forName="Child2" refType="primFontSz" refFor="des" refForName="Parent6" op="lte"/>
+              <dgm:constr type="primFontSz" for="des" forName="Child3" refType="primFontSz" refFor="des" refForName="Parent6" op="lte"/>
+              <dgm:constr type="primFontSz" for="des" forName="Child4" refType="primFontSz" refFor="des" refForName="Parent6" op="lte"/>
+              <dgm:constr type="primFontSz" for="des" forName="Child5" refType="primFontSz" refFor="des" refForName="Parent6" op="lte"/>
+              <dgm:constr type="primFontSz" for="des" forName="Child6" refType="primFontSz" refFor="des" refForName="Parent6" op="lte"/>
+              <dgm:constr type="primFontSz" for="des" forName="Child7" refType="primFontSz" refFor="des" refForName="Parent6" op="lte"/>
+              <dgm:constr type="primFontSz" for="des" forName="Child1" refType="primFontSz" refFor="des" refForName="Parent7" op="lte"/>
+              <dgm:constr type="primFontSz" for="des" forName="Child2" refType="primFontSz" refFor="des" refForName="Parent7" op="lte"/>
+              <dgm:constr type="primFontSz" for="des" forName="Child3" refType="primFontSz" refFor="des" refForName="Parent7" op="lte"/>
+              <dgm:constr type="primFontSz" for="des" forName="Child4" refType="primFontSz" refFor="des" refForName="Parent7" op="lte"/>
+              <dgm:constr type="primFontSz" for="des" forName="Child5" refType="primFontSz" refFor="des" refForName="Parent7" op="lte"/>
+              <dgm:constr type="primFontSz" for="des" forName="Child6" refType="primFontSz" refFor="des" refForName="Parent7" op="lte"/>
+              <dgm:constr type="primFontSz" for="des" forName="Child7" refType="primFontSz" refFor="des" refForName="Parent7" op="lte"/>
+              <dgm:constr type="primFontSz" for="des" forName="Parent2" refType="primFontSz" refFor="des" refForName="Parent1" op="equ"/>
+              <dgm:constr type="primFontSz" for="des" forName="Parent3" refType="primFontSz" refFor="des" refForName="Parent1" op="equ"/>
+              <dgm:constr type="primFontSz" for="des" forName="Parent4" refType="primFontSz" refFor="des" refForName="Parent1" op="equ"/>
+              <dgm:constr type="primFontSz" for="des" forName="Parent5" refType="primFontSz" refFor="des" refForName="Parent1" op="equ"/>
+              <dgm:constr type="primFontSz" for="des" forName="Parent6" refType="primFontSz" refFor="des" refForName="Parent1" op="equ"/>
+              <dgm:constr type="primFontSz" for="des" forName="Parent7" refType="primFontSz" refFor="des" refForName="Parent1" op="equ"/>
+              <dgm:constr type="primFontSz" for="des" forName="Child2" refType="primFontSz" refFor="des" refForName="Child1" op="equ"/>
+              <dgm:constr type="primFontSz" for="des" forName="Child3" refType="primFontSz" refFor="des" refForName="Child1" op="equ"/>
+              <dgm:constr type="primFontSz" for="des" forName="Child4" refType="primFontSz" refFor="des" refForName="Child1" op="equ"/>
+              <dgm:constr type="primFontSz" for="des" forName="Child5" refType="primFontSz" refFor="des" refForName="Child1" op="equ"/>
+              <dgm:constr type="primFontSz" for="des" forName="Child6" refType="primFontSz" refFor="des" refForName="Child1" op="equ"/>
+              <dgm:constr type="primFontSz" for="des" forName="Child7" refType="primFontSz" refFor="des" refForName="Child1" op="equ"/>
+              <dgm:constr type="l" for="ch" forName="Accent1" refType="w" fact="0.1481"/>
+              <dgm:constr type="t" for="ch" forName="Accent1" refType="h" fact="0"/>
+              <dgm:constr type="w" for="ch" forName="Accent1" refType="w" fact="0.5331"/>
+              <dgm:constr type="h" for="ch" forName="Accent1" refType="h" fact="0.2284"/>
+              <dgm:constr type="l" for="ch" forName="Accent2" refType="w" fact="0"/>
+              <dgm:constr type="t" for="ch" forName="Accent2" refType="h" fact="0.1312"/>
+              <dgm:constr type="w" for="ch" forName="Accent2" refType="w" fact="0.5331"/>
+              <dgm:constr type="h" for="ch" forName="Accent2" refType="h" fact="0.2284"/>
+              <dgm:constr type="l" for="ch" forName="Accent3" refType="w" fact="0.1481"/>
+              <dgm:constr type="t" for="ch" forName="Accent3" refType="h" fact="0.263"/>
+              <dgm:constr type="w" for="ch" forName="Accent3" refType="w" fact="0.5331"/>
+              <dgm:constr type="h" for="ch" forName="Accent3" refType="h" fact="0.2284"/>
+              <dgm:constr type="l" for="ch" forName="Accent4" refType="w" fact="0"/>
+              <dgm:constr type="t" for="ch" forName="Accent4" refType="h" fact="0.3945"/>
+              <dgm:constr type="w" for="ch" forName="Accent4" refType="w" fact="0.5331"/>
+              <dgm:constr type="h" for="ch" forName="Accent4" refType="h" fact="0.2284"/>
+              <dgm:constr type="l" for="ch" forName="Parent1" refType="w" fact="0.2658"/>
+              <dgm:constr type="t" for="ch" forName="Parent1" refType="h" fact="0.0827"/>
+              <dgm:constr type="w" for="ch" forName="Parent1" refType="w" fact="0.2975"/>
+              <dgm:constr type="h" for="ch" forName="Parent1" refType="h" fact="0.0637"/>
+              <dgm:constr type="l" for="ch" forName="Parent2" refType="w" fact="0.1171"/>
+              <dgm:constr type="t" for="ch" forName="Parent2" refType="h" fact="0.2142"/>
+              <dgm:constr type="w" for="ch" forName="Parent2" refType="w" fact="0.2975"/>
+              <dgm:constr type="h" for="ch" forName="Parent2" refType="h" fact="0.0637"/>
+              <dgm:constr type="l" for="ch" forName="Parent3" refType="w" fact="0.2658"/>
+              <dgm:constr type="t" for="ch" forName="Parent3" refType="h" fact="0.3457"/>
+              <dgm:constr type="w" for="ch" forName="Parent3" refType="w" fact="0.2975"/>
+              <dgm:constr type="h" for="ch" forName="Parent3" refType="h" fact="0.0637"/>
+              <dgm:constr type="l" for="ch" forName="Parent4" refType="w" fact="0.1171"/>
+              <dgm:constr type="t" for="ch" forName="Parent4" refType="h" fact="0.4772"/>
+              <dgm:constr type="w" for="ch" forName="Parent4" refType="w" fact="0.2975"/>
+              <dgm:constr type="h" for="ch" forName="Parent4" refType="h" fact="0.0637"/>
+              <dgm:constr type="l" for="ch" forName="Child1" refType="w" fact="0.6804"/>
+              <dgm:constr type="t" for="ch" forName="Child1" refType="h" fact="0.0678"/>
+              <dgm:constr type="w" for="ch" forName="Child1" refType="w" fact="0.3196"/>
+              <dgm:constr type="h" for="ch" forName="Child1" refType="h" fact="0.0908"/>
+              <dgm:constr type="l" for="ch" forName="Child2" refType="w" fact="0.5348"/>
+              <dgm:constr type="t" for="ch" forName="Child2" refType="h" fact="0.2006"/>
+              <dgm:constr type="w" for="ch" forName="Child2" refType="w" fact="0.3196"/>
+              <dgm:constr type="h" for="ch" forName="Child2" refType="h" fact="0.0908"/>
+              <dgm:constr type="l" for="ch" forName="Child3" refType="w" fact="0.6804"/>
+              <dgm:constr type="t" for="ch" forName="Child3" refType="h" fact="0.3308"/>
+              <dgm:constr type="w" for="ch" forName="Child3" refType="w" fact="0.3196"/>
+              <dgm:constr type="h" for="ch" forName="Child3" refType="h" fact="0.0908"/>
+              <dgm:constr type="l" for="ch" forName="Child4" refType="w" fact="0.5348"/>
+              <dgm:constr type="t" for="ch" forName="Child4" refType="h" fact="0.4623"/>
+              <dgm:constr type="w" for="ch" forName="Child4" refType="w" fact="0.3196"/>
+              <dgm:constr type="h" for="ch" forName="Child4" refType="h" fact="0.0908"/>
+              <dgm:constr type="l" for="ch" forName="Accent5" refType="w" fact="0.1481"/>
+              <dgm:constr type="t" for="ch" forName="Accent5" refType="h" fact="0.5258"/>
+              <dgm:constr type="w" for="ch" forName="Accent5" refType="w" fact="0.5331"/>
+              <dgm:constr type="h" for="ch" forName="Accent5" refType="h" fact="0.2284"/>
+              <dgm:constr type="l" for="ch" forName="Accent6" refType="w" fact="0"/>
+              <dgm:constr type="t" for="ch" forName="Accent6" refType="h" fact="0.6573"/>
+              <dgm:constr type="w" for="ch" forName="Accent6" refType="w" fact="0.5331"/>
+              <dgm:constr type="h" for="ch" forName="Accent6" refType="h" fact="0.2284"/>
+              <dgm:constr type="l" for="ch" forName="Accent7" refType="w" fact="0.186"/>
+              <dgm:constr type="t" for="ch" forName="Accent7" refType="h" fact="0.8037"/>
+              <dgm:constr type="w" for="ch" forName="Accent7" refType="w" fact="0.458"/>
+              <dgm:constr type="h" for="ch" forName="Accent7" refType="h" fact="0.1963"/>
+              <dgm:constr type="l" for="ch" forName="Parent5" refType="w" fact="0.2658"/>
+              <dgm:constr type="t" for="ch" forName="Parent5" refType="h" fact="0.6085"/>
+              <dgm:constr type="w" for="ch" forName="Parent5" refType="w" fact="0.2975"/>
+              <dgm:constr type="h" for="ch" forName="Parent5" refType="h" fact="0.0637"/>
+              <dgm:constr type="l" for="ch" forName="Parent6" refType="w" fact="0.1171"/>
+              <dgm:constr type="t" for="ch" forName="Parent6" refType="h" fact="0.74"/>
+              <dgm:constr type="w" for="ch" forName="Parent6" refType="w" fact="0.2975"/>
+              <dgm:constr type="h" for="ch" forName="Parent6" refType="h" fact="0.0637"/>
+              <dgm:constr type="l" for="ch" forName="Parent7" refType="w" fact="0.2658"/>
+              <dgm:constr type="t" for="ch" forName="Parent7" refType="h" fact="0.8715"/>
+              <dgm:constr type="w" for="ch" forName="Parent7" refType="w" fact="0.2975"/>
+              <dgm:constr type="h" for="ch" forName="Parent7" refType="h" fact="0.0637"/>
+              <dgm:constr type="l" for="ch" forName="Child5" refType="w" fact="0.6804"/>
+              <dgm:constr type="t" for="ch" forName="Child5" refType="h" fact="0.5936"/>
+              <dgm:constr type="w" for="ch" forName="Child5" refType="w" fact="0.3196"/>
+              <dgm:constr type="h" for="ch" forName="Child5" refType="h" fact="0.0908"/>
+              <dgm:constr type="l" for="ch" forName="Child6" refType="w" fact="0.5348"/>
+              <dgm:constr type="t" for="ch" forName="Child6" refType="h" fact="0.7251"/>
+              <dgm:constr type="w" for="ch" forName="Child6" refType="w" fact="0.3196"/>
+              <dgm:constr type="h" for="ch" forName="Child6" refType="h" fact="0.0908"/>
+              <dgm:constr type="l" for="ch" forName="Child7" refType="w" fact="0.6804"/>
+              <dgm:constr type="t" for="ch" forName="Child7" refType="h" fact="0.8579"/>
+              <dgm:constr type="w" for="ch" forName="Child7" refType="w" fact="0.3196"/>
+              <dgm:constr type="h" for="ch" forName="Child7" refType="h" fact="0.0908"/>
+            </dgm:constrLst>
+          </dgm:else>
+        </dgm:choose>
+      </dgm:if>
+      <dgm:else name="Name11">
+        <dgm:choose name="Name12">
+          <dgm:if name="Name13" axis="ch" ptType="node" func="cnt" op="equ" val="1">
+            <dgm:alg type="composite">
+              <dgm:param type="ar" val="1.5999"/>
+            </dgm:alg>
+            <dgm:constrLst>
+              <dgm:constr type="primFontSz" for="des" forName="Child1" val="65"/>
+              <dgm:constr type="primFontSz" for="des" forName="Parent1" val="65"/>
+              <dgm:constr type="primFontSz" for="des" forName="Child1" refType="primFontSz" refFor="des" refForName="Parent1" op="lte"/>
+              <dgm:constr type="l" for="ch" forName="Child1" refType="w" fact="0.625"/>
+              <dgm:constr type="t" for="ch" forName="Child1" refType="h" fact="0.2981"/>
+              <dgm:constr type="w" for="ch" forName="Child1" refType="w" fact="0.375"/>
+              <dgm:constr type="h" for="ch" forName="Child1" refType="h" fact="0.4001"/>
+              <dgm:constr type="l" for="ch" forName="Accent1" refType="w" fact="0"/>
+              <dgm:constr type="t" for="ch" forName="Accent1" refType="h" fact="0"/>
+              <dgm:constr type="w" for="ch" forName="Accent1" refType="w" fact="0.6249"/>
+              <dgm:constr type="h" for="ch" forName="Accent1" refType="h"/>
+              <dgm:constr type="l" for="ch" forName="Parent1" refType="w" fact="0.138"/>
+              <dgm:constr type="t" for="ch" forName="Parent1" refType="h" fact="0.362"/>
+              <dgm:constr type="w" for="ch" forName="Parent1" refType="w" fact="0.3487"/>
+              <dgm:constr type="h" for="ch" forName="Parent1" refType="h" fact="0.2789"/>
+            </dgm:constrLst>
+          </dgm:if>
+          <dgm:if name="Name14" axis="ch" ptType="node" func="cnt" op="equ" val="2">
+            <dgm:alg type="composite">
+              <dgm:param type="ar" val="1.2026"/>
+            </dgm:alg>
+            <dgm:constrLst>
+              <dgm:constr type="primFontSz" for="des" forName="Child1" val="65"/>
+              <dgm:constr type="primFontSz" for="des" forName="Parent1" val="65"/>
+              <dgm:constr type="primFontSz" for="des" forName="Child1" refType="primFontSz" refFor="des" refForName="Parent1" op="lte"/>
+              <dgm:constr type="primFontSz" for="des" forName="Child2" refType="primFontSz" refFor="des" refForName="Parent1" op="lte"/>
+              <dgm:constr type="primFontSz" for="des" forName="Child1" refType="primFontSz" refFor="des" refForName="Parent2" op="lte"/>
+              <dgm:constr type="primFontSz" for="des" forName="Child2" refType="primFontSz" refFor="des" refForName="Parent2" op="lte"/>
+              <dgm:constr type="primFontSz" for="des" forName="Parent2" refType="primFontSz" refFor="des" refForName="Parent1" op="equ"/>
+              <dgm:constr type="primFontSz" for="des" forName="Child2" refType="primFontSz" refFor="des" refForName="Child1" op="equ"/>
+              <dgm:constr type="l" for="ch" forName="Accent1" refType="w" fact="-0.0407"/>
+              <dgm:constr type="t" for="ch" forName="Accent1" refType="h" fact="0"/>
+              <dgm:constr type="w" for="ch" forName="Accent1" refType="w" fact="0.5542"/>
+              <dgm:constr type="h" for="ch" forName="Accent1" refType="h" fact="0.6665"/>
+              <dgm:constr type="l" for="ch" forName="Accent2" refType="w" fact="0.1533"/>
+              <dgm:constr type="t" for="ch" forName="Accent2" refType="h" fact="0.4272"/>
+              <dgm:constr type="w" for="ch" forName="Accent2" refType="w" fact="0.4761"/>
+              <dgm:constr type="h" for="ch" forName="Accent2" refType="h" fact="0.5728"/>
+              <dgm:constr type="l" for="ch" forName="Parent1" refType="w" fact="0.0822"/>
+              <dgm:constr type="t" for="ch" forName="Parent1" refType="h" fact="0.2413"/>
+              <dgm:constr type="w" for="ch" forName="Parent1" refType="w" fact="0.3092"/>
+              <dgm:constr type="h" for="ch" forName="Parent1" refType="h" fact="0.1859"/>
+              <dgm:constr type="l" for="ch" forName="Parent2" refType="w" fact="0.2368"/>
+              <dgm:constr type="t" for="ch" forName="Parent2" refType="h" fact="0.625"/>
+              <dgm:constr type="w" for="ch" forName="Parent2" refType="w" fact="0.3092"/>
+              <dgm:constr type="h" for="ch" forName="Parent2" refType="h" fact="0.1859"/>
+              <dgm:constr type="l" for="ch" forName="Child1" refType="w" fact="0.5164"/>
+              <dgm:constr type="t" for="ch" forName="Child1" refType="h" fact="0.1978"/>
+              <dgm:constr type="w" for="ch" forName="Child1" refType="w" fact="0.3322"/>
+              <dgm:constr type="h" for="ch" forName="Child1" refType="h" fact="0.265"/>
+              <dgm:constr type="l" for="ch" forName="Child2" refType="w" fact="0.6678"/>
+              <dgm:constr type="t" for="ch" forName="Child2" refType="h" fact="0.5855"/>
+              <dgm:constr type="w" for="ch" forName="Child2" refType="w" fact="0.3322"/>
+              <dgm:constr type="h" for="ch" forName="Child2" refType="h" fact="0.265"/>
+            </dgm:constrLst>
+          </dgm:if>
+          <dgm:if name="Name15" axis="ch" ptType="node" func="cnt" op="equ" val="3">
+            <dgm:alg type="composite">
+              <dgm:param type="ar" val="0.9039"/>
+            </dgm:alg>
+            <dgm:shape xmlns:r="http://schemas.openxmlformats.org/officeDocument/2006/relationships" r:blip="">
+              <dgm:adjLst/>
+            </dgm:shape>
+            <dgm:constrLst>
+              <dgm:constr type="primFontSz" for="des" forName="Child1" val="65"/>
+              <dgm:constr type="primFontSz" for="des" forName="Parent1" val="65"/>
+              <dgm:constr type="primFontSz" for="des" forName="Child1" refType="primFontSz" refFor="des" refForName="Parent1" op="lte"/>
+              <dgm:constr type="primFontSz" for="des" forName="Child2" refType="primFontSz" refFor="des" refForName="Parent1" op="lte"/>
+              <dgm:constr type="primFontSz" for="des" forName="Child3" refType="primFontSz" refFor="des" refForName="Parent1" op="lte"/>
+              <dgm:constr type="primFontSz" for="des" forName="Child1" refType="primFontSz" refFor="des" refForName="Parent2" op="lte"/>
+              <dgm:constr type="primFontSz" for="des" forName="Child2" refType="primFontSz" refFor="des" refForName="Parent2" op="lte"/>
+              <dgm:constr type="primFontSz" for="des" forName="Child3" refType="primFontSz" refFor="des" refForName="Parent2" op="lte"/>
+              <dgm:constr type="primFontSz" for="des" forName="Child1" refType="primFontSz" refFor="des" refForName="Parent3" op="lte"/>
+              <dgm:constr type="primFontSz" for="des" forName="Child2" refType="primFontSz" refFor="des" refForName="Parent3" op="lte"/>
+              <dgm:constr type="primFontSz" for="des" forName="Child3" refType="primFontSz" refFor="des" refForName="Parent3" op="lte"/>
+              <dgm:constr type="primFontSz" for="des" forName="Parent2" refType="primFontSz" refFor="des" refForName="Parent1" op="equ"/>
+              <dgm:constr type="primFontSz" for="des" forName="Parent3" refType="primFontSz" refFor="des" refForName="Parent1" op="equ"/>
+              <dgm:constr type="primFontSz" for="des" forName="Child2" refType="primFontSz" refFor="des" refForName="Child1" op="equ"/>
+              <dgm:constr type="primFontSz" for="des" forName="Child3" refType="primFontSz" refFor="des" refForName="Child1" op="equ"/>
+              <dgm:constr type="l" for="ch" forName="Accent1" refType="w" fact="0"/>
+              <dgm:constr type="t" for="ch" forName="Accent1" refType="h" fact="0"/>
+              <dgm:constr type="w" for="ch" forName="Accent1" refType="w" fact="0.5325"/>
+              <dgm:constr type="h" for="ch" forName="Accent1" refType="h" fact="0.4814"/>
+              <dgm:constr type="l" for="ch" forName="Accent2" refType="w" fact="0.1479"/>
+              <dgm:constr type="t" for="ch" forName="Accent2" refType="h" fact="0.2766"/>
+              <dgm:constr type="w" for="ch" forName="Accent2" refType="w" fact="0.5325"/>
+              <dgm:constr type="h" for="ch" forName="Accent2" refType="h" fact="0.4814"/>
+              <dgm:constr type="l" for="ch" forName="Accent3" refType="w" fact="0.0378"/>
+              <dgm:constr type="t" for="ch" forName="Accent3" refType="h" fact="0.5863"/>
+              <dgm:constr type="w" for="ch" forName="Accent3" refType="w" fact="0.4575"/>
+              <dgm:constr type="h" for="ch" forName="Accent3" refType="h" fact="0.4137"/>
+              <dgm:constr type="l" for="ch" forName="Parent1" refType="w" fact="0.1183"/>
+              <dgm:constr type="t" for="ch" forName="Parent1" refType="h" fact="0.1738"/>
+              <dgm:constr type="w" for="ch" forName="Parent1" refType="w" fact="0.2959"/>
+              <dgm:constr type="h" for="ch" forName="Parent1" refType="h" fact="0.1337"/>
+              <dgm:constr type="l" for="ch" forName="Parent2" refType="w" fact="0.2656"/>
+              <dgm:constr type="t" for="ch" forName="Parent2" refType="h" fact="0.452"/>
+              <dgm:constr type="w" for="ch" forName="Parent2" refType="w" fact="0.2959"/>
+              <dgm:constr type="h" for="ch" forName="Parent2" refType="h" fact="0.1337"/>
+              <dgm:constr type="l" for="ch" forName="Parent3" refType="w" fact="0.1183"/>
+              <dgm:constr type="t" for="ch" forName="Parent3" refType="h" fact="0.7306"/>
+              <dgm:constr type="w" for="ch" forName="Parent3" refType="w" fact="0.2959"/>
+              <dgm:constr type="h" for="ch" forName="Parent3" refType="h" fact="0.1337"/>
+              <dgm:constr type="l" for="ch" forName="Child1" refType="w" fact="0.5325"/>
+              <dgm:constr type="t" for="ch" forName="Child1" refType="h" fact="0.1435"/>
+              <dgm:constr type="w" for="ch" forName="Child1" refType="w" fact="0.3195"/>
+              <dgm:constr type="h" for="ch" forName="Child1" refType="h" fact="0.1926"/>
+              <dgm:constr type="l" for="ch" forName="Child2" refType="w" fact="0.6805"/>
+              <dgm:constr type="t" for="ch" forName="Child2" refType="h" fact="0.4217"/>
+              <dgm:constr type="w" for="ch" forName="Child2" refType="w" fact="0.3195"/>
+              <dgm:constr type="h" for="ch" forName="Child2" refType="h" fact="0.1926"/>
+              <dgm:constr type="l" for="ch" forName="Child3" refType="w" fact="0.5325"/>
+              <dgm:constr type="t" for="ch" forName="Child3" refType="h" fact="0.6998"/>
+              <dgm:constr type="w" for="ch" forName="Child3" refType="w" fact="0.3195"/>
+              <dgm:constr type="h" for="ch" forName="Child3" refType="h" fact="0.1926"/>
+            </dgm:constrLst>
+          </dgm:if>
+          <dgm:if name="Name16" axis="ch" ptType="node" func="cnt" op="equ" val="4">
+            <dgm:alg type="composite">
+              <dgm:param type="ar" val="0.7073"/>
+            </dgm:alg>
+            <dgm:constrLst>
+              <dgm:constr type="primFontSz" for="des" forName="Child1" val="65"/>
+              <dgm:constr type="primFontSz" for="des" forName="Parent1" val="65"/>
+              <dgm:constr type="primFontSz" for="des" forName="Child1" refType="primFontSz" refFor="des" refForName="Parent1" op="lte"/>
+              <dgm:constr type="primFontSz" for="des" forName="Child2" refType="primFontSz" refFor="des" refForName="Parent1" op="lte"/>
+              <dgm:constr type="primFontSz" for="des" forName="Child3" refType="primFontSz" refFor="des" refForName="Parent1" op="lte"/>
+              <dgm:constr type="primFontSz" for="des" forName="Child4" refType="primFontSz" refFor="des" refForName="Parent1" op="lte"/>
+              <dgm:constr type="primFontSz" for="des" forName="Child1" refType="primFontSz" refFor="des" refForName="Parent2" op="lte"/>
+              <dgm:constr type="primFontSz" for="des" forName="Child2" refType="primFontSz" refFor="des" refForName="Parent2" op="lte"/>
+              <dgm:constr type="primFontSz" for="des" forName="Child3" refType="primFontSz" refFor="des" refForName="Parent2" op="lte"/>
+              <dgm:constr type="primFontSz" for="des" forName="Child4" refType="primFontSz" refFor="des" refForName="Parent2" op="lte"/>
+              <dgm:constr type="primFontSz" for="des" forName="Child1" refType="primFontSz" refFor="des" refForName="Parent3" op="lte"/>
+              <dgm:constr type="primFontSz" for="des" forName="Child2" refType="primFontSz" refFor="des" refForName="Parent3" op="lte"/>
+              <dgm:constr type="primFontSz" for="des" forName="Child3" refType="primFontSz" refFor="des" refForName="Parent3" op="lte"/>
+              <dgm:constr type="primFontSz" for="des" forName="Child4" refType="primFontSz" refFor="des" refForName="Parent3" op="lte"/>
+              <dgm:constr type="primFontSz" for="des" forName="Child1" refType="primFontSz" refFor="des" refForName="Parent4" op="lte"/>
+              <dgm:constr type="primFontSz" for="des" forName="Child2" refType="primFontSz" refFor="des" refForName="Parent4" op="lte"/>
+              <dgm:constr type="primFontSz" for="des" forName="Child3" refType="primFontSz" refFor="des" refForName="Parent4" op="lte"/>
+              <dgm:constr type="primFontSz" for="des" forName="Child4" refType="primFontSz" refFor="des" refForName="Parent4" op="lte"/>
+              <dgm:constr type="primFontSz" for="des" forName="Parent2" refType="primFontSz" refFor="des" refForName="Parent1" op="equ"/>
+              <dgm:constr type="primFontSz" for="des" forName="Parent3" refType="primFontSz" refFor="des" refForName="Parent1" op="equ"/>
+              <dgm:constr type="primFontSz" for="des" forName="Parent4" refType="primFontSz" refFor="des" refForName="Parent1" op="equ"/>
+              <dgm:constr type="primFontSz" for="des" forName="Child2" refType="primFontSz" refFor="des" refForName="Child1" op="equ"/>
+              <dgm:constr type="primFontSz" for="des" forName="Child3" refType="primFontSz" refFor="des" refForName="Child1" op="equ"/>
+              <dgm:constr type="primFontSz" for="des" forName="Child4" refType="primFontSz" refFor="des" refForName="Child1" op="equ"/>
+              <dgm:constr type="l" for="ch" forName="Accent1" refType="w" fact="0"/>
+              <dgm:constr type="t" for="ch" forName="Accent1" refType="h" fact="0"/>
+              <dgm:constr type="w" for="ch" forName="Accent1" refType="w" fact="0.5331"/>
+              <dgm:constr type="h" for="ch" forName="Accent1" refType="h" fact="0.3771"/>
+              <dgm:constr type="l" for="ch" forName="Accent2" refType="w" fact="0.1481"/>
+              <dgm:constr type="t" for="ch" forName="Accent2" refType="h" fact="0.2167"/>
+              <dgm:constr type="w" for="ch" forName="Accent2" refType="w" fact="0.5331"/>
+              <dgm:constr type="h" for="ch" forName="Accent2" refType="h" fact="0.3771"/>
+              <dgm:constr type="l" for="ch" forName="Accent3" refType="w" fact="0"/>
+              <dgm:constr type="t" for="ch" forName="Accent3" refType="h" fact="0.4342"/>
+              <dgm:constr type="w" for="ch" forName="Accent3" refType="w" fact="0.5331"/>
+              <dgm:constr type="h" for="ch" forName="Accent3" refType="h" fact="0.3771"/>
+              <dgm:constr type="l" for="ch" forName="Accent4" refType="w" fact="0.186"/>
+              <dgm:constr type="t" for="ch" forName="Accent4" refType="h" fact="0.6759"/>
+              <dgm:constr type="w" for="ch" forName="Accent4" refType="w" fact="0.458"/>
+              <dgm:constr type="h" for="ch" forName="Accent4" refType="h" fact="0.3241"/>
+              <dgm:constr type="l" for="ch" forName="Parent1" refType="w" fact="0.1171"/>
+              <dgm:constr type="t" for="ch" forName="Parent1" refType="h" fact="0.1365"/>
+              <dgm:constr type="w" for="ch" forName="Parent1" refType="w" fact="0.2975"/>
+              <dgm:constr type="h" for="ch" forName="Parent1" refType="h" fact="0.1052"/>
+              <dgm:constr type="l" for="ch" forName="Parent2" refType="w" fact="0.2658"/>
+              <dgm:constr type="t" for="ch" forName="Parent2" refType="h" fact="0.3536"/>
+              <dgm:constr type="w" for="ch" forName="Parent2" refType="w" fact="0.2975"/>
+              <dgm:constr type="h" for="ch" forName="Parent2" refType="h" fact="0.1052"/>
+              <dgm:constr type="l" for="ch" forName="Parent3" refType="w" fact="0.1171"/>
+              <dgm:constr type="t" for="ch" forName="Parent3" refType="h" fact="0.5707"/>
+              <dgm:constr type="w" for="ch" forName="Parent3" refType="w" fact="0.2975"/>
+              <dgm:constr type="h" for="ch" forName="Parent3" refType="h" fact="0.1052"/>
+              <dgm:constr type="l" for="ch" forName="Parent4" refType="w" fact="0.2658"/>
+              <dgm:constr type="t" for="ch" forName="Parent4" refType="h" fact="0.7878"/>
+              <dgm:constr type="w" for="ch" forName="Parent4" refType="w" fact="0.2975"/>
+              <dgm:constr type="h" for="ch" forName="Parent4" refType="h" fact="0.1052"/>
+              <dgm:constr type="l" for="ch" forName="Child1" refType="w" fact="0.5348"/>
+              <dgm:constr type="t" for="ch" forName="Child1" refType="h" fact="0.1119"/>
+              <dgm:constr type="w" for="ch" forName="Child1" refType="w" fact="0.3196"/>
+              <dgm:constr type="h" for="ch" forName="Child1" refType="h" fact="0.15"/>
+              <dgm:constr type="l" for="ch" forName="Child2" refType="w" fact="0.6804"/>
+              <dgm:constr type="t" for="ch" forName="Child2" refType="h" fact="0.3312"/>
+              <dgm:constr type="w" for="ch" forName="Child2" refType="w" fact="0.3196"/>
+              <dgm:constr type="h" for="ch" forName="Child2" refType="h" fact="0.15"/>
+              <dgm:constr type="l" for="ch" forName="Child3" refType="w" fact="0.5348"/>
+              <dgm:constr type="t" for="ch" forName="Child3" refType="h" fact="0.5461"/>
+              <dgm:constr type="w" for="ch" forName="Child3" refType="w" fact="0.3196"/>
+              <dgm:constr type="h" for="ch" forName="Child3" refType="h" fact="0.15"/>
+              <dgm:constr type="l" for="ch" forName="Child4" refType="w" fact="0.6804"/>
+              <dgm:constr type="t" for="ch" forName="Child4" refType="h" fact="0.7632"/>
+              <dgm:constr type="w" for="ch" forName="Child4" refType="w" fact="0.3196"/>
+              <dgm:constr type="h" for="ch" forName="Child4" refType="h" fact="0.15"/>
+            </dgm:constrLst>
+          </dgm:if>
+          <dgm:if name="Name17" axis="ch" ptType="node" func="cnt" op="equ" val="5">
+            <dgm:alg type="composite">
+              <dgm:param type="ar" val="0.5811"/>
+            </dgm:alg>
+            <dgm:constrLst>
+              <dgm:constr type="primFontSz" for="des" forName="Child1" val="65"/>
+              <dgm:constr type="primFontSz" for="des" forName="Parent1" val="65"/>
+              <dgm:constr type="primFontSz" for="des" forName="Child1" refType="primFontSz" refFor="des" refForName="Parent1" op="lte"/>
+              <dgm:constr type="primFontSz" for="des" forName="Child2" refType="primFontSz" refFor="des" refForName="Parent1" op="lte"/>
+              <dgm:constr type="primFontSz" for="des" forName="Child3" refType="primFontSz" refFor="des" refForName="Parent1" op="lte"/>
+              <dgm:constr type="primFontSz" for="des" forName="Child4" refType="primFontSz" refFor="des" refForName="Parent1" op="lte"/>
+              <dgm:constr type="primFontSz" for="des" forName="Child5" refType="primFontSz" refFor="des" refForName="Parent1" op="lte"/>
+              <dgm:constr type="primFontSz" for="des" forName="Child1" refType="primFontSz" refFor="des" refForName="Parent2" op="lte"/>
+              <dgm:constr type="primFontSz" for="des" forName="Child2" refType="primFontSz" refFor="des" refForName="Parent2" op="lte"/>
+              <dgm:constr type="primFontSz" for="des" forName="Child3" refType="primFontSz" refFor="des" refForName="Parent2" op="lte"/>
+              <dgm:constr type="primFontSz" for="des" forName="Child4" refType="primFontSz" refFor="des" refForName="Parent2" op="lte"/>
+              <dgm:constr type="primFontSz" for="des" forName="Child5" refType="primFontSz" refFor="des" refForName="Parent2" op="lte"/>
+              <dgm:constr type="primFontSz" for="des" forName="Child1" refType="primFontSz" refFor="des" refForName="Parent3" op="lte"/>
+              <dgm:constr type="primFontSz" for="des" forName="Child2" refType="primFontSz" refFor="des" refForName="Parent3" op="lte"/>
+              <dgm:constr type="primFontSz" for="des" forName="Child3" refType="primFontSz" refFor="des" refForName="Parent3" op="lte"/>
+              <dgm:constr type="primFontSz" for="des" forName="Child4" refType="primFontSz" refFor="des" refForName="Parent3" op="lte"/>
+              <dgm:constr type="primFontSz" for="des" forName="Child5" refType="primFontSz" refFor="des" refForName="Parent3" op="lte"/>
+              <dgm:constr type="primFontSz" for="des" forName="Child1" refType="primFontSz" refFor="des" refForName="Parent4" op="lte"/>
+              <dgm:constr type="primFontSz" for="des" forName="Child2" refType="primFontSz" refFor="des" refForName="Parent4" op="lte"/>
+              <dgm:constr type="primFontSz" for="des" forName="Child3" refType="primFontSz" refFor="des" refForName="Parent4" op="lte"/>
+              <dgm:constr type="primFontSz" for="des" forName="Child4" refType="primFontSz" refFor="des" refForName="Parent4" op="lte"/>
+              <dgm:constr type="primFontSz" for="des" forName="Child5" refType="primFontSz" refFor="des" refForName="Parent4" op="lte"/>
+              <dgm:constr type="primFontSz" for="des" forName="Child1" refType="primFontSz" refFor="des" refForName="Parent5" op="lte"/>
+              <dgm:constr type="primFontSz" for="des" forName="Child2" refType="primFontSz" refFor="des" refForName="Parent5" op="lte"/>
+              <dgm:constr type="primFontSz" for="des" forName="Child3" refType="primFontSz" refFor="des" refForName="Parent5" op="lte"/>
+              <dgm:constr type="primFontSz" for="des" forName="Child4" refType="primFontSz" refFor="des" refForName="Parent5" op="lte"/>
+              <dgm:constr type="primFontSz" for="des" forName="Child5" refType="primFontSz" refFor="des" refForName="Parent5" op="lte"/>
+              <dgm:constr type="primFontSz" for="des" forName="Parent2" refType="primFontSz" refFor="des" refForName="Parent1" op="equ"/>
+              <dgm:constr type="primFontSz" for="des" forName="Parent3" refType="primFontSz" refFor="des" refForName="Parent1" op="equ"/>
+              <dgm:constr type="primFontSz" for="des" forName="Parent4" refType="primFontSz" refFor="des" refForName="Parent1" op="equ"/>
+              <dgm:constr type="primFontSz" for="des" forName="Parent5" refType="primFontSz" refFor="des" refForName="Parent1" op="equ"/>
+              <dgm:constr type="primFontSz" for="des" forName="Child2" refType="primFontSz" refFor="des" refForName="Child1" op="equ"/>
+              <dgm:constr type="primFontSz" for="des" forName="Child3" refType="primFontSz" refFor="des" refForName="Child1" op="equ"/>
+              <dgm:constr type="primFontSz" for="des" forName="Child4" refType="primFontSz" refFor="des" refForName="Child1" op="equ"/>
+              <dgm:constr type="primFontSz" for="des" forName="Child5" refType="primFontSz" refFor="des" refForName="Child1" op="equ"/>
+              <dgm:constr type="l" for="ch" forName="Accent1" refType="w" fact="0"/>
+              <dgm:constr type="t" for="ch" forName="Accent1" refType="h" fact="0"/>
+              <dgm:constr type="w" for="ch" forName="Accent1" refType="w" fact="0.5331"/>
+              <dgm:constr type="h" for="ch" forName="Accent1" refType="h" fact="0.3098"/>
+              <dgm:constr type="l" for="ch" forName="Accent2" refType="w" fact="0.1481"/>
+              <dgm:constr type="t" for="ch" forName="Accent2" refType="h" fact="0.178"/>
+              <dgm:constr type="w" for="ch" forName="Accent2" refType="w" fact="0.5331"/>
+              <dgm:constr type="h" for="ch" forName="Accent2" refType="h" fact="0.3098"/>
+              <dgm:constr type="l" for="ch" forName="Accent3" refType="w" fact="0"/>
+              <dgm:constr type="t" for="ch" forName="Accent3" refType="h" fact="0.3568"/>
+              <dgm:constr type="w" for="ch" forName="Accent3" refType="w" fact="0.5331"/>
+              <dgm:constr type="h" for="ch" forName="Accent3" refType="h" fact="0.3098"/>
+              <dgm:constr type="l" for="ch" forName="Accent4" refType="w" fact="0.1481"/>
+              <dgm:constr type="t" for="ch" forName="Accent4" refType="h" fact="0.5351"/>
+              <dgm:constr type="w" for="ch" forName="Accent4" refType="w" fact="0.5331"/>
+              <dgm:constr type="h" for="ch" forName="Accent4" refType="h" fact="0.3098"/>
+              <dgm:constr type="l" for="ch" forName="Accent5" refType="w" fact="0.0378"/>
+              <dgm:constr type="t" for="ch" forName="Accent5" refType="h" fact="0.7337"/>
+              <dgm:constr type="w" for="ch" forName="Accent5" refType="w" fact="0.458"/>
+              <dgm:constr type="h" for="ch" forName="Accent5" refType="h" fact="0.2663"/>
+              <dgm:constr type="l" for="ch" forName="Parent1" refType="w" fact="0.1171"/>
+              <dgm:constr type="t" for="ch" forName="Parent1" refType="h" fact="0.1122"/>
+              <dgm:constr type="w" for="ch" forName="Parent1" refType="w" fact="0.2975"/>
+              <dgm:constr type="h" for="ch" forName="Parent1" refType="h" fact="0.0864"/>
+              <dgm:constr type="l" for="ch" forName="Parent2" refType="w" fact="0.2658"/>
+              <dgm:constr type="t" for="ch" forName="Parent2" refType="h" fact="0.2906"/>
+              <dgm:constr type="w" for="ch" forName="Parent2" refType="w" fact="0.2975"/>
+              <dgm:constr type="h" for="ch" forName="Parent2" refType="h" fact="0.0864"/>
+              <dgm:constr type="l" for="ch" forName="Parent3" refType="w" fact="0.1171"/>
+              <dgm:constr type="t" for="ch" forName="Parent3" refType="h" fact="0.4689"/>
+              <dgm:constr type="w" for="ch" forName="Parent3" refType="w" fact="0.2975"/>
+              <dgm:constr type="h" for="ch" forName="Parent3" refType="h" fact="0.0864"/>
+              <dgm:constr type="l" for="ch" forName="Parent4" refType="w" fact="0.2658"/>
+              <dgm:constr type="t" for="ch" forName="Parent4" refType="h" fact="0.6473"/>
+              <dgm:constr type="w" for="ch" forName="Parent4" refType="w" fact="0.2975"/>
+              <dgm:constr type="h" for="ch" forName="Parent4" refType="h" fact="0.0864"/>
+              <dgm:constr type="l" for="ch" forName="Parent5" refType="w" fact="0.1171"/>
+              <dgm:constr type="t" for="ch" forName="Parent5" refType="h" fact="0.8257"/>
+              <dgm:constr type="w" for="ch" forName="Parent5" refType="w" fact="0.2975"/>
+              <dgm:constr type="h" for="ch" forName="Parent5" refType="h" fact="0.0864"/>
+              <dgm:constr type="l" for="ch" forName="Child1" refType="w" fact="0.5348"/>
+              <dgm:constr type="t" for="ch" forName="Child1" refType="h" fact="0.0919"/>
+              <dgm:constr type="w" for="ch" forName="Child1" refType="w" fact="0.3196"/>
+              <dgm:constr type="h" for="ch" forName="Child1" refType="h" fact="0.1232"/>
+              <dgm:constr type="l" for="ch" forName="Child2" refType="w" fact="0.6804"/>
+              <dgm:constr type="t" for="ch" forName="Child2" refType="h" fact="0.2722"/>
+              <dgm:constr type="w" for="ch" forName="Child2" refType="w" fact="0.3196"/>
+              <dgm:constr type="h" for="ch" forName="Child2" refType="h" fact="0.1232"/>
+              <dgm:constr type="l" for="ch" forName="Child3" refType="w" fact="0.5348"/>
+              <dgm:constr type="t" for="ch" forName="Child3" refType="h" fact="0.4487"/>
+              <dgm:constr type="w" for="ch" forName="Child3" refType="w" fact="0.3196"/>
+              <dgm:constr type="h" for="ch" forName="Child3" refType="h" fact="0.1232"/>
+              <dgm:constr type="l" for="ch" forName="Child4" refType="w" fact="0.6804"/>
+              <dgm:constr type="t" for="ch" forName="Child4" refType="h" fact="0.6271"/>
+              <dgm:constr type="w" for="ch" forName="Child4" refType="w" fact="0.3196"/>
+              <dgm:constr type="h" for="ch" forName="Child4" refType="h" fact="0.1232"/>
+              <dgm:constr type="l" for="ch" forName="Child5" refType="w" fact="0.5348"/>
+              <dgm:constr type="t" for="ch" forName="Child5" refType="h" fact="0.8073"/>
+              <dgm:constr type="w" for="ch" forName="Child5" refType="w" fact="0.3196"/>
+              <dgm:constr type="h" for="ch" forName="Child5" refType="h" fact="0.1232"/>
+            </dgm:constrLst>
+          </dgm:if>
+          <dgm:if name="Name18" axis="ch" ptType="node" func="cnt" op="equ" val="6">
+            <dgm:alg type="composite">
+              <dgm:param type="ar" val="0.4931"/>
+            </dgm:alg>
+            <dgm:constrLst>
+              <dgm:constr type="primFontSz" for="des" forName="Child1" val="65"/>
+              <dgm:constr type="primFontSz" for="des" forName="Parent1" val="65"/>
+              <dgm:constr type="primFontSz" for="des" forName="Child1" refType="primFontSz" refFor="des" refForName="Parent1" op="lte"/>
+              <dgm:constr type="primFontSz" for="des" forName="Child2" refType="primFontSz" refFor="des" refForName="Parent1" op="lte"/>
+              <dgm:constr type="primFontSz" for="des" forName="Child3" refType="primFontSz" refFor="des" refForName="Parent1" op="lte"/>
+              <dgm:constr type="primFontSz" for="des" forName="Child4" refType="primFontSz" refFor="des" refForName="Parent1" op="lte"/>
+              <dgm:constr type="primFontSz" for="des" forName="Child5" refType="primFontSz" refFor="des" refForName="Parent1" op="lte"/>
+              <dgm:constr type="primFontSz" for="des" forName="Child6" refType="primFontSz" refFor="des" refForName="Parent1" op="lte"/>
+              <dgm:constr type="primFontSz" for="des" forName="Child1" refType="primFontSz" refFor="des" refForName="Parent2" op="lte"/>
+              <dgm:constr type="primFontSz" for="des" forName="Child2" refType="primFontSz" refFor="des" refForName="Parent2" op="lte"/>
+              <dgm:constr type="primFontSz" for="des" forName="Child3" refType="primFontSz" refFor="des" refForName="Parent2" op="lte"/>
+              <dgm:constr type="primFontSz" for="des" forName="Child4" refType="primFontSz" refFor="des" refForName="Parent2" op="lte"/>
+              <dgm:constr type="primFontSz" for="des" forName="Child5" refType="primFontSz" refFor="des" refForName="Parent2" op="lte"/>
+              <dgm:constr type="primFontSz" for="des" forName="Child6" refType="primFontSz" refFor="des" refForName="Parent2" op="lte"/>
+              <dgm:constr type="primFontSz" for="des" forName="Child1" refType="primFontSz" refFor="des" refForName="Parent3" op="lte"/>
+              <dgm:constr type="primFontSz" for="des" forName="Child2" refType="primFontSz" refFor="des" refForName="Parent3" op="lte"/>
+              <dgm:constr type="primFontSz" for="des" forName="Child3" refType="primFontSz" refFor="des" refForName="Parent3" op="lte"/>
+              <dgm:constr type="primFontSz" for="des" forName="Child4" refType="primFontSz" refFor="des" refForName="Parent3" op="lte"/>
+              <dgm:constr type="primFontSz" for="des" forName="Child5" refType="primFontSz" refFor="des" refForName="Parent3" op="lte"/>
+              <dgm:constr type="primFontSz" for="des" forName="Child6" refType="primFontSz" refFor="des" refForName="Parent3" op="lte"/>
+              <dgm:constr type="primFontSz" for="des" forName="Child1" refType="primFontSz" refFor="des" refForName="Parent4" op="lte"/>
+              <dgm:constr type="primFontSz" for="des" forName="Child2" refType="primFontSz" refFor="des" refForName="Parent4" op="lte"/>
+              <dgm:constr type="primFontSz" for="des" forName="Child3" refType="primFontSz" refFor="des" refForName="Parent4" op="lte"/>
+              <dgm:constr type="primFontSz" for="des" forName="Child4" refType="primFontSz" refFor="des" refForName="Parent4" op="lte"/>
+              <dgm:constr type="primFontSz" for="des" forName="Child5" refType="primFontSz" refFor="des" refForName="Parent4" op="lte"/>
+              <dgm:constr type="primFontSz" for="des" forName="Child6" refType="primFontSz" refFor="des" refForName="Parent4" op="lte"/>
+              <dgm:constr type="primFontSz" for="des" forName="Child1" refType="primFontSz" refFor="des" refForName="Parent5" op="lte"/>
+              <dgm:constr type="primFontSz" for="des" forName="Child2" refType="primFontSz" refFor="des" refForName="Parent5" op="lte"/>
+              <dgm:constr type="primFontSz" for="des" forName="Child3" refType="primFontSz" refFor="des" refForName="Parent5" op="lte"/>
+              <dgm:constr type="primFontSz" for="des" forName="Child4" refType="primFontSz" refFor="des" refForName="Parent5" op="lte"/>
+              <dgm:constr type="primFontSz" for="des" forName="Child5" refType="primFontSz" refFor="des" refForName="Parent5" op="lte"/>
+              <dgm:constr type="primFontSz" for="des" forName="Child6" refType="primFontSz" refFor="des" refForName="Parent5" op="lte"/>
+              <dgm:constr type="primFontSz" for="des" forName="Child1" refType="primFontSz" refFor="des" refForName="Parent6" op="lte"/>
+              <dgm:constr type="primFontSz" for="des" forName="Child2" refType="primFontSz" refFor="des" refForName="Parent6" op="lte"/>
+              <dgm:constr type="primFontSz" for="des" forName="Child3" refType="primFontSz" refFor="des" refForName="Parent6" op="lte"/>
+              <dgm:constr type="primFontSz" for="des" forName="Child4" refType="primFontSz" refFor="des" refForName="Parent6" op="lte"/>
+              <dgm:constr type="primFontSz" for="des" forName="Child5" refType="primFontSz" refFor="des" refForName="Parent6" op="lte"/>
+              <dgm:constr type="primFontSz" for="des" forName="Child6" refType="primFontSz" refFor="des" refForName="Parent6" op="lte"/>
+              <dgm:constr type="primFontSz" for="des" forName="Parent2" refType="primFontSz" refFor="des" refForName="Parent1" op="equ"/>
+              <dgm:constr type="primFontSz" for="des" forName="Parent3" refType="primFontSz" refFor="des" refForName="Parent1" op="equ"/>
+              <dgm:constr type="primFontSz" for="des" forName="Parent4" refType="primFontSz" refFor="des" refForName="Parent1" op="equ"/>
+              <dgm:constr type="primFontSz" for="des" forName="Parent5" refType="primFontSz" refFor="des" refForName="Parent1" op="equ"/>
+              <dgm:constr type="primFontSz" for="des" forName="Parent6" refType="primFontSz" refFor="des" refForName="Parent1" op="equ"/>
+              <dgm:constr type="primFontSz" for="des" forName="Child2" refType="primFontSz" refFor="des" refForName="Child1" op="equ"/>
+              <dgm:constr type="primFontSz" for="des" forName="Child3" refType="primFontSz" refFor="des" refForName="Child1" op="equ"/>
+              <dgm:constr type="primFontSz" for="des" forName="Child4" refType="primFontSz" refFor="des" refForName="Child1" op="equ"/>
+              <dgm:constr type="primFontSz" for="des" forName="Child5" refType="primFontSz" refFor="des" refForName="Child1" op="equ"/>
+              <dgm:constr type="primFontSz" for="des" forName="Child6" refType="primFontSz" refFor="des" refForName="Child1" op="equ"/>
+              <dgm:constr type="l" for="ch" forName="Accent1" refType="w" fact="0"/>
+              <dgm:constr type="t" for="ch" forName="Accent1" refType="h" fact="0"/>
+              <dgm:constr type="w" for="ch" forName="Accent1" refType="w" fact="0.5331"/>
+              <dgm:constr type="h" for="ch" forName="Accent1" refType="h" fact="0.2629"/>
+              <dgm:constr type="l" for="ch" forName="Accent2" refType="w" fact="0.1481"/>
+              <dgm:constr type="t" for="ch" forName="Accent2" refType="h" fact="0.1511"/>
+              <dgm:constr type="w" for="ch" forName="Accent2" refType="w" fact="0.5331"/>
+              <dgm:constr type="h" for="ch" forName="Accent2" refType="h" fact="0.2629"/>
+              <dgm:constr type="l" for="ch" forName="Accent3" refType="w" fact="0"/>
+              <dgm:constr type="t" for="ch" forName="Accent3" refType="h" fact="0.3027"/>
+              <dgm:constr type="w" for="ch" forName="Accent3" refType="w" fact="0.5331"/>
+              <dgm:constr type="h" for="ch" forName="Accent3" refType="h" fact="0.2629"/>
+              <dgm:constr type="l" for="ch" forName="Accent4" refType="w" fact="0.1481"/>
+              <dgm:constr type="t" for="ch" forName="Accent4" refType="h" fact="0.4541"/>
+              <dgm:constr type="w" for="ch" forName="Accent4" refType="w" fact="0.5331"/>
+              <dgm:constr type="h" for="ch" forName="Accent4" refType="h" fact="0.2629"/>
+              <dgm:constr type="l" for="ch" forName="Accent5" refType="w" fact="0"/>
+              <dgm:constr type="t" for="ch" forName="Accent5" refType="h" fact="0.6053"/>
+              <dgm:constr type="w" for="ch" forName="Accent5" refType="w" fact="0.5331"/>
+              <dgm:constr type="h" for="ch" forName="Accent5" refType="h" fact="0.2629"/>
+              <dgm:constr type="l" for="ch" forName="Accent6" refType="w" fact="0.186"/>
+              <dgm:constr type="t" for="ch" forName="Accent6" refType="h" fact="0.774"/>
+              <dgm:constr type="w" for="ch" forName="Accent6" refType="w" fact="0.458"/>
+              <dgm:constr type="h" for="ch" forName="Accent6" refType="h" fact="0.226"/>
+              <dgm:constr type="l" for="ch" forName="Parent1" refType="w" fact="0.1171"/>
+              <dgm:constr type="t" for="ch" forName="Parent1" refType="h" fact="0.0952"/>
+              <dgm:constr type="w" for="ch" forName="Parent1" refType="w" fact="0.2975"/>
+              <dgm:constr type="h" for="ch" forName="Parent1" refType="h" fact="0.0733"/>
+              <dgm:constr type="l" for="ch" forName="Parent2" refType="w" fact="0.2658"/>
+              <dgm:constr type="t" for="ch" forName="Parent2" refType="h" fact="0.2466"/>
+              <dgm:constr type="w" for="ch" forName="Parent2" refType="w" fact="0.2975"/>
+              <dgm:constr type="h" for="ch" forName="Parent2" refType="h" fact="0.0733"/>
+              <dgm:constr type="l" for="ch" forName="Parent3" refType="w" fact="0.1171"/>
+              <dgm:constr type="t" for="ch" forName="Parent3" refType="h" fact="0.3979"/>
+              <dgm:constr type="w" for="ch" forName="Parent3" refType="w" fact="0.2975"/>
+              <dgm:constr type="h" for="ch" forName="Parent3" refType="h" fact="0.0733"/>
+              <dgm:constr type="l" for="ch" forName="Parent4" refType="w" fact="0.2658"/>
+              <dgm:constr type="t" for="ch" forName="Parent4" refType="h" fact="0.5493"/>
+              <dgm:constr type="w" for="ch" forName="Parent4" refType="w" fact="0.2975"/>
+              <dgm:constr type="h" for="ch" forName="Parent4" refType="h" fact="0.0733"/>
+              <dgm:constr type="l" for="ch" forName="Parent5" refType="w" fact="0.1171"/>
+              <dgm:constr type="t" for="ch" forName="Parent5" refType="h" fact="0.7005"/>
+              <dgm:constr type="w" for="ch" forName="Parent5" refType="w" fact="0.2975"/>
+              <dgm:constr type="h" for="ch" forName="Parent5" refType="h" fact="0.0733"/>
+              <dgm:constr type="l" for="ch" forName="Parent6" refType="w" fact="0.2658"/>
+              <dgm:constr type="t" for="ch" forName="Parent6" refType="h" fact="0.8519"/>
+              <dgm:constr type="w" for="ch" forName="Parent6" refType="w" fact="0.2975"/>
+              <dgm:constr type="h" for="ch" forName="Parent6" refType="h" fact="0.0733"/>
+              <dgm:constr type="l" for="ch" forName="Child1" refType="w" fact="0.5348"/>
+              <dgm:constr type="t" for="ch" forName="Child1" refType="h" fact="0.078"/>
+              <dgm:constr type="w" for="ch" forName="Child1" refType="w" fact="0.3196"/>
+              <dgm:constr type="h" for="ch" forName="Child1" refType="h" fact="0.1046"/>
+              <dgm:constr type="l" for="ch" forName="Child2" refType="w" fact="0.6804"/>
+              <dgm:constr type="t" for="ch" forName="Child2" refType="h" fact="0.231"/>
+              <dgm:constr type="w" for="ch" forName="Child2" refType="w" fact="0.3196"/>
+              <dgm:constr type="h" for="ch" forName="Child2" refType="h" fact="0.1046"/>
+              <dgm:constr type="l" for="ch" forName="Child3" refType="w" fact="0.5348"/>
+              <dgm:constr type="t" for="ch" forName="Child3" refType="h" fact="0.3808"/>
+              <dgm:constr type="w" for="ch" forName="Child3" refType="w" fact="0.3196"/>
+              <dgm:constr type="h" for="ch" forName="Child3" refType="h" fact="0.1046"/>
+              <dgm:constr type="l" for="ch" forName="Child4" refType="w" fact="0.6804"/>
+              <dgm:constr type="t" for="ch" forName="Child4" refType="h" fact="0.5322"/>
+              <dgm:constr type="w" for="ch" forName="Child4" refType="w" fact="0.3196"/>
+              <dgm:constr type="h" for="ch" forName="Child4" refType="h" fact="0.1046"/>
+              <dgm:constr type="l" for="ch" forName="Child5" refType="w" fact="0.5348"/>
+              <dgm:constr type="t" for="ch" forName="Child5" refType="h" fact="0.6833"/>
+              <dgm:constr type="w" for="ch" forName="Child5" refType="w" fact="0.3196"/>
+              <dgm:constr type="h" for="ch" forName="Child5" refType="h" fact="0.1046"/>
+              <dgm:constr type="l" for="ch" forName="Child6" refType="w" fact="0.6804"/>
+              <dgm:constr type="t" for="ch" forName="Child6" refType="h" fact="0.8347"/>
+              <dgm:constr type="w" for="ch" forName="Child6" refType="w" fact="0.3196"/>
+              <dgm:constr type="h" for="ch" forName="Child6" refType="h" fact="0.1046"/>
+            </dgm:constrLst>
+          </dgm:if>
+          <dgm:else name="Name19">
+            <dgm:alg type="composite">
+              <dgm:param type="ar" val="0.4284"/>
+            </dgm:alg>
+            <dgm:constrLst>
+              <dgm:constr type="primFontSz" for="des" forName="Child1" val="65"/>
+              <dgm:constr type="primFontSz" for="des" forName="Parent1" val="65"/>
+              <dgm:constr type="primFontSz" for="des" forName="Child1" refType="primFontSz" refFor="des" refForName="Parent1" op="lte"/>
+              <dgm:constr type="primFontSz" for="des" forName="Child2" refType="primFontSz" refFor="des" refForName="Parent1" op="lte"/>
+              <dgm:constr type="primFontSz" for="des" forName="Child3" refType="primFontSz" refFor="des" refForName="Parent1" op="lte"/>
+              <dgm:constr type="primFontSz" for="des" forName="Child4" refType="primFontSz" refFor="des" refForName="Parent1" op="lte"/>
+              <dgm:constr type="primFontSz" for="des" forName="Child5" refType="primFontSz" refFor="des" refForName="Parent1" op="lte"/>
+              <dgm:constr type="primFontSz" for="des" forName="Child6" refType="primFontSz" refFor="des" refForName="Parent1" op="lte"/>
+              <dgm:constr type="primFontSz" for="des" forName="Child7" refType="primFontSz" refFor="des" refForName="Parent1" op="lte"/>
+              <dgm:constr type="primFontSz" for="des" forName="Child1" refType="primFontSz" refFor="des" refForName="Parent2" op="lte"/>
+              <dgm:constr type="primFontSz" for="des" forName="Child2" refType="primFontSz" refFor="des" refForName="Parent2" op="lte"/>
+              <dgm:constr type="primFontSz" for="des" forName="Child3" refType="primFontSz" refFor="des" refForName="Parent2" op="lte"/>
+              <dgm:constr type="primFontSz" for="des" forName="Child4" refType="primFontSz" refFor="des" refForName="Parent2" op="lte"/>
+              <dgm:constr type="primFontSz" for="des" forName="Child5" refType="primFontSz" refFor="des" refForName="Parent2" op="lte"/>
+              <dgm:constr type="primFontSz" for="des" forName="Child6" refType="primFontSz" refFor="des" refForName="Parent2" op="lte"/>
+              <dgm:constr type="primFontSz" for="des" forName="Child7" refType="primFontSz" refFor="des" refForName="Parent2" op="lte"/>
+              <dgm:constr type="primFontSz" for="des" forName="Child1" refType="primFontSz" refFor="des" refForName="Parent3" op="lte"/>
+              <dgm:constr type="primFontSz" for="des" forName="Child2" refType="primFontSz" refFor="des" refForName="Parent3" op="lte"/>
+              <dgm:constr type="primFontSz" for="des" forName="Child3" refType="primFontSz" refFor="des" refForName="Parent3" op="lte"/>
+              <dgm:constr type="primFontSz" for="des" forName="Child4" refType="primFontSz" refFor="des" refForName="Parent3" op="lte"/>
+              <dgm:constr type="primFontSz" for="des" forName="Child5" refType="primFontSz" refFor="des" refForName="Parent3" op="lte"/>
+              <dgm:constr type="primFontSz" for="des" forName="Child6" refType="primFontSz" refFor="des" refForName="Parent3" op="lte"/>
+              <dgm:constr type="primFontSz" for="des" forName="Child7" refType="primFontSz" refFor="des" refForName="Parent3" op="lte"/>
+              <dgm:constr type="primFontSz" for="des" forName="Child1" refType="primFontSz" refFor="des" refForName="Parent4" op="lte"/>
+              <dgm:constr type="primFontSz" for="des" forName="Child2" refType="primFontSz" refFor="des" refForName="Parent4" op="lte"/>
+              <dgm:constr type="primFontSz" for="des" forName="Child3" refType="primFontSz" refFor="des" refForName="Parent4" op="lte"/>
+              <dgm:constr type="primFontSz" for="des" forName="Child4" refType="primFontSz" refFor="des" refForName="Parent4" op="lte"/>
+              <dgm:constr type="primFontSz" for="des" forName="Child5" refType="primFontSz" refFor="des" refForName="Parent4" op="lte"/>
+              <dgm:constr type="primFontSz" for="des" forName="Child6" refType="primFontSz" refFor="des" refForName="Parent4" op="lte"/>
+              <dgm:constr type="primFontSz" for="des" forName="Child7" refType="primFontSz" refFor="des" refForName="Parent4" op="lte"/>
+              <dgm:constr type="primFontSz" for="des" forName="Child1" refType="primFontSz" refFor="des" refForName="Parent5" op="lte"/>
+              <dgm:constr type="primFontSz" for="des" forName="Child2" refType="primFontSz" refFor="des" refForName="Parent5" op="lte"/>
+              <dgm:constr type="primFontSz" for="des" forName="Child3" refType="primFontSz" refFor="des" refForName="Parent5" op="lte"/>
+              <dgm:constr type="primFontSz" for="des" forName="Child4" refType="primFontSz" refFor="des" refForName="Parent5" op="lte"/>
+              <dgm:constr type="primFontSz" for="des" forName="Child5" refType="primFontSz" refFor="des" refForName="Parent5" op="lte"/>
+              <dgm:constr type="primFontSz" for="des" forName="Child6" refType="primFontSz" refFor="des" refForName="Parent5" op="lte"/>
+              <dgm:constr type="primFontSz" for="des" forName="Child7" refType="primFontSz" refFor="des" refForName="Parent5" op="lte"/>
+              <dgm:constr type="primFontSz" for="des" forName="Child1" refType="primFontSz" refFor="des" refForName="Parent6" op="lte"/>
+              <dgm:constr type="primFontSz" for="des" forName="Child2" refType="primFontSz" refFor="des" refForName="Parent6" op="lte"/>
+              <dgm:constr type="primFontSz" for="des" forName="Child3" refType="primFontSz" refFor="des" refForName="Parent6" op="lte"/>
+              <dgm:constr type="primFontSz" for="des" forName="Child4" refType="primFontSz" refFor="des" refForName="Parent6" op="lte"/>
+              <dgm:constr type="primFontSz" for="des" forName="Child5" refType="primFontSz" refFor="des" refForName="Parent6" op="lte"/>
+              <dgm:constr type="primFontSz" for="des" forName="Child6" refType="primFontSz" refFor="des" refForName="Parent6" op="lte"/>
+              <dgm:constr type="primFontSz" for="des" forName="Child7" refType="primFontSz" refFor="des" refForName="Parent6" op="lte"/>
+              <dgm:constr type="primFontSz" for="des" forName="Child1" refType="primFontSz" refFor="des" refForName="Parent7" op="lte"/>
+              <dgm:constr type="primFontSz" for="des" forName="Child2" refType="primFontSz" refFor="des" refForName="Parent7" op="lte"/>
+              <dgm:constr type="primFontSz" for="des" forName="Child3" refType="primFontSz" refFor="des" refForName="Parent7" op="lte"/>
+              <dgm:constr type="primFontSz" for="des" forName="Child4" refType="primFontSz" refFor="des" refForName="Parent7" op="lte"/>
+              <dgm:constr type="primFontSz" for="des" forName="Child5" refType="primFontSz" refFor="des" refForName="Parent7" op="lte"/>
+              <dgm:constr type="primFontSz" for="des" forName="Child6" refType="primFontSz" refFor="des" refForName="Parent7" op="lte"/>
+              <dgm:constr type="primFontSz" for="des" forName="Child7" refType="primFontSz" refFor="des" refForName="Parent7" op="lte"/>
+              <dgm:constr type="primFontSz" for="des" forName="Parent2" refType="primFontSz" refFor="des" refForName="Parent1" op="equ"/>
+              <dgm:constr type="primFontSz" for="des" forName="Parent3" refType="primFontSz" refFor="des" refForName="Parent1" op="equ"/>
+              <dgm:constr type="primFontSz" for="des" forName="Parent4" refType="primFontSz" refFor="des" refForName="Parent1" op="equ"/>
+              <dgm:constr type="primFontSz" for="des" forName="Parent5" refType="primFontSz" refFor="des" refForName="Parent1" op="equ"/>
+              <dgm:constr type="primFontSz" for="des" forName="Parent6" refType="primFontSz" refFor="des" refForName="Parent1" op="equ"/>
+              <dgm:constr type="primFontSz" for="des" forName="Parent7" refType="primFontSz" refFor="des" refForName="Parent1" op="equ"/>
+              <dgm:constr type="primFontSz" for="des" forName="Child2" refType="primFontSz" refFor="des" refForName="Child1" op="equ"/>
+              <dgm:constr type="primFontSz" for="des" forName="Child3" refType="primFontSz" refFor="des" refForName="Child1" op="equ"/>
+              <dgm:constr type="primFontSz" for="des" forName="Child4" refType="primFontSz" refFor="des" refForName="Child1" op="equ"/>
+              <dgm:constr type="primFontSz" for="des" forName="Child5" refType="primFontSz" refFor="des" refForName="Child1" op="equ"/>
+              <dgm:constr type="primFontSz" for="des" forName="Child6" refType="primFontSz" refFor="des" refForName="Child1" op="equ"/>
+              <dgm:constr type="primFontSz" for="des" forName="Child7" refType="primFontSz" refFor="des" refForName="Child1" op="equ"/>
+              <dgm:constr type="l" for="ch" forName="Accent1" refType="w" fact="0"/>
+              <dgm:constr type="t" for="ch" forName="Accent1" refType="h" fact="0"/>
+              <dgm:constr type="w" for="ch" forName="Accent1" refType="w" fact="0.5331"/>
+              <dgm:constr type="h" for="ch" forName="Accent1" refType="h" fact="0.2284"/>
+              <dgm:constr type="l" for="ch" forName="Accent2" refType="w" fact="0.1481"/>
+              <dgm:constr type="t" for="ch" forName="Accent2" refType="h" fact="0.1312"/>
+              <dgm:constr type="w" for="ch" forName="Accent2" refType="w" fact="0.5331"/>
+              <dgm:constr type="h" for="ch" forName="Accent2" refType="h" fact="0.2284"/>
+              <dgm:constr type="l" for="ch" forName="Accent3" refType="w" fact="0"/>
+              <dgm:constr type="t" for="ch" forName="Accent3" refType="h" fact="0.263"/>
+              <dgm:constr type="w" for="ch" forName="Accent3" refType="w" fact="0.5331"/>
+              <dgm:constr type="h" for="ch" forName="Accent3" refType="h" fact="0.2284"/>
+              <dgm:constr type="l" for="ch" forName="Accent4" refType="w" fact="0.1481"/>
+              <dgm:constr type="t" for="ch" forName="Accent4" refType="h" fact="0.3945"/>
+              <dgm:constr type="w" for="ch" forName="Accent4" refType="w" fact="0.5331"/>
+              <dgm:constr type="h" for="ch" forName="Accent4" refType="h" fact="0.2284"/>
+              <dgm:constr type="l" for="ch" forName="Accent5" refType="w" fact="0"/>
+              <dgm:constr type="t" for="ch" forName="Accent5" refType="h" fact="0.5258"/>
+              <dgm:constr type="w" for="ch" forName="Accent5" refType="w" fact="0.5331"/>
+              <dgm:constr type="h" for="ch" forName="Accent5" refType="h" fact="0.2284"/>
+              <dgm:constr type="l" for="ch" forName="Accent6" refType="w" fact="0.1481"/>
+              <dgm:constr type="t" for="ch" forName="Accent6" refType="h" fact="0.6573"/>
+              <dgm:constr type="w" for="ch" forName="Accent6" refType="w" fact="0.5331"/>
+              <dgm:constr type="h" for="ch" forName="Accent6" refType="h" fact="0.2284"/>
+              <dgm:constr type="l" for="ch" forName="Accent7" refType="w" fact="0.0378"/>
+              <dgm:constr type="t" for="ch" forName="Accent7" refType="h" fact="0.8037"/>
+              <dgm:constr type="w" for="ch" forName="Accent7" refType="w" fact="0.458"/>
+              <dgm:constr type="h" for="ch" forName="Accent7" refType="h" fact="0.1963"/>
+              <dgm:constr type="l" for="ch" forName="Parent1" refType="w" fact="0.1171"/>
+              <dgm:constr type="t" for="ch" forName="Parent1" refType="h" fact="0.0827"/>
+              <dgm:constr type="w" for="ch" forName="Parent1" refType="w" fact="0.2975"/>
+              <dgm:constr type="h" for="ch" forName="Parent1" refType="h" fact="0.0637"/>
+              <dgm:constr type="l" for="ch" forName="Parent2" refType="w" fact="0.2658"/>
+              <dgm:constr type="t" for="ch" forName="Parent2" refType="h" fact="0.2142"/>
+              <dgm:constr type="w" for="ch" forName="Parent2" refType="w" fact="0.2975"/>
+              <dgm:constr type="h" for="ch" forName="Parent2" refType="h" fact="0.0637"/>
+              <dgm:constr type="l" for="ch" forName="Parent3" refType="w" fact="0.1171"/>
+              <dgm:constr type="t" for="ch" forName="Parent3" refType="h" fact="0.3457"/>
+              <dgm:constr type="w" for="ch" forName="Parent3" refType="w" fact="0.2975"/>
+              <dgm:constr type="h" for="ch" forName="Parent3" refType="h" fact="0.0637"/>
+              <dgm:constr type="l" for="ch" forName="Parent4" refType="w" fact="0.2658"/>
+              <dgm:constr type="t" for="ch" forName="Parent4" refType="h" fact="0.4772"/>
+              <dgm:constr type="w" for="ch" forName="Parent4" refType="w" fact="0.2975"/>
+              <dgm:constr type="h" for="ch" forName="Parent4" refType="h" fact="0.0637"/>
+              <dgm:constr type="l" for="ch" forName="Parent5" refType="w" fact="0.1171"/>
+              <dgm:constr type="t" for="ch" forName="Parent5" refType="h" fact="0.6085"/>
+              <dgm:constr type="w" for="ch" forName="Parent5" refType="w" fact="0.2975"/>
+              <dgm:constr type="h" for="ch" forName="Parent5" refType="h" fact="0.0637"/>
+              <dgm:constr type="l" for="ch" forName="Parent6" refType="w" fact="0.2658"/>
+              <dgm:constr type="t" for="ch" forName="Parent6" refType="h" fact="0.74"/>
+              <dgm:constr type="w" for="ch" forName="Parent6" refType="w" fact="0.2975"/>
+              <dgm:constr type="h" for="ch" forName="Parent6" refType="h" fact="0.0637"/>
+              <dgm:constr type="l" for="ch" forName="Parent7" refType="w" fact="0.1171"/>
+              <dgm:constr type="t" for="ch" forName="Parent7" refType="h" fact="0.8715"/>
+              <dgm:constr type="w" for="ch" forName="Parent7" refType="w" fact="0.2975"/>
+              <dgm:constr type="h" for="ch" forName="Parent7" refType="h" fact="0.0637"/>
+              <dgm:constr type="l" for="ch" forName="Child1" refType="w" fact="0.5348"/>
+              <dgm:constr type="t" for="ch" forName="Child1" refType="h" fact="0.0678"/>
+              <dgm:constr type="w" for="ch" forName="Child1" refType="w" fact="0.3196"/>
+              <dgm:constr type="h" for="ch" forName="Child1" refType="h" fact="0.0908"/>
+              <dgm:constr type="l" for="ch" forName="Child2" refType="w" fact="0.6804"/>
+              <dgm:constr type="t" for="ch" forName="Child2" refType="h" fact="0.2006"/>
+              <dgm:constr type="w" for="ch" forName="Child2" refType="w" fact="0.3196"/>
+              <dgm:constr type="h" for="ch" forName="Child2" refType="h" fact="0.0908"/>
+              <dgm:constr type="l" for="ch" forName="Child3" refType="w" fact="0.5348"/>
+              <dgm:constr type="t" for="ch" forName="Child3" refType="h" fact="0.3308"/>
+              <dgm:constr type="w" for="ch" forName="Child3" refType="w" fact="0.3196"/>
+              <dgm:constr type="h" for="ch" forName="Child3" refType="h" fact="0.0908"/>
+              <dgm:constr type="l" for="ch" forName="Child4" refType="w" fact="0.6804"/>
+              <dgm:constr type="t" for="ch" forName="Child4" refType="h" fact="0.4623"/>
+              <dgm:constr type="w" for="ch" forName="Child4" refType="w" fact="0.3196"/>
+              <dgm:constr type="h" for="ch" forName="Child4" refType="h" fact="0.0908"/>
+              <dgm:constr type="l" for="ch" forName="Child5" refType="w" fact="0.5348"/>
+              <dgm:constr type="t" for="ch" forName="Child5" refType="h" fact="0.5936"/>
+              <dgm:constr type="w" for="ch" forName="Child5" refType="w" fact="0.3196"/>
+              <dgm:constr type="h" for="ch" forName="Child5" refType="h" fact="0.0908"/>
+              <dgm:constr type="l" for="ch" forName="Child6" refType="w" fact="0.6804"/>
+              <dgm:constr type="t" for="ch" forName="Child6" refType="h" fact="0.7251"/>
+              <dgm:constr type="w" for="ch" forName="Child6" refType="w" fact="0.3196"/>
+              <dgm:constr type="h" for="ch" forName="Child6" refType="h" fact="0.0908"/>
+              <dgm:constr type="l" for="ch" forName="Child7" refType="w" fact="0.5348"/>
+              <dgm:constr type="t" for="ch" forName="Child7" refType="h" fact="0.8579"/>
+              <dgm:constr type="w" for="ch" forName="Child7" refType="w" fact="0.3196"/>
+              <dgm:constr type="h" for="ch" forName="Child7" refType="h" fact="0.0908"/>
+            </dgm:constrLst>
+          </dgm:else>
+        </dgm:choose>
+      </dgm:else>
+    </dgm:choose>
+    <dgm:forEach name="wrapper" axis="self" ptType="parTrans">
+      <dgm:forEach name="accentRepeat" axis="self">
+        <dgm:layoutNode name="Accent" styleLbl="node1">
+          <dgm:alg type="sp"/>
+          <dgm:choose name="Name20">
+            <dgm:if name="Name21" func="var" arg="dir" op="equ" val="norm">
+              <dgm:choose name="Name22">
+                <dgm:if name="Name23" axis="precedSib" ptType="node" func="cnt" op="equ" val="0">
+                  <dgm:choose name="Name24">
+                    <dgm:if name="Name25" axis="followSib" ptType="node" func="cnt" op="equ" val="0">
+                      <dgm:shape xmlns:r="http://schemas.openxmlformats.org/officeDocument/2006/relationships" type="circularArrow" r:blip="">
+                        <dgm:adjLst>
+                          <dgm:adj idx="1" val="0.1098"/>
+                          <dgm:adj idx="2" val="19.0387"/>
+                          <dgm:adj idx="3" val="150"/>
+                          <dgm:adj idx="4" val="180"/>
+                          <dgm:adj idx="5" val="0.125"/>
+                        </dgm:adjLst>
+                      </dgm:shape>
+                    </dgm:if>
+                    <dgm:else name="Name26">
+                      <dgm:shape xmlns:r="http://schemas.openxmlformats.org/officeDocument/2006/relationships" type="circularArrow" r:blip="">
+                        <dgm:adjLst>
+                          <dgm:adj idx="1" val="0.1098"/>
+                          <dgm:adj idx="2" val="19.0387"/>
+                          <dgm:adj idx="3" val="75"/>
+                          <dgm:adj idx="4" val="180"/>
+                          <dgm:adj idx="5" val="0.125"/>
+                        </dgm:adjLst>
+                      </dgm:shape>
+                    </dgm:else>
+                  </dgm:choose>
+                </dgm:if>
+                <dgm:else name="Name27">
+                  <dgm:choose name="Name28">
+                    <dgm:if name="Name29" axis="followSib" ptType="node" func="cnt" op="equ" val="0">
+                      <dgm:choose name="Name30">
+                        <dgm:if name="Name31" axis="precedSib" ptType="node" func="cnt" op="equ" val="1">
+                          <dgm:shape xmlns:r="http://schemas.openxmlformats.org/officeDocument/2006/relationships" type="blockArc" r:blip="">
+                            <dgm:adjLst>
+                              <dgm:adj idx="1" val="0"/>
+                              <dgm:adj idx="2" val="-45"/>
+                              <dgm:adj idx="3" val="0.1274"/>
+                            </dgm:adjLst>
+                          </dgm:shape>
+                        </dgm:if>
+                        <dgm:if name="Name32" axis="precedSib" ptType="node" func="cnt" op="equ" val="2">
+                          <dgm:shape xmlns:r="http://schemas.openxmlformats.org/officeDocument/2006/relationships" type="blockArc" r:blip="">
+                            <dgm:adjLst>
+                              <dgm:adj idx="1" val="-135"/>
+                              <dgm:adj idx="2" val="180"/>
+                              <dgm:adj idx="3" val="0.1274"/>
+                            </dgm:adjLst>
+                          </dgm:shape>
+                        </dgm:if>
+                        <dgm:if name="Name33" axis="precedSib" ptType="node" func="cnt" op="equ" val="3">
+                          <dgm:shape xmlns:r="http://schemas.openxmlformats.org/officeDocument/2006/relationships" type="blockArc" r:blip="">
+                            <dgm:adjLst>
+                              <dgm:adj idx="1" val="0"/>
+                              <dgm:adj idx="2" val="-45"/>
+                              <dgm:adj idx="3" val="0.1274"/>
+                            </dgm:adjLst>
+                          </dgm:shape>
+                        </dgm:if>
+                        <dgm:if name="Name34" axis="precedSib" ptType="node" func="cnt" op="equ" val="4">
+                          <dgm:shape xmlns:r="http://schemas.openxmlformats.org/officeDocument/2006/relationships" type="blockArc" r:blip="">
+                            <dgm:adjLst>
+                              <dgm:adj idx="1" val="-135"/>
+                              <dgm:adj idx="2" val="180"/>
+                              <dgm:adj idx="3" val="0.1274"/>
+                            </dgm:adjLst>
+                          </dgm:shape>
+                        </dgm:if>
+                        <dgm:if name="Name35" axis="precedSib" ptType="node" func="cnt" op="equ" val="5">
+                          <dgm:shape xmlns:r="http://schemas.openxmlformats.org/officeDocument/2006/relationships" type="blockArc" r:blip="">
+                            <dgm:adjLst>
+                              <dgm:adj idx="1" val="0"/>
+                              <dgm:adj idx="2" val="-45"/>
+                              <dgm:adj idx="3" val="0.1274"/>
+                            </dgm:adjLst>
+                          </dgm:shape>
+                        </dgm:if>
+                        <dgm:if name="Name36" axis="precedSib" ptType="node" func="cnt" op="equ" val="6">
+                          <dgm:shape xmlns:r="http://schemas.openxmlformats.org/officeDocument/2006/relationships" type="blockArc" r:blip="">
+                            <dgm:adjLst>
+                              <dgm:adj idx="1" val="-135"/>
+                              <dgm:adj idx="2" val="180"/>
+                              <dgm:adj idx="3" val="0.1274"/>
+                            </dgm:adjLst>
+                          </dgm:shape>
+                        </dgm:if>
+                        <dgm:else name="Name37"/>
+                      </dgm:choose>
+                    </dgm:if>
+                    <dgm:else name="Name38">
+                      <dgm:choose name="Name39">
+                        <dgm:if name="Name40" axis="precedSib" ptType="node" func="cnt" op="equ" val="0">
+                          <dgm:shape xmlns:r="http://schemas.openxmlformats.org/officeDocument/2006/relationships" type="blockArc" r:blip="">
+                            <dgm:adjLst>
+                              <dgm:adj idx="1" val="-133.1632"/>
+                              <dgm:adj idx="2" val="65"/>
+                              <dgm:adj idx="3" val="0.13"/>
+                            </dgm:adjLst>
+                          </dgm:shape>
+                        </dgm:if>
+                        <dgm:if name="Name41" axis="precedSib" ptType="node" func="cnt" op="equ" val="1">
+                          <dgm:shape xmlns:r="http://schemas.openxmlformats.org/officeDocument/2006/relationships" type="leftCircularArrow" r:blip="">
+                            <dgm:adjLst>
+                              <dgm:adj idx="1" val="0.1098"/>
+                              <dgm:adj idx="2" val="19.0387"/>
+                              <dgm:adj idx="3" val="105"/>
+                              <dgm:adj idx="4" val="-45"/>
+                              <dgm:adj idx="5" val="0.125"/>
+                            </dgm:adjLst>
+                          </dgm:shape>
+                        </dgm:if>
+                        <dgm:if name="Name42" axis="precedSib" ptType="node" func="cnt" op="equ" val="2">
+                          <dgm:shape xmlns:r="http://schemas.openxmlformats.org/officeDocument/2006/relationships" type="circularArrow" r:blip="">
+                            <dgm:adjLst>
+                              <dgm:adj idx="1" val="0.1098"/>
+                              <dgm:adj idx="2" val="19.0387"/>
+                              <dgm:adj idx="3" val="75"/>
+                              <dgm:adj idx="4" val="-135"/>
+                              <dgm:adj idx="5" val="0.125"/>
+                            </dgm:adjLst>
+                          </dgm:shape>
+                        </dgm:if>
+                        <dgm:if name="Name43" axis="precedSib" ptType="node" func="cnt" op="equ" val="3">
+                          <dgm:shape xmlns:r="http://schemas.openxmlformats.org/officeDocument/2006/relationships" type="leftCircularArrow" r:blip="">
+                            <dgm:adjLst>
+                              <dgm:adj idx="1" val="0.1098"/>
+                              <dgm:adj idx="2" val="19.0387"/>
+                              <dgm:adj idx="3" val="105"/>
+                              <dgm:adj idx="4" val="-45"/>
+                              <dgm:adj idx="5" val="0.125"/>
+                            </dgm:adjLst>
+                          </dgm:shape>
+                        </dgm:if>
+                        <dgm:if name="Name44" axis="precedSib" ptType="node" func="cnt" op="equ" val="4">
+                          <dgm:shape xmlns:r="http://schemas.openxmlformats.org/officeDocument/2006/relationships" type="circularArrow" r:blip="">
+                            <dgm:adjLst>
+                              <dgm:adj idx="1" val="0.1098"/>
+                              <dgm:adj idx="2" val="19.0387"/>
+                              <dgm:adj idx="3" val="75"/>
+                              <dgm:adj idx="4" val="-135"/>
+                              <dgm:adj idx="5" val="0.125"/>
+                            </dgm:adjLst>
+                          </dgm:shape>
+                        </dgm:if>
+                        <dgm:if name="Name45" axis="precedSib" ptType="node" func="cnt" op="equ" val="5">
+                          <dgm:shape xmlns:r="http://schemas.openxmlformats.org/officeDocument/2006/relationships" type="leftCircularArrow" r:blip="">
+                            <dgm:adjLst>
+                              <dgm:adj idx="1" val="0.1098"/>
+                              <dgm:adj idx="2" val="19.0387"/>
+                              <dgm:adj idx="3" val="105"/>
+                              <dgm:adj idx="4" val="-45"/>
+                              <dgm:adj idx="5" val="0.125"/>
+                            </dgm:adjLst>
+                          </dgm:shape>
+                        </dgm:if>
+                        <dgm:if name="Name46" axis="precedSib" ptType="node" func="cnt" op="equ" val="6">
+                          <dgm:shape xmlns:r="http://schemas.openxmlformats.org/officeDocument/2006/relationships" type="blockArc" r:blip="">
+                            <dgm:adjLst>
+                              <dgm:adj idx="1" val="-135"/>
+                              <dgm:adj idx="2" val="180"/>
+                              <dgm:adj idx="3" val="0.1274"/>
+                            </dgm:adjLst>
+                          </dgm:shape>
+                        </dgm:if>
+                        <dgm:else name="Name47"/>
+                      </dgm:choose>
+                    </dgm:else>
+                  </dgm:choose>
+                </dgm:else>
+              </dgm:choose>
+            </dgm:if>
+            <dgm:else name="Name48">
+              <dgm:choose name="Name49">
+                <dgm:if name="Name50" axis="precedSib" ptType="node" func="cnt" op="equ" val="0">
+                  <dgm:choose name="Name51">
+                    <dgm:if name="Name52" axis="followSib" ptType="node" func="cnt" op="equ" val="0">
+                      <dgm:shape xmlns:r="http://schemas.openxmlformats.org/officeDocument/2006/relationships" type="leftCircularArrow" r:blip="">
+                        <dgm:adjLst>
+                          <dgm:adj idx="1" val="0.1098"/>
+                          <dgm:adj idx="2" val="19.0387"/>
+                          <dgm:adj idx="3" val="30"/>
+                          <dgm:adj idx="4" val="0"/>
+                          <dgm:adj idx="5" val="0.125"/>
+                        </dgm:adjLst>
+                      </dgm:shape>
+                    </dgm:if>
+                    <dgm:else name="Name53">
+                      <dgm:shape xmlns:r="http://schemas.openxmlformats.org/officeDocument/2006/relationships" type="leftCircularArrow" r:blip="">
+                        <dgm:adjLst>
+                          <dgm:adj idx="1" val="0.1098"/>
+                          <dgm:adj idx="2" val="19.0387"/>
+                          <dgm:adj idx="3" val="105"/>
+                          <dgm:adj idx="4" val="0"/>
+                          <dgm:adj idx="5" val="0.125"/>
+                        </dgm:adjLst>
+                      </dgm:shape>
+                    </dgm:else>
+                  </dgm:choose>
+                </dgm:if>
+                <dgm:else name="Name54">
+                  <dgm:choose name="Name55">
+                    <dgm:if name="Name56" axis="followSib" ptType="node" func="cnt" op="equ" val="0">
+                      <dgm:choose name="Name57">
+                        <dgm:if name="Name58" axis="precedSib" ptType="node" func="cnt" op="equ" val="1">
+                          <dgm:shape xmlns:r="http://schemas.openxmlformats.org/officeDocument/2006/relationships" type="blockArc" r:blip="">
+                            <dgm:adjLst>
+                              <dgm:adj idx="1" val="-135"/>
+                              <dgm:adj idx="2" val="180"/>
+                              <dgm:adj idx="3" val="0.1274"/>
+                            </dgm:adjLst>
+                          </dgm:shape>
+                        </dgm:if>
+                        <dgm:if name="Name59" axis="precedSib" ptType="node" func="cnt" op="equ" val="2">
+                          <dgm:shape xmlns:r="http://schemas.openxmlformats.org/officeDocument/2006/relationships" type="blockArc" r:blip="">
+                            <dgm:adjLst>
+                              <dgm:adj idx="1" val="0"/>
+                              <dgm:adj idx="2" val="-45"/>
+                              <dgm:adj idx="3" val="0.1274"/>
+                            </dgm:adjLst>
+                          </dgm:shape>
+                        </dgm:if>
+                        <dgm:if name="Name60" axis="precedSib" ptType="node" func="cnt" op="equ" val="3">
+                          <dgm:shape xmlns:r="http://schemas.openxmlformats.org/officeDocument/2006/relationships" type="blockArc" r:blip="">
+                            <dgm:adjLst>
+                              <dgm:adj idx="1" val="-135"/>
+                              <dgm:adj idx="2" val="180"/>
+                              <dgm:adj idx="3" val="0.1274"/>
+                            </dgm:adjLst>
+                          </dgm:shape>
+                        </dgm:if>
+                        <dgm:if name="Name61" axis="precedSib" ptType="node" func="cnt" op="equ" val="4">
+                          <dgm:shape xmlns:r="http://schemas.openxmlformats.org/officeDocument/2006/relationships" type="blockArc" r:blip="">
+                            <dgm:adjLst>
+                              <dgm:adj idx="1" val="0"/>
+                              <dgm:adj idx="2" val="-45"/>
+                              <dgm:adj idx="3" val="0.1274"/>
+                            </dgm:adjLst>
+                          </dgm:shape>
+                        </dgm:if>
+                        <dgm:if name="Name62" axis="precedSib" ptType="node" func="cnt" op="equ" val="5">
+                          <dgm:shape xmlns:r="http://schemas.openxmlformats.org/officeDocument/2006/relationships" type="blockArc" r:blip="">
+                            <dgm:adjLst>
+                              <dgm:adj idx="1" val="-135"/>
+                              <dgm:adj idx="2" val="180"/>
+                              <dgm:adj idx="3" val="0.1274"/>
+                            </dgm:adjLst>
+                          </dgm:shape>
+                        </dgm:if>
+                        <dgm:if name="Name63" axis="precedSib" ptType="node" func="cnt" op="equ" val="6">
+                          <dgm:shape xmlns:r="http://schemas.openxmlformats.org/officeDocument/2006/relationships" type="blockArc" r:blip="">
+                            <dgm:adjLst>
+                              <dgm:adj idx="1" val="0"/>
+                              <dgm:adj idx="2" val="-45"/>
+                              <dgm:adj idx="3" val="0.1274"/>
+                            </dgm:adjLst>
+                          </dgm:shape>
+                        </dgm:if>
+                        <dgm:else name="Name64"/>
+                      </dgm:choose>
+                    </dgm:if>
+                    <dgm:else name="Name65">
+                      <dgm:choose name="Name66">
+                        <dgm:if name="Name67" axis="precedSib" ptType="node" func="cnt" op="equ" val="0">
+                          <dgm:shape xmlns:r="http://schemas.openxmlformats.org/officeDocument/2006/relationships" type="blockArc" r:blip="">
+                            <dgm:adjLst>
+                              <dgm:adj idx="1" val="-133.1632"/>
+                              <dgm:adj idx="2" val="65"/>
+                              <dgm:adj idx="3" val="0.13"/>
+                            </dgm:adjLst>
+                          </dgm:shape>
+                        </dgm:if>
+                        <dgm:if name="Name68" axis="precedSib" ptType="node" func="cnt" op="equ" val="1">
+                          <dgm:shape xmlns:r="http://schemas.openxmlformats.org/officeDocument/2006/relationships" type="circularArrow" r:blip="">
+                            <dgm:adjLst>
+                              <dgm:adj idx="1" val="0.1098"/>
+                              <dgm:adj idx="2" val="19.0387"/>
+                              <dgm:adj idx="3" val="75"/>
+                              <dgm:adj idx="4" val="-135"/>
+                              <dgm:adj idx="5" val="0.125"/>
+                            </dgm:adjLst>
+                          </dgm:shape>
+                        </dgm:if>
+                        <dgm:if name="Name69" axis="precedSib" ptType="node" func="cnt" op="equ" val="2">
+                          <dgm:shape xmlns:r="http://schemas.openxmlformats.org/officeDocument/2006/relationships" type="leftCircularArrow" r:blip="">
+                            <dgm:adjLst>
+                              <dgm:adj idx="1" val="0.1098"/>
+                              <dgm:adj idx="2" val="19.0387"/>
+                              <dgm:adj idx="3" val="105"/>
+                              <dgm:adj idx="4" val="-45"/>
+                              <dgm:adj idx="5" val="0.125"/>
+                            </dgm:adjLst>
+                          </dgm:shape>
+                        </dgm:if>
+                        <dgm:if name="Name70" axis="precedSib" ptType="node" func="cnt" op="equ" val="3">
+                          <dgm:shape xmlns:r="http://schemas.openxmlformats.org/officeDocument/2006/relationships" type="circularArrow" r:blip="">
+                            <dgm:adjLst>
+                              <dgm:adj idx="1" val="0.1098"/>
+                              <dgm:adj idx="2" val="19.0387"/>
+                              <dgm:adj idx="3" val="75"/>
+                              <dgm:adj idx="4" val="-135"/>
+                              <dgm:adj idx="5" val="0.125"/>
+                            </dgm:adjLst>
+                          </dgm:shape>
+                        </dgm:if>
+                        <dgm:if name="Name71" axis="precedSib" ptType="node" func="cnt" op="equ" val="4">
+                          <dgm:shape xmlns:r="http://schemas.openxmlformats.org/officeDocument/2006/relationships" type="leftCircularArrow" r:blip="">
+                            <dgm:adjLst>
+                              <dgm:adj idx="1" val="0.1098"/>
+                              <dgm:adj idx="2" val="19.0387"/>
+                              <dgm:adj idx="3" val="105"/>
+                              <dgm:adj idx="4" val="-45"/>
+                              <dgm:adj idx="5" val="0.125"/>
+                            </dgm:adjLst>
+                          </dgm:shape>
+                        </dgm:if>
+                        <dgm:if name="Name72" axis="precedSib" ptType="node" func="cnt" op="equ" val="5">
+                          <dgm:shape xmlns:r="http://schemas.openxmlformats.org/officeDocument/2006/relationships" type="circularArrow" r:blip="">
+                            <dgm:adjLst>
+                              <dgm:adj idx="1" val="0.1098"/>
+                              <dgm:adj idx="2" val="19.0387"/>
+                              <dgm:adj idx="3" val="75"/>
+                              <dgm:adj idx="4" val="-135"/>
+                              <dgm:adj idx="5" val="0.125"/>
+                            </dgm:adjLst>
+                          </dgm:shape>
+                        </dgm:if>
+                        <dgm:if name="Name73" axis="precedSib" ptType="node" func="cnt" op="equ" val="6">
+                          <dgm:shape xmlns:r="http://schemas.openxmlformats.org/officeDocument/2006/relationships" type="blockArc" r:blip="">
+                            <dgm:adjLst>
+                              <dgm:adj idx="1" val="0"/>
+                              <dgm:adj idx="2" val="-45"/>
+                              <dgm:adj idx="3" val="0.1274"/>
+                            </dgm:adjLst>
+                          </dgm:shape>
+                        </dgm:if>
+                        <dgm:else name="Name74"/>
+                      </dgm:choose>
+                    </dgm:else>
+                  </dgm:choose>
+                </dgm:else>
+              </dgm:choose>
+            </dgm:else>
+          </dgm:choose>
+          <dgm:presOf/>
+        </dgm:layoutNode>
+      </dgm:forEach>
+    </dgm:forEach>
+    <dgm:forEach name="Name75" axis="ch" ptType="node" cnt="1">
+      <dgm:layoutNode name="Accent1">
+        <dgm:alg type="sp"/>
+        <dgm:shape xmlns:r="http://schemas.openxmlformats.org/officeDocument/2006/relationships" r:blip="">
+          <dgm:adjLst/>
+        </dgm:shape>
+        <dgm:presOf/>
+        <dgm:constrLst/>
+        <dgm:forEach name="Name76" ref="accentRepeat"/>
+      </dgm:layoutNode>
+      <dgm:choose name="Name77">
+        <dgm:if name="Name78" axis="ch" ptType="node" func="cnt" op="gte" val="1">
+          <dgm:layoutNode name="Child1" styleLbl="revTx">
+            <dgm:varLst>
+              <dgm:chMax val="0"/>
+              <dgm:chPref val="0"/>
+              <dgm:bulletEnabled val="1"/>
+            </dgm:varLst>
+            <dgm:alg type="tx">
+              <dgm:param type="stBulletLvl" val="1"/>
+              <dgm:param type="parTxLTRAlign" val="l"/>
+              <dgm:param type="txAnchorVertCh" val="mid"/>
+            </dgm:alg>
+            <dgm:shape xmlns:r="http://schemas.openxmlformats.org/officeDocument/2006/relationships" type="rect" r:blip="">
+              <dgm:adjLst/>
+            </dgm:shape>
+            <dgm:presOf axis="des" ptType="node"/>
+            <dgm:constrLst>
+              <dgm:constr type="lMarg" refType="primFontSz" fact="0.05"/>
+              <dgm:constr type="rMarg" refType="primFontSz" fact="0.05"/>
+              <dgm:constr type="tMarg" refType="primFontSz" fact="0.05"/>
+              <dgm:constr type="bMarg" refType="primFontSz" fact="0.05"/>
+            </dgm:constrLst>
+            <dgm:ruleLst>
+              <dgm:rule type="primFontSz" val="5" fact="NaN" max="NaN"/>
+            </dgm:ruleLst>
+          </dgm:layoutNode>
+        </dgm:if>
+        <dgm:else name="Name79"/>
+      </dgm:choose>
+      <dgm:layoutNode name="Parent1" styleLbl="revTx">
+        <dgm:varLst>
+          <dgm:chMax val="1"/>
+          <dgm:chPref val="1"/>
+          <dgm:bulletEnabled val="1"/>
+        </dgm:varLst>
+        <dgm:alg type="tx">
+          <dgm:param type="shpTxLTRAlignCh" val="ctr"/>
+          <dgm:param type="txAnchorVertCh" val="mid"/>
+        </dgm:alg>
+        <dgm:shape xmlns:r="http://schemas.openxmlformats.org/officeDocument/2006/relationships" type="rect" r:blip="">
+          <dgm:adjLst/>
+        </dgm:shape>
+        <dgm:presOf axis="self" ptType="node"/>
+        <dgm:constrLst>
+          <dgm:constr type="lMarg" refType="primFontSz" fact="0.05"/>
+          <dgm:constr type="rMarg" refType="primFontSz" fact="0.05"/>
+          <dgm:constr type="tMarg" refType="primFontSz" fact="0.05"/>
+          <dgm:constr type="bMarg" refType="primFontSz" fact="0.05"/>
+        </dgm:constrLst>
+        <dgm:ruleLst>
+          <dgm:rule type="primFontSz" val="5" fact="NaN" max="NaN"/>
+        </dgm:ruleLst>
+      </dgm:layoutNode>
+    </dgm:forEach>
+    <dgm:forEach name="Name80" axis="ch" ptType="node" st="2" cnt="1">
+      <dgm:layoutNode name="Accent2">
+        <dgm:alg type="sp"/>
+        <dgm:shape xmlns:r="http://schemas.openxmlformats.org/officeDocument/2006/relationships" r:blip="">
+          <dgm:adjLst/>
+        </dgm:shape>
+        <dgm:presOf/>
+        <dgm:constrLst/>
+        <dgm:forEach name="Name81" ref="accentRepeat"/>
+      </dgm:layoutNode>
+      <dgm:choose name="Name82">
+        <dgm:if name="Name83" axis="ch" ptType="node" func="cnt" op="gte" val="1">
+          <dgm:layoutNode name="Child2" styleLbl="revTx">
+            <dgm:varLst>
+              <dgm:chMax val="0"/>
+              <dgm:chPref val="0"/>
+              <dgm:bulletEnabled val="1"/>
+            </dgm:varLst>
+            <dgm:alg type="tx">
+              <dgm:param type="stBulletLvl" val="1"/>
+              <dgm:param type="parTxLTRAlign" val="l"/>
+              <dgm:param type="txAnchorVertCh" val="mid"/>
+            </dgm:alg>
+            <dgm:shape xmlns:r="http://schemas.openxmlformats.org/officeDocument/2006/relationships" type="rect" r:blip="">
+              <dgm:adjLst/>
+            </dgm:shape>
+            <dgm:presOf axis="des" ptType="node"/>
+            <dgm:constrLst>
+              <dgm:constr type="lMarg" refType="primFontSz" fact="0.05"/>
+              <dgm:constr type="rMarg" refType="primFontSz" fact="0.05"/>
+              <dgm:constr type="tMarg" refType="primFontSz" fact="0.05"/>
+              <dgm:constr type="bMarg" refType="primFontSz" fact="0.05"/>
+            </dgm:constrLst>
+            <dgm:ruleLst>
+              <dgm:rule type="primFontSz" val="5" fact="NaN" max="NaN"/>
+            </dgm:ruleLst>
+          </dgm:layoutNode>
+        </dgm:if>
+        <dgm:else name="Name84"/>
+      </dgm:choose>
+      <dgm:layoutNode name="Parent2" styleLbl="revTx">
+        <dgm:varLst>
+          <dgm:chMax val="1"/>
+          <dgm:chPref val="1"/>
+          <dgm:bulletEnabled val="1"/>
+        </dgm:varLst>
+        <dgm:alg type="tx">
+          <dgm:param type="shpTxLTRAlignCh" val="ctr"/>
+          <dgm:param type="txAnchorVertCh" val="mid"/>
+        </dgm:alg>
+        <dgm:shape xmlns:r="http://schemas.openxmlformats.org/officeDocument/2006/relationships" type="rect" r:blip="">
+          <dgm:adjLst/>
+        </dgm:shape>
+        <dgm:presOf axis="self" ptType="node"/>
+        <dgm:constrLst>
+          <dgm:constr type="lMarg" refType="primFontSz" fact="0.05"/>
+          <dgm:constr type="rMarg" refType="primFontSz" fact="0.05"/>
+          <dgm:constr type="tMarg" refType="primFontSz" fact="0.05"/>
+          <dgm:constr type="bMarg" refType="primFontSz" fact="0.05"/>
+        </dgm:constrLst>
+        <dgm:ruleLst>
+          <dgm:rule type="primFontSz" val="5" fact="NaN" max="NaN"/>
+        </dgm:ruleLst>
+      </dgm:layoutNode>
+    </dgm:forEach>
+    <dgm:forEach name="Name85" axis="ch" ptType="node" st="3" cnt="1">
+      <dgm:layoutNode name="Accent3">
+        <dgm:alg type="sp"/>
+        <dgm:shape xmlns:r="http://schemas.openxmlformats.org/officeDocument/2006/relationships" r:blip="">
+          <dgm:adjLst/>
+        </dgm:shape>
+        <dgm:presOf/>
+        <dgm:constrLst/>
+        <dgm:forEach name="Name86" ref="accentRepeat"/>
+      </dgm:layoutNode>
+      <dgm:choose name="Name87">
+        <dgm:if name="Name88" axis="ch" ptType="node" func="cnt" op="gte" val="1">
+          <dgm:layoutNode name="Child3" styleLbl="revTx">
+            <dgm:varLst>
+              <dgm:chMax val="0"/>
+              <dgm:chPref val="0"/>
+              <dgm:bulletEnabled val="1"/>
+            </dgm:varLst>
+            <dgm:alg type="tx">
+              <dgm:param type="stBulletLvl" val="1"/>
+              <dgm:param type="parTxLTRAlign" val="l"/>
+              <dgm:param type="txAnchorVertCh" val="mid"/>
+            </dgm:alg>
+            <dgm:shape xmlns:r="http://schemas.openxmlformats.org/officeDocument/2006/relationships" type="rect" r:blip="">
+              <dgm:adjLst/>
+            </dgm:shape>
+            <dgm:presOf axis="des" ptType="node"/>
+            <dgm:constrLst>
+              <dgm:constr type="lMarg" refType="primFontSz" fact="0.05"/>
+              <dgm:constr type="rMarg" refType="primFontSz" fact="0.05"/>
+              <dgm:constr type="tMarg" refType="primFontSz" fact="0.05"/>
+              <dgm:constr type="bMarg" refType="primFontSz" fact="0.05"/>
+            </dgm:constrLst>
+            <dgm:ruleLst>
+              <dgm:rule type="primFontSz" val="5" fact="NaN" max="NaN"/>
+            </dgm:ruleLst>
+          </dgm:layoutNode>
+        </dgm:if>
+        <dgm:else name="Name89"/>
+      </dgm:choose>
+      <dgm:layoutNode name="Parent3" styleLbl="revTx">
+        <dgm:varLst>
+          <dgm:chMax val="1"/>
+          <dgm:chPref val="1"/>
+          <dgm:bulletEnabled val="1"/>
+        </dgm:varLst>
+        <dgm:alg type="tx">
+          <dgm:param type="shpTxLTRAlignCh" val="ctr"/>
+          <dgm:param type="txAnchorVertCh" val="mid"/>
+        </dgm:alg>
+        <dgm:shape xmlns:r="http://schemas.openxmlformats.org/officeDocument/2006/relationships" type="rect" r:blip="">
+          <dgm:adjLst/>
+        </dgm:shape>
+        <dgm:presOf axis="self" ptType="node"/>
+        <dgm:constrLst>
+          <dgm:constr type="lMarg" refType="primFontSz" fact="0.05"/>
+          <dgm:constr type="rMarg" refType="primFontSz" fact="0.05"/>
+          <dgm:constr type="tMarg" refType="primFontSz" fact="0.05"/>
+          <dgm:constr type="bMarg" refType="primFontSz" fact="0.05"/>
+        </dgm:constrLst>
+        <dgm:ruleLst>
+          <dgm:rule type="primFontSz" val="5" fact="NaN" max="NaN"/>
+        </dgm:ruleLst>
+      </dgm:layoutNode>
+    </dgm:forEach>
+    <dgm:forEach name="Name90" axis="ch" ptType="node" st="4" cnt="1">
+      <dgm:layoutNode name="Accent4">
+        <dgm:alg type="sp"/>
+        <dgm:shape xmlns:r="http://schemas.openxmlformats.org/officeDocument/2006/relationships" r:blip="">
+          <dgm:adjLst/>
+        </dgm:shape>
+        <dgm:presOf/>
+        <dgm:constrLst/>
+        <dgm:forEach name="Name91" ref="accentRepeat"/>
+      </dgm:layoutNode>
+      <dgm:choose name="Name92">
+        <dgm:if name="Name93" axis="ch" ptType="node" func="cnt" op="gte" val="1">
+          <dgm:layoutNode name="Child4" styleLbl="revTx">
+            <dgm:varLst>
+              <dgm:chMax val="0"/>
+              <dgm:chPref val="0"/>
+              <dgm:bulletEnabled val="1"/>
+            </dgm:varLst>
+            <dgm:alg type="tx">
+              <dgm:param type="stBulletLvl" val="1"/>
+              <dgm:param type="parTxLTRAlign" val="l"/>
+              <dgm:param type="txAnchorVertCh" val="mid"/>
+            </dgm:alg>
+            <dgm:shape xmlns:r="http://schemas.openxmlformats.org/officeDocument/2006/relationships" type="rect" r:blip="">
+              <dgm:adjLst/>
+            </dgm:shape>
+            <dgm:presOf axis="des" ptType="node"/>
+            <dgm:constrLst>
+              <dgm:constr type="lMarg" refType="primFontSz" fact="0.05"/>
+              <dgm:constr type="rMarg" refType="primFontSz" fact="0.05"/>
+              <dgm:constr type="tMarg" refType="primFontSz" fact="0.05"/>
+              <dgm:constr type="bMarg" refType="primFontSz" fact="0.05"/>
+            </dgm:constrLst>
+            <dgm:ruleLst>
+              <dgm:rule type="primFontSz" val="5" fact="NaN" max="NaN"/>
+            </dgm:ruleLst>
+          </dgm:layoutNode>
+        </dgm:if>
+        <dgm:else name="Name94"/>
+      </dgm:choose>
+      <dgm:layoutNode name="Parent4" styleLbl="revTx">
+        <dgm:varLst>
+          <dgm:chMax val="1"/>
+          <dgm:chPref val="1"/>
+          <dgm:bulletEnabled val="1"/>
+        </dgm:varLst>
+        <dgm:alg type="tx">
+          <dgm:param type="shpTxLTRAlignCh" val="ctr"/>
+          <dgm:param type="txAnchorVertCh" val="mid"/>
+        </dgm:alg>
+        <dgm:shape xmlns:r="http://schemas.openxmlformats.org/officeDocument/2006/relationships" type="rect" r:blip="">
+          <dgm:adjLst/>
+        </dgm:shape>
+        <dgm:presOf axis="self" ptType="node"/>
+        <dgm:constrLst>
+          <dgm:constr type="lMarg" refType="primFontSz" fact="0.05"/>
+          <dgm:constr type="rMarg" refType="primFontSz" fact="0.05"/>
+          <dgm:constr type="tMarg" refType="primFontSz" fact="0.05"/>
+          <dgm:constr type="bMarg" refType="primFontSz" fact="0.05"/>
+        </dgm:constrLst>
+        <dgm:ruleLst>
+          <dgm:rule type="primFontSz" val="5" fact="NaN" max="NaN"/>
+        </dgm:ruleLst>
+      </dgm:layoutNode>
+    </dgm:forEach>
+    <dgm:forEach name="Name95" axis="ch" ptType="node" st="5" cnt="1">
+      <dgm:layoutNode name="Accent5">
+        <dgm:alg type="sp"/>
+        <dgm:shape xmlns:r="http://schemas.openxmlformats.org/officeDocument/2006/relationships" r:blip="">
+          <dgm:adjLst/>
+        </dgm:shape>
+        <dgm:presOf/>
+        <dgm:constrLst/>
+        <dgm:forEach name="Name96" ref="accentRepeat"/>
+      </dgm:layoutNode>
+      <dgm:choose name="Name97">
+        <dgm:if name="Name98" axis="ch" ptType="node" func="cnt" op="gte" val="1">
+          <dgm:layoutNode name="Child5" styleLbl="revTx">
+            <dgm:varLst>
+              <dgm:chMax val="0"/>
+              <dgm:chPref val="0"/>
+              <dgm:bulletEnabled val="1"/>
+            </dgm:varLst>
+            <dgm:alg type="tx">
+              <dgm:param type="stBulletLvl" val="1"/>
+              <dgm:param type="parTxLTRAlign" val="l"/>
+              <dgm:param type="txAnchorVertCh" val="mid"/>
+            </dgm:alg>
+            <dgm:shape xmlns:r="http://schemas.openxmlformats.org/officeDocument/2006/relationships" type="rect" r:blip="">
+              <dgm:adjLst/>
+            </dgm:shape>
+            <dgm:presOf axis="des" ptType="node"/>
+            <dgm:constrLst>
+              <dgm:constr type="lMarg" refType="primFontSz" fact="0.05"/>
+              <dgm:constr type="rMarg" refType="primFontSz" fact="0.05"/>
+              <dgm:constr type="tMarg" refType="primFontSz" fact="0.05"/>
+              <dgm:constr type="bMarg" refType="primFontSz" fact="0.05"/>
+            </dgm:constrLst>
+            <dgm:ruleLst>
+              <dgm:rule type="primFontSz" val="5" fact="NaN" max="NaN"/>
+            </dgm:ruleLst>
+          </dgm:layoutNode>
+        </dgm:if>
+        <dgm:else name="Name99"/>
+      </dgm:choose>
+      <dgm:layoutNode name="Parent5" styleLbl="revTx">
+        <dgm:varLst>
+          <dgm:chMax val="1"/>
+          <dgm:chPref val="1"/>
+          <dgm:bulletEnabled val="1"/>
+        </dgm:varLst>
+        <dgm:alg type="tx">
+          <dgm:param type="shpTxLTRAlignCh" val="ctr"/>
+          <dgm:param type="txAnchorVertCh" val="mid"/>
+        </dgm:alg>
+        <dgm:shape xmlns:r="http://schemas.openxmlformats.org/officeDocument/2006/relationships" type="rect" r:blip="">
+          <dgm:adjLst/>
+        </dgm:shape>
+        <dgm:presOf axis="self" ptType="node"/>
+        <dgm:constrLst>
+          <dgm:constr type="lMarg" refType="primFontSz" fact="0.05"/>
+          <dgm:constr type="rMarg" refType="primFontSz" fact="0.05"/>
+          <dgm:constr type="tMarg" refType="primFontSz" fact="0.05"/>
+          <dgm:constr type="bMarg" refType="primFontSz" fact="0.05"/>
+        </dgm:constrLst>
+        <dgm:ruleLst>
+          <dgm:rule type="primFontSz" val="5" fact="NaN" max="NaN"/>
+        </dgm:ruleLst>
+      </dgm:layoutNode>
+    </dgm:forEach>
+    <dgm:forEach name="Name100" axis="ch" ptType="node" st="6" cnt="1">
+      <dgm:layoutNode name="Accent6">
+        <dgm:alg type="sp"/>
+        <dgm:shape xmlns:r="http://schemas.openxmlformats.org/officeDocument/2006/relationships" r:blip="">
+          <dgm:adjLst/>
+        </dgm:shape>
+        <dgm:presOf/>
+        <dgm:constrLst/>
+        <dgm:forEach name="Name101" ref="accentRepeat"/>
+      </dgm:layoutNode>
+      <dgm:choose name="Name102">
+        <dgm:if name="Name103" axis="ch" ptType="node" func="cnt" op="gte" val="1">
+          <dgm:layoutNode name="Child6" styleLbl="revTx">
+            <dgm:varLst>
+              <dgm:chMax val="0"/>
+              <dgm:chPref val="0"/>
+              <dgm:bulletEnabled val="1"/>
+            </dgm:varLst>
+            <dgm:alg type="tx">
+              <dgm:param type="stBulletLvl" val="1"/>
+              <dgm:param type="parTxLTRAlign" val="l"/>
+              <dgm:param type="txAnchorVertCh" val="mid"/>
+            </dgm:alg>
+            <dgm:shape xmlns:r="http://schemas.openxmlformats.org/officeDocument/2006/relationships" type="rect" r:blip="">
+              <dgm:adjLst/>
+            </dgm:shape>
+            <dgm:presOf axis="des" ptType="node"/>
+            <dgm:constrLst>
+              <dgm:constr type="lMarg" refType="primFontSz" fact="0.05"/>
+              <dgm:constr type="rMarg" refType="primFontSz" fact="0.05"/>
+              <dgm:constr type="tMarg" refType="primFontSz" fact="0.05"/>
+              <dgm:constr type="bMarg" refType="primFontSz" fact="0.05"/>
+            </dgm:constrLst>
+            <dgm:ruleLst>
+              <dgm:rule type="primFontSz" val="5" fact="NaN" max="NaN"/>
+            </dgm:ruleLst>
+          </dgm:layoutNode>
+        </dgm:if>
+        <dgm:else name="Name104"/>
+      </dgm:choose>
+      <dgm:layoutNode name="Parent6" styleLbl="revTx">
+        <dgm:varLst>
+          <dgm:chMax val="1"/>
+          <dgm:chPref val="1"/>
+          <dgm:bulletEnabled val="1"/>
+        </dgm:varLst>
+        <dgm:alg type="tx">
+          <dgm:param type="shpTxLTRAlignCh" val="ctr"/>
+          <dgm:param type="txAnchorVertCh" val="mid"/>
+        </dgm:alg>
+        <dgm:shape xmlns:r="http://schemas.openxmlformats.org/officeDocument/2006/relationships" type="rect" r:blip="">
+          <dgm:adjLst/>
+        </dgm:shape>
+        <dgm:presOf axis="self" ptType="node"/>
+        <dgm:constrLst>
+          <dgm:constr type="lMarg" refType="primFontSz" fact="0.05"/>
+          <dgm:constr type="rMarg" refType="primFontSz" fact="0.05"/>
+          <dgm:constr type="tMarg" refType="primFontSz" fact="0.05"/>
+          <dgm:constr type="bMarg" refType="primFontSz" fact="0.05"/>
+        </dgm:constrLst>
+        <dgm:ruleLst>
+          <dgm:rule type="primFontSz" val="5" fact="NaN" max="NaN"/>
+        </dgm:ruleLst>
+      </dgm:layoutNode>
+    </dgm:forEach>
+    <dgm:forEach name="Name105" axis="ch" ptType="node" st="7" cnt="1">
+      <dgm:layoutNode name="Accent7">
+        <dgm:alg type="sp"/>
+        <dgm:shape xmlns:r="http://schemas.openxmlformats.org/officeDocument/2006/relationships" r:blip="">
+          <dgm:adjLst/>
+        </dgm:shape>
+        <dgm:presOf/>
+        <dgm:constrLst/>
+        <dgm:forEach name="Name106" ref="accentRepeat"/>
+      </dgm:layoutNode>
+      <dgm:choose name="Name107">
+        <dgm:if name="Name108" axis="ch" ptType="node" func="cnt" op="gte" val="1">
+          <dgm:layoutNode name="Child7" styleLbl="revTx">
+            <dgm:varLst>
+              <dgm:chMax val="0"/>
+              <dgm:chPref val="0"/>
+              <dgm:bulletEnabled val="1"/>
+            </dgm:varLst>
+            <dgm:alg type="tx">
+              <dgm:param type="stBulletLvl" val="1"/>
+              <dgm:param type="parTxLTRAlign" val="l"/>
+              <dgm:param type="txAnchorVertCh" val="mid"/>
+            </dgm:alg>
+            <dgm:shape xmlns:r="http://schemas.openxmlformats.org/officeDocument/2006/relationships" type="rect" r:blip="">
+              <dgm:adjLst/>
+            </dgm:shape>
+            <dgm:presOf axis="des" ptType="node"/>
+            <dgm:constrLst>
+              <dgm:constr type="lMarg" refType="primFontSz" fact="0.05"/>
+              <dgm:constr type="rMarg" refType="primFontSz" fact="0.05"/>
+              <dgm:constr type="tMarg" refType="primFontSz" fact="0.05"/>
+              <dgm:constr type="bMarg" refType="primFontSz" fact="0.05"/>
+            </dgm:constrLst>
+            <dgm:ruleLst>
+              <dgm:rule type="primFontSz" val="5" fact="NaN" max="NaN"/>
+            </dgm:ruleLst>
+          </dgm:layoutNode>
+        </dgm:if>
+        <dgm:else name="Name109"/>
+      </dgm:choose>
+      <dgm:layoutNode name="Parent7" styleLbl="revTx">
+        <dgm:varLst>
+          <dgm:chMax val="1"/>
+          <dgm:chPref val="1"/>
+          <dgm:bulletEnabled val="1"/>
+        </dgm:varLst>
+        <dgm:alg type="tx">
+          <dgm:param type="shpTxLTRAlignCh" val="ctr"/>
+          <dgm:param type="txAnchorVertCh" val="mid"/>
+        </dgm:alg>
+        <dgm:shape xmlns:r="http://schemas.openxmlformats.org/officeDocument/2006/relationships" type="rect" r:blip="">
+          <dgm:adjLst/>
+        </dgm:shape>
+        <dgm:presOf axis="self" ptType="node"/>
+        <dgm:constrLst>
+          <dgm:constr type="lMarg" refType="primFontSz" fact="0.05"/>
+          <dgm:constr type="rMarg" refType="primFontSz" fact="0.05"/>
+          <dgm:constr type="tMarg" refType="primFontSz" fact="0.05"/>
+          <dgm:constr type="bMarg" refType="primFontSz" fact="0.05"/>
+        </dgm:constrLst>
+        <dgm:ruleLst>
+          <dgm:rule type="primFontSz" val="5" fact="NaN" max="NaN"/>
+        </dgm:ruleLst>
+      </dgm:layoutNode>
+    </dgm:forEach>
+  </dgm:layoutNode>
+</dgm:layoutDef>
+</file>
+
+<file path=ppt/diagrams/quickStyle1.xml><?xml version="1.0" encoding="utf-8"?>
+<dgm:styleDef xmlns:dgm="http://schemas.openxmlformats.org/drawingml/2006/diagram" xmlns:a="http://schemas.openxmlformats.org/drawingml/2006/main" uniqueId="urn:microsoft.com/office/officeart/2005/8/quickstyle/simple1">
+  <dgm:title val=""/>
+  <dgm:desc val=""/>
+  <dgm:catLst>
+    <dgm:cat type="simple" pri="10100"/>
+  </dgm:catLst>
+  <dgm:scene3d>
+    <a:camera prst="orthographicFront"/>
+    <a:lightRig rig="threePt" dir="t"/>
+  </dgm:scene3d>
+  <dgm:styleLbl name="node0">
+    <dgm:scene3d>
+      <a:camera prst="orthographicFront"/>
+      <a:lightRig rig="threePt" dir="t"/>
+    </dgm:scene3d>
+    <dgm:sp3d/>
+    <dgm:txPr/>
+    <dgm:style>
+      <a:lnRef idx="2">
+        <a:scrgbClr r="0" g="0" b="0"/>
+      </a:lnRef>
+      <a:fillRef idx="1">
+        <a:scrgbClr r="0" g="0" b="0"/>
+      </a:fillRef>
+      <a:effectRef idx="0">
+        <a:scrgbClr r="0" g="0" b="0"/>
+      </a:effectRef>
+      <a:fontRef idx="minor">
+        <a:schemeClr val="lt1"/>
+      </a:fontRef>
+    </dgm:style>
+  </dgm:styleLbl>
+  <dgm:styleLbl name="lnNode1">
+    <dgm:scene3d>
+      <a:camera prst="orthographicFront"/>
+      <a:lightRig rig="threePt" dir="t"/>
+    </dgm:scene3d>
+    <dgm:sp3d/>
+    <dgm:txPr/>
+    <dgm:style>
+      <a:lnRef idx="2">
+        <a:scrgbClr r="0" g="0" b="0"/>
+      </a:lnRef>
+      <a:fillRef idx="1">
+        <a:scrgbClr r="0" g="0" b="0"/>
+      </a:fillRef>
+      <a:effectRef idx="0">
+        <a:scrgbClr r="0" g="0" b="0"/>
+      </a:effectRef>
+      <a:fontRef idx="minor">
+        <a:schemeClr val="lt1"/>
+      </a:fontRef>
+    </dgm:style>
+  </dgm:styleLbl>
+  <dgm:styleLbl name="vennNode1">
+    <dgm:scene3d>
+      <a:camera prst="orthographicFront"/>
+      <a:lightRig rig="threePt" dir="t"/>
+    </dgm:scene3d>
+    <dgm:sp3d/>
+    <dgm:txPr/>
+    <dgm:style>
+      <a:lnRef idx="2">
+        <a:scrgbClr r="0" g="0" b="0"/>
+      </a:lnRef>
+      <a:fillRef idx="1">
+        <a:scrgbClr r="0" g="0" b="0"/>
+      </a:fillRef>
+      <a:effectRef idx="0">
+        <a:scrgbClr r="0" g="0" b="0"/>
+      </a:effectRef>
+      <a:fontRef idx="minor">
+        <a:schemeClr val="tx1"/>
+      </a:fontRef>
+    </dgm:style>
+  </dgm:styleLbl>
+  <dgm:styleLbl name="alignNode1">
+    <dgm:scene3d>
+      <a:camera prst="orthographicFront"/>
+      <a:lightRig rig="threePt" dir="t"/>
+    </dgm:scene3d>
+    <dgm:sp3d/>
+    <dgm:txPr/>
+    <dgm:style>
+      <a:lnRef idx="2">
+        <a:scrgbClr r="0" g="0" b="0"/>
+      </a:lnRef>
+      <a:fillRef idx="1">
+        <a:scrgbClr r="0" g="0" b="0"/>
+      </a:fillRef>
+      <a:effectRef idx="0">
+        <a:scrgbClr r="0" g="0" b="0"/>
+      </a:effectRef>
+      <a:fontRef idx="minor">
+        <a:schemeClr val="lt1"/>
+      </a:fontRef>
+    </dgm:style>
+  </dgm:styleLbl>
+  <dgm:styleLbl name="node1">
+    <dgm:scene3d>
+      <a:camera prst="orthographicFront"/>
+      <a:lightRig rig="threePt" dir="t"/>
+    </dgm:scene3d>
+    <dgm:sp3d/>
+    <dgm:txPr/>
+    <dgm:style>
+      <a:lnRef idx="2">
+        <a:scrgbClr r="0" g="0" b="0"/>
+      </a:lnRef>
+      <a:fillRef idx="1">
+        <a:scrgbClr r="0" g="0" b="0"/>
+      </a:fillRef>
+      <a:effectRef idx="0">
+        <a:scrgbClr r="0" g="0" b="0"/>
+      </a:effectRef>
+      <a:fontRef idx="minor">
+        <a:schemeClr val="lt1"/>
+      </a:fontRef>
+    </dgm:style>
+  </dgm:styleLbl>
+  <dgm:styleLbl name="node2">
+    <dgm:scene3d>
+      <a:camera prst="orthographicFront"/>
+      <a:lightRig rig="threePt" dir="t"/>
+    </dgm:scene3d>
+    <dgm:sp3d/>
+    <dgm:txPr/>
+    <dgm:style>
+      <a:lnRef idx="2">
+        <a:scrgbClr r="0" g="0" b="0"/>
+      </a:lnRef>
+      <a:fillRef idx="1">
+        <a:scrgbClr r="0" g="0" b="0"/>
+      </a:fillRef>
+      <a:effectRef idx="0">
+        <a:scrgbClr r="0" g="0" b="0"/>
+      </a:effectRef>
+      <a:fontRef idx="minor">
+        <a:schemeClr val="lt1"/>
+      </a:fontRef>
+    </dgm:style>
+  </dgm:styleLbl>
+  <dgm:styleLbl name="node3">
+    <dgm:scene3d>
+      <a:camera prst="orthographicFront"/>
+      <a:lightRig rig="threePt" dir="t"/>
+    </dgm:scene3d>
+    <dgm:sp3d/>
+    <dgm:txPr/>
+    <dgm:style>
+      <a:lnRef idx="2">
+        <a:scrgbClr r="0" g="0" b="0"/>
+      </a:lnRef>
+      <a:fillRef idx="1">
+        <a:scrgbClr r="0" g="0" b="0"/>
+      </a:fillRef>
+      <a:effectRef idx="0">
+        <a:scrgbClr r="0" g="0" b="0"/>
+      </a:effectRef>
+      <a:fontRef idx="minor">
+        <a:schemeClr val="lt1"/>
+      </a:fontRef>
+    </dgm:style>
+  </dgm:styleLbl>
+  <dgm:styleLbl name="node4">
+    <dgm:scene3d>
+      <a:camera prst="orthographicFront"/>
+      <a:lightRig rig="threePt" dir="t"/>
+    </dgm:scene3d>
+    <dgm:sp3d/>
+    <dgm:txPr/>
+    <dgm:style>
+      <a:lnRef idx="2">
+        <a:scrgbClr r="0" g="0" b="0"/>
+      </a:lnRef>
+      <a:fillRef idx="1">
+        <a:scrgbClr r="0" g="0" b="0"/>
+      </a:fillRef>
+      <a:effectRef idx="0">
+        <a:scrgbClr r="0" g="0" b="0"/>
+      </a:effectRef>
+      <a:fontRef idx="minor">
+        <a:schemeClr val="lt1"/>
+      </a:fontRef>
+    </dgm:style>
+  </dgm:styleLbl>
+  <dgm:styleLbl name="fgImgPlace1">
+    <dgm:scene3d>
+      <a:camera prst="orthographicFront"/>
+      <a:lightRig rig="threePt" dir="t"/>
+    </dgm:scene3d>
+    <dgm:sp3d/>
+    <dgm:txPr/>
+    <dgm:style>
+      <a:lnRef idx="2">
+        <a:scrgbClr r="0" g="0" b="0"/>
+      </a:lnRef>
+      <a:fillRef idx="1">
+        <a:scrgbClr r="0" g="0" b="0"/>
+      </a:fillRef>
+      <a:effectRef idx="0">
+        <a:scrgbClr r="0" g="0" b="0"/>
+      </a:effectRef>
+      <a:fontRef idx="minor"/>
+    </dgm:style>
+  </dgm:styleLbl>
+  <dgm:styleLbl name="alignImgPlace1">
+    <dgm:scene3d>
+      <a:camera prst="orthographicFront"/>
+      <a:lightRig rig="threePt" dir="t"/>
+    </dgm:scene3d>
+    <dgm:sp3d/>
+    <dgm:txPr/>
+    <dgm:style>
+      <a:lnRef idx="2">
+        <a:scrgbClr r="0" g="0" b="0"/>
+      </a:lnRef>
+      <a:fillRef idx="1">
+        <a:scrgbClr r="0" g="0" b="0"/>
+      </a:fillRef>
+      <a:effectRef idx="0">
+        <a:scrgbClr r="0" g="0" b="0"/>
+      </a:effectRef>
+      <a:fontRef idx="minor"/>
+    </dgm:style>
+  </dgm:styleLbl>
+  <dgm:styleLbl name="bgImgPlace1">
+    <dgm:scene3d>
+      <a:camera prst="orthographicFront"/>
+      <a:lightRig rig="threePt" dir="t"/>
+    </dgm:scene3d>
+    <dgm:sp3d/>
+    <dgm:txPr/>
+    <dgm:style>
+      <a:lnRef idx="2">
+        <a:scrgbClr r="0" g="0" b="0"/>
+      </a:lnRef>
+      <a:fillRef idx="1">
+        <a:scrgbClr r="0" g="0" b="0"/>
+      </a:fillRef>
+      <a:effectRef idx="0">
+        <a:scrgbClr r="0" g="0" b="0"/>
+      </a:effectRef>
+      <a:fontRef idx="minor"/>
+    </dgm:style>
+  </dgm:styleLbl>
+  <dgm:styleLbl name="sibTrans2D1">
+    <dgm:scene3d>
+      <a:camera prst="orthographicFront"/>
+      <a:lightRig rig="threePt" dir="t"/>
+    </dgm:scene3d>
+    <dgm:sp3d/>
+    <dgm:txPr/>
+    <dgm:style>
+      <a:lnRef idx="0">
+        <a:scrgbClr r="0" g="0" b="0"/>
+      </a:lnRef>
+      <a:fillRef idx="1">
+        <a:scrgbClr r="0" g="0" b="0"/>
+      </a:fillRef>
+      <a:effectRef idx="0">
+        <a:scrgbClr r="0" g="0" b="0"/>
+      </a:effectRef>
+      <a:fontRef idx="minor">
+        <a:schemeClr val="lt1"/>
+      </a:fontRef>
+    </dgm:style>
+  </dgm:styleLbl>
+  <dgm:styleLbl name="fgSibTrans2D1">
+    <dgm:scene3d>
+      <a:camera prst="orthographicFront"/>
+      <a:lightRig rig="threePt" dir="t"/>
+    </dgm:scene3d>
+    <dgm:sp3d/>
+    <dgm:txPr/>
+    <dgm:style>
+      <a:lnRef idx="0">
+        <a:scrgbClr r="0" g="0" b="0"/>
+      </a:lnRef>
+      <a:fillRef idx="1">
+        <a:scrgbClr r="0" g="0" b="0"/>
+      </a:fillRef>
+      <a:effectRef idx="0">
+        <a:scrgbClr r="0" g="0" b="0"/>
+      </a:effectRef>
+      <a:fontRef idx="minor">
+        <a:schemeClr val="lt1"/>
+      </a:fontRef>
+    </dgm:style>
+  </dgm:styleLbl>
+  <dgm:styleLbl name="bgSibTrans2D1">
+    <dgm:scene3d>
+      <a:camera prst="orthographicFront"/>
+      <a:lightRig rig="threePt" dir="t"/>
+    </dgm:scene3d>
+    <dgm:sp3d/>
+    <dgm:txPr/>
+    <dgm:style>
+      <a:lnRef idx="0">
+        <a:scrgbClr r="0" g="0" b="0"/>
+      </a:lnRef>
+      <a:fillRef idx="1">
+        <a:scrgbClr r="0" g="0" b="0"/>
+      </a:fillRef>
+      <a:effectRef idx="0">
+        <a:scrgbClr r="0" g="0" b="0"/>
+      </a:effectRef>
+      <a:fontRef idx="minor">
+        <a:schemeClr val="lt1"/>
+      </a:fontRef>
+    </dgm:style>
+  </dgm:styleLbl>
+  <dgm:styleLbl name="sibTrans1D1">
+    <dgm:scene3d>
+      <a:camera prst="orthographicFront"/>
+      <a:lightRig rig="threePt" dir="t"/>
+    </dgm:scene3d>
+    <dgm:sp3d/>
+    <dgm:txPr/>
+    <dgm:style>
+      <a:lnRef idx="1">
+        <a:scrgbClr r="0" g="0" b="0"/>
+      </a:lnRef>
+      <a:fillRef idx="0">
+        <a:scrgbClr r="0" g="0" b="0"/>
+      </a:fillRef>
+      <a:effectRef idx="0">
+        <a:scrgbClr r="0" g="0" b="0"/>
+      </a:effectRef>
+      <a:fontRef idx="minor"/>
+    </dgm:style>
+  </dgm:styleLbl>
+  <dgm:styleLbl name="callout">
+    <dgm:scene3d>
+      <a:camera prst="orthographicFront"/>
+      <a:lightRig rig="threePt" dir="t"/>
+    </dgm:scene3d>
+    <dgm:sp3d/>
+    <dgm:txPr/>
+    <dgm:style>
+      <a:lnRef idx="2">
+        <a:scrgbClr r="0" g="0" b="0"/>
+      </a:lnRef>
+      <a:fillRef idx="1">
+        <a:scrgbClr r="0" g="0" b="0"/>
+      </a:fillRef>
+      <a:effectRef idx="0">
+        <a:scrgbClr r="0" g="0" b="0"/>
+      </a:effectRef>
+      <a:fontRef idx="minor"/>
+    </dgm:style>
+  </dgm:styleLbl>
+  <dgm:styleLbl name="asst0">
+    <dgm:scene3d>
+      <a:camera prst="orthographicFront"/>
+      <a:lightRig rig="threePt" dir="t"/>
+    </dgm:scene3d>
+    <dgm:sp3d/>
+    <dgm:txPr/>
+    <dgm:style>
+      <a:lnRef idx="2">
+        <a:scrgbClr r="0" g="0" b="0"/>
+      </a:lnRef>
+      <a:fillRef idx="1">
+        <a:scrgbClr r="0" g="0" b="0"/>
+      </a:fillRef>
+      <a:effectRef idx="0">
+        <a:scrgbClr r="0" g="0" b="0"/>
+      </a:effectRef>
+      <a:fontRef idx="minor">
+        <a:schemeClr val="lt1"/>
+      </a:fontRef>
+    </dgm:style>
+  </dgm:styleLbl>
+  <dgm:styleLbl name="asst1">
+    <dgm:scene3d>
+      <a:camera prst="orthographicFront"/>
+      <a:lightRig rig="threePt" dir="t"/>
+    </dgm:scene3d>
+    <dgm:sp3d/>
+    <dgm:txPr/>
+    <dgm:style>
+      <a:lnRef idx="2">
+        <a:scrgbClr r="0" g="0" b="0"/>
+      </a:lnRef>
+      <a:fillRef idx="1">
+        <a:scrgbClr r="0" g="0" b="0"/>
+      </a:fillRef>
+      <a:effectRef idx="0">
+        <a:scrgbClr r="0" g="0" b="0"/>
+      </a:effectRef>
+      <a:fontRef idx="minor">
+        <a:schemeClr val="lt1"/>
+      </a:fontRef>
+    </dgm:style>
+  </dgm:styleLbl>
+  <dgm:styleLbl name="asst2">
+    <dgm:scene3d>
+      <a:camera prst="orthographicFront"/>
+      <a:lightRig rig="threePt" dir="t"/>
+    </dgm:scene3d>
+    <dgm:sp3d/>
+    <dgm:txPr/>
+    <dgm:style>
+      <a:lnRef idx="2">
+        <a:scrgbClr r="0" g="0" b="0"/>
+      </a:lnRef>
+      <a:fillRef idx="1">
+        <a:scrgbClr r="0" g="0" b="0"/>
+      </a:fillRef>
+      <a:effectRef idx="0">
+        <a:scrgbClr r="0" g="0" b="0"/>
+      </a:effectRef>
+      <a:fontRef idx="minor">
+        <a:schemeClr val="lt1"/>
+      </a:fontRef>
+    </dgm:style>
+  </dgm:styleLbl>
+  <dgm:styleLbl name="asst3">
+    <dgm:scene3d>
+      <a:camera prst="orthographicFront"/>
+      <a:lightRig rig="threePt" dir="t"/>
+    </dgm:scene3d>
+    <dgm:sp3d/>
+    <dgm:txPr/>
+    <dgm:style>
+      <a:lnRef idx="2">
+        <a:scrgbClr r="0" g="0" b="0"/>
+      </a:lnRef>
+      <a:fillRef idx="1">
+        <a:scrgbClr r="0" g="0" b="0"/>
+      </a:fillRef>
+      <a:effectRef idx="0">
+        <a:scrgbClr r="0" g="0" b="0"/>
+      </a:effectRef>
+      <a:fontRef idx="minor">
+        <a:schemeClr val="lt1"/>
+      </a:fontRef>
+    </dgm:style>
+  </dgm:styleLbl>
+  <dgm:styleLbl name="asst4">
+    <dgm:scene3d>
+      <a:camera prst="orthographicFront"/>
+      <a:lightRig rig="threePt" dir="t"/>
+    </dgm:scene3d>
+    <dgm:sp3d/>
+    <dgm:txPr/>
+    <dgm:style>
+      <a:lnRef idx="2">
+        <a:scrgbClr r="0" g="0" b="0"/>
+      </a:lnRef>
+      <a:fillRef idx="1">
+        <a:scrgbClr r="0" g="0" b="0"/>
+      </a:fillRef>
+      <a:effectRef idx="0">
+        <a:scrgbClr r="0" g="0" b="0"/>
+      </a:effectRef>
+      <a:fontRef idx="minor">
+        <a:schemeClr val="lt1"/>
+      </a:fontRef>
+    </dgm:style>
+  </dgm:styleLbl>
+  <dgm:styleLbl name="parChTrans2D1">
+    <dgm:scene3d>
+      <a:camera prst="orthographicFront"/>
+      <a:lightRig rig="threePt" dir="t"/>
+    </dgm:scene3d>
+    <dgm:sp3d/>
+    <dgm:txPr/>
+    <dgm:style>
+      <a:lnRef idx="2">
+        <a:scrgbClr r="0" g="0" b="0"/>
+      </a:lnRef>
+      <a:fillRef idx="1">
+        <a:scrgbClr r="0" g="0" b="0"/>
+      </a:fillRef>
+      <a:effectRef idx="0">
+        <a:scrgbClr r="0" g="0" b="0"/>
+      </a:effectRef>
+      <a:fontRef idx="minor">
+        <a:schemeClr val="lt1"/>
+      </a:fontRef>
+    </dgm:style>
+  </dgm:styleLbl>
+  <dgm:styleLbl name="parChTrans2D2">
+    <dgm:scene3d>
+      <a:camera prst="orthographicFront"/>
+      <a:lightRig rig="threePt" dir="t"/>
+    </dgm:scene3d>
+    <dgm:sp3d/>
+    <dgm:txPr/>
+    <dgm:style>
+      <a:lnRef idx="2">
+        <a:scrgbClr r="0" g="0" b="0"/>
+      </a:lnRef>
+      <a:fillRef idx="1">
+        <a:scrgbClr r="0" g="0" b="0"/>
+      </a:fillRef>
+      <a:effectRef idx="0">
+        <a:scrgbClr r="0" g="0" b="0"/>
+      </a:effectRef>
+      <a:fontRef idx="minor">
+        <a:schemeClr val="lt1"/>
+      </a:fontRef>
+    </dgm:style>
+  </dgm:styleLbl>
+  <dgm:styleLbl name="parChTrans2D3">
+    <dgm:scene3d>
+      <a:camera prst="orthographicFront"/>
+      <a:lightRig rig="threePt" dir="t"/>
+    </dgm:scene3d>
+    <dgm:sp3d/>
+    <dgm:txPr/>
+    <dgm:style>
+      <a:lnRef idx="2">
+        <a:scrgbClr r="0" g="0" b="0"/>
+      </a:lnRef>
+      <a:fillRef idx="1">
+        <a:scrgbClr r="0" g="0" b="0"/>
+      </a:fillRef>
+      <a:effectRef idx="0">
+        <a:scrgbClr r="0" g="0" b="0"/>
+      </a:effectRef>
+      <a:fontRef idx="minor">
+        <a:schemeClr val="lt1"/>
+      </a:fontRef>
+    </dgm:style>
+  </dgm:styleLbl>
+  <dgm:styleLbl name="parChTrans2D4">
+    <dgm:scene3d>
+      <a:camera prst="orthographicFront"/>
+      <a:lightRig rig="threePt" dir="t"/>
+    </dgm:scene3d>
+    <dgm:sp3d/>
+    <dgm:txPr/>
+    <dgm:style>
+      <a:lnRef idx="2">
+        <a:scrgbClr r="0" g="0" b="0"/>
+      </a:lnRef>
+      <a:fillRef idx="1">
+        <a:scrgbClr r="0" g="0" b="0"/>
+      </a:fillRef>
+      <a:effectRef idx="0">
+        <a:scrgbClr r="0" g="0" b="0"/>
+      </a:effectRef>
+      <a:fontRef idx="minor">
+        <a:schemeClr val="lt1"/>
+      </a:fontRef>
+    </dgm:style>
+  </dgm:styleLbl>
+  <dgm:styleLbl name="parChTrans1D1">
+    <dgm:scene3d>
+      <a:camera prst="orthographicFront"/>
+      <a:lightRig rig="threePt" dir="t"/>
+    </dgm:scene3d>
+    <dgm:sp3d/>
+    <dgm:txPr/>
+    <dgm:style>
+      <a:lnRef idx="2">
+        <a:scrgbClr r="0" g="0" b="0"/>
+      </a:lnRef>
+      <a:fillRef idx="0">
+        <a:scrgbClr r="0" g="0" b="0"/>
+      </a:fillRef>
+      <a:effectRef idx="0">
+        <a:scrgbClr r="0" g="0" b="0"/>
+      </a:effectRef>
+      <a:fontRef idx="minor"/>
+    </dgm:style>
+  </dgm:styleLbl>
+  <dgm:styleLbl name="parChTrans1D2">
+    <dgm:scene3d>
+      <a:camera prst="orthographicFront"/>
+      <a:lightRig rig="threePt" dir="t"/>
+    </dgm:scene3d>
+    <dgm:sp3d/>
+    <dgm:txPr/>
+    <dgm:style>
+      <a:lnRef idx="2">
+        <a:scrgbClr r="0" g="0" b="0"/>
+      </a:lnRef>
+      <a:fillRef idx="0">
+        <a:scrgbClr r="0" g="0" b="0"/>
+      </a:fillRef>
+      <a:effectRef idx="0">
+        <a:scrgbClr r="0" g="0" b="0"/>
+      </a:effectRef>
+      <a:fontRef idx="minor"/>
+    </dgm:style>
+  </dgm:styleLbl>
+  <dgm:styleLbl name="parChTrans1D3">
+    <dgm:scene3d>
+      <a:camera prst="orthographicFront"/>
+      <a:lightRig rig="threePt" dir="t"/>
+    </dgm:scene3d>
+    <dgm:sp3d/>
+    <dgm:txPr/>
+    <dgm:style>
+      <a:lnRef idx="2">
+        <a:scrgbClr r="0" g="0" b="0"/>
+      </a:lnRef>
+      <a:fillRef idx="0">
+        <a:scrgbClr r="0" g="0" b="0"/>
+      </a:fillRef>
+      <a:effectRef idx="0">
+        <a:scrgbClr r="0" g="0" b="0"/>
+      </a:effectRef>
+      <a:fontRef idx="minor"/>
+    </dgm:style>
+  </dgm:styleLbl>
+  <dgm:styleLbl name="parChTrans1D4">
+    <dgm:scene3d>
+      <a:camera prst="orthographicFront"/>
+      <a:lightRig rig="threePt" dir="t"/>
+    </dgm:scene3d>
+    <dgm:sp3d/>
+    <dgm:txPr/>
+    <dgm:style>
+      <a:lnRef idx="2">
+        <a:scrgbClr r="0" g="0" b="0"/>
+      </a:lnRef>
+      <a:fillRef idx="0">
+        <a:scrgbClr r="0" g="0" b="0"/>
+      </a:fillRef>
+      <a:effectRef idx="0">
+        <a:scrgbClr r="0" g="0" b="0"/>
+      </a:effectRef>
+      <a:fontRef idx="minor"/>
+    </dgm:style>
+  </dgm:styleLbl>
+  <dgm:styleLbl name="fgAcc1">
+    <dgm:scene3d>
+      <a:camera prst="orthographicFront"/>
+      <a:lightRig rig="threePt" dir="t"/>
+    </dgm:scene3d>
+    <dgm:sp3d/>
+    <dgm:txPr/>
+    <dgm:style>
+      <a:lnRef idx="2">
+        <a:scrgbClr r="0" g="0" b="0"/>
+      </a:lnRef>
+      <a:fillRef idx="1">
+        <a:scrgbClr r="0" g="0" b="0"/>
+      </a:fillRef>
+      <a:effectRef idx="0">
+        <a:scrgbClr r="0" g="0" b="0"/>
+      </a:effectRef>
+      <a:fontRef idx="minor"/>
+    </dgm:style>
+  </dgm:styleLbl>
+  <dgm:styleLbl name="conFgAcc1">
+    <dgm:scene3d>
+      <a:camera prst="orthographicFront"/>
+      <a:lightRig rig="threePt" dir="t"/>
+    </dgm:scene3d>
+    <dgm:sp3d/>
+    <dgm:txPr/>
+    <dgm:style>
+      <a:lnRef idx="2">
+        <a:scrgbClr r="0" g="0" b="0"/>
+      </a:lnRef>
+      <a:fillRef idx="1">
+        <a:scrgbClr r="0" g="0" b="0"/>
+      </a:fillRef>
+      <a:effectRef idx="0">
+        <a:scrgbClr r="0" g="0" b="0"/>
+      </a:effectRef>
+      <a:fontRef idx="minor"/>
+    </dgm:style>
+  </dgm:styleLbl>
+  <dgm:styleLbl name="alignAcc1">
+    <dgm:scene3d>
+      <a:camera prst="orthographicFront"/>
+      <a:lightRig rig="threePt" dir="t"/>
+    </dgm:scene3d>
+    <dgm:sp3d/>
+    <dgm:txPr/>
+    <dgm:style>
+      <a:lnRef idx="2">
+        <a:scrgbClr r="0" g="0" b="0"/>
+      </a:lnRef>
+      <a:fillRef idx="1">
+        <a:scrgbClr r="0" g="0" b="0"/>
+      </a:fillRef>
+      <a:effectRef idx="0">
+        <a:scrgbClr r="0" g="0" b="0"/>
+      </a:effectRef>
+      <a:fontRef idx="minor"/>
+    </dgm:style>
+  </dgm:styleLbl>
+  <dgm:styleLbl name="trAlignAcc1">
+    <dgm:scene3d>
+      <a:camera prst="orthographicFront"/>
+      <a:lightRig rig="threePt" dir="t"/>
+    </dgm:scene3d>
+    <dgm:sp3d/>
+    <dgm:txPr/>
+    <dgm:style>
+      <a:lnRef idx="1">
+        <a:scrgbClr r="0" g="0" b="0"/>
+      </a:lnRef>
+      <a:fillRef idx="1">
+        <a:scrgbClr r="0" g="0" b="0"/>
+      </a:fillRef>
+      <a:effectRef idx="0">
+        <a:scrgbClr r="0" g="0" b="0"/>
+      </a:effectRef>
+      <a:fontRef idx="minor"/>
+    </dgm:style>
+  </dgm:styleLbl>
+  <dgm:styleLbl name="bgAcc1">
+    <dgm:scene3d>
+      <a:camera prst="orthographicFront"/>
+      <a:lightRig rig="threePt" dir="t"/>
+    </dgm:scene3d>
+    <dgm:sp3d/>
+    <dgm:txPr/>
+    <dgm:style>
+      <a:lnRef idx="2">
+        <a:scrgbClr r="0" g="0" b="0"/>
+      </a:lnRef>
+      <a:fillRef idx="1">
+        <a:scrgbClr r="0" g="0" b="0"/>
+      </a:fillRef>
+      <a:effectRef idx="0">
+        <a:scrgbClr r="0" g="0" b="0"/>
+      </a:effectRef>
+      <a:fontRef idx="minor"/>
+    </dgm:style>
+  </dgm:styleLbl>
+  <dgm:styleLbl name="solidFgAcc1">
+    <dgm:scene3d>
+      <a:camera prst="orthographicFront"/>
+      <a:lightRig rig="threePt" dir="t"/>
+    </dgm:scene3d>
+    <dgm:sp3d/>
+    <dgm:txPr/>
+    <dgm:style>
+      <a:lnRef idx="2">
+        <a:scrgbClr r="0" g="0" b="0"/>
+      </a:lnRef>
+      <a:fillRef idx="1">
+        <a:scrgbClr r="0" g="0" b="0"/>
+      </a:fillRef>
+      <a:effectRef idx="0">
+        <a:scrgbClr r="0" g="0" b="0"/>
+      </a:effectRef>
+      <a:fontRef idx="minor"/>
+    </dgm:style>
+  </dgm:styleLbl>
+  <dgm:styleLbl name="solidAlignAcc1">
+    <dgm:scene3d>
+      <a:camera prst="orthographicFront"/>
+      <a:lightRig rig="threePt" dir="t"/>
+    </dgm:scene3d>
+    <dgm:sp3d/>
+    <dgm:txPr/>
+    <dgm:style>
+      <a:lnRef idx="2">
+        <a:scrgbClr r="0" g="0" b="0"/>
+      </a:lnRef>
+      <a:fillRef idx="1">
+        <a:scrgbClr r="0" g="0" b="0"/>
+      </a:fillRef>
+      <a:effectRef idx="0">
+        <a:scrgbClr r="0" g="0" b="0"/>
+      </a:effectRef>
+      <a:fontRef idx="minor"/>
+    </dgm:style>
+  </dgm:styleLbl>
+  <dgm:styleLbl name="solidBgAcc1">
+    <dgm:scene3d>
+      <a:camera prst="orthographicFront"/>
+      <a:lightRig rig="threePt" dir="t"/>
+    </dgm:scene3d>
+    <dgm:sp3d/>
+    <dgm:txPr/>
+    <dgm:style>
+      <a:lnRef idx="2">
+        <a:scrgbClr r="0" g="0" b="0"/>
+      </a:lnRef>
+      <a:fillRef idx="1">
+        <a:scrgbClr r="0" g="0" b="0"/>
+      </a:fillRef>
+      <a:effectRef idx="0">
+        <a:scrgbClr r="0" g="0" b="0"/>
+      </a:effectRef>
+      <a:fontRef idx="minor"/>
+    </dgm:style>
+  </dgm:styleLbl>
+  <dgm:styleLbl name="fgAccFollowNode1">
+    <dgm:scene3d>
+      <a:camera prst="orthographicFront"/>
+      <a:lightRig rig="threePt" dir="t"/>
+    </dgm:scene3d>
+    <dgm:sp3d/>
+    <dgm:txPr/>
+    <dgm:style>
+      <a:lnRef idx="2">
+        <a:scrgbClr r="0" g="0" b="0"/>
+      </a:lnRef>
+      <a:fillRef idx="1">
+        <a:scrgbClr r="0" g="0" b="0"/>
+      </a:fillRef>
+      <a:effectRef idx="0">
+        <a:scrgbClr r="0" g="0" b="0"/>
+      </a:effectRef>
+      <a:fontRef idx="minor"/>
+    </dgm:style>
+  </dgm:styleLbl>
+  <dgm:styleLbl name="alignAccFollowNode1">
+    <dgm:scene3d>
+      <a:camera prst="orthographicFront"/>
+      <a:lightRig rig="threePt" dir="t"/>
+    </dgm:scene3d>
+    <dgm:sp3d/>
+    <dgm:txPr/>
+    <dgm:style>
+      <a:lnRef idx="2">
+        <a:scrgbClr r="0" g="0" b="0"/>
+      </a:lnRef>
+      <a:fillRef idx="1">
+        <a:scrgbClr r="0" g="0" b="0"/>
+      </a:fillRef>
+      <a:effectRef idx="0">
+        <a:scrgbClr r="0" g="0" b="0"/>
+      </a:effectRef>
+      <a:fontRef idx="minor"/>
+    </dgm:style>
+  </dgm:styleLbl>
+  <dgm:styleLbl name="bgAccFollowNode1">
+    <dgm:scene3d>
+      <a:camera prst="orthographicFront"/>
+      <a:lightRig rig="threePt" dir="t"/>
+    </dgm:scene3d>
+    <dgm:sp3d/>
+    <dgm:txPr/>
+    <dgm:style>
+      <a:lnRef idx="2">
+        <a:scrgbClr r="0" g="0" b="0"/>
+      </a:lnRef>
+      <a:fillRef idx="1">
+        <a:scrgbClr r="0" g="0" b="0"/>
+      </a:fillRef>
+      <a:effectRef idx="0">
+        <a:scrgbClr r="0" g="0" b="0"/>
+      </a:effectRef>
+      <a:fontRef idx="minor"/>
+    </dgm:style>
+  </dgm:styleLbl>
+  <dgm:styleLbl name="fgAcc0">
+    <dgm:scene3d>
+      <a:camera prst="orthographicFront"/>
+      <a:lightRig rig="threePt" dir="t"/>
+    </dgm:scene3d>
+    <dgm:sp3d/>
+    <dgm:txPr/>
+    <dgm:style>
+      <a:lnRef idx="2">
+        <a:scrgbClr r="0" g="0" b="0"/>
+      </a:lnRef>
+      <a:fillRef idx="1">
+        <a:scrgbClr r="0" g="0" b="0"/>
+      </a:fillRef>
+      <a:effectRef idx="0">
+        <a:scrgbClr r="0" g="0" b="0"/>
+      </a:effectRef>
+      <a:fontRef idx="minor"/>
+    </dgm:style>
+  </dgm:styleLbl>
+  <dgm:styleLbl name="fgAcc2">
+    <dgm:scene3d>
+      <a:camera prst="orthographicFront"/>
+      <a:lightRig rig="threePt" dir="t"/>
+    </dgm:scene3d>
+    <dgm:sp3d/>
+    <dgm:txPr/>
+    <dgm:style>
+      <a:lnRef idx="2">
+        <a:scrgbClr r="0" g="0" b="0"/>
+      </a:lnRef>
+      <a:fillRef idx="1">
+        <a:scrgbClr r="0" g="0" b="0"/>
+      </a:fillRef>
+      <a:effectRef idx="0">
+        <a:scrgbClr r="0" g="0" b="0"/>
+      </a:effectRef>
+      <a:fontRef idx="minor"/>
+    </dgm:style>
+  </dgm:styleLbl>
+  <dgm:styleLbl name="fgAcc3">
+    <dgm:scene3d>
+      <a:camera prst="orthographicFront"/>
+      <a:lightRig rig="threePt" dir="t"/>
+    </dgm:scene3d>
+    <dgm:sp3d/>
+    <dgm:txPr/>
+    <dgm:style>
+      <a:lnRef idx="2">
+        <a:scrgbClr r="0" g="0" b="0"/>
+      </a:lnRef>
+      <a:fillRef idx="1">
+        <a:scrgbClr r="0" g="0" b="0"/>
+      </a:fillRef>
+      <a:effectRef idx="0">
+        <a:scrgbClr r="0" g="0" b="0"/>
+      </a:effectRef>
+      <a:fontRef idx="minor"/>
+    </dgm:style>
+  </dgm:styleLbl>
+  <dgm:styleLbl name="fgAcc4">
+    <dgm:scene3d>
+      <a:camera prst="orthographicFront"/>
+      <a:lightRig rig="threePt" dir="t"/>
+    </dgm:scene3d>
+    <dgm:sp3d/>
+    <dgm:txPr/>
+    <dgm:style>
+      <a:lnRef idx="2">
+        <a:scrgbClr r="0" g="0" b="0"/>
+      </a:lnRef>
+      <a:fillRef idx="1">
+        <a:scrgbClr r="0" g="0" b="0"/>
+      </a:fillRef>
+      <a:effectRef idx="0">
+        <a:scrgbClr r="0" g="0" b="0"/>
+      </a:effectRef>
+      <a:fontRef idx="minor"/>
+    </dgm:style>
+  </dgm:styleLbl>
+  <dgm:styleLbl name="bgShp">
+    <dgm:scene3d>
+      <a:camera prst="orthographicFront"/>
+      <a:lightRig rig="threePt" dir="t"/>
+    </dgm:scene3d>
+    <dgm:sp3d/>
+    <dgm:txPr/>
+    <dgm:style>
+      <a:lnRef idx="0">
+        <a:scrgbClr r="0" g="0" b="0"/>
+      </a:lnRef>
+      <a:fillRef idx="1">
+        <a:scrgbClr r="0" g="0" b="0"/>
+      </a:fillRef>
+      <a:effectRef idx="0">
+        <a:scrgbClr r="0" g="0" b="0"/>
+      </a:effectRef>
+      <a:fontRef idx="minor"/>
+    </dgm:style>
+  </dgm:styleLbl>
+  <dgm:styleLbl name="dkBgShp">
+    <dgm:scene3d>
+      <a:camera prst="orthographicFront"/>
+      <a:lightRig rig="threePt" dir="t"/>
+    </dgm:scene3d>
+    <dgm:sp3d/>
+    <dgm:txPr/>
+    <dgm:style>
+      <a:lnRef idx="0">
+        <a:scrgbClr r="0" g="0" b="0"/>
+      </a:lnRef>
+      <a:fillRef idx="1">
+        <a:scrgbClr r="0" g="0" b="0"/>
+      </a:fillRef>
+      <a:effectRef idx="0">
+        <a:scrgbClr r="0" g="0" b="0"/>
+      </a:effectRef>
+      <a:fontRef idx="minor"/>
+    </dgm:style>
+  </dgm:styleLbl>
+  <dgm:styleLbl name="trBgShp">
+    <dgm:scene3d>
+      <a:camera prst="orthographicFront"/>
+      <a:lightRig rig="threePt" dir="t"/>
+    </dgm:scene3d>
+    <dgm:sp3d/>
+    <dgm:txPr/>
+    <dgm:style>
+      <a:lnRef idx="0">
+        <a:scrgbClr r="0" g="0" b="0"/>
+      </a:lnRef>
+      <a:fillRef idx="1">
+        <a:scrgbClr r="0" g="0" b="0"/>
+      </a:fillRef>
+      <a:effectRef idx="0">
+        <a:scrgbClr r="0" g="0" b="0"/>
+      </a:effectRef>
+      <a:fontRef idx="minor"/>
+    </dgm:style>
+  </dgm:styleLbl>
+  <dgm:styleLbl name="fgShp">
+    <dgm:scene3d>
+      <a:camera prst="orthographicFront"/>
+      <a:lightRig rig="threePt" dir="t"/>
+    </dgm:scene3d>
+    <dgm:sp3d/>
+    <dgm:txPr/>
+    <dgm:style>
+      <a:lnRef idx="2">
+        <a:scrgbClr r="0" g="0" b="0"/>
+      </a:lnRef>
+      <a:fillRef idx="1">
+        <a:scrgbClr r="0" g="0" b="0"/>
+      </a:fillRef>
+      <a:effectRef idx="0">
+        <a:scrgbClr r="0" g="0" b="0"/>
+      </a:effectRef>
+      <a:fontRef idx="minor"/>
+    </dgm:style>
+  </dgm:styleLbl>
+  <dgm:styleLbl name="revTx">
+    <dgm:scene3d>
+      <a:camera prst="orthographicFront"/>
+      <a:lightRig rig="threePt" dir="t"/>
+    </dgm:scene3d>
+    <dgm:sp3d/>
+    <dgm:txPr/>
+    <dgm:style>
+      <a:lnRef idx="0">
+        <a:scrgbClr r="0" g="0" b="0"/>
+      </a:lnRef>
+      <a:fillRef idx="0">
+        <a:scrgbClr r="0" g="0" b="0"/>
+      </a:fillRef>
+      <a:effectRef idx="0">
+        <a:scrgbClr r="0" g="0" b="0"/>
+      </a:effectRef>
+      <a:fontRef idx="minor"/>
+    </dgm:style>
+  </dgm:styleLbl>
+</dgm:styleDef>
+</file>
+
 <file path=ppt/handoutMasters/handoutMaster1.xml><?xml version="1.0" encoding="utf-8"?>
 <p:handoutMaster xmlns:a="http://schemas.openxmlformats.org/drawingml/2006/main" xmlns:r="http://schemas.openxmlformats.org/officeDocument/2006/relationships" xmlns:p="http://schemas.openxmlformats.org/presentationml/2006/main">
   <p:cSld>
@@ -291,7 +4727,7 @@
               <a:pPr>
                 <a:defRPr/>
               </a:pPr>
-              <a:t>6/4/2024</a:t>
+              <a:t>6/6/2024</a:t>
             </a:fld>
             <a:endParaRPr lang="en-US"/>
           </a:p>
@@ -537,7 +4973,7 @@
               <a:pPr>
                 <a:defRPr/>
               </a:pPr>
-              <a:t>6/4/2024</a:t>
+              <a:t>6/6/2024</a:t>
             </a:fld>
             <a:endParaRPr lang="en-US"/>
           </a:p>
@@ -881,6 +5317,625 @@
     </a:lvl9pPr>
   </p:notesStyle>
 </p:notesMaster>
+</file>
+
+<file path=ppt/notesSlides/notesSlide1.xml><?xml version="1.0" encoding="utf-8"?>
+<p:notes xmlns:a="http://schemas.openxmlformats.org/drawingml/2006/main" xmlns:r="http://schemas.openxmlformats.org/officeDocument/2006/relationships" xmlns:p="http://schemas.openxmlformats.org/presentationml/2006/main">
+  <p:cSld>
+    <p:spTree>
+      <p:nvGrpSpPr>
+        <p:cNvPr id="1" name=""/>
+        <p:cNvGrpSpPr/>
+        <p:nvPr/>
+      </p:nvGrpSpPr>
+      <p:grpSpPr>
+        <a:xfrm>
+          <a:off x="0" y="0"/>
+          <a:ext cx="0" cy="0"/>
+          <a:chOff x="0" y="0"/>
+          <a:chExt cx="0" cy="0"/>
+        </a:xfrm>
+      </p:grpSpPr>
+      <p:sp>
+        <p:nvSpPr>
+          <p:cNvPr id="2" name="Slide Image Placeholder 1"/>
+          <p:cNvSpPr>
+            <a:spLocks noGrp="1" noRot="1" noChangeAspect="1"/>
+          </p:cNvSpPr>
+          <p:nvPr>
+            <p:ph type="sldImg"/>
+          </p:nvPr>
+        </p:nvSpPr>
+        <p:spPr/>
+      </p:sp>
+      <p:sp>
+        <p:nvSpPr>
+          <p:cNvPr id="3" name="Notes Placeholder 2"/>
+          <p:cNvSpPr>
+            <a:spLocks noGrp="1"/>
+          </p:cNvSpPr>
+          <p:nvPr>
+            <p:ph type="body" idx="1"/>
+          </p:nvPr>
+        </p:nvSpPr>
+        <p:spPr/>
+        <p:txBody>
+          <a:bodyPr/>
+          <a:lstStyle/>
+          <a:p>
+            <a:r>
+              <a:rPr lang="en-US" dirty="0"/>
+              <a:t>Today we are going to demonstrate the results achieved so far from our </a:t>
+            </a:r>
+            <a:r>
+              <a:rPr lang="en-US" dirty="0" err="1"/>
+              <a:t>VMC.Chatbot</a:t>
+            </a:r>
+            <a:r>
+              <a:rPr lang="en-US" dirty="0"/>
+              <a:t> team and something we’ve learned along the way.</a:t>
+            </a:r>
+            <a:endParaRPr lang="en-CA" dirty="0"/>
+          </a:p>
+        </p:txBody>
+      </p:sp>
+      <p:sp>
+        <p:nvSpPr>
+          <p:cNvPr id="4" name="Footer Placeholder 3"/>
+          <p:cNvSpPr>
+            <a:spLocks noGrp="1"/>
+          </p:cNvSpPr>
+          <p:nvPr>
+            <p:ph type="ftr" sz="quarter" idx="4"/>
+          </p:nvPr>
+        </p:nvSpPr>
+        <p:spPr/>
+        <p:txBody>
+          <a:bodyPr/>
+          <a:lstStyle/>
+          <a:p>
+            <a:pPr>
+              <a:defRPr/>
+            </a:pPr>
+            <a:r>
+              <a:rPr lang="en-US"/>
+              <a:t>Confidential</a:t>
+            </a:r>
+          </a:p>
+        </p:txBody>
+      </p:sp>
+      <p:sp>
+        <p:nvSpPr>
+          <p:cNvPr id="5" name="Slide Number Placeholder 4"/>
+          <p:cNvSpPr>
+            <a:spLocks noGrp="1"/>
+          </p:cNvSpPr>
+          <p:nvPr>
+            <p:ph type="sldNum" sz="quarter" idx="5"/>
+          </p:nvPr>
+        </p:nvSpPr>
+        <p:spPr/>
+        <p:txBody>
+          <a:bodyPr/>
+          <a:lstStyle/>
+          <a:p>
+            <a:pPr>
+              <a:defRPr/>
+            </a:pPr>
+            <a:fld id="{AEF9E43D-0595-554A-9483-79DE9C754639}" type="slidenum">
+              <a:rPr lang="en-US" smtClean="0"/>
+              <a:pPr>
+                <a:defRPr/>
+              </a:pPr>
+              <a:t>1</a:t>
+            </a:fld>
+            <a:endParaRPr lang="en-US"/>
+          </a:p>
+        </p:txBody>
+      </p:sp>
+    </p:spTree>
+    <p:extLst>
+      <p:ext uri="{BB962C8B-B14F-4D97-AF65-F5344CB8AC3E}">
+        <p14:creationId xmlns:p14="http://schemas.microsoft.com/office/powerpoint/2010/main" val="2164426560"/>
+      </p:ext>
+    </p:extLst>
+  </p:cSld>
+  <p:clrMapOvr>
+    <a:masterClrMapping/>
+  </p:clrMapOvr>
+</p:notes>
+</file>
+
+<file path=ppt/notesSlides/notesSlide2.xml><?xml version="1.0" encoding="utf-8"?>
+<p:notes xmlns:a="http://schemas.openxmlformats.org/drawingml/2006/main" xmlns:r="http://schemas.openxmlformats.org/officeDocument/2006/relationships" xmlns:p="http://schemas.openxmlformats.org/presentationml/2006/main">
+  <p:cSld>
+    <p:spTree>
+      <p:nvGrpSpPr>
+        <p:cNvPr id="1" name=""/>
+        <p:cNvGrpSpPr/>
+        <p:nvPr/>
+      </p:nvGrpSpPr>
+      <p:grpSpPr>
+        <a:xfrm>
+          <a:off x="0" y="0"/>
+          <a:ext cx="0" cy="0"/>
+          <a:chOff x="0" y="0"/>
+          <a:chExt cx="0" cy="0"/>
+        </a:xfrm>
+      </p:grpSpPr>
+      <p:sp>
+        <p:nvSpPr>
+          <p:cNvPr id="2" name="Slide Image Placeholder 1"/>
+          <p:cNvSpPr>
+            <a:spLocks noGrp="1" noRot="1" noChangeAspect="1"/>
+          </p:cNvSpPr>
+          <p:nvPr>
+            <p:ph type="sldImg"/>
+          </p:nvPr>
+        </p:nvSpPr>
+        <p:spPr/>
+      </p:sp>
+      <p:sp>
+        <p:nvSpPr>
+          <p:cNvPr id="3" name="Notes Placeholder 2"/>
+          <p:cNvSpPr>
+            <a:spLocks noGrp="1"/>
+          </p:cNvSpPr>
+          <p:nvPr>
+            <p:ph type="body" idx="1"/>
+          </p:nvPr>
+        </p:nvSpPr>
+        <p:spPr/>
+        <p:txBody>
+          <a:bodyPr/>
+          <a:lstStyle/>
+          <a:p>
+            <a:r>
+              <a:rPr lang="en-US" dirty="0"/>
+              <a:t>The presentation is consisted of 5 parts, but because of the time limit, we will only focus on the two demo parts.</a:t>
+            </a:r>
+            <a:endParaRPr lang="en-CA" dirty="0"/>
+          </a:p>
+        </p:txBody>
+      </p:sp>
+      <p:sp>
+        <p:nvSpPr>
+          <p:cNvPr id="4" name="Footer Placeholder 3"/>
+          <p:cNvSpPr>
+            <a:spLocks noGrp="1"/>
+          </p:cNvSpPr>
+          <p:nvPr>
+            <p:ph type="ftr" sz="quarter" idx="4"/>
+          </p:nvPr>
+        </p:nvSpPr>
+        <p:spPr/>
+        <p:txBody>
+          <a:bodyPr/>
+          <a:lstStyle/>
+          <a:p>
+            <a:pPr>
+              <a:defRPr/>
+            </a:pPr>
+            <a:r>
+              <a:rPr lang="en-US"/>
+              <a:t>Confidential</a:t>
+            </a:r>
+          </a:p>
+        </p:txBody>
+      </p:sp>
+      <p:sp>
+        <p:nvSpPr>
+          <p:cNvPr id="5" name="Slide Number Placeholder 4"/>
+          <p:cNvSpPr>
+            <a:spLocks noGrp="1"/>
+          </p:cNvSpPr>
+          <p:nvPr>
+            <p:ph type="sldNum" sz="quarter" idx="5"/>
+          </p:nvPr>
+        </p:nvSpPr>
+        <p:spPr/>
+        <p:txBody>
+          <a:bodyPr/>
+          <a:lstStyle/>
+          <a:p>
+            <a:pPr>
+              <a:defRPr/>
+            </a:pPr>
+            <a:fld id="{AEF9E43D-0595-554A-9483-79DE9C754639}" type="slidenum">
+              <a:rPr lang="en-US" smtClean="0"/>
+              <a:pPr>
+                <a:defRPr/>
+              </a:pPr>
+              <a:t>2</a:t>
+            </a:fld>
+            <a:endParaRPr lang="en-US"/>
+          </a:p>
+        </p:txBody>
+      </p:sp>
+    </p:spTree>
+    <p:extLst>
+      <p:ext uri="{BB962C8B-B14F-4D97-AF65-F5344CB8AC3E}">
+        <p14:creationId xmlns:p14="http://schemas.microsoft.com/office/powerpoint/2010/main" val="1194267435"/>
+      </p:ext>
+    </p:extLst>
+  </p:cSld>
+  <p:clrMapOvr>
+    <a:masterClrMapping/>
+  </p:clrMapOvr>
+</p:notes>
+</file>
+
+<file path=ppt/notesSlides/notesSlide3.xml><?xml version="1.0" encoding="utf-8"?>
+<p:notes xmlns:a="http://schemas.openxmlformats.org/drawingml/2006/main" xmlns:r="http://schemas.openxmlformats.org/officeDocument/2006/relationships" xmlns:p="http://schemas.openxmlformats.org/presentationml/2006/main">
+  <p:cSld>
+    <p:spTree>
+      <p:nvGrpSpPr>
+        <p:cNvPr id="1" name=""/>
+        <p:cNvGrpSpPr/>
+        <p:nvPr/>
+      </p:nvGrpSpPr>
+      <p:grpSpPr>
+        <a:xfrm>
+          <a:off x="0" y="0"/>
+          <a:ext cx="0" cy="0"/>
+          <a:chOff x="0" y="0"/>
+          <a:chExt cx="0" cy="0"/>
+        </a:xfrm>
+      </p:grpSpPr>
+      <p:sp>
+        <p:nvSpPr>
+          <p:cNvPr id="2" name="Slide Image Placeholder 1"/>
+          <p:cNvSpPr>
+            <a:spLocks noGrp="1" noRot="1" noChangeAspect="1"/>
+          </p:cNvSpPr>
+          <p:nvPr>
+            <p:ph type="sldImg"/>
+          </p:nvPr>
+        </p:nvSpPr>
+        <p:spPr/>
+      </p:sp>
+      <p:sp>
+        <p:nvSpPr>
+          <p:cNvPr id="3" name="Notes Placeholder 2"/>
+          <p:cNvSpPr>
+            <a:spLocks noGrp="1"/>
+          </p:cNvSpPr>
+          <p:nvPr>
+            <p:ph type="body" idx="1"/>
+          </p:nvPr>
+        </p:nvSpPr>
+        <p:spPr/>
+        <p:txBody>
+          <a:bodyPr/>
+          <a:lstStyle/>
+          <a:p>
+            <a:r>
+              <a:rPr lang="en-US" dirty="0"/>
+              <a:t>Let me refresh what we originally want to achieve in this experiment: [read the bulletin points]</a:t>
+            </a:r>
+            <a:endParaRPr lang="en-CA" dirty="0"/>
+          </a:p>
+        </p:txBody>
+      </p:sp>
+      <p:sp>
+        <p:nvSpPr>
+          <p:cNvPr id="4" name="Footer Placeholder 3"/>
+          <p:cNvSpPr>
+            <a:spLocks noGrp="1"/>
+          </p:cNvSpPr>
+          <p:nvPr>
+            <p:ph type="ftr" sz="quarter" idx="4"/>
+          </p:nvPr>
+        </p:nvSpPr>
+        <p:spPr/>
+        <p:txBody>
+          <a:bodyPr/>
+          <a:lstStyle/>
+          <a:p>
+            <a:pPr>
+              <a:defRPr/>
+            </a:pPr>
+            <a:r>
+              <a:rPr lang="en-US"/>
+              <a:t>Confidential</a:t>
+            </a:r>
+          </a:p>
+        </p:txBody>
+      </p:sp>
+      <p:sp>
+        <p:nvSpPr>
+          <p:cNvPr id="5" name="Slide Number Placeholder 4"/>
+          <p:cNvSpPr>
+            <a:spLocks noGrp="1"/>
+          </p:cNvSpPr>
+          <p:nvPr>
+            <p:ph type="sldNum" sz="quarter" idx="5"/>
+          </p:nvPr>
+        </p:nvSpPr>
+        <p:spPr/>
+        <p:txBody>
+          <a:bodyPr/>
+          <a:lstStyle/>
+          <a:p>
+            <a:pPr>
+              <a:defRPr/>
+            </a:pPr>
+            <a:fld id="{AEF9E43D-0595-554A-9483-79DE9C754639}" type="slidenum">
+              <a:rPr lang="en-US" smtClean="0"/>
+              <a:pPr>
+                <a:defRPr/>
+              </a:pPr>
+              <a:t>3</a:t>
+            </a:fld>
+            <a:endParaRPr lang="en-US"/>
+          </a:p>
+        </p:txBody>
+      </p:sp>
+    </p:spTree>
+    <p:extLst>
+      <p:ext uri="{BB962C8B-B14F-4D97-AF65-F5344CB8AC3E}">
+        <p14:creationId xmlns:p14="http://schemas.microsoft.com/office/powerpoint/2010/main" val="773399028"/>
+      </p:ext>
+    </p:extLst>
+  </p:cSld>
+  <p:clrMapOvr>
+    <a:masterClrMapping/>
+  </p:clrMapOvr>
+</p:notes>
+</file>
+
+<file path=ppt/notesSlides/notesSlide4.xml><?xml version="1.0" encoding="utf-8"?>
+<p:notes xmlns:a="http://schemas.openxmlformats.org/drawingml/2006/main" xmlns:r="http://schemas.openxmlformats.org/officeDocument/2006/relationships" xmlns:p="http://schemas.openxmlformats.org/presentationml/2006/main">
+  <p:cSld>
+    <p:spTree>
+      <p:nvGrpSpPr>
+        <p:cNvPr id="1" name=""/>
+        <p:cNvGrpSpPr/>
+        <p:nvPr/>
+      </p:nvGrpSpPr>
+      <p:grpSpPr>
+        <a:xfrm>
+          <a:off x="0" y="0"/>
+          <a:ext cx="0" cy="0"/>
+          <a:chOff x="0" y="0"/>
+          <a:chExt cx="0" cy="0"/>
+        </a:xfrm>
+      </p:grpSpPr>
+      <p:sp>
+        <p:nvSpPr>
+          <p:cNvPr id="2" name="Slide Image Placeholder 1"/>
+          <p:cNvSpPr>
+            <a:spLocks noGrp="1" noRot="1" noChangeAspect="1"/>
+          </p:cNvSpPr>
+          <p:nvPr>
+            <p:ph type="sldImg"/>
+          </p:nvPr>
+        </p:nvSpPr>
+        <p:spPr/>
+      </p:sp>
+      <p:sp>
+        <p:nvSpPr>
+          <p:cNvPr id="3" name="Notes Placeholder 2"/>
+          <p:cNvSpPr>
+            <a:spLocks noGrp="1"/>
+          </p:cNvSpPr>
+          <p:nvPr>
+            <p:ph type="body" idx="1"/>
+          </p:nvPr>
+        </p:nvSpPr>
+        <p:spPr/>
+        <p:txBody>
+          <a:bodyPr/>
+          <a:lstStyle/>
+          <a:p>
+            <a:r>
+              <a:rPr lang="en-US" dirty="0"/>
+              <a:t>Let me first demonstrate how the </a:t>
+            </a:r>
+            <a:r>
+              <a:rPr lang="en-US" dirty="0" err="1"/>
+              <a:t>VMC.Chatbot</a:t>
+            </a:r>
+            <a:r>
+              <a:rPr lang="en-US" dirty="0"/>
+              <a:t> works inside of FormingSuite.</a:t>
+            </a:r>
+            <a:endParaRPr lang="en-CA" dirty="0"/>
+          </a:p>
+        </p:txBody>
+      </p:sp>
+      <p:sp>
+        <p:nvSpPr>
+          <p:cNvPr id="4" name="Footer Placeholder 3"/>
+          <p:cNvSpPr>
+            <a:spLocks noGrp="1"/>
+          </p:cNvSpPr>
+          <p:nvPr>
+            <p:ph type="ftr" sz="quarter" idx="4"/>
+          </p:nvPr>
+        </p:nvSpPr>
+        <p:spPr/>
+        <p:txBody>
+          <a:bodyPr/>
+          <a:lstStyle/>
+          <a:p>
+            <a:pPr>
+              <a:defRPr/>
+            </a:pPr>
+            <a:r>
+              <a:rPr lang="en-US"/>
+              <a:t>Confidential</a:t>
+            </a:r>
+          </a:p>
+        </p:txBody>
+      </p:sp>
+      <p:sp>
+        <p:nvSpPr>
+          <p:cNvPr id="5" name="Slide Number Placeholder 4"/>
+          <p:cNvSpPr>
+            <a:spLocks noGrp="1"/>
+          </p:cNvSpPr>
+          <p:nvPr>
+            <p:ph type="sldNum" sz="quarter" idx="5"/>
+          </p:nvPr>
+        </p:nvSpPr>
+        <p:spPr/>
+        <p:txBody>
+          <a:bodyPr/>
+          <a:lstStyle/>
+          <a:p>
+            <a:pPr>
+              <a:defRPr/>
+            </a:pPr>
+            <a:fld id="{AEF9E43D-0595-554A-9483-79DE9C754639}" type="slidenum">
+              <a:rPr lang="en-US" smtClean="0"/>
+              <a:pPr>
+                <a:defRPr/>
+              </a:pPr>
+              <a:t>5</a:t>
+            </a:fld>
+            <a:endParaRPr lang="en-US"/>
+          </a:p>
+        </p:txBody>
+      </p:sp>
+    </p:spTree>
+    <p:extLst>
+      <p:ext uri="{BB962C8B-B14F-4D97-AF65-F5344CB8AC3E}">
+        <p14:creationId xmlns:p14="http://schemas.microsoft.com/office/powerpoint/2010/main" val="1897938219"/>
+      </p:ext>
+    </p:extLst>
+  </p:cSld>
+  <p:clrMapOvr>
+    <a:masterClrMapping/>
+  </p:clrMapOvr>
+</p:notes>
+</file>
+
+<file path=ppt/notesSlides/notesSlide5.xml><?xml version="1.0" encoding="utf-8"?>
+<p:notes xmlns:a="http://schemas.openxmlformats.org/drawingml/2006/main" xmlns:r="http://schemas.openxmlformats.org/officeDocument/2006/relationships" xmlns:p="http://schemas.openxmlformats.org/presentationml/2006/main">
+  <p:cSld>
+    <p:spTree>
+      <p:nvGrpSpPr>
+        <p:cNvPr id="1" name=""/>
+        <p:cNvGrpSpPr/>
+        <p:nvPr/>
+      </p:nvGrpSpPr>
+      <p:grpSpPr>
+        <a:xfrm>
+          <a:off x="0" y="0"/>
+          <a:ext cx="0" cy="0"/>
+          <a:chOff x="0" y="0"/>
+          <a:chExt cx="0" cy="0"/>
+        </a:xfrm>
+      </p:grpSpPr>
+      <p:sp>
+        <p:nvSpPr>
+          <p:cNvPr id="2" name="Slide Image Placeholder 1"/>
+          <p:cNvSpPr>
+            <a:spLocks noGrp="1" noRot="1" noChangeAspect="1"/>
+          </p:cNvSpPr>
+          <p:nvPr>
+            <p:ph type="sldImg"/>
+          </p:nvPr>
+        </p:nvSpPr>
+        <p:spPr/>
+      </p:sp>
+      <p:sp>
+        <p:nvSpPr>
+          <p:cNvPr id="3" name="Notes Placeholder 2"/>
+          <p:cNvSpPr>
+            <a:spLocks noGrp="1"/>
+          </p:cNvSpPr>
+          <p:nvPr>
+            <p:ph type="body" idx="1"/>
+          </p:nvPr>
+        </p:nvSpPr>
+        <p:spPr/>
+        <p:txBody>
+          <a:bodyPr/>
+          <a:lstStyle/>
+          <a:p>
+            <a:r>
+              <a:rPr lang="en-US" dirty="0"/>
+              <a:t>Now, I will pass to Nadine and Jens to continue the demonstration in </a:t>
+            </a:r>
+            <a:r>
+              <a:rPr lang="en-US" dirty="0" err="1"/>
+              <a:t>simufact.forming</a:t>
+            </a:r>
+            <a:r>
+              <a:rPr lang="en-US"/>
+              <a:t>.</a:t>
+            </a:r>
+            <a:endParaRPr lang="en-CA"/>
+          </a:p>
+        </p:txBody>
+      </p:sp>
+      <p:sp>
+        <p:nvSpPr>
+          <p:cNvPr id="4" name="Footer Placeholder 3"/>
+          <p:cNvSpPr>
+            <a:spLocks noGrp="1"/>
+          </p:cNvSpPr>
+          <p:nvPr>
+            <p:ph type="ftr" sz="quarter" idx="4"/>
+          </p:nvPr>
+        </p:nvSpPr>
+        <p:spPr/>
+        <p:txBody>
+          <a:bodyPr/>
+          <a:lstStyle/>
+          <a:p>
+            <a:pPr>
+              <a:defRPr/>
+            </a:pPr>
+            <a:r>
+              <a:rPr lang="en-US"/>
+              <a:t>Confidential</a:t>
+            </a:r>
+          </a:p>
+        </p:txBody>
+      </p:sp>
+      <p:sp>
+        <p:nvSpPr>
+          <p:cNvPr id="5" name="Slide Number Placeholder 4"/>
+          <p:cNvSpPr>
+            <a:spLocks noGrp="1"/>
+          </p:cNvSpPr>
+          <p:nvPr>
+            <p:ph type="sldNum" sz="quarter" idx="5"/>
+          </p:nvPr>
+        </p:nvSpPr>
+        <p:spPr/>
+        <p:txBody>
+          <a:bodyPr/>
+          <a:lstStyle/>
+          <a:p>
+            <a:pPr>
+              <a:defRPr/>
+            </a:pPr>
+            <a:fld id="{AEF9E43D-0595-554A-9483-79DE9C754639}" type="slidenum">
+              <a:rPr lang="en-US" smtClean="0"/>
+              <a:pPr>
+                <a:defRPr/>
+              </a:pPr>
+              <a:t>6</a:t>
+            </a:fld>
+            <a:endParaRPr lang="en-US"/>
+          </a:p>
+        </p:txBody>
+      </p:sp>
+    </p:spTree>
+    <p:extLst>
+      <p:ext uri="{BB962C8B-B14F-4D97-AF65-F5344CB8AC3E}">
+        <p14:creationId xmlns:p14="http://schemas.microsoft.com/office/powerpoint/2010/main" val="2200380065"/>
+      </p:ext>
+    </p:extLst>
+  </p:cSld>
+  <p:clrMapOvr>
+    <a:masterClrMapping/>
+  </p:clrMapOvr>
+</p:notes>
 </file>
 
 <file path=ppt/slideLayouts/slideLayout1.xml><?xml version="1.0" encoding="utf-8"?>
@@ -43918,7 +48973,7 @@
             </a:pPr>
             <a:fld id="{FB89F83D-D94F-4E45-A8B2-6C514902A01F}" type="datetime1">
               <a:rPr lang="de-DE" smtClean="0"/>
-              <a:t>04.06.2024</a:t>
+              <a:t>06.06.2024</a:t>
             </a:fld>
             <a:endParaRPr lang="de-DE" dirty="0"/>
           </a:p>
@@ -46374,163 +51429,6 @@
           <p:cNvPr id="2" name="Text Placeholder 1">
             <a:extLst>
               <a:ext uri="{FF2B5EF4-FFF2-40B4-BE49-F238E27FC236}">
-                <a16:creationId xmlns:a16="http://schemas.microsoft.com/office/drawing/2014/main" id="{CC5500BF-795A-6927-7D6C-99DB2E4C81C0}"/>
-              </a:ext>
-            </a:extLst>
-          </p:cNvPr>
-          <p:cNvSpPr>
-            <a:spLocks noGrp="1"/>
-          </p:cNvSpPr>
-          <p:nvPr>
-            <p:ph type="body" sz="quarter" idx="20"/>
-          </p:nvPr>
-        </p:nvSpPr>
-        <p:spPr/>
-        <p:txBody>
-          <a:bodyPr/>
-          <a:lstStyle/>
-          <a:p>
-            <a:endParaRPr lang="en-CA"/>
-          </a:p>
-        </p:txBody>
-      </p:sp>
-      <p:sp>
-        <p:nvSpPr>
-          <p:cNvPr id="3" name="Title 2">
-            <a:extLst>
-              <a:ext uri="{FF2B5EF4-FFF2-40B4-BE49-F238E27FC236}">
-                <a16:creationId xmlns:a16="http://schemas.microsoft.com/office/drawing/2014/main" id="{B1266E83-D9FE-3A67-6C93-987BCDAA984E}"/>
-              </a:ext>
-            </a:extLst>
-          </p:cNvPr>
-          <p:cNvSpPr>
-            <a:spLocks noGrp="1"/>
-          </p:cNvSpPr>
-          <p:nvPr>
-            <p:ph type="title"/>
-          </p:nvPr>
-        </p:nvSpPr>
-        <p:spPr/>
-        <p:txBody>
-          <a:bodyPr/>
-          <a:lstStyle/>
-          <a:p>
-            <a:r>
-              <a:rPr lang="en-US" dirty="0"/>
-              <a:t>Extend Check List</a:t>
-            </a:r>
-            <a:endParaRPr lang="en-CA" dirty="0"/>
-          </a:p>
-        </p:txBody>
-      </p:sp>
-      <p:sp>
-        <p:nvSpPr>
-          <p:cNvPr id="4" name="Content Placeholder 3">
-            <a:extLst>
-              <a:ext uri="{FF2B5EF4-FFF2-40B4-BE49-F238E27FC236}">
-                <a16:creationId xmlns:a16="http://schemas.microsoft.com/office/drawing/2014/main" id="{463411C6-A138-7B7D-56F9-51D612ABD3A0}"/>
-              </a:ext>
-            </a:extLst>
-          </p:cNvPr>
-          <p:cNvSpPr>
-            <a:spLocks noGrp="1"/>
-          </p:cNvSpPr>
-          <p:nvPr>
-            <p:ph sz="quarter" idx="21"/>
-          </p:nvPr>
-        </p:nvSpPr>
-        <p:spPr/>
-        <p:txBody>
-          <a:bodyPr/>
-          <a:lstStyle/>
-          <a:p>
-            <a:pPr>
-              <a:spcBef>
-                <a:spcPts val="600"/>
-              </a:spcBef>
-              <a:spcAft>
-                <a:spcPts val="600"/>
-              </a:spcAft>
-              <a:buFont typeface="Wingdings" panose="05000000000000000000" pitchFamily="2" charset="2"/>
-              <a:buChar char="Ø"/>
-            </a:pPr>
-            <a:r>
-              <a:rPr lang="en-US" dirty="0"/>
-              <a:t>I want to ask question in my own language</a:t>
-            </a:r>
-          </a:p>
-          <a:p>
-            <a:pPr>
-              <a:spcBef>
-                <a:spcPts val="600"/>
-              </a:spcBef>
-              <a:spcAft>
-                <a:spcPts val="600"/>
-              </a:spcAft>
-              <a:buFont typeface="Wingdings" panose="05000000000000000000" pitchFamily="2" charset="2"/>
-              <a:buChar char="Ø"/>
-            </a:pPr>
-            <a:r>
-              <a:rPr lang="en-US" dirty="0"/>
-              <a:t>I want to have the answer in my own language</a:t>
-            </a:r>
-          </a:p>
-          <a:p>
-            <a:pPr>
-              <a:spcBef>
-                <a:spcPts val="600"/>
-              </a:spcBef>
-              <a:spcAft>
-                <a:spcPts val="600"/>
-              </a:spcAft>
-              <a:buFont typeface="Wingdings" panose="05000000000000000000" pitchFamily="2" charset="2"/>
-              <a:buChar char="Ø"/>
-            </a:pPr>
-            <a:r>
-              <a:rPr lang="en-US" dirty="0"/>
-              <a:t>I want to ask Chatbot to revise generated script with some prompts</a:t>
-            </a:r>
-          </a:p>
-          <a:p>
-            <a:endParaRPr lang="en-CA" dirty="0"/>
-          </a:p>
-        </p:txBody>
-      </p:sp>
-    </p:spTree>
-    <p:extLst>
-      <p:ext uri="{BB962C8B-B14F-4D97-AF65-F5344CB8AC3E}">
-        <p14:creationId xmlns:p14="http://schemas.microsoft.com/office/powerpoint/2010/main" val="1455857299"/>
-      </p:ext>
-    </p:extLst>
-  </p:cSld>
-  <p:clrMapOvr>
-    <a:masterClrMapping/>
-  </p:clrMapOvr>
-</p:sld>
-</file>
-
-<file path=ppt/slides/slide11.xml><?xml version="1.0" encoding="utf-8"?>
-<p:sld xmlns:a="http://schemas.openxmlformats.org/drawingml/2006/main" xmlns:r="http://schemas.openxmlformats.org/officeDocument/2006/relationships" xmlns:p="http://schemas.openxmlformats.org/presentationml/2006/main">
-  <p:cSld>
-    <p:spTree>
-      <p:nvGrpSpPr>
-        <p:cNvPr id="1" name=""/>
-        <p:cNvGrpSpPr/>
-        <p:nvPr/>
-      </p:nvGrpSpPr>
-      <p:grpSpPr>
-        <a:xfrm>
-          <a:off x="0" y="0"/>
-          <a:ext cx="0" cy="0"/>
-          <a:chOff x="0" y="0"/>
-          <a:chExt cx="0" cy="0"/>
-        </a:xfrm>
-      </p:grpSpPr>
-      <p:sp>
-        <p:nvSpPr>
-          <p:cNvPr id="2" name="Text Placeholder 1">
-            <a:extLst>
-              <a:ext uri="{FF2B5EF4-FFF2-40B4-BE49-F238E27FC236}">
                 <a16:creationId xmlns:a16="http://schemas.microsoft.com/office/drawing/2014/main" id="{59319340-3D40-4017-AE96-227E1D8E232D}"/>
               </a:ext>
             </a:extLst>
@@ -46672,6 +51570,22 @@
             <a:r>
               <a:rPr lang="en-US" sz="1800" dirty="0"/>
               <a:t>Check List</a:t>
+            </a:r>
+          </a:p>
+          <a:p>
+            <a:pPr>
+              <a:spcBef>
+                <a:spcPts val="1200"/>
+              </a:spcBef>
+              <a:spcAft>
+                <a:spcPts val="1200"/>
+              </a:spcAft>
+              <a:buFont typeface="Wingdings" panose="05000000000000000000" pitchFamily="2" charset="2"/>
+              <a:buChar char="Ø"/>
+            </a:pPr>
+            <a:r>
+              <a:rPr lang="en-US" sz="1800" dirty="0"/>
+              <a:t>Resource</a:t>
             </a:r>
           </a:p>
           <a:p>
@@ -47224,7 +52138,18 @@
                   <a:srgbClr val="FFFFFF"/>
                 </a:highlight>
               </a:rPr>
-              <a:t> SF</a:t>
+              <a:t> </a:t>
+            </a:r>
+            <a:r>
+              <a:rPr lang="en-US" dirty="0">
+                <a:solidFill>
+                  <a:srgbClr val="FF0000"/>
+                </a:solidFill>
+                <a:highlight>
+                  <a:srgbClr val="FFFFFF"/>
+                </a:highlight>
+              </a:rPr>
+              <a:t>SF</a:t>
             </a:r>
           </a:p>
           <a:p>
@@ -47265,6 +52190,74 @@
               </a:rPr>
               <a:t>SF</a:t>
             </a:r>
+          </a:p>
+          <a:p>
+            <a:pPr>
+              <a:spcBef>
+                <a:spcPts val="600"/>
+              </a:spcBef>
+              <a:spcAft>
+                <a:spcPts val="600"/>
+              </a:spcAft>
+              <a:buFont typeface="Wingdings" panose="05000000000000000000" pitchFamily="2" charset="2"/>
+              <a:buChar char="Ø"/>
+            </a:pPr>
+            <a:r>
+              <a:rPr lang="en-US" dirty="0"/>
+              <a:t>I want to ask question in my own language </a:t>
+            </a:r>
+            <a:r>
+              <a:rPr lang="en-US" dirty="0">
+                <a:solidFill>
+                  <a:srgbClr val="FF0000"/>
+                </a:solidFill>
+              </a:rPr>
+              <a:t>FS SF</a:t>
+            </a:r>
+          </a:p>
+          <a:p>
+            <a:pPr>
+              <a:spcBef>
+                <a:spcPts val="600"/>
+              </a:spcBef>
+              <a:spcAft>
+                <a:spcPts val="600"/>
+              </a:spcAft>
+              <a:buFont typeface="Wingdings" panose="05000000000000000000" pitchFamily="2" charset="2"/>
+              <a:buChar char="Ø"/>
+            </a:pPr>
+            <a:r>
+              <a:rPr lang="en-US" dirty="0"/>
+              <a:t>I want to have the answer in my own language </a:t>
+            </a:r>
+            <a:r>
+              <a:rPr lang="en-US" dirty="0">
+                <a:solidFill>
+                  <a:srgbClr val="FF0000"/>
+                </a:solidFill>
+              </a:rPr>
+              <a:t>FS SF</a:t>
+            </a:r>
+          </a:p>
+          <a:p>
+            <a:pPr>
+              <a:lnSpc>
+                <a:spcPct val="100000"/>
+              </a:lnSpc>
+              <a:spcBef>
+                <a:spcPts val="600"/>
+              </a:spcBef>
+              <a:spcAft>
+                <a:spcPts val="600"/>
+              </a:spcAft>
+              <a:buFont typeface="Wingdings" panose="05000000000000000000" pitchFamily="2" charset="2"/>
+              <a:buChar char="Ø"/>
+            </a:pPr>
+            <a:endParaRPr lang="en-US" dirty="0">
+              <a:solidFill>
+                <a:srgbClr val="FF0000"/>
+              </a:solidFill>
+            </a:endParaRPr>
           </a:p>
           <a:p>
             <a:pPr>
@@ -47565,6 +52558,378 @@
       </p:grpSpPr>
       <p:sp>
         <p:nvSpPr>
+          <p:cNvPr id="3" name="Titel 2">
+            <a:extLst>
+              <a:ext uri="{FF2B5EF4-FFF2-40B4-BE49-F238E27FC236}">
+                <a16:creationId xmlns:a16="http://schemas.microsoft.com/office/drawing/2014/main" id="{B3FBC1C7-5638-7608-258C-8583D93D9639}"/>
+              </a:ext>
+            </a:extLst>
+          </p:cNvPr>
+          <p:cNvSpPr>
+            <a:spLocks noGrp="1"/>
+          </p:cNvSpPr>
+          <p:nvPr>
+            <p:ph type="title"/>
+          </p:nvPr>
+        </p:nvSpPr>
+        <p:spPr/>
+        <p:txBody>
+          <a:bodyPr/>
+          <a:lstStyle/>
+          <a:p>
+            <a:r>
+              <a:rPr lang="en-GB" dirty="0"/>
+              <a:t>Resources</a:t>
+            </a:r>
+            <a:endParaRPr lang="en-DE" dirty="0"/>
+          </a:p>
+        </p:txBody>
+      </p:sp>
+      <p:sp>
+        <p:nvSpPr>
+          <p:cNvPr id="4" name="Inhaltsplatzhalter 3">
+            <a:extLst>
+              <a:ext uri="{FF2B5EF4-FFF2-40B4-BE49-F238E27FC236}">
+                <a16:creationId xmlns:a16="http://schemas.microsoft.com/office/drawing/2014/main" id="{C6D1176F-84F1-7538-6CC6-3CC6673236C7}"/>
+              </a:ext>
+            </a:extLst>
+          </p:cNvPr>
+          <p:cNvSpPr>
+            <a:spLocks noGrp="1"/>
+          </p:cNvSpPr>
+          <p:nvPr>
+            <p:ph sz="quarter" idx="21"/>
+          </p:nvPr>
+        </p:nvSpPr>
+        <p:spPr>
+          <a:xfrm>
+            <a:off x="609600" y="1663200"/>
+            <a:ext cx="3907536" cy="4215600"/>
+          </a:xfrm>
+        </p:spPr>
+        <p:txBody>
+          <a:bodyPr/>
+          <a:lstStyle/>
+          <a:p>
+            <a:pPr lvl="1"/>
+            <a:r>
+              <a:rPr lang="en-GB" dirty="0"/>
+              <a:t>Documentation</a:t>
+            </a:r>
+          </a:p>
+          <a:p>
+            <a:pPr lvl="2"/>
+            <a:r>
+              <a:rPr lang="en-GB" dirty="0" err="1"/>
+              <a:t>Infosheets</a:t>
+            </a:r>
+            <a:r>
+              <a:rPr lang="en-GB" dirty="0"/>
+              <a:t> (.</a:t>
+            </a:r>
+            <a:r>
+              <a:rPr lang="en-GB" dirty="0" err="1"/>
+              <a:t>odp</a:t>
+            </a:r>
+            <a:r>
+              <a:rPr lang="en-GB" dirty="0"/>
+              <a:t>)</a:t>
+            </a:r>
+          </a:p>
+          <a:p>
+            <a:pPr lvl="2"/>
+            <a:r>
+              <a:rPr lang="en-GB" b="1" dirty="0">
+                <a:solidFill>
+                  <a:srgbClr val="0097BA"/>
+                </a:solidFill>
+              </a:rPr>
+              <a:t>Tutorials</a:t>
+            </a:r>
+            <a:r>
+              <a:rPr lang="en-GB" dirty="0"/>
+              <a:t> </a:t>
+            </a:r>
+          </a:p>
+          <a:p>
+            <a:pPr lvl="3"/>
+            <a:r>
+              <a:rPr lang="en-GB" dirty="0"/>
+              <a:t>Introduction (.pptx)</a:t>
+            </a:r>
+          </a:p>
+          <a:p>
+            <a:pPr lvl="3"/>
+            <a:r>
+              <a:rPr lang="en-GB" b="1" dirty="0">
+                <a:solidFill>
+                  <a:srgbClr val="0097BA"/>
+                </a:solidFill>
+              </a:rPr>
+              <a:t>Basics, Application</a:t>
+            </a:r>
+            <a:r>
+              <a:rPr lang="en-GB" dirty="0"/>
+              <a:t>, Scientific (.xml)</a:t>
+            </a:r>
+          </a:p>
+          <a:p>
+            <a:pPr lvl="2"/>
+            <a:r>
+              <a:rPr lang="en-GB" dirty="0"/>
+              <a:t>Python Documentation (.html)</a:t>
+            </a:r>
+          </a:p>
+          <a:p>
+            <a:pPr lvl="2"/>
+            <a:r>
+              <a:rPr lang="en-GB" dirty="0"/>
+              <a:t>Short descriptions</a:t>
+            </a:r>
+          </a:p>
+          <a:p>
+            <a:pPr marL="465137" lvl="2" indent="0">
+              <a:buNone/>
+            </a:pPr>
+            <a:endParaRPr lang="en-GB" dirty="0"/>
+          </a:p>
+          <a:p>
+            <a:pPr lvl="1"/>
+            <a:r>
+              <a:rPr lang="en-GB" dirty="0"/>
+              <a:t>Code</a:t>
+            </a:r>
+          </a:p>
+          <a:p>
+            <a:pPr lvl="2"/>
+            <a:r>
+              <a:rPr lang="en-GB" dirty="0"/>
+              <a:t>Python unit tests, example scripts and examples in the documentation</a:t>
+            </a:r>
+          </a:p>
+          <a:p>
+            <a:pPr lvl="2"/>
+            <a:endParaRPr lang="en-GB" dirty="0"/>
+          </a:p>
+          <a:p>
+            <a:pPr lvl="1"/>
+            <a:r>
+              <a:rPr lang="en-GB" dirty="0"/>
+              <a:t>Other</a:t>
+            </a:r>
+          </a:p>
+          <a:p>
+            <a:pPr lvl="2"/>
+            <a:r>
+              <a:rPr lang="en-GB" dirty="0"/>
+              <a:t>Installation Guide (.xml)</a:t>
+            </a:r>
+          </a:p>
+          <a:p>
+            <a:pPr lvl="2"/>
+            <a:r>
+              <a:rPr lang="en-GB" dirty="0"/>
+              <a:t>Salesforce Articles</a:t>
+            </a:r>
+          </a:p>
+          <a:p>
+            <a:pPr lvl="2"/>
+            <a:r>
+              <a:rPr lang="en-GB" dirty="0"/>
+              <a:t>Customer Group Trainings pptx-slides</a:t>
+            </a:r>
+          </a:p>
+        </p:txBody>
+      </p:sp>
+      <p:graphicFrame>
+        <p:nvGraphicFramePr>
+          <p:cNvPr id="7" name="Diagramm 6">
+            <a:extLst>
+              <a:ext uri="{FF2B5EF4-FFF2-40B4-BE49-F238E27FC236}">
+                <a16:creationId xmlns:a16="http://schemas.microsoft.com/office/drawing/2014/main" id="{EAE6E1C0-73DD-81D5-F127-028A4104B66B}"/>
+              </a:ext>
+            </a:extLst>
+          </p:cNvPr>
+          <p:cNvGraphicFramePr/>
+          <p:nvPr>
+            <p:extLst>
+              <p:ext uri="{D42A27DB-BD31-4B8C-83A1-F6EECF244321}">
+                <p14:modId xmlns:p14="http://schemas.microsoft.com/office/powerpoint/2010/main" val="2561546368"/>
+              </p:ext>
+            </p:extLst>
+          </p:nvPr>
+        </p:nvGraphicFramePr>
+        <p:xfrm>
+          <a:off x="5845460" y="1693680"/>
+          <a:ext cx="4625437" cy="3616560"/>
+        </p:xfrm>
+        <a:graphic>
+          <a:graphicData uri="http://schemas.openxmlformats.org/drawingml/2006/diagram">
+            <dgm:relIds xmlns:dgm="http://schemas.openxmlformats.org/drawingml/2006/diagram" xmlns:r="http://schemas.openxmlformats.org/officeDocument/2006/relationships" r:dm="rId2" r:lo="rId3" r:qs="rId4" r:cs="rId5"/>
+          </a:graphicData>
+        </a:graphic>
+      </p:graphicFrame>
+      <p:sp>
+        <p:nvSpPr>
+          <p:cNvPr id="11" name="Textfeld 10">
+            <a:extLst>
+              <a:ext uri="{FF2B5EF4-FFF2-40B4-BE49-F238E27FC236}">
+                <a16:creationId xmlns:a16="http://schemas.microsoft.com/office/drawing/2014/main" id="{1D6B5551-B9DC-0499-E093-703F5523599E}"/>
+              </a:ext>
+            </a:extLst>
+          </p:cNvPr>
+          <p:cNvSpPr txBox="1"/>
+          <p:nvPr/>
+        </p:nvSpPr>
+        <p:spPr>
+          <a:xfrm>
+            <a:off x="5685148" y="5586412"/>
+            <a:ext cx="5937504" cy="584775"/>
+          </a:xfrm>
+          <a:prstGeom prst="rect">
+            <a:avLst/>
+          </a:prstGeom>
+          <a:noFill/>
+        </p:spPr>
+        <p:txBody>
+          <a:bodyPr wrap="square" rtlCol="0">
+            <a:spAutoFit/>
+          </a:bodyPr>
+          <a:lstStyle/>
+          <a:p>
+            <a:pPr marL="285750" indent="-285750" algn="l">
+              <a:buFont typeface="Wingdings" panose="05000000000000000000" pitchFamily="2" charset="2"/>
+              <a:buChar char="à"/>
+            </a:pPr>
+            <a:r>
+              <a:rPr lang="en-GB" sz="1600" dirty="0">
+                <a:latin typeface="Arial" panose="020B0604020202020204" pitchFamily="34" charset="0"/>
+                <a:cs typeface="Arial" panose="020B0604020202020204" pitchFamily="34" charset="0"/>
+                <a:sym typeface="Wingdings" panose="05000000000000000000" pitchFamily="2" charset="2"/>
+              </a:rPr>
+              <a:t>Data preparation required replacement of external entities via Python</a:t>
+            </a:r>
+          </a:p>
+        </p:txBody>
+      </p:sp>
+      <p:sp>
+        <p:nvSpPr>
+          <p:cNvPr id="12" name="Textfeld 11">
+            <a:extLst>
+              <a:ext uri="{FF2B5EF4-FFF2-40B4-BE49-F238E27FC236}">
+                <a16:creationId xmlns:a16="http://schemas.microsoft.com/office/drawing/2014/main" id="{4357A3F4-D41C-B406-3356-A9B521BD3B3E}"/>
+              </a:ext>
+            </a:extLst>
+          </p:cNvPr>
+          <p:cNvSpPr txBox="1"/>
+          <p:nvPr/>
+        </p:nvSpPr>
+        <p:spPr>
+          <a:xfrm>
+            <a:off x="6319409" y="2053104"/>
+            <a:ext cx="699230" cy="338554"/>
+          </a:xfrm>
+          <a:prstGeom prst="rect">
+            <a:avLst/>
+          </a:prstGeom>
+          <a:noFill/>
+        </p:spPr>
+        <p:txBody>
+          <a:bodyPr wrap="none" rtlCol="0">
+            <a:spAutoFit/>
+          </a:bodyPr>
+          <a:lstStyle/>
+          <a:p>
+            <a:pPr algn="l"/>
+            <a:r>
+              <a:rPr lang="en-GB" sz="1600" dirty="0">
+                <a:latin typeface="Arial" panose="020B0604020202020204" pitchFamily="34" charset="0"/>
+                <a:cs typeface="Arial" panose="020B0604020202020204" pitchFamily="34" charset="0"/>
+              </a:rPr>
+              <a:t>Input:</a:t>
+            </a:r>
+            <a:endParaRPr lang="en-DE" sz="1600" dirty="0">
+              <a:latin typeface="Arial" panose="020B0604020202020204" pitchFamily="34" charset="0"/>
+              <a:cs typeface="Arial" panose="020B0604020202020204" pitchFamily="34" charset="0"/>
+            </a:endParaRPr>
+          </a:p>
+        </p:txBody>
+      </p:sp>
+      <p:sp>
+        <p:nvSpPr>
+          <p:cNvPr id="13" name="Textfeld 12">
+            <a:extLst>
+              <a:ext uri="{FF2B5EF4-FFF2-40B4-BE49-F238E27FC236}">
+                <a16:creationId xmlns:a16="http://schemas.microsoft.com/office/drawing/2014/main" id="{5E6C95AC-76DF-930A-B37C-22A8C91DB9BB}"/>
+              </a:ext>
+            </a:extLst>
+          </p:cNvPr>
+          <p:cNvSpPr txBox="1"/>
+          <p:nvPr/>
+        </p:nvSpPr>
+        <p:spPr>
+          <a:xfrm>
+            <a:off x="6319409" y="4150925"/>
+            <a:ext cx="859531" cy="338554"/>
+          </a:xfrm>
+          <a:prstGeom prst="rect">
+            <a:avLst/>
+          </a:prstGeom>
+          <a:noFill/>
+        </p:spPr>
+        <p:txBody>
+          <a:bodyPr wrap="none" rtlCol="0">
+            <a:spAutoFit/>
+          </a:bodyPr>
+          <a:lstStyle/>
+          <a:p>
+            <a:pPr algn="l"/>
+            <a:r>
+              <a:rPr lang="en-GB" sz="1600" dirty="0">
+                <a:latin typeface="Arial" panose="020B0604020202020204" pitchFamily="34" charset="0"/>
+                <a:cs typeface="Arial" panose="020B0604020202020204" pitchFamily="34" charset="0"/>
+              </a:rPr>
+              <a:t>Output:</a:t>
+            </a:r>
+            <a:endParaRPr lang="en-DE" sz="1600" dirty="0">
+              <a:latin typeface="Arial" panose="020B0604020202020204" pitchFamily="34" charset="0"/>
+              <a:cs typeface="Arial" panose="020B0604020202020204" pitchFamily="34" charset="0"/>
+            </a:endParaRPr>
+          </a:p>
+        </p:txBody>
+      </p:sp>
+    </p:spTree>
+    <p:extLst>
+      <p:ext uri="{BB962C8B-B14F-4D97-AF65-F5344CB8AC3E}">
+        <p14:creationId xmlns:p14="http://schemas.microsoft.com/office/powerpoint/2010/main" val="3998683837"/>
+      </p:ext>
+    </p:extLst>
+  </p:cSld>
+  <p:clrMapOvr>
+    <a:masterClrMapping/>
+  </p:clrMapOvr>
+</p:sld>
+</file>
+
+<file path=ppt/slides/slide5.xml><?xml version="1.0" encoding="utf-8"?>
+<p:sld xmlns:a="http://schemas.openxmlformats.org/drawingml/2006/main" xmlns:r="http://schemas.openxmlformats.org/officeDocument/2006/relationships" xmlns:p="http://schemas.openxmlformats.org/presentationml/2006/main">
+  <p:cSld>
+    <p:spTree>
+      <p:nvGrpSpPr>
+        <p:cNvPr id="1" name=""/>
+        <p:cNvGrpSpPr/>
+        <p:nvPr/>
+      </p:nvGrpSpPr>
+      <p:grpSpPr>
+        <a:xfrm>
+          <a:off x="0" y="0"/>
+          <a:ext cx="0" cy="0"/>
+          <a:chOff x="0" y="0"/>
+          <a:chExt cx="0" cy="0"/>
+        </a:xfrm>
+      </p:grpSpPr>
+      <p:sp>
+        <p:nvSpPr>
           <p:cNvPr id="2" name="Text Placeholder 1">
             <a:extLst>
               <a:ext uri="{FF2B5EF4-FFF2-40B4-BE49-F238E27FC236}">
@@ -47695,18 +53060,7 @@
                   <a:schemeClr val="tx1"/>
                 </a:solidFill>
               </a:rPr>
-              <a:t>Show query contents with styling:  /code How to import geometry and define its material</a:t>
-            </a:r>
-          </a:p>
-          <a:p>
-            <a:pPr lvl="1"/>
-            <a:r>
-              <a:rPr lang="en-CA" dirty="0">
-                <a:solidFill>
-                  <a:schemeClr val="tx1"/>
-                </a:solidFill>
-              </a:rPr>
-              <a:t>Show query code: /code How to import geometry and define its material</a:t>
+              <a:t>Show query to copy scripts: /code How to import geometry and define its material (static)</a:t>
             </a:r>
           </a:p>
           <a:p>
@@ -47782,74 +53136,46 @@
                   <a:schemeClr val="tx1"/>
                 </a:solidFill>
               </a:rPr>
-              <a:t>@oa Show me code to import a geometry and define its material</a:t>
+              <a:t>@oa Show me code to create solve a nesting layout</a:t>
             </a:r>
           </a:p>
           <a:p>
             <a:pPr lvl="2"/>
             <a:r>
-              <a:rPr lang="en-CA" dirty="0">
+              <a:rPr lang="de-DE" dirty="0">
                 <a:solidFill>
                   <a:schemeClr val="tx1"/>
                 </a:solidFill>
               </a:rPr>
-              <a:t>@oa Show me code to create a line die plan process</a:t>
-            </a:r>
-          </a:p>
-          <a:p>
-            <a:pPr lvl="2"/>
-            <a:r>
-              <a:rPr lang="en-CA" dirty="0">
-                <a:solidFill>
-                  <a:schemeClr val="tx1"/>
-                </a:solidFill>
-              </a:rPr>
-              <a:t>@oa Show me code to create solve a nesting layout</a:t>
-            </a:r>
-          </a:p>
-          <a:p>
-            <a:pPr lvl="1"/>
-            <a:r>
-              <a:rPr lang="en-CA" dirty="0">
-                <a:solidFill>
-                  <a:schemeClr val="tx1"/>
-                </a:solidFill>
-              </a:rPr>
-              <a:t>Show query random questions:</a:t>
-            </a:r>
-          </a:p>
-          <a:p>
-            <a:pPr lvl="2"/>
-            <a:r>
-              <a:rPr lang="en-CA" dirty="0">
-                <a:solidFill>
-                  <a:schemeClr val="tx1"/>
-                </a:solidFill>
-              </a:rPr>
-              <a:t>@oa What’s the best restaurant in Hamburg Germany</a:t>
-            </a:r>
-          </a:p>
-          <a:p>
-            <a:pPr lvl="2"/>
-            <a:r>
-              <a:rPr lang="en-CA" dirty="0">
-                <a:solidFill>
-                  <a:schemeClr val="tx1"/>
-                </a:solidFill>
-              </a:rPr>
-              <a:t>@oa Can you translate this sentence “Welcome to AI world!” to German</a:t>
-            </a:r>
-          </a:p>
-          <a:p>
-            <a:pPr lvl="1"/>
-            <a:endParaRPr lang="en-US" dirty="0">
+              <a:t>@oa Schreib mir ein Python Skript, um eine Geometrie in Forming Suite zu importieren</a:t>
+            </a:r>
+            <a:endParaRPr lang="en-CA" dirty="0">
               <a:solidFill>
                 <a:schemeClr val="tx1"/>
               </a:solidFill>
             </a:endParaRPr>
           </a:p>
           <a:p>
-            <a:endParaRPr lang="en-CA" dirty="0"/>
+            <a:pPr lvl="1"/>
+            <a:r>
+              <a:rPr lang="en-CA" dirty="0">
+                <a:solidFill>
+                  <a:schemeClr val="tx1"/>
+                </a:solidFill>
+              </a:rPr>
+              <a:t>Show query random questions:</a:t>
+            </a:r>
+          </a:p>
+          <a:p>
+            <a:pPr lvl="2"/>
+            <a:r>
+              <a:rPr lang="en-CA" dirty="0">
+                <a:solidFill>
+                  <a:schemeClr val="tx1"/>
+                </a:solidFill>
+              </a:rPr>
+              <a:t>@oa What’s the best restaurant in Hamburg Germany</a:t>
+            </a:r>
           </a:p>
         </p:txBody>
       </p:sp>
@@ -47866,7 +53192,7 @@
 </p:sld>
 </file>
 
-<file path=ppt/slides/slide5.xml><?xml version="1.0" encoding="utf-8"?>
+<file path=ppt/slides/slide6.xml><?xml version="1.0" encoding="utf-8"?>
 <p:sld xmlns:a="http://schemas.openxmlformats.org/drawingml/2006/main" xmlns:r="http://schemas.openxmlformats.org/officeDocument/2006/relationships" xmlns:p="http://schemas.openxmlformats.org/presentationml/2006/main">
   <p:cSld>
     <p:spTree>
@@ -47968,6 +53294,79 @@
             </a:r>
           </a:p>
           <a:p>
+            <a:r>
+              <a:rPr lang="en-US" dirty="0"/>
+              <a:t>Query Knowledge Database</a:t>
+            </a:r>
+          </a:p>
+          <a:p>
+            <a:pPr lvl="1"/>
+            <a:r>
+              <a:rPr lang="en-US" dirty="0">
+                <a:solidFill>
+                  <a:schemeClr val="tx1"/>
+                </a:solidFill>
+              </a:rPr>
+              <a:t>Show query contents with follow up prompts: </a:t>
+            </a:r>
+            <a:r>
+              <a:rPr lang="en-CA" dirty="0">
+                <a:solidFill>
+                  <a:schemeClr val="tx1"/>
+                </a:solidFill>
+              </a:rPr>
+              <a:t>How to open a THS plot</a:t>
+            </a:r>
+          </a:p>
+          <a:p>
+            <a:pPr lvl="1"/>
+            <a:r>
+              <a:rPr lang="en-CA" dirty="0">
+                <a:solidFill>
+                  <a:schemeClr val="tx1"/>
+                </a:solidFill>
+              </a:rPr>
+              <a:t>Show </a:t>
+            </a:r>
+            <a:r>
+              <a:rPr lang="en-CA" dirty="0" err="1">
+                <a:solidFill>
+                  <a:schemeClr val="tx1"/>
+                </a:solidFill>
+              </a:rPr>
+              <a:t>ui</a:t>
+            </a:r>
+            <a:r>
+              <a:rPr lang="en-CA" dirty="0">
+                <a:solidFill>
+                  <a:schemeClr val="tx1"/>
+                </a:solidFill>
+              </a:rPr>
+              <a:t> highlight: /</a:t>
+            </a:r>
+            <a:r>
+              <a:rPr lang="en-CA" dirty="0" err="1">
+                <a:solidFill>
+                  <a:schemeClr val="tx1"/>
+                </a:solidFill>
+              </a:rPr>
+              <a:t>ui</a:t>
+            </a:r>
+            <a:r>
+              <a:rPr lang="en-CA" dirty="0">
+                <a:solidFill>
+                  <a:schemeClr val="tx1"/>
+                </a:solidFill>
+              </a:rPr>
+              <a:t> Show me</a:t>
+            </a:r>
+            <a:endParaRPr lang="en-US" dirty="0">
+              <a:solidFill>
+                <a:schemeClr val="tx1"/>
+              </a:solidFill>
+            </a:endParaRPr>
+          </a:p>
+          <a:p>
             <a:endParaRPr lang="en-CA" dirty="0"/>
           </a:p>
         </p:txBody>
@@ -47976,318 +53375,6 @@
     <p:extLst>
       <p:ext uri="{BB962C8B-B14F-4D97-AF65-F5344CB8AC3E}">
         <p14:creationId xmlns:p14="http://schemas.microsoft.com/office/powerpoint/2010/main" val="1229578972"/>
-      </p:ext>
-    </p:extLst>
-  </p:cSld>
-  <p:clrMapOvr>
-    <a:masterClrMapping/>
-  </p:clrMapOvr>
-</p:sld>
-</file>
-
-<file path=ppt/slides/slide6.xml><?xml version="1.0" encoding="utf-8"?>
-<p:sld xmlns:a="http://schemas.openxmlformats.org/drawingml/2006/main" xmlns:r="http://schemas.openxmlformats.org/officeDocument/2006/relationships" xmlns:p="http://schemas.openxmlformats.org/presentationml/2006/main">
-  <p:cSld>
-    <p:spTree>
-      <p:nvGrpSpPr>
-        <p:cNvPr id="1" name=""/>
-        <p:cNvGrpSpPr/>
-        <p:nvPr/>
-      </p:nvGrpSpPr>
-      <p:grpSpPr>
-        <a:xfrm>
-          <a:off x="0" y="0"/>
-          <a:ext cx="0" cy="0"/>
-          <a:chOff x="0" y="0"/>
-          <a:chExt cx="0" cy="0"/>
-        </a:xfrm>
-      </p:grpSpPr>
-      <p:sp>
-        <p:nvSpPr>
-          <p:cNvPr id="2" name="Text Placeholder 1">
-            <a:extLst>
-              <a:ext uri="{FF2B5EF4-FFF2-40B4-BE49-F238E27FC236}">
-                <a16:creationId xmlns:a16="http://schemas.microsoft.com/office/drawing/2014/main" id="{B17163A0-B5E3-1919-4C35-123E028C33A5}"/>
-              </a:ext>
-            </a:extLst>
-          </p:cNvPr>
-          <p:cNvSpPr>
-            <a:spLocks noGrp="1"/>
-          </p:cNvSpPr>
-          <p:nvPr>
-            <p:ph type="body" sz="quarter" idx="20"/>
-          </p:nvPr>
-        </p:nvSpPr>
-        <p:spPr/>
-        <p:txBody>
-          <a:bodyPr/>
-          <a:lstStyle/>
-          <a:p>
-            <a:endParaRPr lang="en-CA"/>
-          </a:p>
-        </p:txBody>
-      </p:sp>
-      <p:sp>
-        <p:nvSpPr>
-          <p:cNvPr id="3" name="Title 2">
-            <a:extLst>
-              <a:ext uri="{FF2B5EF4-FFF2-40B4-BE49-F238E27FC236}">
-                <a16:creationId xmlns:a16="http://schemas.microsoft.com/office/drawing/2014/main" id="{68134BCC-963D-BD0F-8997-9108999F5052}"/>
-              </a:ext>
-            </a:extLst>
-          </p:cNvPr>
-          <p:cNvSpPr>
-            <a:spLocks noGrp="1"/>
-          </p:cNvSpPr>
-          <p:nvPr>
-            <p:ph type="title"/>
-          </p:nvPr>
-        </p:nvSpPr>
-        <p:spPr/>
-        <p:txBody>
-          <a:bodyPr/>
-          <a:lstStyle/>
-          <a:p>
-            <a:r>
-              <a:rPr lang="en-US" dirty="0"/>
-              <a:t>What’s learned?</a:t>
-            </a:r>
-            <a:endParaRPr lang="en-CA" dirty="0"/>
-          </a:p>
-        </p:txBody>
-      </p:sp>
-      <p:sp>
-        <p:nvSpPr>
-          <p:cNvPr id="4" name="Content Placeholder 3">
-            <a:extLst>
-              <a:ext uri="{FF2B5EF4-FFF2-40B4-BE49-F238E27FC236}">
-                <a16:creationId xmlns:a16="http://schemas.microsoft.com/office/drawing/2014/main" id="{F0FF9AEA-8D78-A917-1D77-B9544EE52C11}"/>
-              </a:ext>
-            </a:extLst>
-          </p:cNvPr>
-          <p:cNvSpPr>
-            <a:spLocks noGrp="1"/>
-          </p:cNvSpPr>
-          <p:nvPr>
-            <p:ph sz="quarter" idx="21"/>
-          </p:nvPr>
-        </p:nvSpPr>
-        <p:spPr/>
-        <p:txBody>
-          <a:bodyPr/>
-          <a:lstStyle/>
-          <a:p>
-            <a:r>
-              <a:rPr lang="en-CA" dirty="0">
-                <a:solidFill>
-                  <a:schemeClr val="tx1"/>
-                </a:solidFill>
-              </a:rPr>
-              <a:t>What’s the best way to upload and store my knowledge documents?</a:t>
-            </a:r>
-          </a:p>
-          <a:p>
-            <a:pPr lvl="1"/>
-            <a:r>
-              <a:rPr lang="en-CA" dirty="0">
-                <a:solidFill>
-                  <a:schemeClr val="tx1"/>
-                </a:solidFill>
-              </a:rPr>
-              <a:t>Azure Blob Storage Service (Static Web Hosting)</a:t>
-            </a:r>
-          </a:p>
-          <a:p>
-            <a:r>
-              <a:rPr lang="en-CA" dirty="0">
-                <a:solidFill>
-                  <a:schemeClr val="tx1"/>
-                </a:solidFill>
-              </a:rPr>
-              <a:t>What’s the best way to set up my knowledge database?</a:t>
-            </a:r>
-          </a:p>
-          <a:p>
-            <a:pPr lvl="1"/>
-            <a:r>
-              <a:rPr lang="en-CA" dirty="0">
-                <a:solidFill>
-                  <a:schemeClr val="tx1"/>
-                </a:solidFill>
-              </a:rPr>
-              <a:t>Azure Language Studio</a:t>
-            </a:r>
-          </a:p>
-          <a:p>
-            <a:r>
-              <a:rPr lang="en-US" dirty="0">
-                <a:solidFill>
-                  <a:schemeClr val="tx1"/>
-                </a:solidFill>
-              </a:rPr>
-              <a:t>What’s the best document format for feeding the Azure Cognitive engine?</a:t>
-            </a:r>
-          </a:p>
-          <a:p>
-            <a:pPr lvl="1"/>
-            <a:r>
-              <a:rPr lang="en-CA" dirty="0">
-                <a:solidFill>
-                  <a:schemeClr val="tx1"/>
-                </a:solidFill>
-              </a:rPr>
-              <a:t>Structured Text + Resource Links: MARKDOWN, HTML</a:t>
-            </a:r>
-          </a:p>
-          <a:p>
-            <a:r>
-              <a:rPr lang="en-CA" dirty="0">
-                <a:solidFill>
-                  <a:schemeClr val="tx1"/>
-                </a:solidFill>
-              </a:rPr>
-              <a:t>Why is URL sources preferred in Language Studio?</a:t>
-            </a:r>
-          </a:p>
-          <a:p>
-            <a:pPr lvl="1"/>
-            <a:r>
-              <a:rPr lang="en-CA" dirty="0">
-                <a:solidFill>
-                  <a:schemeClr val="tx1"/>
-                </a:solidFill>
-              </a:rPr>
-              <a:t>Direct uploading has much stricter file and storage limits</a:t>
-            </a:r>
-          </a:p>
-          <a:p>
-            <a:r>
-              <a:rPr lang="en-CA" dirty="0">
-                <a:solidFill>
-                  <a:schemeClr val="tx1"/>
-                </a:solidFill>
-              </a:rPr>
-              <a:t>Does it take very long time to digest the documents?</a:t>
-            </a:r>
-          </a:p>
-          <a:p>
-            <a:pPr lvl="1"/>
-            <a:r>
-              <a:rPr lang="en-CA" dirty="0">
-                <a:solidFill>
-                  <a:schemeClr val="tx1"/>
-                </a:solidFill>
-              </a:rPr>
-              <a:t>No, the performance is good</a:t>
-            </a:r>
-          </a:p>
-          <a:p>
-            <a:r>
-              <a:rPr lang="en-CA" dirty="0">
-                <a:solidFill>
-                  <a:schemeClr val="tx1"/>
-                </a:solidFill>
-              </a:rPr>
-              <a:t>How can I improve my Knowledge Database?</a:t>
-            </a:r>
-          </a:p>
-          <a:p>
-            <a:pPr lvl="1"/>
-            <a:r>
-              <a:rPr lang="en-CA" dirty="0">
-                <a:solidFill>
-                  <a:schemeClr val="tx1"/>
-                </a:solidFill>
-              </a:rPr>
-              <a:t>The more feeds, the better answers.</a:t>
-            </a:r>
-          </a:p>
-          <a:p>
-            <a:pPr lvl="1"/>
-            <a:r>
-              <a:rPr lang="en-CA" dirty="0">
-                <a:solidFill>
-                  <a:schemeClr val="tx1"/>
-                </a:solidFill>
-              </a:rPr>
-              <a:t>Synonyms and follow-up prompts are available</a:t>
-            </a:r>
-          </a:p>
-          <a:p>
-            <a:r>
-              <a:rPr lang="en-CA" dirty="0">
-                <a:solidFill>
-                  <a:schemeClr val="tx1"/>
-                </a:solidFill>
-              </a:rPr>
-              <a:t>Can I test my Knowledge Database and improve the answers?</a:t>
-            </a:r>
-          </a:p>
-          <a:p>
-            <a:pPr lvl="1"/>
-            <a:r>
-              <a:rPr lang="en-CA" dirty="0">
-                <a:solidFill>
-                  <a:schemeClr val="tx1"/>
-                </a:solidFill>
-              </a:rPr>
-              <a:t>Yes, test tool is available</a:t>
-            </a:r>
-          </a:p>
-          <a:p>
-            <a:endParaRPr lang="en-CA" dirty="0">
-              <a:solidFill>
-                <a:schemeClr val="tx1"/>
-              </a:solidFill>
-            </a:endParaRPr>
-          </a:p>
-          <a:p>
-            <a:pPr marL="0" indent="0">
-              <a:buNone/>
-            </a:pPr>
-            <a:endParaRPr lang="en-CA" dirty="0">
-              <a:solidFill>
-                <a:schemeClr val="tx1"/>
-              </a:solidFill>
-            </a:endParaRPr>
-          </a:p>
-          <a:p>
-            <a:pPr marL="0" indent="0">
-              <a:buNone/>
-            </a:pPr>
-            <a:endParaRPr lang="en-CA" dirty="0">
-              <a:solidFill>
-                <a:schemeClr val="tx1"/>
-              </a:solidFill>
-            </a:endParaRPr>
-          </a:p>
-          <a:p>
-            <a:pPr marL="0" indent="0">
-              <a:buNone/>
-            </a:pPr>
-            <a:endParaRPr lang="en-CA" dirty="0">
-              <a:solidFill>
-                <a:schemeClr val="tx1"/>
-              </a:solidFill>
-            </a:endParaRPr>
-          </a:p>
-          <a:p>
-            <a:endParaRPr lang="en-CA" dirty="0">
-              <a:solidFill>
-                <a:schemeClr val="tx1"/>
-              </a:solidFill>
-            </a:endParaRPr>
-          </a:p>
-          <a:p>
-            <a:pPr lvl="1"/>
-            <a:endParaRPr lang="en-CA" dirty="0"/>
-          </a:p>
-        </p:txBody>
-      </p:sp>
-    </p:spTree>
-    <p:extLst>
-      <p:ext uri="{BB962C8B-B14F-4D97-AF65-F5344CB8AC3E}">
-        <p14:creationId xmlns:p14="http://schemas.microsoft.com/office/powerpoint/2010/main" val="2504123800"/>
       </p:ext>
     </p:extLst>
   </p:cSld>
@@ -48362,7 +53449,7 @@
           <a:p>
             <a:r>
               <a:rPr lang="en-US" dirty="0"/>
-              <a:t>What’s learned? (Cont.)</a:t>
+              <a:t>What’s learned?</a:t>
             </a:r>
             <a:endParaRPr lang="en-CA" dirty="0"/>
           </a:p>
@@ -48390,52 +53477,6 @@
           <a:lstStyle/>
           <a:p>
             <a:r>
-              <a:rPr lang="en-US" dirty="0"/>
-              <a:t>Can I call Azure Language Cognitive Service directly from my Qt application?</a:t>
-            </a:r>
-          </a:p>
-          <a:p>
-            <a:pPr lvl="1"/>
-            <a:r>
-              <a:rPr lang="en-CA" dirty="0"/>
-              <a:t>Yes, using Qt Network module</a:t>
-            </a:r>
-          </a:p>
-          <a:p>
-            <a:r>
-              <a:rPr lang="en-CA" dirty="0"/>
-              <a:t>Can Azure Language Cognitive Service learn from my script examples and generate script for me?</a:t>
-            </a:r>
-          </a:p>
-          <a:p>
-            <a:pPr lvl="1"/>
-            <a:r>
-              <a:rPr lang="en-CA" dirty="0"/>
-              <a:t>No, it’s not meant for code understanding and generation.</a:t>
-            </a:r>
-          </a:p>
-          <a:p>
-            <a:r>
-              <a:rPr lang="en-CA" dirty="0"/>
-              <a:t>What’s the advantages of using chatbot instead of searching documents?</a:t>
-            </a:r>
-          </a:p>
-          <a:p>
-            <a:pPr lvl="1"/>
-            <a:r>
-              <a:rPr lang="en-CA" dirty="0"/>
-              <a:t>Searching documents: context unaware / multiple results without ranking</a:t>
-            </a:r>
-          </a:p>
-          <a:p>
-            <a:pPr lvl="1"/>
-            <a:r>
-              <a:rPr lang="en-CA" dirty="0"/>
-              <a:t>Using chatbot: context aware / responses based on confidence level</a:t>
-            </a:r>
-          </a:p>
-          <a:p>
-            <a:r>
               <a:rPr lang="en-CA" dirty="0"/>
               <a:t>What are the advantages of our Embedded </a:t>
             </a:r>
@@ -48458,14 +53499,14 @@
           <a:p>
             <a:pPr lvl="2"/>
             <a:r>
-              <a:rPr lang="en-CA" dirty="0"/>
+              <a:rPr lang="en-CA" sz="1600" dirty="0"/>
               <a:t>MC: public domain</a:t>
             </a:r>
           </a:p>
           <a:p>
             <a:pPr lvl="2"/>
             <a:r>
-              <a:rPr lang="en-CA" dirty="0"/>
+              <a:rPr lang="en-CA" sz="1600" dirty="0"/>
               <a:t>EC: selected public + private domains</a:t>
             </a:r>
           </a:p>
@@ -48479,14 +53520,14 @@
           <a:p>
             <a:pPr lvl="2"/>
             <a:r>
-              <a:rPr lang="en-CA" dirty="0"/>
+              <a:rPr lang="en-CA" sz="1600" dirty="0"/>
               <a:t>MC: most are text based without images</a:t>
             </a:r>
           </a:p>
           <a:p>
             <a:pPr lvl="2"/>
             <a:r>
-              <a:rPr lang="en-CA" dirty="0"/>
+              <a:rPr lang="en-CA" sz="1600" dirty="0"/>
               <a:t>EC: anything we want</a:t>
             </a:r>
           </a:p>
@@ -48500,37 +53541,88 @@
           <a:p>
             <a:pPr lvl="2"/>
             <a:r>
-              <a:rPr lang="en-CA" dirty="0"/>
+              <a:rPr lang="en-CA" sz="1600" dirty="0"/>
               <a:t>MC: not feasible</a:t>
             </a:r>
           </a:p>
           <a:p>
             <a:pPr lvl="2"/>
             <a:r>
-              <a:rPr lang="en-CA" dirty="0"/>
+              <a:rPr lang="en-CA" sz="1600" dirty="0"/>
               <a:t>EC: anything we want</a:t>
             </a:r>
           </a:p>
           <a:p>
-            <a:pPr marL="0" indent="0">
-              <a:buNone/>
-            </a:pPr>
-            <a:endParaRPr lang="en-CA" dirty="0"/>
-          </a:p>
-          <a:p>
-            <a:pPr lvl="2"/>
-            <a:endParaRPr lang="en-CA" dirty="0"/>
+            <a:r>
+              <a:rPr lang="en-US" dirty="0"/>
+              <a:t>Is it expensive to use the Azure OpenAI Service?</a:t>
+            </a:r>
           </a:p>
           <a:p>
             <a:pPr lvl="1"/>
-            <a:endParaRPr lang="en-CA" dirty="0"/>
+            <a:r>
+              <a:rPr lang="en-US" dirty="0">
+                <a:solidFill>
+                  <a:schemeClr val="tx1"/>
+                </a:solidFill>
+              </a:rPr>
+              <a:t>Affordable (</a:t>
+            </a:r>
+            <a:r>
+              <a:rPr lang="en-US" dirty="0">
+                <a:solidFill>
+                  <a:schemeClr val="tx1"/>
+                </a:solidFill>
+                <a:hlinkClick r:id="rId2"/>
+              </a:rPr>
+              <a:t>https://azure.microsoft.com/en-ca/pricing/details/cognitive-services/openai-service/</a:t>
+            </a:r>
+            <a:r>
+              <a:rPr lang="en-US" dirty="0">
+                <a:solidFill>
+                  <a:schemeClr val="tx1"/>
+                </a:solidFill>
+              </a:rPr>
+              <a:t>)</a:t>
+            </a:r>
+          </a:p>
+          <a:p>
+            <a:r>
+              <a:rPr lang="en-CA" dirty="0">
+                <a:solidFill>
+                  <a:schemeClr val="tx1"/>
+                </a:solidFill>
+              </a:rPr>
+              <a:t>What’s the best way to upload and store my knowledge documents?</a:t>
+            </a:r>
+          </a:p>
+          <a:p>
+            <a:pPr lvl="1"/>
+            <a:r>
+              <a:rPr lang="en-CA" dirty="0">
+                <a:solidFill>
+                  <a:schemeClr val="tx1"/>
+                </a:solidFill>
+              </a:rPr>
+              <a:t>Azure Blob Storage Service (Static Web Hosting due to less strict file and storage limit)</a:t>
+            </a:r>
+          </a:p>
+          <a:p>
+            <a:endParaRPr lang="en-CA" dirty="0">
+              <a:solidFill>
+                <a:schemeClr val="tx1"/>
+              </a:solidFill>
+            </a:endParaRPr>
+          </a:p>
+          <a:p>
+            <a:endParaRPr lang="en-CA" sz="1800" dirty="0"/>
           </a:p>
         </p:txBody>
       </p:sp>
     </p:spTree>
     <p:extLst>
       <p:ext uri="{BB962C8B-B14F-4D97-AF65-F5344CB8AC3E}">
-        <p14:creationId xmlns:p14="http://schemas.microsoft.com/office/powerpoint/2010/main" val="29960138"/>
+        <p14:creationId xmlns:p14="http://schemas.microsoft.com/office/powerpoint/2010/main" val="3820709922"/>
       </p:ext>
     </p:extLst>
   </p:cSld>
@@ -48562,7 +53654,7 @@
           <p:cNvPr id="2" name="Text Placeholder 1">
             <a:extLst>
               <a:ext uri="{FF2B5EF4-FFF2-40B4-BE49-F238E27FC236}">
-                <a16:creationId xmlns:a16="http://schemas.microsoft.com/office/drawing/2014/main" id="{BFEEF7FB-E47B-943C-7ACC-F8204FE88D1B}"/>
+                <a16:creationId xmlns:a16="http://schemas.microsoft.com/office/drawing/2014/main" id="{81A0550B-4114-D0AE-35D3-4E05DF69F9DD}"/>
               </a:ext>
             </a:extLst>
           </p:cNvPr>
@@ -48587,7 +53679,7 @@
           <p:cNvPr id="3" name="Title 2">
             <a:extLst>
               <a:ext uri="{FF2B5EF4-FFF2-40B4-BE49-F238E27FC236}">
-                <a16:creationId xmlns:a16="http://schemas.microsoft.com/office/drawing/2014/main" id="{269EC857-E2DD-B985-1DF4-18414EDD451F}"/>
+                <a16:creationId xmlns:a16="http://schemas.microsoft.com/office/drawing/2014/main" id="{9F026975-E134-736F-42F0-299015F1922C}"/>
               </a:ext>
             </a:extLst>
           </p:cNvPr>
@@ -48605,7 +53697,7 @@
           <a:p>
             <a:r>
               <a:rPr lang="en-US" dirty="0"/>
-              <a:t>What’s learned? (Cont.)</a:t>
+              <a:t>What’s learned?</a:t>
             </a:r>
             <a:endParaRPr lang="en-CA" dirty="0"/>
           </a:p>
@@ -48616,7 +53708,7 @@
           <p:cNvPr id="4" name="Content Placeholder 3">
             <a:extLst>
               <a:ext uri="{FF2B5EF4-FFF2-40B4-BE49-F238E27FC236}">
-                <a16:creationId xmlns:a16="http://schemas.microsoft.com/office/drawing/2014/main" id="{9A85F99E-ADF7-F268-6883-D55A7535720A}"/>
+                <a16:creationId xmlns:a16="http://schemas.microsoft.com/office/drawing/2014/main" id="{8691BA64-1054-C19A-B8DC-4C29096A6FAB}"/>
               </a:ext>
             </a:extLst>
           </p:cNvPr>
@@ -48633,108 +53725,45 @@
           <a:lstStyle/>
           <a:p>
             <a:r>
-              <a:rPr lang="en-CA" dirty="0"/>
-              <a:t>Why choose Microsoft Azure, not AWS, Google AI or other service providers?</a:t>
+              <a:rPr lang="en-CA" dirty="0">
+                <a:solidFill>
+                  <a:schemeClr val="tx1"/>
+                </a:solidFill>
+              </a:rPr>
+              <a:t>How can I improve my Knowledge Database?</a:t>
             </a:r>
           </a:p>
           <a:p>
             <a:pPr lvl="1"/>
             <a:r>
-              <a:rPr lang="en-CA" dirty="0"/>
-              <a:t>We have subscriptions with Microsoft Azure</a:t>
-            </a:r>
-          </a:p>
-          <a:p>
-            <a:r>
-              <a:rPr lang="en-US" dirty="0"/>
-              <a:t>Is that safe to let Azure Language Cognitive Service to digest my documents and scripts?</a:t>
+              <a:rPr lang="en-CA" dirty="0">
+                <a:solidFill>
+                  <a:schemeClr val="tx1"/>
+                </a:solidFill>
+              </a:rPr>
+              <a:t>Language Studio: Add Synonyms and follow-up prompts or manually adjust answers/questions</a:t>
             </a:r>
           </a:p>
           <a:p>
             <a:pPr lvl="1"/>
             <a:r>
-              <a:rPr lang="en-US" dirty="0"/>
-              <a:t>Yes, those are user materials in public domain.</a:t>
-            </a:r>
-          </a:p>
-          <a:p>
-            <a:r>
-              <a:rPr lang="en-US" dirty="0"/>
-              <a:t>Can I use it in other products?</a:t>
-            </a:r>
-          </a:p>
-          <a:p>
-            <a:pPr lvl="1"/>
-            <a:r>
-              <a:rPr lang="en-US" dirty="0"/>
-              <a:t>Yes, the core is NuGet packaged and can be easily adapted to any products.</a:t>
-            </a:r>
-          </a:p>
-          <a:p>
-            <a:r>
-              <a:rPr lang="en-US" dirty="0"/>
-              <a:t>Can I ask using a different language and get answers in that language?</a:t>
-            </a:r>
-          </a:p>
-          <a:p>
-            <a:pPr lvl="1"/>
-            <a:r>
-              <a:rPr lang="en-US" dirty="0"/>
-              <a:t>Yes, feasible with Azure Language Translation service</a:t>
-            </a:r>
-          </a:p>
-          <a:p>
-            <a:r>
-              <a:rPr lang="en-US" dirty="0"/>
-              <a:t>Is that expensive to use the Azure Blob Storage service?</a:t>
-            </a:r>
-          </a:p>
-          <a:p>
-            <a:pPr lvl="1"/>
-            <a:r>
-              <a:rPr lang="en-US" dirty="0"/>
-              <a:t>No</a:t>
-            </a:r>
-          </a:p>
-          <a:p>
-            <a:r>
-              <a:rPr lang="en-US" dirty="0"/>
-              <a:t>Is that expensive to use the Azure Language Cognitive Service?</a:t>
-            </a:r>
-          </a:p>
-          <a:p>
-            <a:pPr lvl="1"/>
-            <a:r>
-              <a:rPr lang="en-US" dirty="0"/>
-              <a:t>Depends on the service call volume, in my experiment: $0/m(F0) or ~$40/m (S1) for 18M document training and querying. The tier is controllable.</a:t>
-            </a:r>
-          </a:p>
-          <a:p>
-            <a:pPr lvl="1"/>
-            <a:r>
-              <a:rPr lang="en-US" dirty="0"/>
-              <a:t>Projecting in production ~$100/m for one product</a:t>
-            </a:r>
-          </a:p>
-          <a:p>
-            <a:pPr lvl="1"/>
-            <a:r>
-              <a:rPr lang="en-US" dirty="0"/>
-              <a:t>Comparing tons of subscription credits are wasted, this is just a tiny fraction of the expenses.</a:t>
-            </a:r>
-          </a:p>
-          <a:p>
-            <a:pPr marL="0" indent="0">
-              <a:buNone/>
-            </a:pPr>
-            <a:endParaRPr lang="en-US" dirty="0"/>
+              <a:rPr lang="en-CA" dirty="0">
+                <a:solidFill>
+                  <a:schemeClr val="tx1"/>
+                </a:solidFill>
+              </a:rPr>
+              <a:t>OpenAI: The more/better the input, the better the answers</a:t>
+            </a:r>
+          </a:p>
+          <a:p>
+            <a:endParaRPr lang="en-CA" dirty="0"/>
           </a:p>
         </p:txBody>
       </p:sp>
     </p:spTree>
     <p:extLst>
       <p:ext uri="{BB962C8B-B14F-4D97-AF65-F5344CB8AC3E}">
-        <p14:creationId xmlns:p14="http://schemas.microsoft.com/office/powerpoint/2010/main" val="3147653832"/>
+        <p14:creationId xmlns:p14="http://schemas.microsoft.com/office/powerpoint/2010/main" val="3850688823"/>
       </p:ext>
     </p:extLst>
   </p:cSld>
@@ -48766,7 +53795,7 @@
           <p:cNvPr id="2" name="Text Placeholder 1">
             <a:extLst>
               <a:ext uri="{FF2B5EF4-FFF2-40B4-BE49-F238E27FC236}">
-                <a16:creationId xmlns:a16="http://schemas.microsoft.com/office/drawing/2014/main" id="{582FA5E9-8661-2D1B-533C-8966859CACAE}"/>
+                <a16:creationId xmlns:a16="http://schemas.microsoft.com/office/drawing/2014/main" id="{CC5500BF-795A-6927-7D6C-99DB2E4C81C0}"/>
               </a:ext>
             </a:extLst>
           </p:cNvPr>
@@ -48791,7 +53820,7 @@
           <p:cNvPr id="3" name="Title 2">
             <a:extLst>
               <a:ext uri="{FF2B5EF4-FFF2-40B4-BE49-F238E27FC236}">
-                <a16:creationId xmlns:a16="http://schemas.microsoft.com/office/drawing/2014/main" id="{B4B75E4A-CD25-59F7-9F4D-56129E99D70D}"/>
+                <a16:creationId xmlns:a16="http://schemas.microsoft.com/office/drawing/2014/main" id="{B1266E83-D9FE-3A67-6C93-987BCDAA984E}"/>
               </a:ext>
             </a:extLst>
           </p:cNvPr>
@@ -48809,7 +53838,7 @@
           <a:p>
             <a:r>
               <a:rPr lang="en-US" dirty="0"/>
-              <a:t>What’s learned? (Cont.)</a:t>
+              <a:t>Extend Check List</a:t>
             </a:r>
             <a:endParaRPr lang="en-CA" dirty="0"/>
           </a:p>
@@ -48820,7 +53849,7 @@
           <p:cNvPr id="4" name="Content Placeholder 3">
             <a:extLst>
               <a:ext uri="{FF2B5EF4-FFF2-40B4-BE49-F238E27FC236}">
-                <a16:creationId xmlns:a16="http://schemas.microsoft.com/office/drawing/2014/main" id="{CA5C3453-3EDE-8C6C-F92C-3ECD1024024D}"/>
+                <a16:creationId xmlns:a16="http://schemas.microsoft.com/office/drawing/2014/main" id="{463411C6-A138-7B7D-56F9-51D612ABD3A0}"/>
               </a:ext>
             </a:extLst>
           </p:cNvPr>
@@ -48836,17 +53865,203 @@
           <a:bodyPr/>
           <a:lstStyle/>
           <a:p>
+            <a:pPr>
+              <a:spcBef>
+                <a:spcPts val="600"/>
+              </a:spcBef>
+              <a:spcAft>
+                <a:spcPts val="600"/>
+              </a:spcAft>
+              <a:buFont typeface="Wingdings" panose="05000000000000000000" pitchFamily="2" charset="2"/>
+              <a:buChar char="Ø"/>
+            </a:pPr>
             <a:r>
               <a:rPr lang="en-US" dirty="0"/>
-              <a:t>Which service is better than Azure Cognitive service?</a:t>
-            </a:r>
-          </a:p>
-          <a:p>
-            <a:pPr lvl="1"/>
+              <a:t>I want to have multiple line input</a:t>
+            </a:r>
+          </a:p>
+          <a:p>
+            <a:pPr>
+              <a:spcBef>
+                <a:spcPts val="600"/>
+              </a:spcBef>
+              <a:spcAft>
+                <a:spcPts val="600"/>
+              </a:spcAft>
+              <a:buFont typeface="Wingdings" panose="05000000000000000000" pitchFamily="2" charset="2"/>
+              <a:buChar char="Ø"/>
+            </a:pPr>
             <a:r>
               <a:rPr lang="en-US" dirty="0"/>
-              <a:t>OpenAI service</a:t>
-            </a:r>
+              <a:t>I want to the response to remember the conversation history</a:t>
+            </a:r>
+          </a:p>
+          <a:p>
+            <a:pPr>
+              <a:spcBef>
+                <a:spcPts val="600"/>
+              </a:spcBef>
+              <a:spcAft>
+                <a:spcPts val="600"/>
+              </a:spcAft>
+              <a:buFont typeface="Wingdings" panose="05000000000000000000" pitchFamily="2" charset="2"/>
+              <a:buChar char="Ø"/>
+            </a:pPr>
+            <a:r>
+              <a:rPr lang="en-US" dirty="0"/>
+              <a:t>I want to ask Chatbot to revise generated script with some prompts</a:t>
+            </a:r>
+          </a:p>
+          <a:p>
+            <a:pPr>
+              <a:spcBef>
+                <a:spcPts val="600"/>
+              </a:spcBef>
+              <a:spcAft>
+                <a:spcPts val="600"/>
+              </a:spcAft>
+              <a:buFont typeface="Wingdings" panose="05000000000000000000" pitchFamily="2" charset="2"/>
+              <a:buChar char="Ø"/>
+            </a:pPr>
+            <a:r>
+              <a:rPr lang="en-US" dirty="0"/>
+              <a:t>I want to extract pictures from documentation and resources</a:t>
+            </a:r>
+          </a:p>
+          <a:p>
+            <a:pPr>
+              <a:spcBef>
+                <a:spcPts val="600"/>
+              </a:spcBef>
+              <a:spcAft>
+                <a:spcPts val="600"/>
+              </a:spcAft>
+              <a:buFont typeface="Wingdings" panose="05000000000000000000" pitchFamily="2" charset="2"/>
+              <a:buChar char="Ø"/>
+            </a:pPr>
+            <a:r>
+              <a:rPr lang="en-US" dirty="0"/>
+              <a:t>I want to swap AI engines more easily</a:t>
+            </a:r>
+          </a:p>
+          <a:p>
+            <a:pPr>
+              <a:spcBef>
+                <a:spcPts val="600"/>
+              </a:spcBef>
+              <a:spcAft>
+                <a:spcPts val="600"/>
+              </a:spcAft>
+              <a:buFont typeface="Wingdings" panose="05000000000000000000" pitchFamily="2" charset="2"/>
+              <a:buChar char="Ø"/>
+            </a:pPr>
+            <a:r>
+              <a:rPr lang="en-US" dirty="0"/>
+              <a:t>I want the option to change the generated computer language</a:t>
+            </a:r>
+          </a:p>
+          <a:p>
+            <a:pPr>
+              <a:spcBef>
+                <a:spcPts val="600"/>
+              </a:spcBef>
+              <a:spcAft>
+                <a:spcPts val="600"/>
+              </a:spcAft>
+              <a:buFont typeface="Wingdings" panose="05000000000000000000" pitchFamily="2" charset="2"/>
+              <a:buChar char="Ø"/>
+            </a:pPr>
+            <a:r>
+              <a:rPr lang="en-US" dirty="0"/>
+              <a:t>I want to have the option to start a new topic</a:t>
+            </a:r>
+          </a:p>
+          <a:p>
+            <a:pPr>
+              <a:spcBef>
+                <a:spcPts val="600"/>
+              </a:spcBef>
+              <a:spcAft>
+                <a:spcPts val="600"/>
+              </a:spcAft>
+              <a:buFont typeface="Wingdings" panose="05000000000000000000" pitchFamily="2" charset="2"/>
+              <a:buChar char="Ø"/>
+            </a:pPr>
+            <a:r>
+              <a:rPr lang="en-US" dirty="0"/>
+              <a:t>I want to save all my topics</a:t>
+            </a:r>
+          </a:p>
+          <a:p>
+            <a:pPr>
+              <a:spcBef>
+                <a:spcPts val="600"/>
+              </a:spcBef>
+              <a:spcAft>
+                <a:spcPts val="600"/>
+              </a:spcAft>
+              <a:buFont typeface="Wingdings" panose="05000000000000000000" pitchFamily="2" charset="2"/>
+              <a:buChar char="Ø"/>
+            </a:pPr>
+            <a:r>
+              <a:rPr lang="en-US" dirty="0">
+                <a:solidFill>
+                  <a:srgbClr val="FF0000"/>
+                </a:solidFill>
+              </a:rPr>
+              <a:t>I want to speak to the software?????</a:t>
+            </a:r>
+          </a:p>
+          <a:p>
+            <a:pPr>
+              <a:spcBef>
+                <a:spcPts val="600"/>
+              </a:spcBef>
+              <a:spcAft>
+                <a:spcPts val="600"/>
+              </a:spcAft>
+              <a:buFont typeface="Wingdings" panose="05000000000000000000" pitchFamily="2" charset="2"/>
+              <a:buChar char="Ø"/>
+            </a:pPr>
+            <a:r>
+              <a:rPr lang="en-US" dirty="0">
+                <a:solidFill>
+                  <a:schemeClr val="tx1"/>
+                </a:solidFill>
+              </a:rPr>
+              <a:t>I want to attach an image and let the software tell me where is this dialog box</a:t>
+            </a:r>
+          </a:p>
+          <a:p>
+            <a:pPr>
+              <a:spcBef>
+                <a:spcPts val="600"/>
+              </a:spcBef>
+              <a:spcAft>
+                <a:spcPts val="600"/>
+              </a:spcAft>
+              <a:buFont typeface="Wingdings" panose="05000000000000000000" pitchFamily="2" charset="2"/>
+              <a:buChar char="Ø"/>
+            </a:pPr>
+            <a:r>
+              <a:rPr lang="en-US" dirty="0"/>
+              <a:t>I want to use a better web viewer</a:t>
+            </a:r>
+          </a:p>
+          <a:p>
+            <a:pPr>
+              <a:spcBef>
+                <a:spcPts val="600"/>
+              </a:spcBef>
+              <a:spcAft>
+                <a:spcPts val="600"/>
+              </a:spcAft>
+              <a:buFont typeface="Wingdings" panose="05000000000000000000" pitchFamily="2" charset="2"/>
+              <a:buChar char="Ø"/>
+            </a:pPr>
+            <a:endParaRPr lang="en-US" dirty="0"/>
+          </a:p>
+          <a:p>
             <a:endParaRPr lang="en-CA" dirty="0"/>
           </a:p>
         </p:txBody>
@@ -48854,7 +54069,7 @@
     </p:spTree>
     <p:extLst>
       <p:ext uri="{BB962C8B-B14F-4D97-AF65-F5344CB8AC3E}">
-        <p14:creationId xmlns:p14="http://schemas.microsoft.com/office/powerpoint/2010/main" val="338317123"/>
+        <p14:creationId xmlns:p14="http://schemas.microsoft.com/office/powerpoint/2010/main" val="1455857299"/>
       </p:ext>
     </p:extLst>
   </p:cSld>
@@ -49900,24 +55115,20 @@
 
 <file path=customXml/item1.xml><?xml version="1.0" encoding="utf-8"?>
 <p:properties xmlns:p="http://schemas.microsoft.com/office/2006/metadata/properties" xmlns:xsi="http://www.w3.org/2001/XMLSchema-instance" xmlns:pc="http://schemas.microsoft.com/office/infopath/2007/PartnerControls">
-  <documentManagement/>
+  <documentManagement>
+    <TaxCatchAll xmlns="278b560a-918b-4984-9f4a-24e7a00b8cc8" xsi:nil="true"/>
+    <lcf76f155ced4ddcb4097134ff3c332f xmlns="38a2f239-c59c-4730-9210-9a9e11c50141">
+      <Terms xmlns="http://schemas.microsoft.com/office/infopath/2007/PartnerControls"/>
+    </lcf76f155ced4ddcb4097134ff3c332f>
+  </documentManagement>
 </p:properties>
 </file>
 
 <file path=customXml/item2.xml><?xml version="1.0" encoding="utf-8"?>
-<?mso-contentType ?>
-<FormTemplates xmlns="http://schemas.microsoft.com/sharepoint/v3/contenttype/forms">
-  <Display>DocumentLibraryForm</Display>
-  <Edit>DocumentLibraryForm</Edit>
-  <New>DocumentLibraryForm</New>
-</FormTemplates>
-</file>
-
-<file path=customXml/item3.xml><?xml version="1.0" encoding="utf-8"?>
-<ct:contentTypeSchema xmlns:ct="http://schemas.microsoft.com/office/2006/metadata/contentType" xmlns:ma="http://schemas.microsoft.com/office/2006/metadata/properties/metaAttributes" ct:_="" ma:_="" ma:contentTypeName="Dokument" ma:contentTypeID="0x010100610F89A0BBA6C34A913DB646AC567109" ma:contentTypeVersion="12" ma:contentTypeDescription="Ein neues Dokument erstellen." ma:contentTypeScope="" ma:versionID="b3371b258f4be0ddf951ea065973cc30">
-  <xsd:schema xmlns:xsd="http://www.w3.org/2001/XMLSchema" xmlns:xs="http://www.w3.org/2001/XMLSchema" xmlns:p="http://schemas.microsoft.com/office/2006/metadata/properties" xmlns:ns2="1f6a6638-2655-4a74-b9f8-16c1b5edccac" xmlns:ns3="bf34d6df-5183-4f9f-a1bd-e8af6fdd30b8" targetNamespace="http://schemas.microsoft.com/office/2006/metadata/properties" ma:root="true" ma:fieldsID="375e732f81423a44c24ef989eb02442f" ns2:_="" ns3:_="">
-    <xsd:import namespace="1f6a6638-2655-4a74-b9f8-16c1b5edccac"/>
-    <xsd:import namespace="bf34d6df-5183-4f9f-a1bd-e8af6fdd30b8"/>
+<ct:contentTypeSchema xmlns:ct="http://schemas.microsoft.com/office/2006/metadata/contentType" xmlns:ma="http://schemas.microsoft.com/office/2006/metadata/properties/metaAttributes" ct:_="" ma:_="" ma:contentTypeName="Dokument" ma:contentTypeID="0x010100D6001A6CFC703C4D8BF0F04DBD11FE96" ma:contentTypeVersion="12" ma:contentTypeDescription="Ein neues Dokument erstellen." ma:contentTypeScope="" ma:versionID="db58c59ae7fc0b99abbd39780b466b53">
+  <xsd:schema xmlns:xsd="http://www.w3.org/2001/XMLSchema" xmlns:xs="http://www.w3.org/2001/XMLSchema" xmlns:p="http://schemas.microsoft.com/office/2006/metadata/properties" xmlns:ns2="38a2f239-c59c-4730-9210-9a9e11c50141" xmlns:ns3="278b560a-918b-4984-9f4a-24e7a00b8cc8" targetNamespace="http://schemas.microsoft.com/office/2006/metadata/properties" ma:root="true" ma:fieldsID="ac826daa2d821086854c98735b776639" ns2:_="" ns3:_="">
+    <xsd:import namespace="38a2f239-c59c-4730-9210-9a9e11c50141"/>
+    <xsd:import namespace="278b560a-918b-4984-9f4a-24e7a00b8cc8"/>
     <xsd:element name="properties">
       <xsd:complexType>
         <xsd:sequence>
@@ -49926,16 +55137,15 @@
               <xsd:all>
                 <xsd:element ref="ns2:MediaServiceMetadata" minOccurs="0"/>
                 <xsd:element ref="ns2:MediaServiceFastMetadata" minOccurs="0"/>
-                <xsd:element ref="ns2:MediaServiceAutoKeyPoints" minOccurs="0"/>
-                <xsd:element ref="ns2:MediaServiceKeyPoints" minOccurs="0"/>
-                <xsd:element ref="ns2:MediaServiceAutoTags" minOccurs="0"/>
+                <xsd:element ref="ns2:MediaServiceSearchProperties" minOccurs="0"/>
+                <xsd:element ref="ns2:MediaServiceObjectDetectorVersions" minOccurs="0"/>
                 <xsd:element ref="ns2:MediaServiceGenerationTime" minOccurs="0"/>
                 <xsd:element ref="ns2:MediaServiceEventHashCode" minOccurs="0"/>
+                <xsd:element ref="ns2:MediaLengthInSeconds" minOccurs="0"/>
+                <xsd:element ref="ns2:lcf76f155ced4ddcb4097134ff3c332f" minOccurs="0"/>
+                <xsd:element ref="ns3:TaxCatchAll" minOccurs="0"/>
+                <xsd:element ref="ns2:MediaServiceDateTaken" minOccurs="0"/>
                 <xsd:element ref="ns2:MediaServiceOCR" minOccurs="0"/>
-                <xsd:element ref="ns2:MediaServiceDateTaken" minOccurs="0"/>
-                <xsd:element ref="ns2:MediaLengthInSeconds" minOccurs="0"/>
-                <xsd:element ref="ns3:SharedWithUsers" minOccurs="0"/>
-                <xsd:element ref="ns3:SharedWithDetails" minOccurs="0"/>
               </xsd:all>
             </xsd:complexType>
           </xsd:element>
@@ -49943,7 +55153,7 @@
       </xsd:complexType>
     </xsd:element>
   </xsd:schema>
-  <xsd:schema xmlns:xsd="http://www.w3.org/2001/XMLSchema" xmlns:xs="http://www.w3.org/2001/XMLSchema" xmlns:dms="http://schemas.microsoft.com/office/2006/documentManagement/types" xmlns:pc="http://schemas.microsoft.com/office/infopath/2007/PartnerControls" targetNamespace="1f6a6638-2655-4a74-b9f8-16c1b5edccac" elementFormDefault="qualified">
+  <xsd:schema xmlns:xsd="http://www.w3.org/2001/XMLSchema" xmlns:xs="http://www.w3.org/2001/XMLSchema" xmlns:dms="http://schemas.microsoft.com/office/2006/documentManagement/types" xmlns:pc="http://schemas.microsoft.com/office/infopath/2007/PartnerControls" targetNamespace="38a2f239-c59c-4730-9210-9a9e11c50141" elementFormDefault="qualified">
     <xsd:import namespace="http://schemas.microsoft.com/office/2006/documentManagement/types"/>
     <xsd:import namespace="http://schemas.microsoft.com/office/infopath/2007/PartnerControls"/>
     <xsd:element name="MediaServiceMetadata" ma:index="8" nillable="true" ma:displayName="MediaServiceMetadata" ma:hidden="true" ma:internalName="MediaServiceMetadata" ma:readOnly="true">
@@ -49956,79 +55166,64 @@
         <xsd:restriction base="dms:Note"/>
       </xsd:simpleType>
     </xsd:element>
-    <xsd:element name="MediaServiceAutoKeyPoints" ma:index="10" nillable="true" ma:displayName="MediaServiceAutoKeyPoints" ma:hidden="true" ma:internalName="MediaServiceAutoKeyPoints" ma:readOnly="true">
+    <xsd:element name="MediaServiceSearchProperties" ma:index="10" nillable="true" ma:displayName="MediaServiceSearchProperties" ma:hidden="true" ma:internalName="MediaServiceSearchProperties" ma:readOnly="true">
       <xsd:simpleType>
         <xsd:restriction base="dms:Note"/>
       </xsd:simpleType>
     </xsd:element>
-    <xsd:element name="MediaServiceKeyPoints" ma:index="11" nillable="true" ma:displayName="KeyPoints" ma:internalName="MediaServiceKeyPoints" ma:readOnly="true">
+    <xsd:element name="MediaServiceObjectDetectorVersions" ma:index="11" nillable="true" ma:displayName="MediaServiceObjectDetectorVersions" ma:hidden="true" ma:indexed="true" ma:internalName="MediaServiceObjectDetectorVersions" ma:readOnly="true">
+      <xsd:simpleType>
+        <xsd:restriction base="dms:Text"/>
+      </xsd:simpleType>
+    </xsd:element>
+    <xsd:element name="MediaServiceGenerationTime" ma:index="12" nillable="true" ma:displayName="MediaServiceGenerationTime" ma:hidden="true" ma:internalName="MediaServiceGenerationTime" ma:readOnly="true">
+      <xsd:simpleType>
+        <xsd:restriction base="dms:Text"/>
+      </xsd:simpleType>
+    </xsd:element>
+    <xsd:element name="MediaServiceEventHashCode" ma:index="13" nillable="true" ma:displayName="MediaServiceEventHashCode" ma:hidden="true" ma:internalName="MediaServiceEventHashCode" ma:readOnly="true">
+      <xsd:simpleType>
+        <xsd:restriction base="dms:Text"/>
+      </xsd:simpleType>
+    </xsd:element>
+    <xsd:element name="MediaLengthInSeconds" ma:index="14" nillable="true" ma:displayName="MediaLengthInSeconds" ma:hidden="true" ma:internalName="MediaLengthInSeconds" ma:readOnly="true">
+      <xsd:simpleType>
+        <xsd:restriction base="dms:Unknown"/>
+      </xsd:simpleType>
+    </xsd:element>
+    <xsd:element name="lcf76f155ced4ddcb4097134ff3c332f" ma:index="16" nillable="true" ma:taxonomy="true" ma:internalName="lcf76f155ced4ddcb4097134ff3c332f" ma:taxonomyFieldName="MediaServiceImageTags" ma:displayName="Bildmarkierungen" ma:readOnly="false" ma:fieldId="{5cf76f15-5ced-4ddc-b409-7134ff3c332f}" ma:taxonomyMulti="true" ma:sspId="8999a341-e37a-4672-a76c-13c493705849" ma:termSetId="09814cd3-568e-fe90-9814-8d621ff8fb84" ma:anchorId="fba54fb3-c3e1-fe81-a776-ca4b69148c4d" ma:open="true" ma:isKeyword="false">
+      <xsd:complexType>
+        <xsd:sequence>
+          <xsd:element ref="pc:Terms" minOccurs="0" maxOccurs="1"/>
+        </xsd:sequence>
+      </xsd:complexType>
+    </xsd:element>
+    <xsd:element name="MediaServiceDateTaken" ma:index="18" nillable="true" ma:displayName="MediaServiceDateTaken" ma:hidden="true" ma:indexed="true" ma:internalName="MediaServiceDateTaken" ma:readOnly="true">
+      <xsd:simpleType>
+        <xsd:restriction base="dms:Text"/>
+      </xsd:simpleType>
+    </xsd:element>
+    <xsd:element name="MediaServiceOCR" ma:index="19" nillable="true" ma:displayName="Extracted Text" ma:internalName="MediaServiceOCR" ma:readOnly="true">
       <xsd:simpleType>
         <xsd:restriction base="dms:Note">
           <xsd:maxLength value="255"/>
         </xsd:restriction>
       </xsd:simpleType>
     </xsd:element>
-    <xsd:element name="MediaServiceAutoTags" ma:index="12" nillable="true" ma:displayName="Tags" ma:internalName="MediaServiceAutoTags" ma:readOnly="true">
-      <xsd:simpleType>
-        <xsd:restriction base="dms:Text"/>
-      </xsd:simpleType>
-    </xsd:element>
-    <xsd:element name="MediaServiceGenerationTime" ma:index="13" nillable="true" ma:displayName="MediaServiceGenerationTime" ma:hidden="true" ma:internalName="MediaServiceGenerationTime" ma:readOnly="true">
-      <xsd:simpleType>
-        <xsd:restriction base="dms:Text"/>
-      </xsd:simpleType>
-    </xsd:element>
-    <xsd:element name="MediaServiceEventHashCode" ma:index="14" nillable="true" ma:displayName="MediaServiceEventHashCode" ma:hidden="true" ma:internalName="MediaServiceEventHashCode" ma:readOnly="true">
-      <xsd:simpleType>
-        <xsd:restriction base="dms:Text"/>
-      </xsd:simpleType>
-    </xsd:element>
-    <xsd:element name="MediaServiceOCR" ma:index="15" nillable="true" ma:displayName="Extracted Text" ma:internalName="MediaServiceOCR" ma:readOnly="true">
-      <xsd:simpleType>
-        <xsd:restriction base="dms:Note">
-          <xsd:maxLength value="255"/>
-        </xsd:restriction>
-      </xsd:simpleType>
-    </xsd:element>
-    <xsd:element name="MediaServiceDateTaken" ma:index="16" nillable="true" ma:displayName="MediaServiceDateTaken" ma:hidden="true" ma:internalName="MediaServiceDateTaken" ma:readOnly="true">
-      <xsd:simpleType>
-        <xsd:restriction base="dms:Text"/>
-      </xsd:simpleType>
-    </xsd:element>
-    <xsd:element name="MediaLengthInSeconds" ma:index="17" nillable="true" ma:displayName="MediaLengthInSeconds" ma:hidden="true" ma:internalName="MediaLengthInSeconds" ma:readOnly="true">
-      <xsd:simpleType>
-        <xsd:restriction base="dms:Unknown"/>
-      </xsd:simpleType>
-    </xsd:element>
   </xsd:schema>
-  <xsd:schema xmlns:xsd="http://www.w3.org/2001/XMLSchema" xmlns:xs="http://www.w3.org/2001/XMLSchema" xmlns:dms="http://schemas.microsoft.com/office/2006/documentManagement/types" xmlns:pc="http://schemas.microsoft.com/office/infopath/2007/PartnerControls" targetNamespace="bf34d6df-5183-4f9f-a1bd-e8af6fdd30b8" elementFormDefault="qualified">
+  <xsd:schema xmlns:xsd="http://www.w3.org/2001/XMLSchema" xmlns:xs="http://www.w3.org/2001/XMLSchema" xmlns:dms="http://schemas.microsoft.com/office/2006/documentManagement/types" xmlns:pc="http://schemas.microsoft.com/office/infopath/2007/PartnerControls" targetNamespace="278b560a-918b-4984-9f4a-24e7a00b8cc8" elementFormDefault="qualified">
     <xsd:import namespace="http://schemas.microsoft.com/office/2006/documentManagement/types"/>
     <xsd:import namespace="http://schemas.microsoft.com/office/infopath/2007/PartnerControls"/>
-    <xsd:element name="SharedWithUsers" ma:index="18" nillable="true" ma:displayName="Freigegeben für" ma:internalName="SharedWithUsers" ma:readOnly="true">
+    <xsd:element name="TaxCatchAll" ma:index="17" nillable="true" ma:displayName="Taxonomy Catch All Column" ma:hidden="true" ma:list="{282f720b-9179-45e7-9af9-426910b26972}" ma:internalName="TaxCatchAll" ma:showField="CatchAllData" ma:web="278b560a-918b-4984-9f4a-24e7a00b8cc8">
       <xsd:complexType>
         <xsd:complexContent>
-          <xsd:extension base="dms:UserMulti">
+          <xsd:extension base="dms:MultiChoiceLookup">
             <xsd:sequence>
-              <xsd:element name="UserInfo" minOccurs="0" maxOccurs="unbounded">
-                <xsd:complexType>
-                  <xsd:sequence>
-                    <xsd:element name="DisplayName" type="xsd:string" minOccurs="0"/>
-                    <xsd:element name="AccountId" type="dms:UserId" minOccurs="0" nillable="true"/>
-                    <xsd:element name="AccountType" type="xsd:string" minOccurs="0"/>
-                  </xsd:sequence>
-                </xsd:complexType>
-              </xsd:element>
+              <xsd:element name="Value" type="dms:Lookup" maxOccurs="unbounded" minOccurs="0" nillable="true"/>
             </xsd:sequence>
           </xsd:extension>
         </xsd:complexContent>
       </xsd:complexType>
-    </xsd:element>
-    <xsd:element name="SharedWithDetails" ma:index="19" nillable="true" ma:displayName="Freigegeben für - Details" ma:internalName="SharedWithDetails" ma:readOnly="true">
-      <xsd:simpleType>
-        <xsd:restriction base="dms:Note">
-          <xsd:maxLength value="255"/>
-        </xsd:restriction>
-      </xsd:simpleType>
     </xsd:element>
   </xsd:schema>
   <xsd:schema xmlns="http://schemas.openxmlformats.org/package/2006/metadata/core-properties" xmlns:xsd="http://www.w3.org/2001/XMLSchema" xmlns:xsi="http://www.w3.org/2001/XMLSchema-instance" xmlns:dc="http://purl.org/dc/elements/1.1/" xmlns:dcterms="http://purl.org/dc/terms/" xmlns:odoc="http://schemas.microsoft.com/internal/obd" targetNamespace="http://schemas.openxmlformats.org/package/2006/metadata/core-properties" elementFormDefault="qualified" attributeFormDefault="unqualified" blockDefault="#all">
@@ -50130,33 +55325,36 @@
 </ct:contentTypeSchema>
 </file>
 
+<file path=customXml/item3.xml><?xml version="1.0" encoding="utf-8"?>
+<?mso-contentType ?>
+<FormTemplates xmlns="http://schemas.microsoft.com/sharepoint/v3/contenttype/forms">
+  <Display>DocumentLibraryForm</Display>
+  <Edit>DocumentLibraryForm</Edit>
+  <New>DocumentLibraryForm</New>
+</FormTemplates>
+</file>
+
 <file path=customXml/itemProps1.xml><?xml version="1.0" encoding="utf-8"?>
 <ds:datastoreItem xmlns:ds="http://schemas.openxmlformats.org/officeDocument/2006/customXml" ds:itemID="{97794DA4-B143-4F60-BF7C-EA867C43D1FE}">
   <ds:schemaRefs>
     <ds:schemaRef ds:uri="http://schemas.microsoft.com/office/2006/metadata/properties"/>
     <ds:schemaRef ds:uri="http://schemas.microsoft.com/office/infopath/2007/PartnerControls"/>
     <ds:schemaRef ds:uri="d62b6ecb-acff-4b24-a527-ff2b271ebe71"/>
+    <ds:schemaRef ds:uri="278b560a-918b-4984-9f4a-24e7a00b8cc8"/>
+    <ds:schemaRef ds:uri="38a2f239-c59c-4730-9210-9a9e11c50141"/>
   </ds:schemaRefs>
 </ds:datastoreItem>
 </file>
 
 <file path=customXml/itemProps2.xml><?xml version="1.0" encoding="utf-8"?>
-<ds:datastoreItem xmlns:ds="http://schemas.openxmlformats.org/officeDocument/2006/customXml" ds:itemID="{6543A033-2779-4EB5-82E0-EE769341BA7A}">
-  <ds:schemaRefs>
-    <ds:schemaRef ds:uri="http://schemas.microsoft.com/sharepoint/v3/contenttype/forms"/>
-  </ds:schemaRefs>
-</ds:datastoreItem>
-</file>
-
-<file path=customXml/itemProps3.xml><?xml version="1.0" encoding="utf-8"?>
-<ds:datastoreItem xmlns:ds="http://schemas.openxmlformats.org/officeDocument/2006/customXml" ds:itemID="{CCCB94B5-2582-4AC7-85D8-612CAD4FD0C1}">
+<ds:datastoreItem xmlns:ds="http://schemas.openxmlformats.org/officeDocument/2006/customXml" ds:itemID="{B61AF0EA-CA55-43CA-BB3C-98A9EDA1367D}">
   <ds:schemaRefs>
     <ds:schemaRef ds:uri="http://schemas.microsoft.com/office/2006/metadata/contentType"/>
     <ds:schemaRef ds:uri="http://schemas.microsoft.com/office/2006/metadata/properties/metaAttributes"/>
     <ds:schemaRef ds:uri="http://www.w3.org/2001/XMLSchema"/>
     <ds:schemaRef ds:uri="http://schemas.microsoft.com/office/2006/metadata/properties"/>
-    <ds:schemaRef ds:uri="1f6a6638-2655-4a74-b9f8-16c1b5edccac"/>
-    <ds:schemaRef ds:uri="bf34d6df-5183-4f9f-a1bd-e8af6fdd30b8"/>
+    <ds:schemaRef ds:uri="38a2f239-c59c-4730-9210-9a9e11c50141"/>
+    <ds:schemaRef ds:uri="278b560a-918b-4984-9f4a-24e7a00b8cc8"/>
     <ds:schemaRef ds:uri="http://schemas.microsoft.com/office/2006/documentManagement/types"/>
     <ds:schemaRef ds:uri="http://schemas.microsoft.com/office/infopath/2007/PartnerControls"/>
     <ds:schemaRef ds:uri="http://schemas.openxmlformats.org/package/2006/metadata/core-properties"/>
@@ -50165,4 +55363,12 @@
     <ds:schemaRef ds:uri="http://schemas.microsoft.com/internal/obd"/>
   </ds:schemaRefs>
 </ds:datastoreItem>
+</file>
+
+<file path=customXml/itemProps3.xml><?xml version="1.0" encoding="utf-8"?>
+<ds:datastoreItem xmlns:ds="http://schemas.openxmlformats.org/officeDocument/2006/customXml" ds:itemID="{6543A033-2779-4EB5-82E0-EE769341BA7A}">
+  <ds:schemaRefs>
+    <ds:schemaRef ds:uri="http://schemas.microsoft.com/sharepoint/v3/contenttype/forms"/>
+  </ds:schemaRefs>
+</ds:datastoreItem>
 </file>